--- a/PHP Essentials/002_Контекст вызова. Константы. Статика в PHP ООП/002_Контекст вызова. Константы. Статика в PHP ООП (Презентация).pptx
+++ b/PHP Essentials/002_Контекст вызова. Константы. Статика в PHP ООП/002_Контекст вызова. Константы. Статика в PHP ООП (Презентация).pptx
@@ -5,24 +5,26 @@
     <p:sldMasterId id="2147483660" r:id="rId1"/>
   </p:sldMasterIdLst>
   <p:notesMasterIdLst>
-    <p:notesMasterId r:id="rId17"/>
+    <p:notesMasterId r:id="rId19"/>
   </p:notesMasterIdLst>
   <p:sldIdLst>
-    <p:sldId id="418" r:id="rId2"/>
-    <p:sldId id="428" r:id="rId3"/>
-    <p:sldId id="435" r:id="rId4"/>
-    <p:sldId id="438" r:id="rId5"/>
-    <p:sldId id="439" r:id="rId6"/>
-    <p:sldId id="440" r:id="rId7"/>
-    <p:sldId id="441" r:id="rId8"/>
-    <p:sldId id="442" r:id="rId9"/>
-    <p:sldId id="443" r:id="rId10"/>
-    <p:sldId id="444" r:id="rId11"/>
-    <p:sldId id="445" r:id="rId12"/>
-    <p:sldId id="446" r:id="rId13"/>
-    <p:sldId id="447" r:id="rId14"/>
-    <p:sldId id="419" r:id="rId15"/>
-    <p:sldId id="437" r:id="rId16"/>
+    <p:sldId id="448" r:id="rId2"/>
+    <p:sldId id="449" r:id="rId3"/>
+    <p:sldId id="428" r:id="rId4"/>
+    <p:sldId id="435" r:id="rId5"/>
+    <p:sldId id="438" r:id="rId6"/>
+    <p:sldId id="439" r:id="rId7"/>
+    <p:sldId id="440" r:id="rId8"/>
+    <p:sldId id="441" r:id="rId9"/>
+    <p:sldId id="442" r:id="rId10"/>
+    <p:sldId id="443" r:id="rId11"/>
+    <p:sldId id="444" r:id="rId12"/>
+    <p:sldId id="445" r:id="rId13"/>
+    <p:sldId id="446" r:id="rId14"/>
+    <p:sldId id="447" r:id="rId15"/>
+    <p:sldId id="451" r:id="rId16"/>
+    <p:sldId id="452" r:id="rId17"/>
+    <p:sldId id="453" r:id="rId18"/>
   </p:sldIdLst>
   <p:sldSz cx="12192000" cy="6858000"/>
   <p:notesSz cx="6858000" cy="9144000"/>
@@ -126,7 +128,8 @@
       <p14:sectionLst xmlns:p14="http://schemas.microsoft.com/office/powerpoint/2010/main">
         <p14:section name="Раздел по умолчанию" id="{66D933E5-E614-4B22-A819-1A7400BDA476}">
           <p14:sldIdLst>
-            <p14:sldId id="418"/>
+            <p14:sldId id="448"/>
+            <p14:sldId id="449"/>
             <p14:sldId id="428"/>
             <p14:sldId id="435"/>
             <p14:sldId id="438"/>
@@ -139,8 +142,9 @@
             <p14:sldId id="445"/>
             <p14:sldId id="446"/>
             <p14:sldId id="447"/>
-            <p14:sldId id="419"/>
-            <p14:sldId id="437"/>
+            <p14:sldId id="451"/>
+            <p14:sldId id="452"/>
+            <p14:sldId id="453"/>
           </p14:sldIdLst>
         </p14:section>
       </p14:sectionLst>
@@ -245,7 +249,7 @@
           <a:p>
             <a:fld id="{39EEAABF-1A21-4BDA-A92C-F0636835B84E}" type="datetimeFigureOut">
               <a:rPr lang="en-US" smtClean="0"/>
-              <a:t>11/9/2020</a:t>
+              <a:t>11/10/2020</a:t>
             </a:fld>
             <a:endParaRPr lang="en-US"/>
           </a:p>
@@ -592,7 +596,7 @@
     </p:spTree>
     <p:extLst>
       <p:ext uri="{BB962C8B-B14F-4D97-AF65-F5344CB8AC3E}">
-        <p14:creationId xmlns:p14="http://schemas.microsoft.com/office/powerpoint/2010/main" val="78478699"/>
+        <p14:creationId xmlns:p14="http://schemas.microsoft.com/office/powerpoint/2010/main" val="2917332921"/>
       </p:ext>
     </p:extLst>
   </p:cSld>
@@ -681,7 +685,7 @@
     </p:spTree>
     <p:extLst>
       <p:ext uri="{BB962C8B-B14F-4D97-AF65-F5344CB8AC3E}">
-        <p14:creationId xmlns:p14="http://schemas.microsoft.com/office/powerpoint/2010/main" val="1624490870"/>
+        <p14:creationId xmlns:p14="http://schemas.microsoft.com/office/powerpoint/2010/main" val="3940013286"/>
       </p:ext>
     </p:extLst>
   </p:cSld>
@@ -770,7 +774,7 @@
     </p:spTree>
     <p:extLst>
       <p:ext uri="{BB962C8B-B14F-4D97-AF65-F5344CB8AC3E}">
-        <p14:creationId xmlns:p14="http://schemas.microsoft.com/office/powerpoint/2010/main" val="2659621633"/>
+        <p14:creationId xmlns:p14="http://schemas.microsoft.com/office/powerpoint/2010/main" val="1624490870"/>
       </p:ext>
     </p:extLst>
   </p:cSld>
@@ -859,7 +863,7 @@
     </p:spTree>
     <p:extLst>
       <p:ext uri="{BB962C8B-B14F-4D97-AF65-F5344CB8AC3E}">
-        <p14:creationId xmlns:p14="http://schemas.microsoft.com/office/powerpoint/2010/main" val="3643451363"/>
+        <p14:creationId xmlns:p14="http://schemas.microsoft.com/office/powerpoint/2010/main" val="2659621633"/>
       </p:ext>
     </p:extLst>
   </p:cSld>
@@ -948,7 +952,7 @@
     </p:spTree>
     <p:extLst>
       <p:ext uri="{BB962C8B-B14F-4D97-AF65-F5344CB8AC3E}">
-        <p14:creationId xmlns:p14="http://schemas.microsoft.com/office/powerpoint/2010/main" val="126460396"/>
+        <p14:creationId xmlns:p14="http://schemas.microsoft.com/office/powerpoint/2010/main" val="3643451363"/>
       </p:ext>
     </p:extLst>
   </p:cSld>
@@ -1037,7 +1041,236 @@
     </p:spTree>
     <p:extLst>
       <p:ext uri="{BB962C8B-B14F-4D97-AF65-F5344CB8AC3E}">
-        <p14:creationId xmlns:p14="http://schemas.microsoft.com/office/powerpoint/2010/main" val="4258933088"/>
+        <p14:creationId xmlns:p14="http://schemas.microsoft.com/office/powerpoint/2010/main" val="126460396"/>
+      </p:ext>
+    </p:extLst>
+  </p:cSld>
+  <p:clrMapOvr>
+    <a:masterClrMapping/>
+  </p:clrMapOvr>
+</p:notes>
+</file>
+
+<file path=ppt/notesSlides/notesSlide15.xml><?xml version="1.0" encoding="utf-8"?>
+<p:notes xmlns:a="http://schemas.openxmlformats.org/drawingml/2006/main" xmlns:r="http://schemas.openxmlformats.org/officeDocument/2006/relationships" xmlns:p="http://schemas.openxmlformats.org/presentationml/2006/main">
+  <p:cSld>
+    <p:spTree>
+      <p:nvGrpSpPr>
+        <p:cNvPr id="1" name=""/>
+        <p:cNvGrpSpPr/>
+        <p:nvPr/>
+      </p:nvGrpSpPr>
+      <p:grpSpPr>
+        <a:xfrm>
+          <a:off x="0" y="0"/>
+          <a:ext cx="0" cy="0"/>
+          <a:chOff x="0" y="0"/>
+          <a:chExt cx="0" cy="0"/>
+        </a:xfrm>
+      </p:grpSpPr>
+      <p:sp>
+        <p:nvSpPr>
+          <p:cNvPr id="46081" name="Образ слайда 1"/>
+          <p:cNvSpPr>
+            <a:spLocks noGrp="1" noRot="1" noChangeAspect="1"/>
+          </p:cNvSpPr>
+          <p:nvPr>
+            <p:ph type="sldImg"/>
+          </p:nvPr>
+        </p:nvSpPr>
+        <p:spPr bwMode="auto">
+          <a:xfrm>
+            <a:off x="381000" y="685800"/>
+            <a:ext cx="6096000" cy="3429000"/>
+          </a:xfrm>
+          <a:noFill/>
+          <a:ln>
+            <a:solidFill>
+              <a:srgbClr val="000000"/>
+            </a:solidFill>
+            <a:miter lim="800000"/>
+            <a:headEnd/>
+            <a:tailEnd/>
+          </a:ln>
+        </p:spPr>
+      </p:sp>
+      <p:sp>
+        <p:nvSpPr>
+          <p:cNvPr id="46082" name="Заметки 2"/>
+          <p:cNvSpPr>
+            <a:spLocks noGrp="1"/>
+          </p:cNvSpPr>
+          <p:nvPr>
+            <p:ph type="body" idx="1"/>
+          </p:nvPr>
+        </p:nvSpPr>
+        <p:spPr bwMode="auto">
+          <a:noFill/>
+        </p:spPr>
+        <p:txBody>
+          <a:bodyPr wrap="square" numCol="1" anchor="t" anchorCtr="0" compatLnSpc="1">
+            <a:prstTxWarp prst="textNoShape">
+              <a:avLst/>
+            </a:prstTxWarp>
+          </a:bodyPr>
+          <a:lstStyle/>
+          <a:p>
+            <a:pPr>
+              <a:spcBef>
+                <a:spcPct val="0"/>
+              </a:spcBef>
+            </a:pPr>
+            <a:endParaRPr lang="uk-UA"/>
+          </a:p>
+        </p:txBody>
+      </p:sp>
+      <p:sp>
+        <p:nvSpPr>
+          <p:cNvPr id="46083" name="Номер слайда 3"/>
+          <p:cNvSpPr>
+            <a:spLocks noGrp="1"/>
+          </p:cNvSpPr>
+          <p:nvPr>
+            <p:ph type="sldNum" sz="quarter" idx="5"/>
+          </p:nvPr>
+        </p:nvSpPr>
+        <p:spPr bwMode="auto">
+          <a:noFill/>
+          <a:ln>
+            <a:miter lim="800000"/>
+            <a:headEnd/>
+            <a:tailEnd/>
+          </a:ln>
+        </p:spPr>
+        <p:txBody>
+          <a:bodyPr wrap="square" numCol="1" anchorCtr="0" compatLnSpc="1">
+            <a:prstTxWarp prst="textNoShape">
+              <a:avLst/>
+            </a:prstTxWarp>
+          </a:bodyPr>
+          <a:lstStyle/>
+          <a:p>
+            <a:pPr fontAlgn="base">
+              <a:spcBef>
+                <a:spcPct val="0"/>
+              </a:spcBef>
+              <a:spcAft>
+                <a:spcPct val="0"/>
+              </a:spcAft>
+            </a:pPr>
+            <a:fld id="{916FE315-372D-4431-BC57-08764164FCC9}" type="slidenum">
+              <a:rPr lang="en-US">
+                <a:cs typeface="Arial" charset="0"/>
+              </a:rPr>
+              <a:pPr fontAlgn="base">
+                <a:spcBef>
+                  <a:spcPct val="0"/>
+                </a:spcBef>
+                <a:spcAft>
+                  <a:spcPct val="0"/>
+                </a:spcAft>
+              </a:pPr>
+              <a:t>15</a:t>
+            </a:fld>
+            <a:endParaRPr lang="en-US">
+              <a:cs typeface="Arial" charset="0"/>
+            </a:endParaRPr>
+          </a:p>
+        </p:txBody>
+      </p:sp>
+    </p:spTree>
+    <p:extLst>
+      <p:ext uri="{BB962C8B-B14F-4D97-AF65-F5344CB8AC3E}">
+        <p14:creationId xmlns:p14="http://schemas.microsoft.com/office/powerpoint/2010/main" val="809263370"/>
+      </p:ext>
+    </p:extLst>
+  </p:cSld>
+  <p:clrMapOvr>
+    <a:masterClrMapping/>
+  </p:clrMapOvr>
+</p:notes>
+</file>
+
+<file path=ppt/notesSlides/notesSlide16.xml><?xml version="1.0" encoding="utf-8"?>
+<p:notes xmlns:a="http://schemas.openxmlformats.org/drawingml/2006/main" xmlns:r="http://schemas.openxmlformats.org/officeDocument/2006/relationships" xmlns:p="http://schemas.openxmlformats.org/presentationml/2006/main">
+  <p:cSld>
+    <p:spTree>
+      <p:nvGrpSpPr>
+        <p:cNvPr id="1" name=""/>
+        <p:cNvGrpSpPr/>
+        <p:nvPr/>
+      </p:nvGrpSpPr>
+      <p:grpSpPr>
+        <a:xfrm>
+          <a:off x="0" y="0"/>
+          <a:ext cx="0" cy="0"/>
+          <a:chOff x="0" y="0"/>
+          <a:chExt cx="0" cy="0"/>
+        </a:xfrm>
+      </p:grpSpPr>
+      <p:sp>
+        <p:nvSpPr>
+          <p:cNvPr id="2" name="Образ слайда 1"/>
+          <p:cNvSpPr>
+            <a:spLocks noGrp="1" noRot="1" noChangeAspect="1"/>
+          </p:cNvSpPr>
+          <p:nvPr>
+            <p:ph type="sldImg"/>
+          </p:nvPr>
+        </p:nvSpPr>
+        <p:spPr>
+          <a:xfrm>
+            <a:off x="381000" y="685800"/>
+            <a:ext cx="6096000" cy="3429000"/>
+          </a:xfrm>
+        </p:spPr>
+      </p:sp>
+      <p:sp>
+        <p:nvSpPr>
+          <p:cNvPr id="3" name="Заметки 2"/>
+          <p:cNvSpPr>
+            <a:spLocks noGrp="1"/>
+          </p:cNvSpPr>
+          <p:nvPr>
+            <p:ph type="body" idx="1"/>
+          </p:nvPr>
+        </p:nvSpPr>
+        <p:spPr/>
+        <p:txBody>
+          <a:bodyPr/>
+          <a:lstStyle/>
+          <a:p>
+            <a:endParaRPr lang="ru-RU" dirty="0"/>
+          </a:p>
+        </p:txBody>
+      </p:sp>
+      <p:sp>
+        <p:nvSpPr>
+          <p:cNvPr id="4" name="Номер слайда 3"/>
+          <p:cNvSpPr>
+            <a:spLocks noGrp="1"/>
+          </p:cNvSpPr>
+          <p:nvPr>
+            <p:ph type="sldNum" sz="quarter" idx="10"/>
+          </p:nvPr>
+        </p:nvSpPr>
+        <p:spPr/>
+        <p:txBody>
+          <a:bodyPr/>
+          <a:lstStyle/>
+          <a:p>
+            <a:fld id="{A9257FB8-63EF-4E13-93FB-D2905A6BADA3}" type="slidenum">
+              <a:rPr lang="en-US" smtClean="0"/>
+              <a:t>16</a:t>
+            </a:fld>
+            <a:endParaRPr lang="en-US"/>
+          </a:p>
+        </p:txBody>
+      </p:sp>
+    </p:spTree>
+    <p:extLst>
+      <p:ext uri="{BB962C8B-B14F-4D97-AF65-F5344CB8AC3E}">
+        <p14:creationId xmlns:p14="http://schemas.microsoft.com/office/powerpoint/2010/main" val="1590788275"/>
       </p:ext>
     </p:extLst>
   </p:cSld>
@@ -1126,7 +1359,7 @@
     </p:spTree>
     <p:extLst>
       <p:ext uri="{BB962C8B-B14F-4D97-AF65-F5344CB8AC3E}">
-        <p14:creationId xmlns:p14="http://schemas.microsoft.com/office/powerpoint/2010/main" val="3259764419"/>
+        <p14:creationId xmlns:p14="http://schemas.microsoft.com/office/powerpoint/2010/main" val="1960278145"/>
       </p:ext>
     </p:extLst>
   </p:cSld>
@@ -1215,7 +1448,7 @@
     </p:spTree>
     <p:extLst>
       <p:ext uri="{BB962C8B-B14F-4D97-AF65-F5344CB8AC3E}">
-        <p14:creationId xmlns:p14="http://schemas.microsoft.com/office/powerpoint/2010/main" val="977010436"/>
+        <p14:creationId xmlns:p14="http://schemas.microsoft.com/office/powerpoint/2010/main" val="3259764419"/>
       </p:ext>
     </p:extLst>
   </p:cSld>
@@ -1304,7 +1537,7 @@
     </p:spTree>
     <p:extLst>
       <p:ext uri="{BB962C8B-B14F-4D97-AF65-F5344CB8AC3E}">
-        <p14:creationId xmlns:p14="http://schemas.microsoft.com/office/powerpoint/2010/main" val="2626006507"/>
+        <p14:creationId xmlns:p14="http://schemas.microsoft.com/office/powerpoint/2010/main" val="977010436"/>
       </p:ext>
     </p:extLst>
   </p:cSld>
@@ -1393,7 +1626,7 @@
     </p:spTree>
     <p:extLst>
       <p:ext uri="{BB962C8B-B14F-4D97-AF65-F5344CB8AC3E}">
-        <p14:creationId xmlns:p14="http://schemas.microsoft.com/office/powerpoint/2010/main" val="1031409796"/>
+        <p14:creationId xmlns:p14="http://schemas.microsoft.com/office/powerpoint/2010/main" val="2626006507"/>
       </p:ext>
     </p:extLst>
   </p:cSld>
@@ -1482,7 +1715,7 @@
     </p:spTree>
     <p:extLst>
       <p:ext uri="{BB962C8B-B14F-4D97-AF65-F5344CB8AC3E}">
-        <p14:creationId xmlns:p14="http://schemas.microsoft.com/office/powerpoint/2010/main" val="1407193570"/>
+        <p14:creationId xmlns:p14="http://schemas.microsoft.com/office/powerpoint/2010/main" val="1031409796"/>
       </p:ext>
     </p:extLst>
   </p:cSld>
@@ -1571,7 +1804,7 @@
     </p:spTree>
     <p:extLst>
       <p:ext uri="{BB962C8B-B14F-4D97-AF65-F5344CB8AC3E}">
-        <p14:creationId xmlns:p14="http://schemas.microsoft.com/office/powerpoint/2010/main" val="4097315785"/>
+        <p14:creationId xmlns:p14="http://schemas.microsoft.com/office/powerpoint/2010/main" val="1407193570"/>
       </p:ext>
     </p:extLst>
   </p:cSld>
@@ -1660,7 +1893,7 @@
     </p:spTree>
     <p:extLst>
       <p:ext uri="{BB962C8B-B14F-4D97-AF65-F5344CB8AC3E}">
-        <p14:creationId xmlns:p14="http://schemas.microsoft.com/office/powerpoint/2010/main" val="4041063064"/>
+        <p14:creationId xmlns:p14="http://schemas.microsoft.com/office/powerpoint/2010/main" val="4097315785"/>
       </p:ext>
     </p:extLst>
   </p:cSld>
@@ -1749,7 +1982,7 @@
     </p:spTree>
     <p:extLst>
       <p:ext uri="{BB962C8B-B14F-4D97-AF65-F5344CB8AC3E}">
-        <p14:creationId xmlns:p14="http://schemas.microsoft.com/office/powerpoint/2010/main" val="3940013286"/>
+        <p14:creationId xmlns:p14="http://schemas.microsoft.com/office/powerpoint/2010/main" val="4041063064"/>
       </p:ext>
     </p:extLst>
   </p:cSld>
@@ -1938,7 +2171,7 @@
           <a:p>
             <a:fld id="{7138E089-62ED-4B99-9D85-4233106172C3}" type="datetime1">
               <a:rPr lang="ru-RU" smtClean="0"/>
-              <a:t>09.11.2020</a:t>
+              <a:t>10.11.2020</a:t>
             </a:fld>
             <a:endParaRPr lang="ru-RU"/>
           </a:p>
@@ -2110,7 +2343,7 @@
           <a:p>
             <a:fld id="{1C55742B-6A67-44BA-9E65-E8ED5897B169}" type="datetime1">
               <a:rPr lang="ru-RU" smtClean="0"/>
-              <a:t>09.11.2020</a:t>
+              <a:t>10.11.2020</a:t>
             </a:fld>
             <a:endParaRPr lang="ru-RU"/>
           </a:p>
@@ -2292,7 +2525,7 @@
           <a:p>
             <a:fld id="{31D9B4FD-8306-4B74-B1F8-D2E67870986E}" type="datetime1">
               <a:rPr lang="ru-RU" smtClean="0"/>
-              <a:t>09.11.2020</a:t>
+              <a:t>10.11.2020</a:t>
             </a:fld>
             <a:endParaRPr lang="ru-RU"/>
           </a:p>
@@ -2464,7 +2697,7 @@
           <a:p>
             <a:fld id="{32E4D2F2-8EAD-4248-A8AF-937EE57F2432}" type="datetime1">
               <a:rPr lang="ru-RU" smtClean="0"/>
-              <a:t>09.11.2020</a:t>
+              <a:t>10.11.2020</a:t>
             </a:fld>
             <a:endParaRPr lang="ru-RU"/>
           </a:p>
@@ -2713,7 +2946,7 @@
           <a:p>
             <a:fld id="{FB71B655-9686-4700-A3E3-2677DD26807C}" type="datetime1">
               <a:rPr lang="ru-RU" smtClean="0"/>
-              <a:t>09.11.2020</a:t>
+              <a:t>10.11.2020</a:t>
             </a:fld>
             <a:endParaRPr lang="ru-RU"/>
           </a:p>
@@ -3002,7 +3235,7 @@
           <a:p>
             <a:fld id="{4AEFA3A0-0963-40F8-917D-76DEAAEFC216}" type="datetime1">
               <a:rPr lang="ru-RU" smtClean="0"/>
-              <a:t>09.11.2020</a:t>
+              <a:t>10.11.2020</a:t>
             </a:fld>
             <a:endParaRPr lang="ru-RU"/>
           </a:p>
@@ -3425,7 +3658,7 @@
           <a:p>
             <a:fld id="{DEF2FADE-2241-4AB9-A208-782AC4633E65}" type="datetime1">
               <a:rPr lang="ru-RU" smtClean="0"/>
-              <a:t>09.11.2020</a:t>
+              <a:t>10.11.2020</a:t>
             </a:fld>
             <a:endParaRPr lang="ru-RU"/>
           </a:p>
@@ -3546,7 +3779,7 @@
           <a:p>
             <a:fld id="{F73ABB79-FB1F-4563-8AEC-F75E8EA4533C}" type="datetime1">
               <a:rPr lang="ru-RU" smtClean="0"/>
-              <a:t>09.11.2020</a:t>
+              <a:t>10.11.2020</a:t>
             </a:fld>
             <a:endParaRPr lang="ru-RU"/>
           </a:p>
@@ -3645,7 +3878,7 @@
           <a:p>
             <a:fld id="{698CEBD2-D067-4C87-98E7-17140CF67479}" type="datetime1">
               <a:rPr lang="ru-RU" smtClean="0"/>
-              <a:t>09.11.2020</a:t>
+              <a:t>10.11.2020</a:t>
             </a:fld>
             <a:endParaRPr lang="ru-RU"/>
           </a:p>
@@ -3924,7 +4157,7 @@
           <a:p>
             <a:fld id="{98A170F8-514C-479C-AACB-5022023134F7}" type="datetime1">
               <a:rPr lang="ru-RU" smtClean="0"/>
-              <a:t>09.11.2020</a:t>
+              <a:t>10.11.2020</a:t>
             </a:fld>
             <a:endParaRPr lang="ru-RU"/>
           </a:p>
@@ -4183,7 +4416,7 @@
           <a:p>
             <a:fld id="{AA83611C-DD27-4ADB-92CD-801180824883}" type="datetime1">
               <a:rPr lang="ru-RU" smtClean="0"/>
-              <a:t>09.11.2020</a:t>
+              <a:t>10.11.2020</a:t>
             </a:fld>
             <a:endParaRPr lang="ru-RU"/>
           </a:p>
@@ -4401,7 +4634,7 @@
           <a:p>
             <a:fld id="{772C2E8B-7AD5-4B74-A391-C1BAFFD06762}" type="datetime1">
               <a:rPr lang="ru-RU" smtClean="0"/>
-              <a:t>09.11.2020</a:t>
+              <a:t>10.11.2020</a:t>
             </a:fld>
             <a:endParaRPr lang="ru-RU"/>
           </a:p>
@@ -4840,7 +5073,7 @@
         </p:nvSpPr>
         <p:spPr>
           <a:xfrm>
-            <a:off x="1099411" y="4842017"/>
+            <a:off x="1219200" y="4271170"/>
             <a:ext cx="8458200" cy="698835"/>
           </a:xfrm>
           <a:prstGeom prst="rect">
@@ -4869,52 +5102,62 @@
           </a:lstStyle>
           <a:p>
             <a:pPr algn="l"/>
+            <a:r>
+              <a:rPr lang="ru-RU" sz="2800" dirty="0">
+                <a:solidFill>
+                  <a:srgbClr val="6D6D6D"/>
+                </a:solidFill>
+                <a:latin typeface="Segoe UI Light" panose="020B0502040204020203" pitchFamily="34" charset="0"/>
+                <a:cs typeface="Segoe UI Light" panose="020B0502040204020203" pitchFamily="34" charset="0"/>
+              </a:rPr>
+              <a:t>Знакомство с ООП</a:t>
+            </a:r>
+            <a:r>
+              <a:rPr lang="en-US" sz="2800" dirty="0">
+                <a:solidFill>
+                  <a:srgbClr val="6D6D6D"/>
+                </a:solidFill>
+                <a:latin typeface="Segoe UI Light" panose="020B0502040204020203" pitchFamily="34" charset="0"/>
+                <a:cs typeface="Segoe UI Light" panose="020B0502040204020203" pitchFamily="34" charset="0"/>
+              </a:rPr>
+              <a:t> </a:t>
+            </a:r>
+            <a:r>
+              <a:rPr lang="ru-RU" sz="2800" dirty="0">
+                <a:solidFill>
+                  <a:srgbClr val="6D6D6D"/>
+                </a:solidFill>
+                <a:latin typeface="Segoe UI Light" panose="020B0502040204020203" pitchFamily="34" charset="0"/>
+                <a:cs typeface="Segoe UI Light" panose="020B0502040204020203" pitchFamily="34" charset="0"/>
+              </a:rPr>
+              <a:t>в </a:t>
+            </a:r>
+            <a:r>
+              <a:rPr lang="en-US" sz="2800" dirty="0">
+                <a:solidFill>
+                  <a:srgbClr val="6D6D6D"/>
+                </a:solidFill>
+                <a:latin typeface="Segoe UI Light" panose="020B0502040204020203" pitchFamily="34" charset="0"/>
+                <a:cs typeface="Segoe UI Light" panose="020B0502040204020203" pitchFamily="34" charset="0"/>
+              </a:rPr>
+              <a:t>PHP</a:t>
+            </a:r>
+            <a:r>
+              <a:rPr lang="ru-RU" sz="2800" dirty="0">
+                <a:solidFill>
+                  <a:srgbClr val="6D6D6D"/>
+                </a:solidFill>
+                <a:latin typeface="Segoe UI Light" panose="020B0502040204020203" pitchFamily="34" charset="0"/>
+                <a:cs typeface="Segoe UI Light" panose="020B0502040204020203" pitchFamily="34" charset="0"/>
+              </a:rPr>
+              <a:t> </a:t>
+            </a:r>
             <a:endParaRPr lang="en-US" sz="2800" dirty="0">
               <a:solidFill>
                 <a:srgbClr val="6D6D6D"/>
               </a:solidFill>
               <a:latin typeface="Segoe UI Light" panose="020B0502040204020203" pitchFamily="34" charset="0"/>
               <a:cs typeface="Segoe UI Light" panose="020B0502040204020203" pitchFamily="34" charset="0"/>
-            </a:endParaRPr>
-          </a:p>
-        </p:txBody>
-      </p:sp>
-      <p:sp>
-        <p:nvSpPr>
-          <p:cNvPr id="12" name="Прямоугольник 11"/>
-          <p:cNvSpPr/>
-          <p:nvPr/>
-        </p:nvSpPr>
-        <p:spPr>
-          <a:xfrm>
-            <a:off x="1055013" y="3117036"/>
-            <a:ext cx="9575535" cy="923330"/>
-          </a:xfrm>
-          <a:prstGeom prst="rect">
-            <a:avLst/>
-          </a:prstGeom>
-        </p:spPr>
-        <p:txBody>
-          <a:bodyPr wrap="square">
-            <a:spAutoFit/>
-          </a:bodyPr>
-          <a:lstStyle/>
-          <a:p>
-            <a:pPr algn="ctr"/>
-            <a:r>
-              <a:rPr lang="en-US" sz="5400" dirty="0">
-                <a:solidFill>
-                  <a:srgbClr val="D1501F"/>
-                </a:solidFill>
-                <a:latin typeface="Segoe UI Light" pitchFamily="34" charset="0"/>
-              </a:rPr>
-              <a:t>PHP Essentials</a:t>
-            </a:r>
-            <a:endParaRPr lang="ru-RU" sz="5400" dirty="0">
-              <a:solidFill>
-                <a:srgbClr val="D1501F"/>
-              </a:solidFill>
-              <a:latin typeface="Segoe UI Light" pitchFamily="34" charset="0"/>
             </a:endParaRPr>
           </a:p>
         </p:txBody>
@@ -5088,10 +5331,78 @@
           </a:prstGeom>
         </p:spPr>
       </p:pic>
+      <p:pic>
+        <p:nvPicPr>
+          <p:cNvPr id="2" name="Рисунок 1"/>
+          <p:cNvPicPr>
+            <a:picLocks noChangeAspect="1"/>
+          </p:cNvPicPr>
+          <p:nvPr/>
+        </p:nvPicPr>
+        <p:blipFill rotWithShape="1">
+          <a:blip r:embed="rId5" cstate="print">
+            <a:extLst>
+              <a:ext uri="{28A0092B-C50C-407E-A947-70E740481C1C}">
+                <a14:useLocalDpi xmlns:a14="http://schemas.microsoft.com/office/drawing/2010/main" val="0"/>
+              </a:ext>
+            </a:extLst>
+          </a:blip>
+          <a:srcRect l="17668" t="13866" r="15215" b="7769"/>
+          <a:stretch/>
+        </p:blipFill>
+        <p:spPr>
+          <a:xfrm>
+            <a:off x="1295400" y="1063134"/>
+            <a:ext cx="1905000" cy="838200"/>
+          </a:xfrm>
+          <a:prstGeom prst="rect">
+            <a:avLst/>
+          </a:prstGeom>
+        </p:spPr>
+      </p:pic>
+      <p:sp>
+        <p:nvSpPr>
+          <p:cNvPr id="11" name="Прямоугольник 10"/>
+          <p:cNvSpPr/>
+          <p:nvPr/>
+        </p:nvSpPr>
+        <p:spPr>
+          <a:xfrm>
+            <a:off x="1168967" y="2964469"/>
+            <a:ext cx="9575535" cy="923330"/>
+          </a:xfrm>
+          <a:prstGeom prst="rect">
+            <a:avLst/>
+          </a:prstGeom>
+        </p:spPr>
+        <p:txBody>
+          <a:bodyPr wrap="square">
+            <a:spAutoFit/>
+          </a:bodyPr>
+          <a:lstStyle/>
+          <a:p>
+            <a:r>
+              <a:rPr lang="en-US" sz="5400" dirty="0">
+                <a:solidFill>
+                  <a:srgbClr val="D1501F"/>
+                </a:solidFill>
+                <a:latin typeface="Segoe UI Light" pitchFamily="34" charset="0"/>
+              </a:rPr>
+              <a:t>PHP Essentials</a:t>
+            </a:r>
+            <a:endParaRPr lang="ru-RU" sz="5400" dirty="0">
+              <a:solidFill>
+                <a:srgbClr val="D1501F"/>
+              </a:solidFill>
+              <a:latin typeface="Segoe UI Light" pitchFamily="34" charset="0"/>
+            </a:endParaRPr>
+          </a:p>
+        </p:txBody>
+      </p:sp>
     </p:spTree>
     <p:extLst>
       <p:ext uri="{BB962C8B-B14F-4D97-AF65-F5344CB8AC3E}">
-        <p14:creationId xmlns:p14="http://schemas.microsoft.com/office/powerpoint/2010/main" val="1747186782"/>
+        <p14:creationId xmlns:p14="http://schemas.microsoft.com/office/powerpoint/2010/main" val="4266990460"/>
       </p:ext>
     </p:extLst>
   </p:cSld>
@@ -5160,14 +5471,24 @@
           </a:lstStyle>
           <a:p>
             <a:r>
-              <a:rPr lang="ru-RU" sz="2800" spc="-1" dirty="0">
+              <a:rPr lang="en-US" sz="2800" spc="-1" dirty="0">
                 <a:solidFill>
                   <a:srgbClr val="D04E1D"/>
                 </a:solidFill>
                 <a:latin typeface="Segoe UI Light"/>
                 <a:ea typeface="DejaVu Sans"/>
               </a:rPr>
-              <a:t>Метод класса</a:t>
+              <a:t>C</a:t>
+            </a:r>
+            <a:r>
+              <a:rPr lang="ru-RU" sz="2800" spc="-1" dirty="0">
+                <a:solidFill>
+                  <a:srgbClr val="D04E1D"/>
+                </a:solidFill>
+                <a:latin typeface="Segoe UI Light"/>
+                <a:ea typeface="DejaVu Sans"/>
+              </a:rPr>
+              <a:t>войства класса</a:t>
             </a:r>
             <a:endParaRPr lang="en-US" sz="2800" dirty="0">
               <a:solidFill>
@@ -5701,10 +6022,10 @@
       </p:sp>
       <p:pic>
         <p:nvPicPr>
-          <p:cNvPr id="15" name="Picture 14">
+          <p:cNvPr id="12" name="Picture 11">
             <a:extLst>
               <a:ext uri="{FF2B5EF4-FFF2-40B4-BE49-F238E27FC236}">
-                <a16:creationId xmlns:a16="http://schemas.microsoft.com/office/drawing/2014/main" id="{2B66C006-BF20-4777-AC34-280D4B2479CD}"/>
+                <a16:creationId xmlns:a16="http://schemas.microsoft.com/office/drawing/2014/main" id="{CCB74D38-228B-49A9-8ABB-D2414F8F3FB3}"/>
               </a:ext>
             </a:extLst>
           </p:cNvPr>
@@ -5717,8 +6038,8 @@
         </p:blipFill>
         <p:spPr>
           <a:xfrm>
-            <a:off x="3886200" y="1371600"/>
-            <a:ext cx="4935540" cy="4638060"/>
+            <a:off x="4191000" y="1379538"/>
+            <a:ext cx="3839340" cy="4792842"/>
           </a:xfrm>
           <a:prstGeom prst="rect">
             <a:avLst/>
@@ -5731,7 +6052,7 @@
     </p:spTree>
     <p:extLst>
       <p:ext uri="{BB962C8B-B14F-4D97-AF65-F5344CB8AC3E}">
-        <p14:creationId xmlns:p14="http://schemas.microsoft.com/office/powerpoint/2010/main" val="3283780185"/>
+        <p14:creationId xmlns:p14="http://schemas.microsoft.com/office/powerpoint/2010/main" val="1719840309"/>
       </p:ext>
     </p:extLst>
   </p:cSld>
@@ -5800,14 +6121,14 @@
           </a:lstStyle>
           <a:p>
             <a:r>
-              <a:rPr lang="ru-RU" sz="2800" dirty="0">
+              <a:rPr lang="ru-RU" sz="2800" spc="-1" dirty="0">
                 <a:solidFill>
                   <a:srgbClr val="D04E1D"/>
                 </a:solidFill>
-                <a:latin typeface="Segoe UI Light" panose="020B0502040204020203" pitchFamily="34" charset="0"/>
-                <a:cs typeface="Segoe UI Light" panose="020B0502040204020203" pitchFamily="34" charset="0"/>
+                <a:latin typeface="Segoe UI Light"/>
+                <a:ea typeface="DejaVu Sans"/>
               </a:rPr>
-              <a:t>Передача значения обьекта</a:t>
+              <a:t>Метод класса</a:t>
             </a:r>
             <a:endParaRPr lang="en-US" sz="2800" dirty="0">
               <a:solidFill>
@@ -6339,240 +6660,39 @@
           </a:p>
         </p:txBody>
       </p:sp>
-      <p:sp>
-        <p:nvSpPr>
-          <p:cNvPr id="2" name="Rectangle 1"/>
-          <p:cNvSpPr/>
-          <p:nvPr/>
-        </p:nvSpPr>
-        <p:spPr>
-          <a:xfrm>
-            <a:off x="382858" y="1371600"/>
-            <a:ext cx="5791200" cy="3524250"/>
-          </a:xfrm>
-          <a:prstGeom prst="rect">
-            <a:avLst/>
-          </a:prstGeom>
-          <a:noFill/>
-          <a:ln>
-            <a:noFill/>
-          </a:ln>
-        </p:spPr>
-        <p:style>
-          <a:lnRef idx="2">
-            <a:schemeClr val="accent1">
-              <a:shade val="50000"/>
-            </a:schemeClr>
-          </a:lnRef>
-          <a:fillRef idx="1">
-            <a:schemeClr val="accent1"/>
-          </a:fillRef>
-          <a:effectRef idx="0">
-            <a:schemeClr val="accent1"/>
-          </a:effectRef>
-          <a:fontRef idx="minor">
-            <a:schemeClr val="lt1"/>
-          </a:fontRef>
-        </p:style>
-        <p:txBody>
-          <a:bodyPr rtlCol="0" anchor="t"/>
-          <a:lstStyle/>
-          <a:p>
-            <a:pPr lvl="1" algn="just"/>
-            <a:endParaRPr lang="ru-RU" dirty="0">
-              <a:solidFill>
-                <a:schemeClr val="tx1"/>
-              </a:solidFill>
-              <a:latin typeface="Segoe UI" panose="020B0502040204020203" pitchFamily="34" charset="0"/>
-              <a:cs typeface="Segoe UI" panose="020B0502040204020203" pitchFamily="34" charset="0"/>
-            </a:endParaRPr>
-          </a:p>
-          <a:p>
-            <a:pPr lvl="1" algn="just"/>
-            <a:r>
-              <a:rPr lang="ru-RU" dirty="0">
-                <a:solidFill>
-                  <a:schemeClr val="tx1"/>
-                </a:solidFill>
-                <a:latin typeface="Segoe UI" panose="020B0502040204020203" pitchFamily="34" charset="0"/>
-                <a:cs typeface="Segoe UI" panose="020B0502040204020203" pitchFamily="34" charset="0"/>
-              </a:rPr>
-              <a:t>Механизм </a:t>
-            </a:r>
-            <a:r>
-              <a:rPr lang="en-US" dirty="0">
-                <a:solidFill>
-                  <a:schemeClr val="tx1"/>
-                </a:solidFill>
-                <a:latin typeface="Segoe UI" panose="020B0502040204020203" pitchFamily="34" charset="0"/>
-                <a:cs typeface="Segoe UI" panose="020B0502040204020203" pitchFamily="34" charset="0"/>
-              </a:rPr>
-              <a:t>PHP</a:t>
-            </a:r>
-            <a:r>
-              <a:rPr lang="ru-RU" dirty="0">
-                <a:solidFill>
-                  <a:schemeClr val="tx1"/>
-                </a:solidFill>
-                <a:latin typeface="Segoe UI" panose="020B0502040204020203" pitchFamily="34" charset="0"/>
-                <a:cs typeface="Segoe UI" panose="020B0502040204020203" pitchFamily="34" charset="0"/>
-              </a:rPr>
-              <a:t>, который указывает, как именно нужно передать значение.</a:t>
-            </a:r>
-          </a:p>
-          <a:p>
-            <a:pPr lvl="1" algn="just"/>
-            <a:endParaRPr lang="ru-RU" dirty="0">
-              <a:solidFill>
-                <a:schemeClr val="tx1"/>
-              </a:solidFill>
-              <a:latin typeface="Segoe UI" panose="020B0502040204020203" pitchFamily="34" charset="0"/>
-              <a:cs typeface="Segoe UI" panose="020B0502040204020203" pitchFamily="34" charset="0"/>
-            </a:endParaRPr>
-          </a:p>
-          <a:p>
-            <a:pPr lvl="1" algn="just"/>
-            <a:r>
-              <a:rPr lang="ru-RU" dirty="0">
-                <a:solidFill>
-                  <a:schemeClr val="tx1"/>
-                </a:solidFill>
-                <a:latin typeface="Segoe UI" panose="020B0502040204020203" pitchFamily="34" charset="0"/>
-                <a:cs typeface="Segoe UI" panose="020B0502040204020203" pitchFamily="34" charset="0"/>
-              </a:rPr>
-              <a:t>Виды передачи:</a:t>
-            </a:r>
-          </a:p>
-          <a:p>
-            <a:pPr marL="800100" lvl="1" indent="-342900" algn="just">
-              <a:buAutoNum type="arabicPeriod"/>
-            </a:pPr>
-            <a:r>
-              <a:rPr lang="ru-RU" dirty="0">
-                <a:solidFill>
-                  <a:schemeClr val="tx1"/>
-                </a:solidFill>
-                <a:latin typeface="Segoe UI" panose="020B0502040204020203" pitchFamily="34" charset="0"/>
-                <a:cs typeface="Segoe UI" panose="020B0502040204020203" pitchFamily="34" charset="0"/>
-              </a:rPr>
-              <a:t>По значению</a:t>
-            </a:r>
-          </a:p>
-          <a:p>
-            <a:pPr marL="800100" lvl="1" indent="-342900" algn="just">
-              <a:buAutoNum type="arabicPeriod"/>
-            </a:pPr>
-            <a:r>
-              <a:rPr lang="ru-RU" dirty="0">
-                <a:solidFill>
-                  <a:schemeClr val="tx1"/>
-                </a:solidFill>
-                <a:latin typeface="Segoe UI" panose="020B0502040204020203" pitchFamily="34" charset="0"/>
-                <a:cs typeface="Segoe UI" panose="020B0502040204020203" pitchFamily="34" charset="0"/>
-              </a:rPr>
-              <a:t>По ссылке</a:t>
-            </a:r>
-          </a:p>
-          <a:p>
-            <a:pPr marL="800100" lvl="1" indent="-342900" algn="just">
-              <a:buAutoNum type="arabicPeriod"/>
-            </a:pPr>
-            <a:endParaRPr lang="ru-RU" dirty="0">
-              <a:solidFill>
-                <a:schemeClr val="tx1"/>
-              </a:solidFill>
-              <a:latin typeface="Segoe UI" panose="020B0502040204020203" pitchFamily="34" charset="0"/>
-              <a:cs typeface="Segoe UI" panose="020B0502040204020203" pitchFamily="34" charset="0"/>
-            </a:endParaRPr>
-          </a:p>
-          <a:p>
-            <a:pPr marL="800100" lvl="1" indent="-342900">
-              <a:buFont typeface="+mj-lt"/>
-              <a:buAutoNum type="arabicPeriod"/>
-            </a:pPr>
-            <a:endParaRPr lang="en-US" dirty="0">
-              <a:solidFill>
-                <a:schemeClr val="tx1"/>
-              </a:solidFill>
-              <a:latin typeface="Segoe UI" panose="020B0502040204020203" pitchFamily="34" charset="0"/>
-              <a:cs typeface="Segoe UI" panose="020B0502040204020203" pitchFamily="34" charset="0"/>
-            </a:endParaRPr>
-          </a:p>
-          <a:p>
-            <a:endParaRPr lang="en-US" dirty="0">
-              <a:solidFill>
-                <a:schemeClr val="tx1"/>
-              </a:solidFill>
-              <a:latin typeface="Segoe UI" panose="020B0502040204020203" pitchFamily="34" charset="0"/>
-              <a:cs typeface="Segoe UI" panose="020B0502040204020203" pitchFamily="34" charset="0"/>
-            </a:endParaRPr>
-          </a:p>
-        </p:txBody>
-      </p:sp>
       <p:pic>
         <p:nvPicPr>
-          <p:cNvPr id="3" name="Picture 2">
+          <p:cNvPr id="15" name="Picture 14">
             <a:extLst>
               <a:ext uri="{FF2B5EF4-FFF2-40B4-BE49-F238E27FC236}">
-                <a16:creationId xmlns:a16="http://schemas.microsoft.com/office/drawing/2014/main" id="{ACA1164F-D9BF-4A6F-AC7F-592E07B564A1}"/>
+                <a16:creationId xmlns:a16="http://schemas.microsoft.com/office/drawing/2014/main" id="{2B66C006-BF20-4777-AC34-280D4B2479CD}"/>
               </a:ext>
             </a:extLst>
           </p:cNvPr>
-          <p:cNvPicPr>
-            <a:picLocks noChangeAspect="1"/>
-          </p:cNvPicPr>
+          <p:cNvPicPr/>
           <p:nvPr/>
         </p:nvPicPr>
         <p:blipFill>
           <a:blip r:embed="rId3"/>
-          <a:stretch>
-            <a:fillRect/>
-          </a:stretch>
+          <a:stretch/>
         </p:blipFill>
         <p:spPr>
           <a:xfrm>
-            <a:off x="3886200" y="2247900"/>
-            <a:ext cx="3656507" cy="3675452"/>
+            <a:off x="3581400" y="1371600"/>
+            <a:ext cx="4935540" cy="4638060"/>
           </a:xfrm>
           <a:prstGeom prst="rect">
             <a:avLst/>
           </a:prstGeom>
-        </p:spPr>
-      </p:pic>
-      <p:pic>
-        <p:nvPicPr>
-          <p:cNvPr id="5" name="Picture 4">
-            <a:extLst>
-              <a:ext uri="{FF2B5EF4-FFF2-40B4-BE49-F238E27FC236}">
-                <a16:creationId xmlns:a16="http://schemas.microsoft.com/office/drawing/2014/main" id="{DF40CEDB-A4DF-4C14-B0C5-4CA6EB3D0506}"/>
-              </a:ext>
-            </a:extLst>
-          </p:cNvPr>
-          <p:cNvPicPr>
-            <a:picLocks noChangeAspect="1"/>
-          </p:cNvPicPr>
-          <p:nvPr/>
-        </p:nvPicPr>
-        <p:blipFill>
-          <a:blip r:embed="rId4"/>
-          <a:stretch>
-            <a:fillRect/>
-          </a:stretch>
-        </p:blipFill>
-        <p:spPr>
-          <a:xfrm>
-            <a:off x="7765396" y="2247900"/>
-            <a:ext cx="3824007" cy="3675452"/>
-          </a:xfrm>
-          <a:prstGeom prst="rect">
-            <a:avLst/>
-          </a:prstGeom>
+          <a:ln>
+            <a:noFill/>
+          </a:ln>
         </p:spPr>
       </p:pic>
     </p:spTree>
     <p:extLst>
       <p:ext uri="{BB962C8B-B14F-4D97-AF65-F5344CB8AC3E}">
-        <p14:creationId xmlns:p14="http://schemas.microsoft.com/office/powerpoint/2010/main" val="2396469565"/>
+        <p14:creationId xmlns:p14="http://schemas.microsoft.com/office/powerpoint/2010/main" val="3283780185"/>
       </p:ext>
     </p:extLst>
   </p:cSld>
@@ -7180,12 +7300,182 @@
           </a:p>
         </p:txBody>
       </p:sp>
+      <p:sp>
+        <p:nvSpPr>
+          <p:cNvPr id="2" name="Rectangle 1"/>
+          <p:cNvSpPr/>
+          <p:nvPr/>
+        </p:nvSpPr>
+        <p:spPr>
+          <a:xfrm>
+            <a:off x="76200" y="1463663"/>
+            <a:ext cx="5791200" cy="3524250"/>
+          </a:xfrm>
+          <a:prstGeom prst="rect">
+            <a:avLst/>
+          </a:prstGeom>
+          <a:noFill/>
+          <a:ln>
+            <a:noFill/>
+          </a:ln>
+        </p:spPr>
+        <p:style>
+          <a:lnRef idx="2">
+            <a:schemeClr val="accent1">
+              <a:shade val="50000"/>
+            </a:schemeClr>
+          </a:lnRef>
+          <a:fillRef idx="1">
+            <a:schemeClr val="accent1"/>
+          </a:fillRef>
+          <a:effectRef idx="0">
+            <a:schemeClr val="accent1"/>
+          </a:effectRef>
+          <a:fontRef idx="minor">
+            <a:schemeClr val="lt1"/>
+          </a:fontRef>
+        </p:style>
+        <p:txBody>
+          <a:bodyPr rtlCol="0" anchor="t"/>
+          <a:lstStyle/>
+          <a:p>
+            <a:pPr lvl="1" algn="just"/>
+            <a:endParaRPr lang="ru-RU" dirty="0">
+              <a:solidFill>
+                <a:schemeClr val="tx1"/>
+              </a:solidFill>
+              <a:latin typeface="Segoe UI" panose="020B0502040204020203" pitchFamily="34" charset="0"/>
+              <a:cs typeface="Segoe UI" panose="020B0502040204020203" pitchFamily="34" charset="0"/>
+            </a:endParaRPr>
+          </a:p>
+          <a:p>
+            <a:pPr lvl="1" algn="just"/>
+            <a:r>
+              <a:rPr lang="ru-RU" dirty="0">
+                <a:solidFill>
+                  <a:schemeClr val="tx1"/>
+                </a:solidFill>
+                <a:latin typeface="Segoe UI" panose="020B0502040204020203" pitchFamily="34" charset="0"/>
+                <a:cs typeface="Segoe UI" panose="020B0502040204020203" pitchFamily="34" charset="0"/>
+              </a:rPr>
+              <a:t>Механизм </a:t>
+            </a:r>
+            <a:r>
+              <a:rPr lang="en-US" dirty="0">
+                <a:solidFill>
+                  <a:schemeClr val="tx1"/>
+                </a:solidFill>
+                <a:latin typeface="Segoe UI" panose="020B0502040204020203" pitchFamily="34" charset="0"/>
+                <a:cs typeface="Segoe UI" panose="020B0502040204020203" pitchFamily="34" charset="0"/>
+              </a:rPr>
+              <a:t>PHP</a:t>
+            </a:r>
+            <a:r>
+              <a:rPr lang="ru-RU" dirty="0">
+                <a:solidFill>
+                  <a:schemeClr val="tx1"/>
+                </a:solidFill>
+                <a:latin typeface="Segoe UI" panose="020B0502040204020203" pitchFamily="34" charset="0"/>
+                <a:cs typeface="Segoe UI" panose="020B0502040204020203" pitchFamily="34" charset="0"/>
+              </a:rPr>
+              <a:t>, который указывает, как именно нужно передать значение.</a:t>
+            </a:r>
+          </a:p>
+          <a:p>
+            <a:pPr lvl="1" algn="just"/>
+            <a:endParaRPr lang="ru-RU" dirty="0">
+              <a:solidFill>
+                <a:schemeClr val="tx1"/>
+              </a:solidFill>
+              <a:latin typeface="Segoe UI" panose="020B0502040204020203" pitchFamily="34" charset="0"/>
+              <a:cs typeface="Segoe UI" panose="020B0502040204020203" pitchFamily="34" charset="0"/>
+            </a:endParaRPr>
+          </a:p>
+          <a:p>
+            <a:pPr lvl="1" algn="just"/>
+            <a:r>
+              <a:rPr lang="ru-RU" dirty="0">
+                <a:solidFill>
+                  <a:schemeClr val="tx1"/>
+                </a:solidFill>
+                <a:latin typeface="Segoe UI" panose="020B0502040204020203" pitchFamily="34" charset="0"/>
+                <a:cs typeface="Segoe UI" panose="020B0502040204020203" pitchFamily="34" charset="0"/>
+              </a:rPr>
+              <a:t>Виды передачи:</a:t>
+            </a:r>
+          </a:p>
+          <a:p>
+            <a:pPr marL="800100" lvl="1" indent="-342900" algn="just">
+              <a:buAutoNum type="arabicPeriod"/>
+            </a:pPr>
+            <a:r>
+              <a:rPr lang="ru-RU" dirty="0">
+                <a:solidFill>
+                  <a:schemeClr val="tx1"/>
+                </a:solidFill>
+                <a:latin typeface="Segoe UI" panose="020B0502040204020203" pitchFamily="34" charset="0"/>
+                <a:cs typeface="Segoe UI" panose="020B0502040204020203" pitchFamily="34" charset="0"/>
+              </a:rPr>
+              <a:t>По значению</a:t>
+            </a:r>
+          </a:p>
+          <a:p>
+            <a:pPr marL="800100" lvl="1" indent="-342900" algn="just">
+              <a:buAutoNum type="arabicPeriod"/>
+            </a:pPr>
+            <a:r>
+              <a:rPr lang="ru-RU" dirty="0">
+                <a:solidFill>
+                  <a:schemeClr val="tx1"/>
+                </a:solidFill>
+                <a:latin typeface="Segoe UI" panose="020B0502040204020203" pitchFamily="34" charset="0"/>
+                <a:cs typeface="Segoe UI" panose="020B0502040204020203" pitchFamily="34" charset="0"/>
+              </a:rPr>
+              <a:t>По ссылке</a:t>
+            </a:r>
+          </a:p>
+          <a:p>
+            <a:pPr marL="800100" lvl="1" indent="-342900" algn="just">
+              <a:buAutoNum type="arabicPeriod"/>
+            </a:pPr>
+            <a:endParaRPr lang="ru-RU" dirty="0">
+              <a:solidFill>
+                <a:schemeClr val="tx1"/>
+              </a:solidFill>
+              <a:latin typeface="Segoe UI" panose="020B0502040204020203" pitchFamily="34" charset="0"/>
+              <a:cs typeface="Segoe UI" panose="020B0502040204020203" pitchFamily="34" charset="0"/>
+            </a:endParaRPr>
+          </a:p>
+          <a:p>
+            <a:pPr marL="800100" lvl="1" indent="-342900">
+              <a:buFont typeface="+mj-lt"/>
+              <a:buAutoNum type="arabicPeriod"/>
+            </a:pPr>
+            <a:endParaRPr lang="en-US" dirty="0">
+              <a:solidFill>
+                <a:schemeClr val="tx1"/>
+              </a:solidFill>
+              <a:latin typeface="Segoe UI" panose="020B0502040204020203" pitchFamily="34" charset="0"/>
+              <a:cs typeface="Segoe UI" panose="020B0502040204020203" pitchFamily="34" charset="0"/>
+            </a:endParaRPr>
+          </a:p>
+          <a:p>
+            <a:endParaRPr lang="en-US" dirty="0">
+              <a:solidFill>
+                <a:schemeClr val="tx1"/>
+              </a:solidFill>
+              <a:latin typeface="Segoe UI" panose="020B0502040204020203" pitchFamily="34" charset="0"/>
+              <a:cs typeface="Segoe UI" panose="020B0502040204020203" pitchFamily="34" charset="0"/>
+            </a:endParaRPr>
+          </a:p>
+        </p:txBody>
+      </p:sp>
       <p:pic>
         <p:nvPicPr>
-          <p:cNvPr id="4" name="Picture 3">
+          <p:cNvPr id="3" name="Picture 2">
             <a:extLst>
               <a:ext uri="{FF2B5EF4-FFF2-40B4-BE49-F238E27FC236}">
-                <a16:creationId xmlns:a16="http://schemas.microsoft.com/office/drawing/2014/main" id="{26C721ED-E480-440A-8705-5BE14F30A490}"/>
+                <a16:creationId xmlns:a16="http://schemas.microsoft.com/office/drawing/2014/main" id="{ACA1164F-D9BF-4A6F-AC7F-592E07B564A1}"/>
               </a:ext>
             </a:extLst>
           </p:cNvPr>
@@ -7202,8 +7492,8 @@
         </p:blipFill>
         <p:spPr>
           <a:xfrm>
-            <a:off x="609600" y="1830551"/>
-            <a:ext cx="3581400" cy="3482648"/>
+            <a:off x="3657600" y="2420548"/>
+            <a:ext cx="3656507" cy="3675452"/>
           </a:xfrm>
           <a:prstGeom prst="rect">
             <a:avLst/>
@@ -7212,10 +7502,10 @@
       </p:pic>
       <p:pic>
         <p:nvPicPr>
-          <p:cNvPr id="6" name="Picture 5">
+          <p:cNvPr id="5" name="Picture 4">
             <a:extLst>
               <a:ext uri="{FF2B5EF4-FFF2-40B4-BE49-F238E27FC236}">
-                <a16:creationId xmlns:a16="http://schemas.microsoft.com/office/drawing/2014/main" id="{ECD819AE-F597-4A16-A5E0-E52D9408FD38}"/>
+                <a16:creationId xmlns:a16="http://schemas.microsoft.com/office/drawing/2014/main" id="{DF40CEDB-A4DF-4C14-B0C5-4CA6EB3D0506}"/>
               </a:ext>
             </a:extLst>
           </p:cNvPr>
@@ -7232,8 +7522,8 @@
         </p:blipFill>
         <p:spPr>
           <a:xfrm>
-            <a:off x="5715000" y="1830551"/>
-            <a:ext cx="4277911" cy="4262393"/>
+            <a:off x="7536796" y="2420548"/>
+            <a:ext cx="3824007" cy="3675452"/>
           </a:xfrm>
           <a:prstGeom prst="rect">
             <a:avLst/>
@@ -7243,7 +7533,7 @@
     </p:spTree>
     <p:extLst>
       <p:ext uri="{BB962C8B-B14F-4D97-AF65-F5344CB8AC3E}">
-        <p14:creationId xmlns:p14="http://schemas.microsoft.com/office/powerpoint/2010/main" val="3113073388"/>
+        <p14:creationId xmlns:p14="http://schemas.microsoft.com/office/powerpoint/2010/main" val="2396469565"/>
       </p:ext>
     </p:extLst>
   </p:cSld>
@@ -7319,7 +7609,7 @@
                 <a:latin typeface="Segoe UI Light" panose="020B0502040204020203" pitchFamily="34" charset="0"/>
                 <a:cs typeface="Segoe UI Light" panose="020B0502040204020203" pitchFamily="34" charset="0"/>
               </a:rPr>
-              <a:t>Сравнение обьектов</a:t>
+              <a:t>Передача значения обьекта</a:t>
             </a:r>
             <a:endParaRPr lang="en-US" sz="2800" dirty="0">
               <a:solidFill>
@@ -7853,10 +8143,10 @@
       </p:sp>
       <p:pic>
         <p:nvPicPr>
-          <p:cNvPr id="3" name="Picture 2">
+          <p:cNvPr id="4" name="Picture 3">
             <a:extLst>
               <a:ext uri="{FF2B5EF4-FFF2-40B4-BE49-F238E27FC236}">
-                <a16:creationId xmlns:a16="http://schemas.microsoft.com/office/drawing/2014/main" id="{66C7A403-DEB3-462D-BDB5-D328BD1D24C3}"/>
+                <a16:creationId xmlns:a16="http://schemas.microsoft.com/office/drawing/2014/main" id="{26C721ED-E480-440A-8705-5BE14F30A490}"/>
               </a:ext>
             </a:extLst>
           </p:cNvPr>
@@ -7873,8 +8163,8 @@
         </p:blipFill>
         <p:spPr>
           <a:xfrm>
-            <a:off x="2725234" y="1838325"/>
-            <a:ext cx="2626732" cy="4038600"/>
+            <a:off x="1260734" y="1830551"/>
+            <a:ext cx="3581400" cy="3482648"/>
           </a:xfrm>
           <a:prstGeom prst="rect">
             <a:avLst/>
@@ -7883,10 +8173,10 @@
       </p:pic>
       <p:pic>
         <p:nvPicPr>
-          <p:cNvPr id="5" name="Picture 4">
+          <p:cNvPr id="6" name="Picture 5">
             <a:extLst>
               <a:ext uri="{FF2B5EF4-FFF2-40B4-BE49-F238E27FC236}">
-                <a16:creationId xmlns:a16="http://schemas.microsoft.com/office/drawing/2014/main" id="{7E2749EA-4800-4E37-9360-6CAE1E275E56}"/>
+                <a16:creationId xmlns:a16="http://schemas.microsoft.com/office/drawing/2014/main" id="{ECD819AE-F597-4A16-A5E0-E52D9408FD38}"/>
               </a:ext>
             </a:extLst>
           </p:cNvPr>
@@ -7903,8 +8193,8 @@
         </p:blipFill>
         <p:spPr>
           <a:xfrm>
-            <a:off x="6096000" y="2630649"/>
-            <a:ext cx="3153849" cy="2184078"/>
+            <a:off x="6096000" y="1792451"/>
+            <a:ext cx="4277911" cy="4262393"/>
           </a:xfrm>
           <a:prstGeom prst="rect">
             <a:avLst/>
@@ -7914,7 +8204,7 @@
     </p:spTree>
     <p:extLst>
       <p:ext uri="{BB962C8B-B14F-4D97-AF65-F5344CB8AC3E}">
-        <p14:creationId xmlns:p14="http://schemas.microsoft.com/office/powerpoint/2010/main" val="3658170166"/>
+        <p14:creationId xmlns:p14="http://schemas.microsoft.com/office/powerpoint/2010/main" val="3113073388"/>
       </p:ext>
     </p:extLst>
   </p:cSld>
@@ -7946,13 +8236,71 @@
       </p:grpSpPr>
       <p:sp>
         <p:nvSpPr>
-          <p:cNvPr id="8" name="Прямоугольник 7"/>
+          <p:cNvPr id="11" name="Заголовок 1"/>
+          <p:cNvSpPr txBox="1">
+            <a:spLocks/>
+          </p:cNvSpPr>
+          <p:nvPr/>
+        </p:nvSpPr>
+        <p:spPr>
+          <a:xfrm>
+            <a:off x="1981200" y="808038"/>
+            <a:ext cx="8229600" cy="563562"/>
+          </a:xfrm>
+          <a:prstGeom prst="rect">
+            <a:avLst/>
+          </a:prstGeom>
+        </p:spPr>
+        <p:txBody>
+          <a:bodyPr vert="horz" lIns="91440" tIns="45720" rIns="91440" bIns="45720" rtlCol="0" anchor="ctr">
+            <a:normAutofit/>
+          </a:bodyPr>
+          <a:lstStyle>
+            <a:lvl1pPr algn="ctr" defTabSz="914400" rtl="0" eaLnBrk="1" latinLnBrk="0" hangingPunct="1">
+              <a:spcBef>
+                <a:spcPct val="0"/>
+              </a:spcBef>
+              <a:buNone/>
+              <a:defRPr sz="4400" kern="1200">
+                <a:solidFill>
+                  <a:schemeClr val="tx1"/>
+                </a:solidFill>
+                <a:latin typeface="+mj-lt"/>
+                <a:ea typeface="+mj-ea"/>
+                <a:cs typeface="+mj-cs"/>
+              </a:defRPr>
+            </a:lvl1pPr>
+          </a:lstStyle>
+          <a:p>
+            <a:r>
+              <a:rPr lang="ru-RU" sz="2800" dirty="0">
+                <a:solidFill>
+                  <a:srgbClr val="D04E1D"/>
+                </a:solidFill>
+                <a:latin typeface="Segoe UI Light" panose="020B0502040204020203" pitchFamily="34" charset="0"/>
+                <a:cs typeface="Segoe UI Light" panose="020B0502040204020203" pitchFamily="34" charset="0"/>
+              </a:rPr>
+              <a:t>Сравнение обьектов</a:t>
+            </a:r>
+            <a:endParaRPr lang="en-US" sz="2800" dirty="0">
+              <a:solidFill>
+                <a:srgbClr val="D04E1D"/>
+              </a:solidFill>
+              <a:latin typeface="Segoe UI Light" panose="020B0502040204020203" pitchFamily="34" charset="0"/>
+              <a:cs typeface="Segoe UI Light" panose="020B0502040204020203" pitchFamily="34" charset="0"/>
+            </a:endParaRPr>
+          </a:p>
+        </p:txBody>
+      </p:sp>
+      <p:sp>
+        <p:nvSpPr>
+          <p:cNvPr id="13" name="Прямоугольник 12"/>
           <p:cNvSpPr/>
           <p:nvPr/>
         </p:nvSpPr>
         <p:spPr>
           <a:xfrm>
-            <a:off x="0" y="228600"/>
+            <a:off x="0" y="6343650"/>
             <a:ext cx="12192000" cy="533400"/>
           </a:xfrm>
           <a:prstGeom prst="rect">
@@ -7990,7 +8338,431 @@
       </p:sp>
       <p:sp>
         <p:nvSpPr>
-          <p:cNvPr id="10" name="Заголовок 1"/>
+          <p:cNvPr id="14" name="Прямоугольник 13"/>
+          <p:cNvSpPr/>
+          <p:nvPr/>
+        </p:nvSpPr>
+        <p:spPr>
+          <a:xfrm>
+            <a:off x="4038600" y="6458795"/>
+            <a:ext cx="7924800" cy="307777"/>
+          </a:xfrm>
+          <a:prstGeom prst="rect">
+            <a:avLst/>
+          </a:prstGeom>
+        </p:spPr>
+        <p:txBody>
+          <a:bodyPr wrap="square">
+            <a:spAutoFit/>
+          </a:bodyPr>
+          <a:lstStyle/>
+          <a:p>
+            <a:r>
+              <a:rPr lang="en-US" sz="1400" dirty="0">
+                <a:solidFill>
+                  <a:schemeClr val="bg1"/>
+                </a:solidFill>
+                <a:latin typeface="Segoe UI Light" panose="020B0502040204020203" pitchFamily="34" charset="0"/>
+                <a:cs typeface="Segoe UI Light" panose="020B0502040204020203" pitchFamily="34" charset="0"/>
+              </a:rPr>
+              <a:t>Information Technology Video Developer Network                                                       http://itvdn.com</a:t>
+            </a:r>
+          </a:p>
+        </p:txBody>
+      </p:sp>
+      <p:sp>
+        <p:nvSpPr>
+          <p:cNvPr id="16" name="Прямоугольник 15"/>
+          <p:cNvSpPr/>
+          <p:nvPr/>
+        </p:nvSpPr>
+        <p:spPr>
+          <a:xfrm>
+            <a:off x="373241" y="6431280"/>
+            <a:ext cx="891847" cy="400110"/>
+          </a:xfrm>
+          <a:prstGeom prst="rect">
+            <a:avLst/>
+          </a:prstGeom>
+        </p:spPr>
+        <p:txBody>
+          <a:bodyPr wrap="none">
+            <a:spAutoFit/>
+          </a:bodyPr>
+          <a:lstStyle/>
+          <a:p>
+            <a:r>
+              <a:rPr lang="en-US" sz="2000" dirty="0">
+                <a:solidFill>
+                  <a:schemeClr val="bg1"/>
+                </a:solidFill>
+                <a:latin typeface="Segoe UI Light" panose="020B0502040204020203" pitchFamily="34" charset="0"/>
+                <a:cs typeface="Segoe UI Light" panose="020B0502040204020203" pitchFamily="34" charset="0"/>
+              </a:rPr>
+              <a:t>ITVDN</a:t>
+            </a:r>
+            <a:endParaRPr lang="en-US" sz="2000" dirty="0"/>
+          </a:p>
+        </p:txBody>
+      </p:sp>
+      <p:grpSp>
+        <p:nvGrpSpPr>
+          <p:cNvPr id="18" name="Группа 17"/>
+          <p:cNvGrpSpPr/>
+          <p:nvPr/>
+        </p:nvGrpSpPr>
+        <p:grpSpPr>
+          <a:xfrm>
+            <a:off x="177200" y="6404572"/>
+            <a:ext cx="178914" cy="411555"/>
+            <a:chOff x="4724400" y="3098418"/>
+            <a:chExt cx="178914" cy="411555"/>
+          </a:xfrm>
+        </p:grpSpPr>
+        <p:sp>
+          <p:nvSpPr>
+            <p:cNvPr id="19" name="Блок-схема: данные 27"/>
+            <p:cNvSpPr/>
+            <p:nvPr/>
+          </p:nvSpPr>
+          <p:spPr>
+            <a:xfrm rot="5400000" flipH="1">
+              <a:off x="4611960" y="3312840"/>
+              <a:ext cx="309573" cy="84693"/>
+            </a:xfrm>
+            <a:custGeom>
+              <a:avLst/>
+              <a:gdLst>
+                <a:gd name="connsiteX0" fmla="*/ 0 w 10000"/>
+                <a:gd name="connsiteY0" fmla="*/ 10000 h 10000"/>
+                <a:gd name="connsiteX1" fmla="*/ 2000 w 10000"/>
+                <a:gd name="connsiteY1" fmla="*/ 0 h 10000"/>
+                <a:gd name="connsiteX2" fmla="*/ 10000 w 10000"/>
+                <a:gd name="connsiteY2" fmla="*/ 0 h 10000"/>
+                <a:gd name="connsiteX3" fmla="*/ 8000 w 10000"/>
+                <a:gd name="connsiteY3" fmla="*/ 10000 h 10000"/>
+                <a:gd name="connsiteX4" fmla="*/ 0 w 10000"/>
+                <a:gd name="connsiteY4" fmla="*/ 10000 h 10000"/>
+                <a:gd name="connsiteX0" fmla="*/ 0 w 11343"/>
+                <a:gd name="connsiteY0" fmla="*/ 10000 h 10000"/>
+                <a:gd name="connsiteX1" fmla="*/ 2000 w 11343"/>
+                <a:gd name="connsiteY1" fmla="*/ 0 h 10000"/>
+                <a:gd name="connsiteX2" fmla="*/ 11343 w 11343"/>
+                <a:gd name="connsiteY2" fmla="*/ 302 h 10000"/>
+                <a:gd name="connsiteX3" fmla="*/ 8000 w 11343"/>
+                <a:gd name="connsiteY3" fmla="*/ 10000 h 10000"/>
+                <a:gd name="connsiteX4" fmla="*/ 0 w 11343"/>
+                <a:gd name="connsiteY4" fmla="*/ 10000 h 10000"/>
+                <a:gd name="connsiteX0" fmla="*/ 0 w 11019"/>
+                <a:gd name="connsiteY0" fmla="*/ 10000 h 10000"/>
+                <a:gd name="connsiteX1" fmla="*/ 1676 w 11019"/>
+                <a:gd name="connsiteY1" fmla="*/ 0 h 10000"/>
+                <a:gd name="connsiteX2" fmla="*/ 11019 w 11019"/>
+                <a:gd name="connsiteY2" fmla="*/ 302 h 10000"/>
+                <a:gd name="connsiteX3" fmla="*/ 7676 w 11019"/>
+                <a:gd name="connsiteY3" fmla="*/ 10000 h 10000"/>
+                <a:gd name="connsiteX4" fmla="*/ 0 w 11019"/>
+                <a:gd name="connsiteY4" fmla="*/ 10000 h 10000"/>
+                <a:gd name="connsiteX0" fmla="*/ 0 w 11019"/>
+                <a:gd name="connsiteY0" fmla="*/ 10151 h 10151"/>
+                <a:gd name="connsiteX1" fmla="*/ 3759 w 11019"/>
+                <a:gd name="connsiteY1" fmla="*/ 0 h 10151"/>
+                <a:gd name="connsiteX2" fmla="*/ 11019 w 11019"/>
+                <a:gd name="connsiteY2" fmla="*/ 453 h 10151"/>
+                <a:gd name="connsiteX3" fmla="*/ 7676 w 11019"/>
+                <a:gd name="connsiteY3" fmla="*/ 10151 h 10151"/>
+                <a:gd name="connsiteX4" fmla="*/ 0 w 11019"/>
+                <a:gd name="connsiteY4" fmla="*/ 10151 h 10151"/>
+                <a:gd name="connsiteX0" fmla="*/ 0 w 11019"/>
+                <a:gd name="connsiteY0" fmla="*/ 9698 h 9698"/>
+                <a:gd name="connsiteX1" fmla="*/ 4685 w 11019"/>
+                <a:gd name="connsiteY1" fmla="*/ 1 h 9698"/>
+                <a:gd name="connsiteX2" fmla="*/ 11019 w 11019"/>
+                <a:gd name="connsiteY2" fmla="*/ 0 h 9698"/>
+                <a:gd name="connsiteX3" fmla="*/ 7676 w 11019"/>
+                <a:gd name="connsiteY3" fmla="*/ 9698 h 9698"/>
+                <a:gd name="connsiteX4" fmla="*/ 0 w 11019"/>
+                <a:gd name="connsiteY4" fmla="*/ 9698 h 9698"/>
+                <a:gd name="connsiteX0" fmla="*/ 0 w 10000"/>
+                <a:gd name="connsiteY0" fmla="*/ 10155 h 10155"/>
+                <a:gd name="connsiteX1" fmla="*/ 3202 w 10000"/>
+                <a:gd name="connsiteY1" fmla="*/ 0 h 10155"/>
+                <a:gd name="connsiteX2" fmla="*/ 10000 w 10000"/>
+                <a:gd name="connsiteY2" fmla="*/ 155 h 10155"/>
+                <a:gd name="connsiteX3" fmla="*/ 6966 w 10000"/>
+                <a:gd name="connsiteY3" fmla="*/ 10155 h 10155"/>
+                <a:gd name="connsiteX4" fmla="*/ 0 w 10000"/>
+                <a:gd name="connsiteY4" fmla="*/ 10155 h 10155"/>
+              </a:gdLst>
+              <a:ahLst/>
+              <a:cxnLst>
+                <a:cxn ang="0">
+                  <a:pos x="connsiteX0" y="connsiteY0"/>
+                </a:cxn>
+                <a:cxn ang="0">
+                  <a:pos x="connsiteX1" y="connsiteY1"/>
+                </a:cxn>
+                <a:cxn ang="0">
+                  <a:pos x="connsiteX2" y="connsiteY2"/>
+                </a:cxn>
+                <a:cxn ang="0">
+                  <a:pos x="connsiteX3" y="connsiteY3"/>
+                </a:cxn>
+                <a:cxn ang="0">
+                  <a:pos x="connsiteX4" y="connsiteY4"/>
+                </a:cxn>
+              </a:cxnLst>
+              <a:rect l="l" t="t" r="r" b="b"/>
+              <a:pathLst>
+                <a:path w="10000" h="10155">
+                  <a:moveTo>
+                    <a:pt x="0" y="10155"/>
+                  </a:moveTo>
+                  <a:lnTo>
+                    <a:pt x="3202" y="0"/>
+                  </a:lnTo>
+                  <a:lnTo>
+                    <a:pt x="10000" y="155"/>
+                  </a:lnTo>
+                  <a:lnTo>
+                    <a:pt x="6966" y="10155"/>
+                  </a:lnTo>
+                  <a:lnTo>
+                    <a:pt x="0" y="10155"/>
+                  </a:lnTo>
+                  <a:close/>
+                </a:path>
+              </a:pathLst>
+            </a:custGeom>
+            <a:solidFill>
+              <a:schemeClr val="bg1"/>
+            </a:solidFill>
+            <a:ln>
+              <a:noFill/>
+            </a:ln>
+          </p:spPr>
+          <p:style>
+            <a:lnRef idx="2">
+              <a:schemeClr val="accent1">
+                <a:shade val="50000"/>
+              </a:schemeClr>
+            </a:lnRef>
+            <a:fillRef idx="1">
+              <a:schemeClr val="accent1"/>
+            </a:fillRef>
+            <a:effectRef idx="0">
+              <a:schemeClr val="accent1"/>
+            </a:effectRef>
+            <a:fontRef idx="minor">
+              <a:schemeClr val="lt1"/>
+            </a:fontRef>
+          </p:style>
+          <p:txBody>
+            <a:bodyPr rtlCol="0" anchor="ctr"/>
+            <a:lstStyle/>
+            <a:p>
+              <a:pPr algn="ctr"/>
+              <a:endParaRPr lang="en-US"/>
+            </a:p>
+          </p:txBody>
+        </p:sp>
+        <p:sp>
+          <p:nvSpPr>
+            <p:cNvPr id="20" name="Блок-схема: данные 27"/>
+            <p:cNvSpPr/>
+            <p:nvPr/>
+          </p:nvSpPr>
+          <p:spPr>
+            <a:xfrm rot="5400000" flipH="1">
+              <a:off x="4706181" y="3210858"/>
+              <a:ext cx="309573" cy="84693"/>
+            </a:xfrm>
+            <a:custGeom>
+              <a:avLst/>
+              <a:gdLst>
+                <a:gd name="connsiteX0" fmla="*/ 0 w 10000"/>
+                <a:gd name="connsiteY0" fmla="*/ 10000 h 10000"/>
+                <a:gd name="connsiteX1" fmla="*/ 2000 w 10000"/>
+                <a:gd name="connsiteY1" fmla="*/ 0 h 10000"/>
+                <a:gd name="connsiteX2" fmla="*/ 10000 w 10000"/>
+                <a:gd name="connsiteY2" fmla="*/ 0 h 10000"/>
+                <a:gd name="connsiteX3" fmla="*/ 8000 w 10000"/>
+                <a:gd name="connsiteY3" fmla="*/ 10000 h 10000"/>
+                <a:gd name="connsiteX4" fmla="*/ 0 w 10000"/>
+                <a:gd name="connsiteY4" fmla="*/ 10000 h 10000"/>
+                <a:gd name="connsiteX0" fmla="*/ 0 w 11343"/>
+                <a:gd name="connsiteY0" fmla="*/ 10000 h 10000"/>
+                <a:gd name="connsiteX1" fmla="*/ 2000 w 11343"/>
+                <a:gd name="connsiteY1" fmla="*/ 0 h 10000"/>
+                <a:gd name="connsiteX2" fmla="*/ 11343 w 11343"/>
+                <a:gd name="connsiteY2" fmla="*/ 302 h 10000"/>
+                <a:gd name="connsiteX3" fmla="*/ 8000 w 11343"/>
+                <a:gd name="connsiteY3" fmla="*/ 10000 h 10000"/>
+                <a:gd name="connsiteX4" fmla="*/ 0 w 11343"/>
+                <a:gd name="connsiteY4" fmla="*/ 10000 h 10000"/>
+                <a:gd name="connsiteX0" fmla="*/ 0 w 11019"/>
+                <a:gd name="connsiteY0" fmla="*/ 10000 h 10000"/>
+                <a:gd name="connsiteX1" fmla="*/ 1676 w 11019"/>
+                <a:gd name="connsiteY1" fmla="*/ 0 h 10000"/>
+                <a:gd name="connsiteX2" fmla="*/ 11019 w 11019"/>
+                <a:gd name="connsiteY2" fmla="*/ 302 h 10000"/>
+                <a:gd name="connsiteX3" fmla="*/ 7676 w 11019"/>
+                <a:gd name="connsiteY3" fmla="*/ 10000 h 10000"/>
+                <a:gd name="connsiteX4" fmla="*/ 0 w 11019"/>
+                <a:gd name="connsiteY4" fmla="*/ 10000 h 10000"/>
+                <a:gd name="connsiteX0" fmla="*/ 0 w 11019"/>
+                <a:gd name="connsiteY0" fmla="*/ 10151 h 10151"/>
+                <a:gd name="connsiteX1" fmla="*/ 3759 w 11019"/>
+                <a:gd name="connsiteY1" fmla="*/ 0 h 10151"/>
+                <a:gd name="connsiteX2" fmla="*/ 11019 w 11019"/>
+                <a:gd name="connsiteY2" fmla="*/ 453 h 10151"/>
+                <a:gd name="connsiteX3" fmla="*/ 7676 w 11019"/>
+                <a:gd name="connsiteY3" fmla="*/ 10151 h 10151"/>
+                <a:gd name="connsiteX4" fmla="*/ 0 w 11019"/>
+                <a:gd name="connsiteY4" fmla="*/ 10151 h 10151"/>
+                <a:gd name="connsiteX0" fmla="*/ 0 w 11019"/>
+                <a:gd name="connsiteY0" fmla="*/ 9698 h 9698"/>
+                <a:gd name="connsiteX1" fmla="*/ 4685 w 11019"/>
+                <a:gd name="connsiteY1" fmla="*/ 1 h 9698"/>
+                <a:gd name="connsiteX2" fmla="*/ 11019 w 11019"/>
+                <a:gd name="connsiteY2" fmla="*/ 0 h 9698"/>
+                <a:gd name="connsiteX3" fmla="*/ 7676 w 11019"/>
+                <a:gd name="connsiteY3" fmla="*/ 9698 h 9698"/>
+                <a:gd name="connsiteX4" fmla="*/ 0 w 11019"/>
+                <a:gd name="connsiteY4" fmla="*/ 9698 h 9698"/>
+                <a:gd name="connsiteX0" fmla="*/ 0 w 10000"/>
+                <a:gd name="connsiteY0" fmla="*/ 10155 h 10155"/>
+                <a:gd name="connsiteX1" fmla="*/ 3202 w 10000"/>
+                <a:gd name="connsiteY1" fmla="*/ 0 h 10155"/>
+                <a:gd name="connsiteX2" fmla="*/ 10000 w 10000"/>
+                <a:gd name="connsiteY2" fmla="*/ 155 h 10155"/>
+                <a:gd name="connsiteX3" fmla="*/ 6966 w 10000"/>
+                <a:gd name="connsiteY3" fmla="*/ 10155 h 10155"/>
+                <a:gd name="connsiteX4" fmla="*/ 0 w 10000"/>
+                <a:gd name="connsiteY4" fmla="*/ 10155 h 10155"/>
+              </a:gdLst>
+              <a:ahLst/>
+              <a:cxnLst>
+                <a:cxn ang="0">
+                  <a:pos x="connsiteX0" y="connsiteY0"/>
+                </a:cxn>
+                <a:cxn ang="0">
+                  <a:pos x="connsiteX1" y="connsiteY1"/>
+                </a:cxn>
+                <a:cxn ang="0">
+                  <a:pos x="connsiteX2" y="connsiteY2"/>
+                </a:cxn>
+                <a:cxn ang="0">
+                  <a:pos x="connsiteX3" y="connsiteY3"/>
+                </a:cxn>
+                <a:cxn ang="0">
+                  <a:pos x="connsiteX4" y="connsiteY4"/>
+                </a:cxn>
+              </a:cxnLst>
+              <a:rect l="l" t="t" r="r" b="b"/>
+              <a:pathLst>
+                <a:path w="10000" h="10155">
+                  <a:moveTo>
+                    <a:pt x="0" y="10155"/>
+                  </a:moveTo>
+                  <a:lnTo>
+                    <a:pt x="3202" y="0"/>
+                  </a:lnTo>
+                  <a:lnTo>
+                    <a:pt x="10000" y="155"/>
+                  </a:lnTo>
+                  <a:lnTo>
+                    <a:pt x="6966" y="10155"/>
+                  </a:lnTo>
+                  <a:lnTo>
+                    <a:pt x="0" y="10155"/>
+                  </a:lnTo>
+                  <a:close/>
+                </a:path>
+              </a:pathLst>
+            </a:custGeom>
+            <a:solidFill>
+              <a:schemeClr val="bg1">
+                <a:lumMod val="85000"/>
+              </a:schemeClr>
+            </a:solidFill>
+            <a:ln>
+              <a:noFill/>
+            </a:ln>
+          </p:spPr>
+          <p:style>
+            <a:lnRef idx="2">
+              <a:schemeClr val="accent1">
+                <a:shade val="50000"/>
+              </a:schemeClr>
+            </a:lnRef>
+            <a:fillRef idx="1">
+              <a:schemeClr val="accent1"/>
+            </a:fillRef>
+            <a:effectRef idx="0">
+              <a:schemeClr val="accent1"/>
+            </a:effectRef>
+            <a:fontRef idx="minor">
+              <a:schemeClr val="lt1"/>
+            </a:fontRef>
+          </p:style>
+          <p:txBody>
+            <a:bodyPr rtlCol="0" anchor="ctr"/>
+            <a:lstStyle/>
+            <a:p>
+              <a:pPr algn="ctr"/>
+              <a:endParaRPr lang="en-US"/>
+            </a:p>
+          </p:txBody>
+        </p:sp>
+      </p:grpSp>
+      <p:sp>
+        <p:nvSpPr>
+          <p:cNvPr id="21" name="Прямоугольник 20"/>
+          <p:cNvSpPr/>
+          <p:nvPr/>
+        </p:nvSpPr>
+        <p:spPr>
+          <a:xfrm>
+            <a:off x="0" y="228600"/>
+            <a:ext cx="12192000" cy="533400"/>
+          </a:xfrm>
+          <a:prstGeom prst="rect">
+            <a:avLst/>
+          </a:prstGeom>
+          <a:solidFill>
+            <a:srgbClr val="6E6E6E"/>
+          </a:solidFill>
+          <a:ln>
+            <a:noFill/>
+          </a:ln>
+        </p:spPr>
+        <p:style>
+          <a:lnRef idx="3">
+            <a:schemeClr val="lt1"/>
+          </a:lnRef>
+          <a:fillRef idx="1">
+            <a:schemeClr val="accent1"/>
+          </a:fillRef>
+          <a:effectRef idx="1">
+            <a:schemeClr val="accent1"/>
+          </a:effectRef>
+          <a:fontRef idx="minor">
+            <a:schemeClr val="lt1"/>
+          </a:fontRef>
+        </p:style>
+        <p:txBody>
+          <a:bodyPr rtlCol="0" anchor="ctr"/>
+          <a:lstStyle/>
+          <a:p>
+            <a:pPr algn="ctr"/>
+            <a:endParaRPr lang="en-US"/>
+          </a:p>
+        </p:txBody>
+      </p:sp>
+      <p:sp>
+        <p:nvSpPr>
+          <p:cNvPr id="22" name="Заголовок 1"/>
           <p:cNvSpPr txBox="1">
             <a:spLocks/>
           </p:cNvSpPr>
@@ -8007,7 +8779,7 @@
         </p:spPr>
         <p:txBody>
           <a:bodyPr vert="horz" lIns="91440" tIns="45720" rIns="91440" bIns="45720" rtlCol="0" anchor="ctr">
-            <a:normAutofit fontScale="67500" lnSpcReduction="20000"/>
+            <a:normAutofit fontScale="90000" lnSpcReduction="10000"/>
           </a:bodyPr>
           <a:lstStyle>
             <a:lvl1pPr algn="ctr" defTabSz="914400" rtl="0" eaLnBrk="1" latinLnBrk="0" hangingPunct="1">
@@ -8027,7 +8799,7 @@
           </a:lstStyle>
           <a:p>
             <a:r>
-              <a:rPr lang="ru-RU" sz="3600" dirty="0">
+              <a:rPr lang="en-US" sz="3600" dirty="0">
                 <a:solidFill>
                   <a:schemeClr val="bg1"/>
                 </a:solidFill>
@@ -8035,10 +8807,727 @@
                 <a:ea typeface="Segoe UI" pitchFamily="34" charset="0"/>
                 <a:cs typeface="Segoe UI Light" panose="020B0502040204020203" pitchFamily="34" charset="0"/>
               </a:rPr>
-              <a:t>Создание пользовательского интерфейса в </a:t>
-            </a:r>
-            <a:r>
-              <a:rPr lang="en-US" sz="3600" dirty="0">
+              <a:t>PHP Essentials</a:t>
+            </a:r>
+          </a:p>
+        </p:txBody>
+      </p:sp>
+      <p:pic>
+        <p:nvPicPr>
+          <p:cNvPr id="3" name="Picture 2">
+            <a:extLst>
+              <a:ext uri="{FF2B5EF4-FFF2-40B4-BE49-F238E27FC236}">
+                <a16:creationId xmlns:a16="http://schemas.microsoft.com/office/drawing/2014/main" id="{66C7A403-DEB3-462D-BDB5-D328BD1D24C3}"/>
+              </a:ext>
+            </a:extLst>
+          </p:cNvPr>
+          <p:cNvPicPr>
+            <a:picLocks noChangeAspect="1"/>
+          </p:cNvPicPr>
+          <p:nvPr/>
+        </p:nvPicPr>
+        <p:blipFill>
+          <a:blip r:embed="rId3"/>
+          <a:stretch>
+            <a:fillRect/>
+          </a:stretch>
+        </p:blipFill>
+        <p:spPr>
+          <a:xfrm>
+            <a:off x="2725234" y="1838325"/>
+            <a:ext cx="2626732" cy="4038600"/>
+          </a:xfrm>
+          <a:prstGeom prst="rect">
+            <a:avLst/>
+          </a:prstGeom>
+        </p:spPr>
+      </p:pic>
+      <p:pic>
+        <p:nvPicPr>
+          <p:cNvPr id="5" name="Picture 4">
+            <a:extLst>
+              <a:ext uri="{FF2B5EF4-FFF2-40B4-BE49-F238E27FC236}">
+                <a16:creationId xmlns:a16="http://schemas.microsoft.com/office/drawing/2014/main" id="{7E2749EA-4800-4E37-9360-6CAE1E275E56}"/>
+              </a:ext>
+            </a:extLst>
+          </p:cNvPr>
+          <p:cNvPicPr>
+            <a:picLocks noChangeAspect="1"/>
+          </p:cNvPicPr>
+          <p:nvPr/>
+        </p:nvPicPr>
+        <p:blipFill>
+          <a:blip r:embed="rId4"/>
+          <a:stretch>
+            <a:fillRect/>
+          </a:stretch>
+        </p:blipFill>
+        <p:spPr>
+          <a:xfrm>
+            <a:off x="6096000" y="2630649"/>
+            <a:ext cx="3153849" cy="2184078"/>
+          </a:xfrm>
+          <a:prstGeom prst="rect">
+            <a:avLst/>
+          </a:prstGeom>
+        </p:spPr>
+      </p:pic>
+    </p:spTree>
+    <p:extLst>
+      <p:ext uri="{BB962C8B-B14F-4D97-AF65-F5344CB8AC3E}">
+        <p14:creationId xmlns:p14="http://schemas.microsoft.com/office/powerpoint/2010/main" val="3658170166"/>
+      </p:ext>
+    </p:extLst>
+  </p:cSld>
+  <p:clrMapOvr>
+    <a:masterClrMapping/>
+  </p:clrMapOvr>
+  <p:transition spd="slow">
+    <p:cover/>
+  </p:transition>
+</p:sld>
+</file>
+
+<file path=ppt/slides/slide15.xml><?xml version="1.0" encoding="utf-8"?>
+<p:sld xmlns:a="http://schemas.openxmlformats.org/drawingml/2006/main" xmlns:r="http://schemas.openxmlformats.org/officeDocument/2006/relationships" xmlns:p="http://schemas.openxmlformats.org/presentationml/2006/main">
+  <p:cSld>
+    <p:spTree>
+      <p:nvGrpSpPr>
+        <p:cNvPr id="1" name=""/>
+        <p:cNvGrpSpPr/>
+        <p:nvPr/>
+      </p:nvGrpSpPr>
+      <p:grpSpPr>
+        <a:xfrm>
+          <a:off x="0" y="0"/>
+          <a:ext cx="0" cy="0"/>
+          <a:chOff x="0" y="0"/>
+          <a:chExt cx="0" cy="0"/>
+        </a:xfrm>
+      </p:grpSpPr>
+      <p:sp>
+        <p:nvSpPr>
+          <p:cNvPr id="45057" name="Заголовок 1"/>
+          <p:cNvSpPr txBox="1">
+            <a:spLocks/>
+          </p:cNvSpPr>
+          <p:nvPr/>
+        </p:nvSpPr>
+        <p:spPr bwMode="auto">
+          <a:xfrm>
+            <a:off x="1981200" y="795740"/>
+            <a:ext cx="8229600" cy="563562"/>
+          </a:xfrm>
+          <a:prstGeom prst="rect">
+            <a:avLst/>
+          </a:prstGeom>
+          <a:noFill/>
+          <a:ln w="9525">
+            <a:noFill/>
+            <a:miter lim="800000"/>
+            <a:headEnd/>
+            <a:tailEnd/>
+          </a:ln>
+        </p:spPr>
+        <p:txBody>
+          <a:bodyPr anchor="ctr"/>
+          <a:lstStyle/>
+          <a:p>
+            <a:pPr algn="ctr"/>
+            <a:r>
+              <a:rPr lang="en-US" sz="2800" dirty="0">
+                <a:solidFill>
+                  <a:srgbClr val="D04E1D"/>
+                </a:solidFill>
+                <a:latin typeface="Segoe UI Light" panose="020B0502040204020203" pitchFamily="34" charset="0"/>
+                <a:cs typeface="Segoe UI Light" panose="020B0502040204020203" pitchFamily="34" charset="0"/>
+              </a:rPr>
+              <a:t>TestProvider.com</a:t>
+            </a:r>
+          </a:p>
+        </p:txBody>
+      </p:sp>
+      <p:sp>
+        <p:nvSpPr>
+          <p:cNvPr id="13" name="Прямоугольник 12"/>
+          <p:cNvSpPr/>
+          <p:nvPr/>
+        </p:nvSpPr>
+        <p:spPr>
+          <a:xfrm>
+            <a:off x="0" y="6343650"/>
+            <a:ext cx="12192000" cy="533400"/>
+          </a:xfrm>
+          <a:prstGeom prst="rect">
+            <a:avLst/>
+          </a:prstGeom>
+          <a:solidFill>
+            <a:srgbClr val="6E6E6E"/>
+          </a:solidFill>
+          <a:ln>
+            <a:noFill/>
+          </a:ln>
+        </p:spPr>
+        <p:style>
+          <a:lnRef idx="3">
+            <a:schemeClr val="lt1"/>
+          </a:lnRef>
+          <a:fillRef idx="1">
+            <a:schemeClr val="accent1"/>
+          </a:fillRef>
+          <a:effectRef idx="1">
+            <a:schemeClr val="accent1"/>
+          </a:effectRef>
+          <a:fontRef idx="minor">
+            <a:schemeClr val="lt1"/>
+          </a:fontRef>
+        </p:style>
+        <p:txBody>
+          <a:bodyPr anchor="ctr"/>
+          <a:lstStyle/>
+          <a:p>
+            <a:pPr algn="ctr" fontAlgn="auto">
+              <a:spcBef>
+                <a:spcPts val="0"/>
+              </a:spcBef>
+              <a:spcAft>
+                <a:spcPts val="0"/>
+              </a:spcAft>
+              <a:defRPr/>
+            </a:pPr>
+            <a:endParaRPr lang="en-US">
+              <a:latin typeface="Segoe UI Light" panose="020B0502040204020203" pitchFamily="34" charset="0"/>
+              <a:cs typeface="Segoe UI Light" panose="020B0502040204020203" pitchFamily="34" charset="0"/>
+            </a:endParaRPr>
+          </a:p>
+        </p:txBody>
+      </p:sp>
+      <p:sp>
+        <p:nvSpPr>
+          <p:cNvPr id="45059" name="Прямоугольник 13"/>
+          <p:cNvSpPr>
+            <a:spLocks noChangeArrowheads="1"/>
+          </p:cNvSpPr>
+          <p:nvPr/>
+        </p:nvSpPr>
+        <p:spPr bwMode="auto">
+          <a:xfrm>
+            <a:off x="4038600" y="6459538"/>
+            <a:ext cx="7924800" cy="306387"/>
+          </a:xfrm>
+          <a:prstGeom prst="rect">
+            <a:avLst/>
+          </a:prstGeom>
+          <a:noFill/>
+          <a:ln w="9525">
+            <a:noFill/>
+            <a:miter lim="800000"/>
+            <a:headEnd/>
+            <a:tailEnd/>
+          </a:ln>
+        </p:spPr>
+        <p:txBody>
+          <a:bodyPr>
+            <a:spAutoFit/>
+          </a:bodyPr>
+          <a:lstStyle/>
+          <a:p>
+            <a:r>
+              <a:rPr lang="en-US" sz="1400">
+                <a:solidFill>
+                  <a:schemeClr val="bg1"/>
+                </a:solidFill>
+                <a:latin typeface="Segoe UI Light" panose="020B0502040204020203" pitchFamily="34" charset="0"/>
+                <a:cs typeface="Segoe UI Light" panose="020B0502040204020203" pitchFamily="34" charset="0"/>
+              </a:rPr>
+              <a:t>Information Technology Video Developer Network                                                       http://itvdn.com</a:t>
+            </a:r>
+          </a:p>
+        </p:txBody>
+      </p:sp>
+      <p:sp>
+        <p:nvSpPr>
+          <p:cNvPr id="45060" name="Прямоугольник 15"/>
+          <p:cNvSpPr>
+            <a:spLocks noChangeArrowheads="1"/>
+          </p:cNvSpPr>
+          <p:nvPr/>
+        </p:nvSpPr>
+        <p:spPr bwMode="auto">
+          <a:xfrm>
+            <a:off x="373063" y="6430963"/>
+            <a:ext cx="892175" cy="400050"/>
+          </a:xfrm>
+          <a:prstGeom prst="rect">
+            <a:avLst/>
+          </a:prstGeom>
+          <a:noFill/>
+          <a:ln w="9525">
+            <a:noFill/>
+            <a:miter lim="800000"/>
+            <a:headEnd/>
+            <a:tailEnd/>
+          </a:ln>
+        </p:spPr>
+        <p:txBody>
+          <a:bodyPr wrap="none">
+            <a:spAutoFit/>
+          </a:bodyPr>
+          <a:lstStyle/>
+          <a:p>
+            <a:r>
+              <a:rPr lang="en-US" sz="2000">
+                <a:solidFill>
+                  <a:schemeClr val="bg1"/>
+                </a:solidFill>
+                <a:latin typeface="Segoe UI Light" panose="020B0502040204020203" pitchFamily="34" charset="0"/>
+                <a:cs typeface="Segoe UI Light" panose="020B0502040204020203" pitchFamily="34" charset="0"/>
+              </a:rPr>
+              <a:t>ITVDN</a:t>
+            </a:r>
+            <a:endParaRPr lang="en-US" sz="2000">
+              <a:latin typeface="Segoe UI Light" panose="020B0502040204020203" pitchFamily="34" charset="0"/>
+              <a:cs typeface="Segoe UI Light" panose="020B0502040204020203" pitchFamily="34" charset="0"/>
+            </a:endParaRPr>
+          </a:p>
+        </p:txBody>
+      </p:sp>
+      <p:grpSp>
+        <p:nvGrpSpPr>
+          <p:cNvPr id="45061" name="Группа 17"/>
+          <p:cNvGrpSpPr>
+            <a:grpSpLocks/>
+          </p:cNvGrpSpPr>
+          <p:nvPr/>
+        </p:nvGrpSpPr>
+        <p:grpSpPr bwMode="auto">
+          <a:xfrm>
+            <a:off x="177800" y="6403975"/>
+            <a:ext cx="177800" cy="412750"/>
+            <a:chOff x="4724400" y="3098418"/>
+            <a:chExt cx="178914" cy="411555"/>
+          </a:xfrm>
+        </p:grpSpPr>
+        <p:sp>
+          <p:nvSpPr>
+            <p:cNvPr id="19" name="Блок-схема: данные 27"/>
+            <p:cNvSpPr/>
+            <p:nvPr/>
+          </p:nvSpPr>
+          <p:spPr>
+            <a:xfrm rot="5400000" flipH="1">
+              <a:off x="4611608" y="3312516"/>
+              <a:ext cx="310249" cy="84665"/>
+            </a:xfrm>
+            <a:custGeom>
+              <a:avLst/>
+              <a:gdLst>
+                <a:gd name="connsiteX0" fmla="*/ 0 w 10000"/>
+                <a:gd name="connsiteY0" fmla="*/ 10000 h 10000"/>
+                <a:gd name="connsiteX1" fmla="*/ 2000 w 10000"/>
+                <a:gd name="connsiteY1" fmla="*/ 0 h 10000"/>
+                <a:gd name="connsiteX2" fmla="*/ 10000 w 10000"/>
+                <a:gd name="connsiteY2" fmla="*/ 0 h 10000"/>
+                <a:gd name="connsiteX3" fmla="*/ 8000 w 10000"/>
+                <a:gd name="connsiteY3" fmla="*/ 10000 h 10000"/>
+                <a:gd name="connsiteX4" fmla="*/ 0 w 10000"/>
+                <a:gd name="connsiteY4" fmla="*/ 10000 h 10000"/>
+                <a:gd name="connsiteX0" fmla="*/ 0 w 11343"/>
+                <a:gd name="connsiteY0" fmla="*/ 10000 h 10000"/>
+                <a:gd name="connsiteX1" fmla="*/ 2000 w 11343"/>
+                <a:gd name="connsiteY1" fmla="*/ 0 h 10000"/>
+                <a:gd name="connsiteX2" fmla="*/ 11343 w 11343"/>
+                <a:gd name="connsiteY2" fmla="*/ 302 h 10000"/>
+                <a:gd name="connsiteX3" fmla="*/ 8000 w 11343"/>
+                <a:gd name="connsiteY3" fmla="*/ 10000 h 10000"/>
+                <a:gd name="connsiteX4" fmla="*/ 0 w 11343"/>
+                <a:gd name="connsiteY4" fmla="*/ 10000 h 10000"/>
+                <a:gd name="connsiteX0" fmla="*/ 0 w 11019"/>
+                <a:gd name="connsiteY0" fmla="*/ 10000 h 10000"/>
+                <a:gd name="connsiteX1" fmla="*/ 1676 w 11019"/>
+                <a:gd name="connsiteY1" fmla="*/ 0 h 10000"/>
+                <a:gd name="connsiteX2" fmla="*/ 11019 w 11019"/>
+                <a:gd name="connsiteY2" fmla="*/ 302 h 10000"/>
+                <a:gd name="connsiteX3" fmla="*/ 7676 w 11019"/>
+                <a:gd name="connsiteY3" fmla="*/ 10000 h 10000"/>
+                <a:gd name="connsiteX4" fmla="*/ 0 w 11019"/>
+                <a:gd name="connsiteY4" fmla="*/ 10000 h 10000"/>
+                <a:gd name="connsiteX0" fmla="*/ 0 w 11019"/>
+                <a:gd name="connsiteY0" fmla="*/ 10151 h 10151"/>
+                <a:gd name="connsiteX1" fmla="*/ 3759 w 11019"/>
+                <a:gd name="connsiteY1" fmla="*/ 0 h 10151"/>
+                <a:gd name="connsiteX2" fmla="*/ 11019 w 11019"/>
+                <a:gd name="connsiteY2" fmla="*/ 453 h 10151"/>
+                <a:gd name="connsiteX3" fmla="*/ 7676 w 11019"/>
+                <a:gd name="connsiteY3" fmla="*/ 10151 h 10151"/>
+                <a:gd name="connsiteX4" fmla="*/ 0 w 11019"/>
+                <a:gd name="connsiteY4" fmla="*/ 10151 h 10151"/>
+                <a:gd name="connsiteX0" fmla="*/ 0 w 11019"/>
+                <a:gd name="connsiteY0" fmla="*/ 9698 h 9698"/>
+                <a:gd name="connsiteX1" fmla="*/ 4685 w 11019"/>
+                <a:gd name="connsiteY1" fmla="*/ 1 h 9698"/>
+                <a:gd name="connsiteX2" fmla="*/ 11019 w 11019"/>
+                <a:gd name="connsiteY2" fmla="*/ 0 h 9698"/>
+                <a:gd name="connsiteX3" fmla="*/ 7676 w 11019"/>
+                <a:gd name="connsiteY3" fmla="*/ 9698 h 9698"/>
+                <a:gd name="connsiteX4" fmla="*/ 0 w 11019"/>
+                <a:gd name="connsiteY4" fmla="*/ 9698 h 9698"/>
+                <a:gd name="connsiteX0" fmla="*/ 0 w 10000"/>
+                <a:gd name="connsiteY0" fmla="*/ 10155 h 10155"/>
+                <a:gd name="connsiteX1" fmla="*/ 3202 w 10000"/>
+                <a:gd name="connsiteY1" fmla="*/ 0 h 10155"/>
+                <a:gd name="connsiteX2" fmla="*/ 10000 w 10000"/>
+                <a:gd name="connsiteY2" fmla="*/ 155 h 10155"/>
+                <a:gd name="connsiteX3" fmla="*/ 6966 w 10000"/>
+                <a:gd name="connsiteY3" fmla="*/ 10155 h 10155"/>
+                <a:gd name="connsiteX4" fmla="*/ 0 w 10000"/>
+                <a:gd name="connsiteY4" fmla="*/ 10155 h 10155"/>
+              </a:gdLst>
+              <a:ahLst/>
+              <a:cxnLst>
+                <a:cxn ang="0">
+                  <a:pos x="connsiteX0" y="connsiteY0"/>
+                </a:cxn>
+                <a:cxn ang="0">
+                  <a:pos x="connsiteX1" y="connsiteY1"/>
+                </a:cxn>
+                <a:cxn ang="0">
+                  <a:pos x="connsiteX2" y="connsiteY2"/>
+                </a:cxn>
+                <a:cxn ang="0">
+                  <a:pos x="connsiteX3" y="connsiteY3"/>
+                </a:cxn>
+                <a:cxn ang="0">
+                  <a:pos x="connsiteX4" y="connsiteY4"/>
+                </a:cxn>
+              </a:cxnLst>
+              <a:rect l="l" t="t" r="r" b="b"/>
+              <a:pathLst>
+                <a:path w="10000" h="10155">
+                  <a:moveTo>
+                    <a:pt x="0" y="10155"/>
+                  </a:moveTo>
+                  <a:lnTo>
+                    <a:pt x="3202" y="0"/>
+                  </a:lnTo>
+                  <a:lnTo>
+                    <a:pt x="10000" y="155"/>
+                  </a:lnTo>
+                  <a:lnTo>
+                    <a:pt x="6966" y="10155"/>
+                  </a:lnTo>
+                  <a:lnTo>
+                    <a:pt x="0" y="10155"/>
+                  </a:lnTo>
+                  <a:close/>
+                </a:path>
+              </a:pathLst>
+            </a:custGeom>
+            <a:solidFill>
+              <a:schemeClr val="bg1"/>
+            </a:solidFill>
+            <a:ln>
+              <a:noFill/>
+            </a:ln>
+          </p:spPr>
+          <p:style>
+            <a:lnRef idx="2">
+              <a:schemeClr val="accent1">
+                <a:shade val="50000"/>
+              </a:schemeClr>
+            </a:lnRef>
+            <a:fillRef idx="1">
+              <a:schemeClr val="accent1"/>
+            </a:fillRef>
+            <a:effectRef idx="0">
+              <a:schemeClr val="accent1"/>
+            </a:effectRef>
+            <a:fontRef idx="minor">
+              <a:schemeClr val="lt1"/>
+            </a:fontRef>
+          </p:style>
+          <p:txBody>
+            <a:bodyPr anchor="ctr"/>
+            <a:lstStyle/>
+            <a:p>
+              <a:pPr algn="ctr" fontAlgn="auto">
+                <a:spcBef>
+                  <a:spcPts val="0"/>
+                </a:spcBef>
+                <a:spcAft>
+                  <a:spcPts val="0"/>
+                </a:spcAft>
+                <a:defRPr/>
+              </a:pPr>
+              <a:endParaRPr lang="en-US">
+                <a:latin typeface="Segoe UI Light" panose="020B0502040204020203" pitchFamily="34" charset="0"/>
+                <a:cs typeface="Segoe UI Light" panose="020B0502040204020203" pitchFamily="34" charset="0"/>
+              </a:endParaRPr>
+            </a:p>
+          </p:txBody>
+        </p:sp>
+        <p:sp>
+          <p:nvSpPr>
+            <p:cNvPr id="20" name="Блок-схема: данные 27"/>
+            <p:cNvSpPr/>
+            <p:nvPr/>
+          </p:nvSpPr>
+          <p:spPr>
+            <a:xfrm rot="5400000" flipH="1">
+              <a:off x="4705858" y="3211210"/>
+              <a:ext cx="310249" cy="84664"/>
+            </a:xfrm>
+            <a:custGeom>
+              <a:avLst/>
+              <a:gdLst>
+                <a:gd name="connsiteX0" fmla="*/ 0 w 10000"/>
+                <a:gd name="connsiteY0" fmla="*/ 10000 h 10000"/>
+                <a:gd name="connsiteX1" fmla="*/ 2000 w 10000"/>
+                <a:gd name="connsiteY1" fmla="*/ 0 h 10000"/>
+                <a:gd name="connsiteX2" fmla="*/ 10000 w 10000"/>
+                <a:gd name="connsiteY2" fmla="*/ 0 h 10000"/>
+                <a:gd name="connsiteX3" fmla="*/ 8000 w 10000"/>
+                <a:gd name="connsiteY3" fmla="*/ 10000 h 10000"/>
+                <a:gd name="connsiteX4" fmla="*/ 0 w 10000"/>
+                <a:gd name="connsiteY4" fmla="*/ 10000 h 10000"/>
+                <a:gd name="connsiteX0" fmla="*/ 0 w 11343"/>
+                <a:gd name="connsiteY0" fmla="*/ 10000 h 10000"/>
+                <a:gd name="connsiteX1" fmla="*/ 2000 w 11343"/>
+                <a:gd name="connsiteY1" fmla="*/ 0 h 10000"/>
+                <a:gd name="connsiteX2" fmla="*/ 11343 w 11343"/>
+                <a:gd name="connsiteY2" fmla="*/ 302 h 10000"/>
+                <a:gd name="connsiteX3" fmla="*/ 8000 w 11343"/>
+                <a:gd name="connsiteY3" fmla="*/ 10000 h 10000"/>
+                <a:gd name="connsiteX4" fmla="*/ 0 w 11343"/>
+                <a:gd name="connsiteY4" fmla="*/ 10000 h 10000"/>
+                <a:gd name="connsiteX0" fmla="*/ 0 w 11019"/>
+                <a:gd name="connsiteY0" fmla="*/ 10000 h 10000"/>
+                <a:gd name="connsiteX1" fmla="*/ 1676 w 11019"/>
+                <a:gd name="connsiteY1" fmla="*/ 0 h 10000"/>
+                <a:gd name="connsiteX2" fmla="*/ 11019 w 11019"/>
+                <a:gd name="connsiteY2" fmla="*/ 302 h 10000"/>
+                <a:gd name="connsiteX3" fmla="*/ 7676 w 11019"/>
+                <a:gd name="connsiteY3" fmla="*/ 10000 h 10000"/>
+                <a:gd name="connsiteX4" fmla="*/ 0 w 11019"/>
+                <a:gd name="connsiteY4" fmla="*/ 10000 h 10000"/>
+                <a:gd name="connsiteX0" fmla="*/ 0 w 11019"/>
+                <a:gd name="connsiteY0" fmla="*/ 10151 h 10151"/>
+                <a:gd name="connsiteX1" fmla="*/ 3759 w 11019"/>
+                <a:gd name="connsiteY1" fmla="*/ 0 h 10151"/>
+                <a:gd name="connsiteX2" fmla="*/ 11019 w 11019"/>
+                <a:gd name="connsiteY2" fmla="*/ 453 h 10151"/>
+                <a:gd name="connsiteX3" fmla="*/ 7676 w 11019"/>
+                <a:gd name="connsiteY3" fmla="*/ 10151 h 10151"/>
+                <a:gd name="connsiteX4" fmla="*/ 0 w 11019"/>
+                <a:gd name="connsiteY4" fmla="*/ 10151 h 10151"/>
+                <a:gd name="connsiteX0" fmla="*/ 0 w 11019"/>
+                <a:gd name="connsiteY0" fmla="*/ 9698 h 9698"/>
+                <a:gd name="connsiteX1" fmla="*/ 4685 w 11019"/>
+                <a:gd name="connsiteY1" fmla="*/ 1 h 9698"/>
+                <a:gd name="connsiteX2" fmla="*/ 11019 w 11019"/>
+                <a:gd name="connsiteY2" fmla="*/ 0 h 9698"/>
+                <a:gd name="connsiteX3" fmla="*/ 7676 w 11019"/>
+                <a:gd name="connsiteY3" fmla="*/ 9698 h 9698"/>
+                <a:gd name="connsiteX4" fmla="*/ 0 w 11019"/>
+                <a:gd name="connsiteY4" fmla="*/ 9698 h 9698"/>
+                <a:gd name="connsiteX0" fmla="*/ 0 w 10000"/>
+                <a:gd name="connsiteY0" fmla="*/ 10155 h 10155"/>
+                <a:gd name="connsiteX1" fmla="*/ 3202 w 10000"/>
+                <a:gd name="connsiteY1" fmla="*/ 0 h 10155"/>
+                <a:gd name="connsiteX2" fmla="*/ 10000 w 10000"/>
+                <a:gd name="connsiteY2" fmla="*/ 155 h 10155"/>
+                <a:gd name="connsiteX3" fmla="*/ 6966 w 10000"/>
+                <a:gd name="connsiteY3" fmla="*/ 10155 h 10155"/>
+                <a:gd name="connsiteX4" fmla="*/ 0 w 10000"/>
+                <a:gd name="connsiteY4" fmla="*/ 10155 h 10155"/>
+              </a:gdLst>
+              <a:ahLst/>
+              <a:cxnLst>
+                <a:cxn ang="0">
+                  <a:pos x="connsiteX0" y="connsiteY0"/>
+                </a:cxn>
+                <a:cxn ang="0">
+                  <a:pos x="connsiteX1" y="connsiteY1"/>
+                </a:cxn>
+                <a:cxn ang="0">
+                  <a:pos x="connsiteX2" y="connsiteY2"/>
+                </a:cxn>
+                <a:cxn ang="0">
+                  <a:pos x="connsiteX3" y="connsiteY3"/>
+                </a:cxn>
+                <a:cxn ang="0">
+                  <a:pos x="connsiteX4" y="connsiteY4"/>
+                </a:cxn>
+              </a:cxnLst>
+              <a:rect l="l" t="t" r="r" b="b"/>
+              <a:pathLst>
+                <a:path w="10000" h="10155">
+                  <a:moveTo>
+                    <a:pt x="0" y="10155"/>
+                  </a:moveTo>
+                  <a:lnTo>
+                    <a:pt x="3202" y="0"/>
+                  </a:lnTo>
+                  <a:lnTo>
+                    <a:pt x="10000" y="155"/>
+                  </a:lnTo>
+                  <a:lnTo>
+                    <a:pt x="6966" y="10155"/>
+                  </a:lnTo>
+                  <a:lnTo>
+                    <a:pt x="0" y="10155"/>
+                  </a:lnTo>
+                  <a:close/>
+                </a:path>
+              </a:pathLst>
+            </a:custGeom>
+            <a:solidFill>
+              <a:schemeClr val="bg1">
+                <a:lumMod val="85000"/>
+              </a:schemeClr>
+            </a:solidFill>
+            <a:ln>
+              <a:noFill/>
+            </a:ln>
+          </p:spPr>
+          <p:style>
+            <a:lnRef idx="2">
+              <a:schemeClr val="accent1">
+                <a:shade val="50000"/>
+              </a:schemeClr>
+            </a:lnRef>
+            <a:fillRef idx="1">
+              <a:schemeClr val="accent1"/>
+            </a:fillRef>
+            <a:effectRef idx="0">
+              <a:schemeClr val="accent1"/>
+            </a:effectRef>
+            <a:fontRef idx="minor">
+              <a:schemeClr val="lt1"/>
+            </a:fontRef>
+          </p:style>
+          <p:txBody>
+            <a:bodyPr anchor="ctr"/>
+            <a:lstStyle/>
+            <a:p>
+              <a:pPr algn="ctr" fontAlgn="auto">
+                <a:spcBef>
+                  <a:spcPts val="0"/>
+                </a:spcBef>
+                <a:spcAft>
+                  <a:spcPts val="0"/>
+                </a:spcAft>
+                <a:defRPr/>
+              </a:pPr>
+              <a:endParaRPr lang="en-US">
+                <a:latin typeface="Segoe UI Light" panose="020B0502040204020203" pitchFamily="34" charset="0"/>
+                <a:cs typeface="Segoe UI Light" panose="020B0502040204020203" pitchFamily="34" charset="0"/>
+              </a:endParaRPr>
+            </a:p>
+          </p:txBody>
+        </p:sp>
+      </p:grpSp>
+      <p:sp>
+        <p:nvSpPr>
+          <p:cNvPr id="21" name="Прямоугольник 20"/>
+          <p:cNvSpPr/>
+          <p:nvPr/>
+        </p:nvSpPr>
+        <p:spPr>
+          <a:xfrm>
+            <a:off x="0" y="228600"/>
+            <a:ext cx="12192000" cy="533400"/>
+          </a:xfrm>
+          <a:prstGeom prst="rect">
+            <a:avLst/>
+          </a:prstGeom>
+          <a:solidFill>
+            <a:srgbClr val="6E6E6E"/>
+          </a:solidFill>
+          <a:ln>
+            <a:noFill/>
+          </a:ln>
+        </p:spPr>
+        <p:style>
+          <a:lnRef idx="3">
+            <a:schemeClr val="lt1"/>
+          </a:lnRef>
+          <a:fillRef idx="1">
+            <a:schemeClr val="accent1"/>
+          </a:fillRef>
+          <a:effectRef idx="1">
+            <a:schemeClr val="accent1"/>
+          </a:effectRef>
+          <a:fontRef idx="minor">
+            <a:schemeClr val="lt1"/>
+          </a:fontRef>
+        </p:style>
+        <p:txBody>
+          <a:bodyPr anchor="ctr"/>
+          <a:lstStyle/>
+          <a:p>
+            <a:pPr algn="ctr" fontAlgn="auto">
+              <a:spcBef>
+                <a:spcPts val="0"/>
+              </a:spcBef>
+              <a:spcAft>
+                <a:spcPts val="0"/>
+              </a:spcAft>
+              <a:defRPr/>
+            </a:pPr>
+            <a:endParaRPr lang="en-US">
+              <a:latin typeface="Segoe UI Light" panose="020B0502040204020203" pitchFamily="34" charset="0"/>
+              <a:cs typeface="Segoe UI Light" panose="020B0502040204020203" pitchFamily="34" charset="0"/>
+            </a:endParaRPr>
+          </a:p>
+        </p:txBody>
+      </p:sp>
+      <p:sp>
+        <p:nvSpPr>
+          <p:cNvPr id="22" name="Заголовок 1"/>
+          <p:cNvSpPr txBox="1">
+            <a:spLocks/>
+          </p:cNvSpPr>
+          <p:nvPr/>
+        </p:nvSpPr>
+        <p:spPr>
+          <a:xfrm>
+            <a:off x="1981200" y="228600"/>
+            <a:ext cx="8229600" cy="571500"/>
+          </a:xfrm>
+          <a:prstGeom prst="rect">
+            <a:avLst/>
+          </a:prstGeom>
+        </p:spPr>
+        <p:txBody>
+          <a:bodyPr anchor="ctr">
+            <a:normAutofit fontScale="97500" lnSpcReduction="10000"/>
+          </a:bodyPr>
+          <a:lstStyle>
+            <a:lvl1pPr algn="ctr" defTabSz="914400" rtl="0" eaLnBrk="1" latinLnBrk="0" hangingPunct="1">
+              <a:spcBef>
+                <a:spcPct val="0"/>
+              </a:spcBef>
+              <a:buNone/>
+              <a:defRPr sz="4400" kern="1200">
+                <a:solidFill>
+                  <a:schemeClr val="tx1"/>
+                </a:solidFill>
+                <a:latin typeface="+mj-lt"/>
+                <a:ea typeface="+mj-ea"/>
+                <a:cs typeface="+mj-cs"/>
+              </a:defRPr>
+            </a:lvl1pPr>
+          </a:lstStyle>
+          <a:p>
+            <a:pPr fontAlgn="auto">
+              <a:spcAft>
+                <a:spcPts val="0"/>
+              </a:spcAft>
+              <a:defRPr/>
+            </a:pPr>
+            <a:r>
+              <a:rPr lang="ru-RU" sz="3600" dirty="0">
                 <a:solidFill>
                   <a:schemeClr val="bg1"/>
                 </a:solidFill>
@@ -8046,7 +9535,410 @@
                 <a:ea typeface="Segoe UI" pitchFamily="34" charset="0"/>
                 <a:cs typeface="Segoe UI Light" panose="020B0502040204020203" pitchFamily="34" charset="0"/>
               </a:rPr>
-              <a:t>ASP.NET Core</a:t>
+              <a:t>Проверка знаний</a:t>
+            </a:r>
+          </a:p>
+        </p:txBody>
+      </p:sp>
+      <p:sp>
+        <p:nvSpPr>
+          <p:cNvPr id="17" name="TextBox 16"/>
+          <p:cNvSpPr txBox="1"/>
+          <p:nvPr/>
+        </p:nvSpPr>
+        <p:spPr>
+          <a:xfrm>
+            <a:off x="5638800" y="2140714"/>
+            <a:ext cx="5715000" cy="2862322"/>
+          </a:xfrm>
+          <a:prstGeom prst="rect">
+            <a:avLst/>
+          </a:prstGeom>
+          <a:noFill/>
+        </p:spPr>
+        <p:txBody>
+          <a:bodyPr wrap="square">
+            <a:spAutoFit/>
+          </a:bodyPr>
+          <a:lstStyle/>
+          <a:p>
+            <a:pPr algn="just" fontAlgn="auto">
+              <a:spcBef>
+                <a:spcPts val="0"/>
+              </a:spcBef>
+              <a:spcAft>
+                <a:spcPts val="0"/>
+              </a:spcAft>
+              <a:defRPr/>
+            </a:pPr>
+            <a:r>
+              <a:rPr lang="en-US" dirty="0">
+                <a:solidFill>
+                  <a:schemeClr val="tx1">
+                    <a:lumMod val="65000"/>
+                    <a:lumOff val="35000"/>
+                  </a:schemeClr>
+                </a:solidFill>
+                <a:latin typeface="Segoe UI" panose="020B0502040204020203" pitchFamily="34" charset="0"/>
+                <a:cs typeface="Segoe UI" panose="020B0502040204020203" pitchFamily="34" charset="0"/>
+              </a:rPr>
+              <a:t>TestProvider</a:t>
+            </a:r>
+            <a:r>
+              <a:rPr lang="ru-RU" dirty="0">
+                <a:solidFill>
+                  <a:schemeClr val="tx1">
+                    <a:lumMod val="65000"/>
+                    <a:lumOff val="35000"/>
+                  </a:schemeClr>
+                </a:solidFill>
+                <a:latin typeface="Segoe UI" panose="020B0502040204020203" pitchFamily="34" charset="0"/>
+                <a:cs typeface="Segoe UI" panose="020B0502040204020203" pitchFamily="34" charset="0"/>
+              </a:rPr>
+              <a:t> – это </a:t>
+            </a:r>
+            <a:r>
+              <a:rPr lang="en-US" dirty="0">
+                <a:solidFill>
+                  <a:schemeClr val="tx1">
+                    <a:lumMod val="65000"/>
+                    <a:lumOff val="35000"/>
+                  </a:schemeClr>
+                </a:solidFill>
+                <a:latin typeface="Segoe UI" panose="020B0502040204020203" pitchFamily="34" charset="0"/>
+                <a:cs typeface="Segoe UI" panose="020B0502040204020203" pitchFamily="34" charset="0"/>
+              </a:rPr>
+              <a:t>online </a:t>
+            </a:r>
+            <a:r>
+              <a:rPr lang="ru-RU" dirty="0">
+                <a:solidFill>
+                  <a:schemeClr val="tx1">
+                    <a:lumMod val="65000"/>
+                    <a:lumOff val="35000"/>
+                  </a:schemeClr>
+                </a:solidFill>
+                <a:latin typeface="Segoe UI" panose="020B0502040204020203" pitchFamily="34" charset="0"/>
+                <a:cs typeface="Segoe UI" panose="020B0502040204020203" pitchFamily="34" charset="0"/>
+              </a:rPr>
+              <a:t>сервис проверки знаний по информационным технологиям. С его помощью Вы можете оценить Ваш уровень и выявить слабые места. Он будет полезен как в процессе изучения технологии, так и для общей оценки знаний </a:t>
+            </a:r>
+            <a:r>
+              <a:rPr lang="en-US" dirty="0">
+                <a:solidFill>
+                  <a:schemeClr val="tx1">
+                    <a:lumMod val="65000"/>
+                    <a:lumOff val="35000"/>
+                  </a:schemeClr>
+                </a:solidFill>
+                <a:latin typeface="Segoe UI" panose="020B0502040204020203" pitchFamily="34" charset="0"/>
+                <a:cs typeface="Segoe UI" panose="020B0502040204020203" pitchFamily="34" charset="0"/>
+              </a:rPr>
+              <a:t>IT </a:t>
+            </a:r>
+            <a:r>
+              <a:rPr lang="ru-RU" dirty="0">
+                <a:solidFill>
+                  <a:schemeClr val="tx1">
+                    <a:lumMod val="65000"/>
+                    <a:lumOff val="35000"/>
+                  </a:schemeClr>
+                </a:solidFill>
+                <a:latin typeface="Segoe UI" panose="020B0502040204020203" pitchFamily="34" charset="0"/>
+                <a:cs typeface="Segoe UI" panose="020B0502040204020203" pitchFamily="34" charset="0"/>
+              </a:rPr>
+              <a:t>специалиста.</a:t>
+            </a:r>
+            <a:endParaRPr lang="en-US" dirty="0">
+              <a:solidFill>
+                <a:schemeClr val="tx1">
+                  <a:lumMod val="65000"/>
+                  <a:lumOff val="35000"/>
+                </a:schemeClr>
+              </a:solidFill>
+              <a:latin typeface="Segoe UI" panose="020B0502040204020203" pitchFamily="34" charset="0"/>
+              <a:cs typeface="Segoe UI" panose="020B0502040204020203" pitchFamily="34" charset="0"/>
+            </a:endParaRPr>
+          </a:p>
+          <a:p>
+            <a:pPr fontAlgn="auto">
+              <a:spcBef>
+                <a:spcPts val="0"/>
+              </a:spcBef>
+              <a:spcAft>
+                <a:spcPts val="0"/>
+              </a:spcAft>
+              <a:defRPr/>
+            </a:pPr>
+            <a:endParaRPr lang="ru-RU" dirty="0">
+              <a:solidFill>
+                <a:schemeClr val="tx1">
+                  <a:lumMod val="65000"/>
+                  <a:lumOff val="35000"/>
+                </a:schemeClr>
+              </a:solidFill>
+              <a:latin typeface="Segoe UI" panose="020B0502040204020203" pitchFamily="34" charset="0"/>
+              <a:cs typeface="Segoe UI" panose="020B0502040204020203" pitchFamily="34" charset="0"/>
+            </a:endParaRPr>
+          </a:p>
+          <a:p>
+            <a:pPr fontAlgn="auto">
+              <a:spcBef>
+                <a:spcPts val="0"/>
+              </a:spcBef>
+              <a:spcAft>
+                <a:spcPts val="0"/>
+              </a:spcAft>
+              <a:defRPr/>
+            </a:pPr>
+            <a:r>
+              <a:rPr lang="ru-RU" dirty="0">
+                <a:solidFill>
+                  <a:schemeClr val="tx1">
+                    <a:lumMod val="65000"/>
+                    <a:lumOff val="35000"/>
+                  </a:schemeClr>
+                </a:solidFill>
+                <a:latin typeface="Segoe UI" panose="020B0502040204020203" pitchFamily="34" charset="0"/>
+                <a:cs typeface="Segoe UI" panose="020B0502040204020203" pitchFamily="34" charset="0"/>
+              </a:rPr>
+              <a:t>Успешное прохождение финального тестирования позволит Вам получить соответствующий Сертификат.</a:t>
+            </a:r>
+          </a:p>
+        </p:txBody>
+      </p:sp>
+      <p:pic>
+        <p:nvPicPr>
+          <p:cNvPr id="15" name="Picture 2" descr="http://usinformatic.com/images/brands/testprovider.png">
+            <a:hlinkClick r:id="rId3"/>
+          </p:cNvPr>
+          <p:cNvPicPr>
+            <a:picLocks noChangeAspect="1" noChangeArrowheads="1"/>
+          </p:cNvPicPr>
+          <p:nvPr/>
+        </p:nvPicPr>
+        <p:blipFill>
+          <a:blip r:embed="rId4">
+            <a:extLst>
+              <a:ext uri="{28A0092B-C50C-407E-A947-70E740481C1C}">
+                <a14:useLocalDpi xmlns:a14="http://schemas.microsoft.com/office/drawing/2010/main" val="0"/>
+              </a:ext>
+            </a:extLst>
+          </a:blip>
+          <a:srcRect/>
+          <a:stretch>
+            <a:fillRect/>
+          </a:stretch>
+        </p:blipFill>
+        <p:spPr bwMode="auto">
+          <a:xfrm>
+            <a:off x="758508" y="1303221"/>
+            <a:ext cx="4600548" cy="2117359"/>
+          </a:xfrm>
+          <a:prstGeom prst="rect">
+            <a:avLst/>
+          </a:prstGeom>
+          <a:noFill/>
+          <a:extLst>
+            <a:ext uri="{909E8E84-426E-40DD-AFC4-6F175D3DCCD1}">
+              <a14:hiddenFill xmlns:a14="http://schemas.microsoft.com/office/drawing/2010/main">
+                <a:solidFill>
+                  <a:srgbClr val="FFFFFF"/>
+                </a:solidFill>
+              </a14:hiddenFill>
+            </a:ext>
+          </a:extLst>
+        </p:spPr>
+      </p:pic>
+      <p:sp>
+        <p:nvSpPr>
+          <p:cNvPr id="16" name="Прямоугольник 1"/>
+          <p:cNvSpPr/>
+          <p:nvPr/>
+        </p:nvSpPr>
+        <p:spPr>
+          <a:xfrm>
+            <a:off x="990600" y="4077785"/>
+            <a:ext cx="5029200" cy="707886"/>
+          </a:xfrm>
+          <a:prstGeom prst="rect">
+            <a:avLst/>
+          </a:prstGeom>
+        </p:spPr>
+        <p:txBody>
+          <a:bodyPr wrap="square">
+            <a:spAutoFit/>
+          </a:bodyPr>
+          <a:lstStyle/>
+          <a:p>
+            <a:r>
+              <a:rPr lang="ru-RU" sz="2000" dirty="0">
+                <a:solidFill>
+                  <a:schemeClr val="tx1">
+                    <a:lumMod val="65000"/>
+                    <a:lumOff val="35000"/>
+                  </a:schemeClr>
+                </a:solidFill>
+                <a:latin typeface="Segoe UI" panose="020B0502040204020203" pitchFamily="34" charset="0"/>
+                <a:cs typeface="Segoe UI" panose="020B0502040204020203" pitchFamily="34" charset="0"/>
+              </a:rPr>
+              <a:t>Проверьте как Вы усвоили данный материал на </a:t>
+            </a:r>
+            <a:r>
+              <a:rPr lang="en-US" sz="2000" dirty="0">
+                <a:solidFill>
+                  <a:schemeClr val="tx1">
+                    <a:lumMod val="65000"/>
+                    <a:lumOff val="35000"/>
+                  </a:schemeClr>
+                </a:solidFill>
+                <a:latin typeface="Segoe UI" panose="020B0502040204020203" pitchFamily="34" charset="0"/>
+                <a:cs typeface="Segoe UI" panose="020B0502040204020203" pitchFamily="34" charset="0"/>
+                <a:hlinkClick r:id="rId3"/>
+              </a:rPr>
+              <a:t>TestProvider.com</a:t>
+            </a:r>
+            <a:r>
+              <a:rPr lang="en-US" sz="2000" dirty="0">
+                <a:solidFill>
+                  <a:schemeClr val="tx1">
+                    <a:lumMod val="65000"/>
+                    <a:lumOff val="35000"/>
+                  </a:schemeClr>
+                </a:solidFill>
+                <a:latin typeface="Segoe UI" panose="020B0502040204020203" pitchFamily="34" charset="0"/>
+                <a:cs typeface="Segoe UI" panose="020B0502040204020203" pitchFamily="34" charset="0"/>
+              </a:rPr>
+              <a:t> </a:t>
+            </a:r>
+          </a:p>
+        </p:txBody>
+      </p:sp>
+    </p:spTree>
+    <p:extLst>
+      <p:ext uri="{BB962C8B-B14F-4D97-AF65-F5344CB8AC3E}">
+        <p14:creationId xmlns:p14="http://schemas.microsoft.com/office/powerpoint/2010/main" val="743340723"/>
+      </p:ext>
+    </p:extLst>
+  </p:cSld>
+  <p:clrMapOvr>
+    <a:masterClrMapping/>
+  </p:clrMapOvr>
+  <p:transition spd="slow">
+    <p:cover/>
+  </p:transition>
+</p:sld>
+</file>
+
+<file path=ppt/slides/slide16.xml><?xml version="1.0" encoding="utf-8"?>
+<p:sld xmlns:a="http://schemas.openxmlformats.org/drawingml/2006/main" xmlns:r="http://schemas.openxmlformats.org/officeDocument/2006/relationships" xmlns:p="http://schemas.openxmlformats.org/presentationml/2006/main">
+  <p:cSld>
+    <p:spTree>
+      <p:nvGrpSpPr>
+        <p:cNvPr id="1" name=""/>
+        <p:cNvGrpSpPr/>
+        <p:nvPr/>
+      </p:nvGrpSpPr>
+      <p:grpSpPr>
+        <a:xfrm>
+          <a:off x="0" y="0"/>
+          <a:ext cx="0" cy="0"/>
+          <a:chOff x="0" y="0"/>
+          <a:chExt cx="0" cy="0"/>
+        </a:xfrm>
+      </p:grpSpPr>
+      <p:sp>
+        <p:nvSpPr>
+          <p:cNvPr id="8" name="Прямоугольник 7"/>
+          <p:cNvSpPr/>
+          <p:nvPr/>
+        </p:nvSpPr>
+        <p:spPr>
+          <a:xfrm>
+            <a:off x="0" y="228600"/>
+            <a:ext cx="12192000" cy="533400"/>
+          </a:xfrm>
+          <a:prstGeom prst="rect">
+            <a:avLst/>
+          </a:prstGeom>
+          <a:solidFill>
+            <a:srgbClr val="6E6E6E"/>
+          </a:solidFill>
+          <a:ln>
+            <a:noFill/>
+          </a:ln>
+        </p:spPr>
+        <p:style>
+          <a:lnRef idx="3">
+            <a:schemeClr val="lt1"/>
+          </a:lnRef>
+          <a:fillRef idx="1">
+            <a:schemeClr val="accent1"/>
+          </a:fillRef>
+          <a:effectRef idx="1">
+            <a:schemeClr val="accent1"/>
+          </a:effectRef>
+          <a:fontRef idx="minor">
+            <a:schemeClr val="lt1"/>
+          </a:fontRef>
+        </p:style>
+        <p:txBody>
+          <a:bodyPr rtlCol="0" anchor="ctr"/>
+          <a:lstStyle/>
+          <a:p>
+            <a:pPr algn="ctr"/>
+            <a:endParaRPr lang="en-US"/>
+          </a:p>
+        </p:txBody>
+      </p:sp>
+      <p:sp>
+        <p:nvSpPr>
+          <p:cNvPr id="10" name="Заголовок 1"/>
+          <p:cNvSpPr txBox="1">
+            <a:spLocks/>
+          </p:cNvSpPr>
+          <p:nvPr/>
+        </p:nvSpPr>
+        <p:spPr>
+          <a:xfrm>
+            <a:off x="1981200" y="228600"/>
+            <a:ext cx="8229600" cy="571500"/>
+          </a:xfrm>
+          <a:prstGeom prst="rect">
+            <a:avLst/>
+          </a:prstGeom>
+        </p:spPr>
+        <p:txBody>
+          <a:bodyPr vert="horz" lIns="91440" tIns="45720" rIns="91440" bIns="45720" rtlCol="0" anchor="ctr">
+            <a:normAutofit fontScale="90000" lnSpcReduction="10000"/>
+          </a:bodyPr>
+          <a:lstStyle>
+            <a:lvl1pPr algn="ctr" defTabSz="914400" rtl="0" eaLnBrk="1" latinLnBrk="0" hangingPunct="1">
+              <a:spcBef>
+                <a:spcPct val="0"/>
+              </a:spcBef>
+              <a:buNone/>
+              <a:defRPr sz="4400" kern="1200">
+                <a:solidFill>
+                  <a:schemeClr val="tx1"/>
+                </a:solidFill>
+                <a:latin typeface="+mj-lt"/>
+                <a:ea typeface="+mj-ea"/>
+                <a:cs typeface="+mj-cs"/>
+              </a:defRPr>
+            </a:lvl1pPr>
+          </a:lstStyle>
+          <a:p>
+            <a:r>
+              <a:rPr lang="en-US" sz="3600" dirty="0">
+                <a:solidFill>
+                  <a:schemeClr val="bg1"/>
+                </a:solidFill>
+                <a:latin typeface="Segoe UI Light" panose="020B0502040204020203" pitchFamily="34" charset="0"/>
+                <a:ea typeface="Segoe UI" pitchFamily="34" charset="0"/>
+                <a:cs typeface="Segoe UI Light" panose="020B0502040204020203" pitchFamily="34" charset="0"/>
+              </a:rPr>
+              <a:t>PHP Essential</a:t>
             </a:r>
           </a:p>
         </p:txBody>
@@ -8061,7 +9953,7 @@
         </p:nvSpPr>
         <p:spPr>
           <a:xfrm>
-            <a:off x="1981200" y="3429000"/>
+            <a:off x="1981200" y="808038"/>
             <a:ext cx="8229600" cy="563562"/>
           </a:xfrm>
           <a:prstGeom prst="rect">
@@ -8526,10 +10418,143 @@
           </p:txBody>
         </p:sp>
       </p:grpSp>
+      <p:sp>
+        <p:nvSpPr>
+          <p:cNvPr id="14" name="Прямоугольник 1"/>
+          <p:cNvSpPr/>
+          <p:nvPr/>
+        </p:nvSpPr>
+        <p:spPr>
+          <a:xfrm>
+            <a:off x="3246120" y="4845385"/>
+            <a:ext cx="3703463" cy="584775"/>
+          </a:xfrm>
+          <a:prstGeom prst="rect">
+            <a:avLst/>
+          </a:prstGeom>
+        </p:spPr>
+        <p:txBody>
+          <a:bodyPr wrap="square">
+            <a:spAutoFit/>
+          </a:bodyPr>
+          <a:lstStyle/>
+          <a:p>
+            <a:r>
+              <a:rPr lang="ru-RU" sz="1600" b="1" dirty="0">
+                <a:solidFill>
+                  <a:srgbClr val="D04E1D"/>
+                </a:solidFill>
+                <a:latin typeface="Segoe UI Light" panose="020B0502040204020203" pitchFamily="34" charset="0"/>
+                <a:cs typeface="Segoe UI Light" panose="020B0502040204020203" pitchFamily="34" charset="0"/>
+              </a:rPr>
+              <a:t>Александр </a:t>
+            </a:r>
+            <a:r>
+              <a:rPr lang="ru-RU" sz="1600" b="1" dirty="0" err="1">
+                <a:solidFill>
+                  <a:srgbClr val="D04E1D"/>
+                </a:solidFill>
+                <a:latin typeface="Segoe UI Light" panose="020B0502040204020203" pitchFamily="34" charset="0"/>
+                <a:cs typeface="Segoe UI Light" panose="020B0502040204020203" pitchFamily="34" charset="0"/>
+              </a:rPr>
+              <a:t>Хонько</a:t>
+            </a:r>
+            <a:endParaRPr lang="ru-RU" sz="1600" b="1" dirty="0">
+              <a:solidFill>
+                <a:srgbClr val="D04E1D"/>
+              </a:solidFill>
+              <a:latin typeface="Segoe UI Light" panose="020B0502040204020203" pitchFamily="34" charset="0"/>
+              <a:cs typeface="Segoe UI Light" panose="020B0502040204020203" pitchFamily="34" charset="0"/>
+            </a:endParaRPr>
+          </a:p>
+          <a:p>
+            <a:r>
+              <a:rPr lang="en-US" sz="1600" dirty="0">
+                <a:solidFill>
+                  <a:srgbClr val="D04E1D"/>
+                </a:solidFill>
+                <a:latin typeface="Segoe UI Light" panose="020B0502040204020203" pitchFamily="34" charset="0"/>
+                <a:cs typeface="Segoe UI Light" panose="020B0502040204020203" pitchFamily="34" charset="0"/>
+              </a:rPr>
+              <a:t>PHP Developer</a:t>
+            </a:r>
+          </a:p>
+        </p:txBody>
+      </p:sp>
+      <p:pic>
+        <p:nvPicPr>
+          <p:cNvPr id="17" name="Picture 2" descr="Файл:PHP-logo.svg — Википедия"/>
+          <p:cNvPicPr>
+            <a:picLocks noChangeAspect="1" noChangeArrowheads="1"/>
+          </p:cNvPicPr>
+          <p:nvPr/>
+        </p:nvPicPr>
+        <p:blipFill>
+          <a:blip r:embed="rId3" cstate="print">
+            <a:extLst>
+              <a:ext uri="{28A0092B-C50C-407E-A947-70E740481C1C}">
+                <a14:useLocalDpi xmlns:a14="http://schemas.microsoft.com/office/drawing/2010/main" val="0"/>
+              </a:ext>
+            </a:extLst>
+          </a:blip>
+          <a:srcRect/>
+          <a:stretch>
+            <a:fillRect/>
+          </a:stretch>
+        </p:blipFill>
+        <p:spPr bwMode="auto">
+          <a:xfrm>
+            <a:off x="6522863" y="3429000"/>
+            <a:ext cx="2623694" cy="1416385"/>
+          </a:xfrm>
+          <a:prstGeom prst="rect">
+            <a:avLst/>
+          </a:prstGeom>
+          <a:noFill/>
+          <a:extLst>
+            <a:ext uri="{909E8E84-426E-40DD-AFC4-6F175D3DCCD1}">
+              <a14:hiddenFill xmlns:a14="http://schemas.microsoft.com/office/drawing/2010/main">
+                <a:solidFill>
+                  <a:srgbClr val="FFFFFF"/>
+                </a:solidFill>
+              </a14:hiddenFill>
+            </a:ext>
+          </a:extLst>
+        </p:spPr>
+      </p:pic>
+      <p:pic>
+        <p:nvPicPr>
+          <p:cNvPr id="18" name="Picture 2"/>
+          <p:cNvPicPr>
+            <a:picLocks noChangeAspect="1"/>
+          </p:cNvPicPr>
+          <p:nvPr/>
+        </p:nvPicPr>
+        <p:blipFill rotWithShape="1">
+          <a:blip r:embed="rId4">
+            <a:extLst>
+              <a:ext uri="{28A0092B-C50C-407E-A947-70E740481C1C}">
+                <a14:useLocalDpi xmlns:a14="http://schemas.microsoft.com/office/drawing/2010/main" val="0"/>
+              </a:ext>
+            </a:extLst>
+          </a:blip>
+          <a:srcRect l="9272" r="8952"/>
+          <a:stretch/>
+        </p:blipFill>
+        <p:spPr>
+          <a:xfrm>
+            <a:off x="3276600" y="2077867"/>
+            <a:ext cx="2209801" cy="2702265"/>
+          </a:xfrm>
+          <a:prstGeom prst="rect">
+            <a:avLst/>
+          </a:prstGeom>
+        </p:spPr>
+      </p:pic>
     </p:spTree>
     <p:extLst>
       <p:ext uri="{BB962C8B-B14F-4D97-AF65-F5344CB8AC3E}">
-        <p14:creationId xmlns:p14="http://schemas.microsoft.com/office/powerpoint/2010/main" val="1822675830"/>
+        <p14:creationId xmlns:p14="http://schemas.microsoft.com/office/powerpoint/2010/main" val="2578516977"/>
       </p:ext>
     </p:extLst>
   </p:cSld>
@@ -8542,7 +10567,7 @@
 </p:sld>
 </file>
 
-<file path=ppt/slides/slide15.xml><?xml version="1.0" encoding="utf-8"?>
+<file path=ppt/slides/slide17.xml><?xml version="1.0" encoding="utf-8"?>
 <p:sld xmlns:a="http://schemas.openxmlformats.org/drawingml/2006/main" xmlns:r="http://schemas.openxmlformats.org/officeDocument/2006/relationships" xmlns:p="http://schemas.openxmlformats.org/presentationml/2006/main">
   <p:cSld>
     <p:spTree>
@@ -9159,7 +11184,7 @@
     </p:spTree>
     <p:extLst>
       <p:ext uri="{BB962C8B-B14F-4D97-AF65-F5344CB8AC3E}">
-        <p14:creationId xmlns:p14="http://schemas.microsoft.com/office/powerpoint/2010/main" val="3250147169"/>
+        <p14:creationId xmlns:p14="http://schemas.microsoft.com/office/powerpoint/2010/main" val="86518601"/>
       </p:ext>
     </p:extLst>
   </p:cSld>
@@ -9173,6 +11198,805 @@
 </file>
 
 <file path=ppt/slides/slide2.xml><?xml version="1.0" encoding="utf-8"?>
+<p:sld xmlns:a="http://schemas.openxmlformats.org/drawingml/2006/main" xmlns:r="http://schemas.openxmlformats.org/officeDocument/2006/relationships" xmlns:p="http://schemas.openxmlformats.org/presentationml/2006/main">
+  <p:cSld>
+    <p:spTree>
+      <p:nvGrpSpPr>
+        <p:cNvPr id="1" name=""/>
+        <p:cNvGrpSpPr/>
+        <p:nvPr/>
+      </p:nvGrpSpPr>
+      <p:grpSpPr>
+        <a:xfrm>
+          <a:off x="0" y="0"/>
+          <a:ext cx="0" cy="0"/>
+          <a:chOff x="0" y="0"/>
+          <a:chExt cx="0" cy="0"/>
+        </a:xfrm>
+      </p:grpSpPr>
+      <p:sp>
+        <p:nvSpPr>
+          <p:cNvPr id="8" name="Прямоугольник 7"/>
+          <p:cNvSpPr/>
+          <p:nvPr/>
+        </p:nvSpPr>
+        <p:spPr>
+          <a:xfrm>
+            <a:off x="0" y="228600"/>
+            <a:ext cx="12192000" cy="533400"/>
+          </a:xfrm>
+          <a:prstGeom prst="rect">
+            <a:avLst/>
+          </a:prstGeom>
+          <a:solidFill>
+            <a:srgbClr val="6E6E6E"/>
+          </a:solidFill>
+          <a:ln>
+            <a:noFill/>
+          </a:ln>
+        </p:spPr>
+        <p:style>
+          <a:lnRef idx="3">
+            <a:schemeClr val="lt1"/>
+          </a:lnRef>
+          <a:fillRef idx="1">
+            <a:schemeClr val="accent1"/>
+          </a:fillRef>
+          <a:effectRef idx="1">
+            <a:schemeClr val="accent1"/>
+          </a:effectRef>
+          <a:fontRef idx="minor">
+            <a:schemeClr val="lt1"/>
+          </a:fontRef>
+        </p:style>
+        <p:txBody>
+          <a:bodyPr rtlCol="0" anchor="ctr"/>
+          <a:lstStyle/>
+          <a:p>
+            <a:pPr algn="ctr"/>
+            <a:endParaRPr lang="en-US"/>
+          </a:p>
+        </p:txBody>
+      </p:sp>
+      <p:sp>
+        <p:nvSpPr>
+          <p:cNvPr id="10" name="Заголовок 1"/>
+          <p:cNvSpPr txBox="1">
+            <a:spLocks/>
+          </p:cNvSpPr>
+          <p:nvPr/>
+        </p:nvSpPr>
+        <p:spPr>
+          <a:xfrm>
+            <a:off x="1981200" y="228600"/>
+            <a:ext cx="8229600" cy="571500"/>
+          </a:xfrm>
+          <a:prstGeom prst="rect">
+            <a:avLst/>
+          </a:prstGeom>
+        </p:spPr>
+        <p:txBody>
+          <a:bodyPr vert="horz" lIns="91440" tIns="45720" rIns="91440" bIns="45720" rtlCol="0" anchor="ctr">
+            <a:normAutofit fontScale="90000" lnSpcReduction="10000"/>
+          </a:bodyPr>
+          <a:lstStyle>
+            <a:lvl1pPr algn="ctr" defTabSz="914400" rtl="0" eaLnBrk="1" latinLnBrk="0" hangingPunct="1">
+              <a:spcBef>
+                <a:spcPct val="0"/>
+              </a:spcBef>
+              <a:buNone/>
+              <a:defRPr sz="4400" kern="1200">
+                <a:solidFill>
+                  <a:schemeClr val="tx1"/>
+                </a:solidFill>
+                <a:latin typeface="+mj-lt"/>
+                <a:ea typeface="+mj-ea"/>
+                <a:cs typeface="+mj-cs"/>
+              </a:defRPr>
+            </a:lvl1pPr>
+          </a:lstStyle>
+          <a:p>
+            <a:r>
+              <a:rPr lang="en-US" sz="3600" dirty="0">
+                <a:solidFill>
+                  <a:schemeClr val="bg1"/>
+                </a:solidFill>
+                <a:latin typeface="Segoe UI Light" panose="020B0502040204020203" pitchFamily="34" charset="0"/>
+                <a:ea typeface="Segoe UI" pitchFamily="34" charset="0"/>
+                <a:cs typeface="Segoe UI Light" panose="020B0502040204020203" pitchFamily="34" charset="0"/>
+              </a:rPr>
+              <a:t>PHP Essential</a:t>
+            </a:r>
+          </a:p>
+        </p:txBody>
+      </p:sp>
+      <p:sp>
+        <p:nvSpPr>
+          <p:cNvPr id="6" name="Прямоугольник 1"/>
+          <p:cNvSpPr/>
+          <p:nvPr/>
+        </p:nvSpPr>
+        <p:spPr>
+          <a:xfrm>
+            <a:off x="4907137" y="1915765"/>
+            <a:ext cx="3703463" cy="677108"/>
+          </a:xfrm>
+          <a:prstGeom prst="rect">
+            <a:avLst/>
+          </a:prstGeom>
+        </p:spPr>
+        <p:txBody>
+          <a:bodyPr wrap="square">
+            <a:spAutoFit/>
+          </a:bodyPr>
+          <a:lstStyle/>
+          <a:p>
+            <a:r>
+              <a:rPr lang="ru-RU" sz="2000" b="1" dirty="0">
+                <a:solidFill>
+                  <a:srgbClr val="D04E1D"/>
+                </a:solidFill>
+                <a:latin typeface="Segoe UI Light" panose="020B0502040204020203" pitchFamily="34" charset="0"/>
+                <a:cs typeface="Segoe UI Light" panose="020B0502040204020203" pitchFamily="34" charset="0"/>
+              </a:rPr>
+              <a:t>Александр </a:t>
+            </a:r>
+            <a:r>
+              <a:rPr lang="ru-RU" sz="2000" b="1" dirty="0" err="1">
+                <a:solidFill>
+                  <a:srgbClr val="D04E1D"/>
+                </a:solidFill>
+                <a:latin typeface="Segoe UI Light" panose="020B0502040204020203" pitchFamily="34" charset="0"/>
+                <a:cs typeface="Segoe UI Light" panose="020B0502040204020203" pitchFamily="34" charset="0"/>
+              </a:rPr>
+              <a:t>Хонько</a:t>
+            </a:r>
+            <a:endParaRPr lang="ru-RU" sz="2000" b="1" dirty="0">
+              <a:solidFill>
+                <a:srgbClr val="D04E1D"/>
+              </a:solidFill>
+              <a:latin typeface="Segoe UI Light" panose="020B0502040204020203" pitchFamily="34" charset="0"/>
+              <a:cs typeface="Segoe UI Light" panose="020B0502040204020203" pitchFamily="34" charset="0"/>
+            </a:endParaRPr>
+          </a:p>
+          <a:p>
+            <a:r>
+              <a:rPr lang="en-US" dirty="0">
+                <a:solidFill>
+                  <a:srgbClr val="D04E1D"/>
+                </a:solidFill>
+                <a:latin typeface="Segoe UI Light" panose="020B0502040204020203" pitchFamily="34" charset="0"/>
+                <a:cs typeface="Segoe UI Light" panose="020B0502040204020203" pitchFamily="34" charset="0"/>
+              </a:rPr>
+              <a:t>PHP Developer</a:t>
+            </a:r>
+          </a:p>
+        </p:txBody>
+      </p:sp>
+      <p:sp>
+        <p:nvSpPr>
+          <p:cNvPr id="7" name="Заголовок 1"/>
+          <p:cNvSpPr txBox="1">
+            <a:spLocks/>
+          </p:cNvSpPr>
+          <p:nvPr/>
+        </p:nvSpPr>
+        <p:spPr>
+          <a:xfrm>
+            <a:off x="1981200" y="808038"/>
+            <a:ext cx="8229600" cy="563562"/>
+          </a:xfrm>
+          <a:prstGeom prst="rect">
+            <a:avLst/>
+          </a:prstGeom>
+        </p:spPr>
+        <p:txBody>
+          <a:bodyPr vert="horz" lIns="91440" tIns="45720" rIns="91440" bIns="45720" rtlCol="0" anchor="ctr">
+            <a:normAutofit/>
+          </a:bodyPr>
+          <a:lstStyle>
+            <a:lvl1pPr algn="ctr" defTabSz="914400" rtl="0" eaLnBrk="1" latinLnBrk="0" hangingPunct="1">
+              <a:spcBef>
+                <a:spcPct val="0"/>
+              </a:spcBef>
+              <a:buNone/>
+              <a:defRPr sz="4400" kern="1200">
+                <a:solidFill>
+                  <a:schemeClr val="tx1"/>
+                </a:solidFill>
+                <a:latin typeface="+mj-lt"/>
+                <a:ea typeface="+mj-ea"/>
+                <a:cs typeface="+mj-cs"/>
+              </a:defRPr>
+            </a:lvl1pPr>
+          </a:lstStyle>
+          <a:p>
+            <a:r>
+              <a:rPr lang="en-US" sz="2800" dirty="0">
+                <a:solidFill>
+                  <a:srgbClr val="D04E1D"/>
+                </a:solidFill>
+                <a:latin typeface="Segoe UI Light" panose="020B0502040204020203" pitchFamily="34" charset="0"/>
+                <a:cs typeface="Segoe UI Light" panose="020B0502040204020203" pitchFamily="34" charset="0"/>
+              </a:rPr>
+              <a:t>Introduction</a:t>
+            </a:r>
+          </a:p>
+        </p:txBody>
+      </p:sp>
+      <p:sp>
+        <p:nvSpPr>
+          <p:cNvPr id="16" name="Прямоугольник 15"/>
+          <p:cNvSpPr/>
+          <p:nvPr/>
+        </p:nvSpPr>
+        <p:spPr>
+          <a:xfrm>
+            <a:off x="0" y="6343650"/>
+            <a:ext cx="12192000" cy="533400"/>
+          </a:xfrm>
+          <a:prstGeom prst="rect">
+            <a:avLst/>
+          </a:prstGeom>
+          <a:solidFill>
+            <a:srgbClr val="6E6E6E"/>
+          </a:solidFill>
+          <a:ln>
+            <a:noFill/>
+          </a:ln>
+        </p:spPr>
+        <p:style>
+          <a:lnRef idx="3">
+            <a:schemeClr val="lt1"/>
+          </a:lnRef>
+          <a:fillRef idx="1">
+            <a:schemeClr val="accent1"/>
+          </a:fillRef>
+          <a:effectRef idx="1">
+            <a:schemeClr val="accent1"/>
+          </a:effectRef>
+          <a:fontRef idx="minor">
+            <a:schemeClr val="lt1"/>
+          </a:fontRef>
+        </p:style>
+        <p:txBody>
+          <a:bodyPr rtlCol="0" anchor="ctr"/>
+          <a:lstStyle/>
+          <a:p>
+            <a:pPr algn="ctr"/>
+            <a:endParaRPr lang="en-US"/>
+          </a:p>
+        </p:txBody>
+      </p:sp>
+      <p:sp>
+        <p:nvSpPr>
+          <p:cNvPr id="20" name="Прямоугольник 19"/>
+          <p:cNvSpPr/>
+          <p:nvPr/>
+        </p:nvSpPr>
+        <p:spPr>
+          <a:xfrm>
+            <a:off x="4038600" y="6458795"/>
+            <a:ext cx="7924800" cy="307777"/>
+          </a:xfrm>
+          <a:prstGeom prst="rect">
+            <a:avLst/>
+          </a:prstGeom>
+        </p:spPr>
+        <p:txBody>
+          <a:bodyPr wrap="square">
+            <a:spAutoFit/>
+          </a:bodyPr>
+          <a:lstStyle/>
+          <a:p>
+            <a:r>
+              <a:rPr lang="en-US" sz="1400" dirty="0">
+                <a:solidFill>
+                  <a:schemeClr val="bg1"/>
+                </a:solidFill>
+                <a:latin typeface="Segoe UI Light" panose="020B0502040204020203" pitchFamily="34" charset="0"/>
+                <a:cs typeface="Segoe UI Light" panose="020B0502040204020203" pitchFamily="34" charset="0"/>
+              </a:rPr>
+              <a:t>Information Technology Video Developer Network                                                       http://itvdn.com</a:t>
+            </a:r>
+          </a:p>
+        </p:txBody>
+      </p:sp>
+      <p:sp>
+        <p:nvSpPr>
+          <p:cNvPr id="25" name="Прямоугольник 24"/>
+          <p:cNvSpPr/>
+          <p:nvPr/>
+        </p:nvSpPr>
+        <p:spPr>
+          <a:xfrm>
+            <a:off x="373241" y="6431280"/>
+            <a:ext cx="891847" cy="400110"/>
+          </a:xfrm>
+          <a:prstGeom prst="rect">
+            <a:avLst/>
+          </a:prstGeom>
+        </p:spPr>
+        <p:txBody>
+          <a:bodyPr wrap="none">
+            <a:spAutoFit/>
+          </a:bodyPr>
+          <a:lstStyle/>
+          <a:p>
+            <a:r>
+              <a:rPr lang="en-US" sz="2000" dirty="0">
+                <a:solidFill>
+                  <a:schemeClr val="bg1"/>
+                </a:solidFill>
+                <a:latin typeface="Segoe UI Light" panose="020B0502040204020203" pitchFamily="34" charset="0"/>
+                <a:cs typeface="Segoe UI Light" panose="020B0502040204020203" pitchFamily="34" charset="0"/>
+              </a:rPr>
+              <a:t>ITVDN</a:t>
+            </a:r>
+            <a:endParaRPr lang="en-US" sz="2000" dirty="0"/>
+          </a:p>
+        </p:txBody>
+      </p:sp>
+      <p:grpSp>
+        <p:nvGrpSpPr>
+          <p:cNvPr id="31" name="Группа 30"/>
+          <p:cNvGrpSpPr/>
+          <p:nvPr/>
+        </p:nvGrpSpPr>
+        <p:grpSpPr>
+          <a:xfrm>
+            <a:off x="177200" y="6404572"/>
+            <a:ext cx="178914" cy="411555"/>
+            <a:chOff x="4724400" y="3098418"/>
+            <a:chExt cx="178914" cy="411555"/>
+          </a:xfrm>
+        </p:grpSpPr>
+        <p:sp>
+          <p:nvSpPr>
+            <p:cNvPr id="28" name="Блок-схема: данные 27"/>
+            <p:cNvSpPr/>
+            <p:nvPr/>
+          </p:nvSpPr>
+          <p:spPr>
+            <a:xfrm rot="5400000" flipH="1">
+              <a:off x="4611960" y="3312840"/>
+              <a:ext cx="309573" cy="84693"/>
+            </a:xfrm>
+            <a:custGeom>
+              <a:avLst/>
+              <a:gdLst>
+                <a:gd name="connsiteX0" fmla="*/ 0 w 10000"/>
+                <a:gd name="connsiteY0" fmla="*/ 10000 h 10000"/>
+                <a:gd name="connsiteX1" fmla="*/ 2000 w 10000"/>
+                <a:gd name="connsiteY1" fmla="*/ 0 h 10000"/>
+                <a:gd name="connsiteX2" fmla="*/ 10000 w 10000"/>
+                <a:gd name="connsiteY2" fmla="*/ 0 h 10000"/>
+                <a:gd name="connsiteX3" fmla="*/ 8000 w 10000"/>
+                <a:gd name="connsiteY3" fmla="*/ 10000 h 10000"/>
+                <a:gd name="connsiteX4" fmla="*/ 0 w 10000"/>
+                <a:gd name="connsiteY4" fmla="*/ 10000 h 10000"/>
+                <a:gd name="connsiteX0" fmla="*/ 0 w 11343"/>
+                <a:gd name="connsiteY0" fmla="*/ 10000 h 10000"/>
+                <a:gd name="connsiteX1" fmla="*/ 2000 w 11343"/>
+                <a:gd name="connsiteY1" fmla="*/ 0 h 10000"/>
+                <a:gd name="connsiteX2" fmla="*/ 11343 w 11343"/>
+                <a:gd name="connsiteY2" fmla="*/ 302 h 10000"/>
+                <a:gd name="connsiteX3" fmla="*/ 8000 w 11343"/>
+                <a:gd name="connsiteY3" fmla="*/ 10000 h 10000"/>
+                <a:gd name="connsiteX4" fmla="*/ 0 w 11343"/>
+                <a:gd name="connsiteY4" fmla="*/ 10000 h 10000"/>
+                <a:gd name="connsiteX0" fmla="*/ 0 w 11019"/>
+                <a:gd name="connsiteY0" fmla="*/ 10000 h 10000"/>
+                <a:gd name="connsiteX1" fmla="*/ 1676 w 11019"/>
+                <a:gd name="connsiteY1" fmla="*/ 0 h 10000"/>
+                <a:gd name="connsiteX2" fmla="*/ 11019 w 11019"/>
+                <a:gd name="connsiteY2" fmla="*/ 302 h 10000"/>
+                <a:gd name="connsiteX3" fmla="*/ 7676 w 11019"/>
+                <a:gd name="connsiteY3" fmla="*/ 10000 h 10000"/>
+                <a:gd name="connsiteX4" fmla="*/ 0 w 11019"/>
+                <a:gd name="connsiteY4" fmla="*/ 10000 h 10000"/>
+                <a:gd name="connsiteX0" fmla="*/ 0 w 11019"/>
+                <a:gd name="connsiteY0" fmla="*/ 10151 h 10151"/>
+                <a:gd name="connsiteX1" fmla="*/ 3759 w 11019"/>
+                <a:gd name="connsiteY1" fmla="*/ 0 h 10151"/>
+                <a:gd name="connsiteX2" fmla="*/ 11019 w 11019"/>
+                <a:gd name="connsiteY2" fmla="*/ 453 h 10151"/>
+                <a:gd name="connsiteX3" fmla="*/ 7676 w 11019"/>
+                <a:gd name="connsiteY3" fmla="*/ 10151 h 10151"/>
+                <a:gd name="connsiteX4" fmla="*/ 0 w 11019"/>
+                <a:gd name="connsiteY4" fmla="*/ 10151 h 10151"/>
+                <a:gd name="connsiteX0" fmla="*/ 0 w 11019"/>
+                <a:gd name="connsiteY0" fmla="*/ 9698 h 9698"/>
+                <a:gd name="connsiteX1" fmla="*/ 4685 w 11019"/>
+                <a:gd name="connsiteY1" fmla="*/ 1 h 9698"/>
+                <a:gd name="connsiteX2" fmla="*/ 11019 w 11019"/>
+                <a:gd name="connsiteY2" fmla="*/ 0 h 9698"/>
+                <a:gd name="connsiteX3" fmla="*/ 7676 w 11019"/>
+                <a:gd name="connsiteY3" fmla="*/ 9698 h 9698"/>
+                <a:gd name="connsiteX4" fmla="*/ 0 w 11019"/>
+                <a:gd name="connsiteY4" fmla="*/ 9698 h 9698"/>
+                <a:gd name="connsiteX0" fmla="*/ 0 w 10000"/>
+                <a:gd name="connsiteY0" fmla="*/ 10155 h 10155"/>
+                <a:gd name="connsiteX1" fmla="*/ 3202 w 10000"/>
+                <a:gd name="connsiteY1" fmla="*/ 0 h 10155"/>
+                <a:gd name="connsiteX2" fmla="*/ 10000 w 10000"/>
+                <a:gd name="connsiteY2" fmla="*/ 155 h 10155"/>
+                <a:gd name="connsiteX3" fmla="*/ 6966 w 10000"/>
+                <a:gd name="connsiteY3" fmla="*/ 10155 h 10155"/>
+                <a:gd name="connsiteX4" fmla="*/ 0 w 10000"/>
+                <a:gd name="connsiteY4" fmla="*/ 10155 h 10155"/>
+              </a:gdLst>
+              <a:ahLst/>
+              <a:cxnLst>
+                <a:cxn ang="0">
+                  <a:pos x="connsiteX0" y="connsiteY0"/>
+                </a:cxn>
+                <a:cxn ang="0">
+                  <a:pos x="connsiteX1" y="connsiteY1"/>
+                </a:cxn>
+                <a:cxn ang="0">
+                  <a:pos x="connsiteX2" y="connsiteY2"/>
+                </a:cxn>
+                <a:cxn ang="0">
+                  <a:pos x="connsiteX3" y="connsiteY3"/>
+                </a:cxn>
+                <a:cxn ang="0">
+                  <a:pos x="connsiteX4" y="connsiteY4"/>
+                </a:cxn>
+              </a:cxnLst>
+              <a:rect l="l" t="t" r="r" b="b"/>
+              <a:pathLst>
+                <a:path w="10000" h="10155">
+                  <a:moveTo>
+                    <a:pt x="0" y="10155"/>
+                  </a:moveTo>
+                  <a:lnTo>
+                    <a:pt x="3202" y="0"/>
+                  </a:lnTo>
+                  <a:lnTo>
+                    <a:pt x="10000" y="155"/>
+                  </a:lnTo>
+                  <a:lnTo>
+                    <a:pt x="6966" y="10155"/>
+                  </a:lnTo>
+                  <a:lnTo>
+                    <a:pt x="0" y="10155"/>
+                  </a:lnTo>
+                  <a:close/>
+                </a:path>
+              </a:pathLst>
+            </a:custGeom>
+            <a:solidFill>
+              <a:schemeClr val="bg1"/>
+            </a:solidFill>
+            <a:ln>
+              <a:noFill/>
+            </a:ln>
+          </p:spPr>
+          <p:style>
+            <a:lnRef idx="2">
+              <a:schemeClr val="accent1">
+                <a:shade val="50000"/>
+              </a:schemeClr>
+            </a:lnRef>
+            <a:fillRef idx="1">
+              <a:schemeClr val="accent1"/>
+            </a:fillRef>
+            <a:effectRef idx="0">
+              <a:schemeClr val="accent1"/>
+            </a:effectRef>
+            <a:fontRef idx="minor">
+              <a:schemeClr val="lt1"/>
+            </a:fontRef>
+          </p:style>
+          <p:txBody>
+            <a:bodyPr rtlCol="0" anchor="ctr"/>
+            <a:lstStyle/>
+            <a:p>
+              <a:pPr algn="ctr"/>
+              <a:endParaRPr lang="en-US"/>
+            </a:p>
+          </p:txBody>
+        </p:sp>
+        <p:sp>
+          <p:nvSpPr>
+            <p:cNvPr id="30" name="Блок-схема: данные 27"/>
+            <p:cNvSpPr/>
+            <p:nvPr/>
+          </p:nvSpPr>
+          <p:spPr>
+            <a:xfrm rot="5400000" flipH="1">
+              <a:off x="4706181" y="3210858"/>
+              <a:ext cx="309573" cy="84693"/>
+            </a:xfrm>
+            <a:custGeom>
+              <a:avLst/>
+              <a:gdLst>
+                <a:gd name="connsiteX0" fmla="*/ 0 w 10000"/>
+                <a:gd name="connsiteY0" fmla="*/ 10000 h 10000"/>
+                <a:gd name="connsiteX1" fmla="*/ 2000 w 10000"/>
+                <a:gd name="connsiteY1" fmla="*/ 0 h 10000"/>
+                <a:gd name="connsiteX2" fmla="*/ 10000 w 10000"/>
+                <a:gd name="connsiteY2" fmla="*/ 0 h 10000"/>
+                <a:gd name="connsiteX3" fmla="*/ 8000 w 10000"/>
+                <a:gd name="connsiteY3" fmla="*/ 10000 h 10000"/>
+                <a:gd name="connsiteX4" fmla="*/ 0 w 10000"/>
+                <a:gd name="connsiteY4" fmla="*/ 10000 h 10000"/>
+                <a:gd name="connsiteX0" fmla="*/ 0 w 11343"/>
+                <a:gd name="connsiteY0" fmla="*/ 10000 h 10000"/>
+                <a:gd name="connsiteX1" fmla="*/ 2000 w 11343"/>
+                <a:gd name="connsiteY1" fmla="*/ 0 h 10000"/>
+                <a:gd name="connsiteX2" fmla="*/ 11343 w 11343"/>
+                <a:gd name="connsiteY2" fmla="*/ 302 h 10000"/>
+                <a:gd name="connsiteX3" fmla="*/ 8000 w 11343"/>
+                <a:gd name="connsiteY3" fmla="*/ 10000 h 10000"/>
+                <a:gd name="connsiteX4" fmla="*/ 0 w 11343"/>
+                <a:gd name="connsiteY4" fmla="*/ 10000 h 10000"/>
+                <a:gd name="connsiteX0" fmla="*/ 0 w 11019"/>
+                <a:gd name="connsiteY0" fmla="*/ 10000 h 10000"/>
+                <a:gd name="connsiteX1" fmla="*/ 1676 w 11019"/>
+                <a:gd name="connsiteY1" fmla="*/ 0 h 10000"/>
+                <a:gd name="connsiteX2" fmla="*/ 11019 w 11019"/>
+                <a:gd name="connsiteY2" fmla="*/ 302 h 10000"/>
+                <a:gd name="connsiteX3" fmla="*/ 7676 w 11019"/>
+                <a:gd name="connsiteY3" fmla="*/ 10000 h 10000"/>
+                <a:gd name="connsiteX4" fmla="*/ 0 w 11019"/>
+                <a:gd name="connsiteY4" fmla="*/ 10000 h 10000"/>
+                <a:gd name="connsiteX0" fmla="*/ 0 w 11019"/>
+                <a:gd name="connsiteY0" fmla="*/ 10151 h 10151"/>
+                <a:gd name="connsiteX1" fmla="*/ 3759 w 11019"/>
+                <a:gd name="connsiteY1" fmla="*/ 0 h 10151"/>
+                <a:gd name="connsiteX2" fmla="*/ 11019 w 11019"/>
+                <a:gd name="connsiteY2" fmla="*/ 453 h 10151"/>
+                <a:gd name="connsiteX3" fmla="*/ 7676 w 11019"/>
+                <a:gd name="connsiteY3" fmla="*/ 10151 h 10151"/>
+                <a:gd name="connsiteX4" fmla="*/ 0 w 11019"/>
+                <a:gd name="connsiteY4" fmla="*/ 10151 h 10151"/>
+                <a:gd name="connsiteX0" fmla="*/ 0 w 11019"/>
+                <a:gd name="connsiteY0" fmla="*/ 9698 h 9698"/>
+                <a:gd name="connsiteX1" fmla="*/ 4685 w 11019"/>
+                <a:gd name="connsiteY1" fmla="*/ 1 h 9698"/>
+                <a:gd name="connsiteX2" fmla="*/ 11019 w 11019"/>
+                <a:gd name="connsiteY2" fmla="*/ 0 h 9698"/>
+                <a:gd name="connsiteX3" fmla="*/ 7676 w 11019"/>
+                <a:gd name="connsiteY3" fmla="*/ 9698 h 9698"/>
+                <a:gd name="connsiteX4" fmla="*/ 0 w 11019"/>
+                <a:gd name="connsiteY4" fmla="*/ 9698 h 9698"/>
+                <a:gd name="connsiteX0" fmla="*/ 0 w 10000"/>
+                <a:gd name="connsiteY0" fmla="*/ 10155 h 10155"/>
+                <a:gd name="connsiteX1" fmla="*/ 3202 w 10000"/>
+                <a:gd name="connsiteY1" fmla="*/ 0 h 10155"/>
+                <a:gd name="connsiteX2" fmla="*/ 10000 w 10000"/>
+                <a:gd name="connsiteY2" fmla="*/ 155 h 10155"/>
+                <a:gd name="connsiteX3" fmla="*/ 6966 w 10000"/>
+                <a:gd name="connsiteY3" fmla="*/ 10155 h 10155"/>
+                <a:gd name="connsiteX4" fmla="*/ 0 w 10000"/>
+                <a:gd name="connsiteY4" fmla="*/ 10155 h 10155"/>
+              </a:gdLst>
+              <a:ahLst/>
+              <a:cxnLst>
+                <a:cxn ang="0">
+                  <a:pos x="connsiteX0" y="connsiteY0"/>
+                </a:cxn>
+                <a:cxn ang="0">
+                  <a:pos x="connsiteX1" y="connsiteY1"/>
+                </a:cxn>
+                <a:cxn ang="0">
+                  <a:pos x="connsiteX2" y="connsiteY2"/>
+                </a:cxn>
+                <a:cxn ang="0">
+                  <a:pos x="connsiteX3" y="connsiteY3"/>
+                </a:cxn>
+                <a:cxn ang="0">
+                  <a:pos x="connsiteX4" y="connsiteY4"/>
+                </a:cxn>
+              </a:cxnLst>
+              <a:rect l="l" t="t" r="r" b="b"/>
+              <a:pathLst>
+                <a:path w="10000" h="10155">
+                  <a:moveTo>
+                    <a:pt x="0" y="10155"/>
+                  </a:moveTo>
+                  <a:lnTo>
+                    <a:pt x="3202" y="0"/>
+                  </a:lnTo>
+                  <a:lnTo>
+                    <a:pt x="10000" y="155"/>
+                  </a:lnTo>
+                  <a:lnTo>
+                    <a:pt x="6966" y="10155"/>
+                  </a:lnTo>
+                  <a:lnTo>
+                    <a:pt x="0" y="10155"/>
+                  </a:lnTo>
+                  <a:close/>
+                </a:path>
+              </a:pathLst>
+            </a:custGeom>
+            <a:solidFill>
+              <a:schemeClr val="bg1">
+                <a:lumMod val="85000"/>
+              </a:schemeClr>
+            </a:solidFill>
+            <a:ln>
+              <a:noFill/>
+            </a:ln>
+          </p:spPr>
+          <p:style>
+            <a:lnRef idx="2">
+              <a:schemeClr val="accent1">
+                <a:shade val="50000"/>
+              </a:schemeClr>
+            </a:lnRef>
+            <a:fillRef idx="1">
+              <a:schemeClr val="accent1"/>
+            </a:fillRef>
+            <a:effectRef idx="0">
+              <a:schemeClr val="accent1"/>
+            </a:effectRef>
+            <a:fontRef idx="minor">
+              <a:schemeClr val="lt1"/>
+            </a:fontRef>
+          </p:style>
+          <p:txBody>
+            <a:bodyPr rtlCol="0" anchor="ctr"/>
+            <a:lstStyle/>
+            <a:p>
+              <a:pPr algn="ctr"/>
+              <a:endParaRPr lang="en-US"/>
+            </a:p>
+          </p:txBody>
+        </p:sp>
+      </p:grpSp>
+      <p:pic>
+        <p:nvPicPr>
+          <p:cNvPr id="22" name="Рисунок 21">
+            <a:hlinkClick r:id="rId3"/>
+          </p:cNvPr>
+          <p:cNvPicPr>
+            <a:picLocks noChangeAspect="1"/>
+          </p:cNvPicPr>
+          <p:nvPr/>
+        </p:nvPicPr>
+        <p:blipFill>
+          <a:blip r:embed="rId4"/>
+          <a:stretch>
+            <a:fillRect/>
+          </a:stretch>
+        </p:blipFill>
+        <p:spPr>
+          <a:xfrm>
+            <a:off x="4923884" y="3134288"/>
+            <a:ext cx="227184" cy="218512"/>
+          </a:xfrm>
+          <a:prstGeom prst="rect">
+            <a:avLst/>
+          </a:prstGeom>
+        </p:spPr>
+      </p:pic>
+      <p:sp>
+        <p:nvSpPr>
+          <p:cNvPr id="4" name="Прямоугольник 3"/>
+          <p:cNvSpPr/>
+          <p:nvPr/>
+        </p:nvSpPr>
+        <p:spPr>
+          <a:xfrm>
+            <a:off x="5135737" y="3039951"/>
+            <a:ext cx="1431995" cy="369332"/>
+          </a:xfrm>
+          <a:prstGeom prst="rect">
+            <a:avLst/>
+          </a:prstGeom>
+        </p:spPr>
+        <p:txBody>
+          <a:bodyPr wrap="none">
+            <a:spAutoFit/>
+          </a:bodyPr>
+          <a:lstStyle/>
+          <a:p>
+            <a:r>
+              <a:rPr lang="en-US" dirty="0" err="1">
+                <a:latin typeface="Segoe UI" panose="020B0502040204020203" pitchFamily="34" charset="0"/>
+                <a:cs typeface="Segoe UI" panose="020B0502040204020203" pitchFamily="34" charset="0"/>
+                <a:hlinkClick r:id="rId3"/>
+              </a:rPr>
+              <a:t>alex-khonko</a:t>
+            </a:r>
+            <a:endParaRPr lang="en-US" dirty="0">
+              <a:latin typeface="Segoe UI" panose="020B0502040204020203" pitchFamily="34" charset="0"/>
+              <a:cs typeface="Segoe UI" panose="020B0502040204020203" pitchFamily="34" charset="0"/>
+            </a:endParaRPr>
+          </a:p>
+        </p:txBody>
+      </p:sp>
+      <p:pic>
+        <p:nvPicPr>
+          <p:cNvPr id="2" name="Picture 2" descr="Файл:PHP-logo.svg — Википедия"/>
+          <p:cNvPicPr>
+            <a:picLocks noChangeAspect="1" noChangeArrowheads="1"/>
+          </p:cNvPicPr>
+          <p:nvPr/>
+        </p:nvPicPr>
+        <p:blipFill>
+          <a:blip r:embed="rId5" cstate="print">
+            <a:extLst>
+              <a:ext uri="{28A0092B-C50C-407E-A947-70E740481C1C}">
+                <a14:useLocalDpi xmlns:a14="http://schemas.microsoft.com/office/drawing/2010/main" val="0"/>
+              </a:ext>
+            </a:extLst>
+          </a:blip>
+          <a:srcRect/>
+          <a:stretch>
+            <a:fillRect/>
+          </a:stretch>
+        </p:blipFill>
+        <p:spPr bwMode="auto">
+          <a:xfrm>
+            <a:off x="6858000" y="3467680"/>
+            <a:ext cx="2623694" cy="1416385"/>
+          </a:xfrm>
+          <a:prstGeom prst="rect">
+            <a:avLst/>
+          </a:prstGeom>
+          <a:noFill/>
+          <a:extLst>
+            <a:ext uri="{909E8E84-426E-40DD-AFC4-6F175D3DCCD1}">
+              <a14:hiddenFill xmlns:a14="http://schemas.microsoft.com/office/drawing/2010/main">
+                <a:solidFill>
+                  <a:srgbClr val="FFFFFF"/>
+                </a:solidFill>
+              </a14:hiddenFill>
+            </a:ext>
+          </a:extLst>
+        </p:spPr>
+      </p:pic>
+      <p:pic>
+        <p:nvPicPr>
+          <p:cNvPr id="17" name="Picture 2"/>
+          <p:cNvPicPr>
+            <a:picLocks noChangeAspect="1"/>
+          </p:cNvPicPr>
+          <p:nvPr/>
+        </p:nvPicPr>
+        <p:blipFill rotWithShape="1">
+          <a:blip r:embed="rId6">
+            <a:extLst>
+              <a:ext uri="{28A0092B-C50C-407E-A947-70E740481C1C}">
+                <a14:useLocalDpi xmlns:a14="http://schemas.microsoft.com/office/drawing/2010/main" val="0"/>
+              </a:ext>
+            </a:extLst>
+          </a:blip>
+          <a:srcRect l="9272" r="8952"/>
+          <a:stretch/>
+        </p:blipFill>
+        <p:spPr>
+          <a:xfrm>
+            <a:off x="2133600" y="2073347"/>
+            <a:ext cx="2209801" cy="2702265"/>
+          </a:xfrm>
+          <a:prstGeom prst="rect">
+            <a:avLst/>
+          </a:prstGeom>
+        </p:spPr>
+      </p:pic>
+    </p:spTree>
+    <p:extLst>
+      <p:ext uri="{BB962C8B-B14F-4D97-AF65-F5344CB8AC3E}">
+        <p14:creationId xmlns:p14="http://schemas.microsoft.com/office/powerpoint/2010/main" val="3156985985"/>
+      </p:ext>
+    </p:extLst>
+  </p:cSld>
+  <p:clrMapOvr>
+    <a:masterClrMapping/>
+  </p:clrMapOvr>
+  <p:transition spd="slow">
+    <p:cover/>
+  </p:transition>
+</p:sld>
+</file>
+
+<file path=ppt/slides/slide3.xml><?xml version="1.0" encoding="utf-8"?>
 <p:sld xmlns:a="http://schemas.openxmlformats.org/drawingml/2006/main" xmlns:r="http://schemas.openxmlformats.org/officeDocument/2006/relationships" xmlns:p="http://schemas.openxmlformats.org/presentationml/2006/main">
   <p:cSld>
     <p:spTree>
@@ -9713,7 +12537,7 @@
         </p:nvSpPr>
         <p:spPr>
           <a:xfrm>
-            <a:off x="533400" y="1447800"/>
+            <a:off x="533400" y="1524000"/>
             <a:ext cx="11201400" cy="4419600"/>
           </a:xfrm>
           <a:prstGeom prst="rect">
@@ -9745,7 +12569,7 @@
           <a:lstStyle/>
           <a:p>
             <a:pPr algn="ctr"/>
-            <a:endParaRPr lang="ru-RU" sz="2800" dirty="0">
+            <a:endParaRPr lang="ru-RU" sz="3600" dirty="0">
               <a:solidFill>
                 <a:srgbClr val="D04E1D"/>
               </a:solidFill>
@@ -9756,25 +12580,14 @@
           </a:p>
           <a:p>
             <a:pPr algn="ctr"/>
-            <a:endParaRPr lang="ru-RU" sz="2800" dirty="0">
-              <a:solidFill>
-                <a:srgbClr val="D04E1D"/>
-              </a:solidFill>
-              <a:latin typeface="Segoe UI Light" panose="020B0502040204020203" pitchFamily="34" charset="0"/>
-              <a:ea typeface="+mj-ea"/>
-              <a:cs typeface="Segoe UI Light" panose="020B0502040204020203" pitchFamily="34" charset="0"/>
-            </a:endParaRPr>
-          </a:p>
-          <a:p>
-            <a:pPr algn="ctr"/>
-            <a:r>
-              <a:rPr lang="ru-RU" sz="2800" dirty="0">
+            <a:r>
+              <a:rPr lang="ru-RU" sz="3600" dirty="0">
                 <a:solidFill>
                   <a:srgbClr val="D04E1D"/>
                 </a:solidFill>
-                <a:latin typeface="Segoe UI" panose="020B0502040204020203" pitchFamily="34" charset="0"/>
+                <a:latin typeface="Segoe UI Light" panose="020B0502040204020203" pitchFamily="34" charset="0"/>
                 <a:ea typeface="+mj-ea"/>
-                <a:cs typeface="Segoe UI" panose="020B0502040204020203" pitchFamily="34" charset="0"/>
+                <a:cs typeface="Segoe UI Light" panose="020B0502040204020203" pitchFamily="34" charset="0"/>
               </a:rPr>
               <a:t>Контекст вызова</a:t>
             </a:r>
@@ -9782,13 +12595,13 @@
           <a:p>
             <a:pPr algn="ctr"/>
             <a:r>
-              <a:rPr lang="ru-RU" sz="2800" dirty="0">
+              <a:rPr lang="ru-RU" sz="3600" dirty="0">
                 <a:solidFill>
                   <a:srgbClr val="D04E1D"/>
                 </a:solidFill>
-                <a:latin typeface="Segoe UI" panose="020B0502040204020203" pitchFamily="34" charset="0"/>
+                <a:latin typeface="Segoe UI Light" panose="020B0502040204020203" pitchFamily="34" charset="0"/>
                 <a:ea typeface="+mj-ea"/>
-                <a:cs typeface="Segoe UI" panose="020B0502040204020203" pitchFamily="34" charset="0"/>
+                <a:cs typeface="Segoe UI Light" panose="020B0502040204020203" pitchFamily="34" charset="0"/>
               </a:rPr>
               <a:t>Константы</a:t>
             </a:r>
@@ -9796,13 +12609,13 @@
           <a:p>
             <a:pPr algn="ctr"/>
             <a:r>
-              <a:rPr lang="ru-RU" sz="2800" dirty="0">
+              <a:rPr lang="ru-RU" sz="3600" dirty="0">
                 <a:solidFill>
                   <a:srgbClr val="D04E1D"/>
                 </a:solidFill>
-                <a:latin typeface="Segoe UI" panose="020B0502040204020203" pitchFamily="34" charset="0"/>
+                <a:latin typeface="Segoe UI Light" panose="020B0502040204020203" pitchFamily="34" charset="0"/>
                 <a:ea typeface="+mj-ea"/>
-                <a:cs typeface="Segoe UI" panose="020B0502040204020203" pitchFamily="34" charset="0"/>
+                <a:cs typeface="Segoe UI Light" panose="020B0502040204020203" pitchFamily="34" charset="0"/>
               </a:rPr>
               <a:t>Статика</a:t>
             </a:r>
@@ -9858,6 +12671,64 @@
               </a:rPr>
               <a:t>PHP Essentials</a:t>
             </a:r>
+          </a:p>
+        </p:txBody>
+      </p:sp>
+      <p:sp>
+        <p:nvSpPr>
+          <p:cNvPr id="15" name="Заголовок 1"/>
+          <p:cNvSpPr txBox="1">
+            <a:spLocks/>
+          </p:cNvSpPr>
+          <p:nvPr/>
+        </p:nvSpPr>
+        <p:spPr>
+          <a:xfrm>
+            <a:off x="0" y="809049"/>
+            <a:ext cx="12192000" cy="563562"/>
+          </a:xfrm>
+          <a:prstGeom prst="rect">
+            <a:avLst/>
+          </a:prstGeom>
+        </p:spPr>
+        <p:txBody>
+          <a:bodyPr vert="horz" lIns="91440" tIns="45720" rIns="91440" bIns="45720" rtlCol="0" anchor="ctr">
+            <a:normAutofit/>
+          </a:bodyPr>
+          <a:lstStyle>
+            <a:lvl1pPr algn="ctr" defTabSz="914400" rtl="0" eaLnBrk="1" latinLnBrk="0" hangingPunct="1">
+              <a:spcBef>
+                <a:spcPct val="0"/>
+              </a:spcBef>
+              <a:buNone/>
+              <a:defRPr sz="4400" kern="1200">
+                <a:solidFill>
+                  <a:schemeClr val="tx1"/>
+                </a:solidFill>
+                <a:latin typeface="+mj-lt"/>
+                <a:ea typeface="+mj-ea"/>
+                <a:cs typeface="+mj-cs"/>
+              </a:defRPr>
+            </a:lvl1pPr>
+          </a:lstStyle>
+          <a:p>
+            <a:r>
+              <a:rPr lang="ru-RU" sz="2800" dirty="0">
+                <a:solidFill>
+                  <a:srgbClr val="D04E1D"/>
+                </a:solidFill>
+                <a:latin typeface="Segoe UI Light" panose="020B0502040204020203" pitchFamily="34" charset="0"/>
+                <a:cs typeface="Segoe UI Light" panose="020B0502040204020203" pitchFamily="34" charset="0"/>
+              </a:rPr>
+              <a:t>Тема урока</a:t>
+            </a:r>
+            <a:endParaRPr lang="en-US" sz="2800" dirty="0">
+              <a:solidFill>
+                <a:srgbClr val="D04E1D"/>
+              </a:solidFill>
+              <a:latin typeface="Segoe UI Light" panose="020B0502040204020203" pitchFamily="34" charset="0"/>
+              <a:cs typeface="Segoe UI Light" panose="020B0502040204020203" pitchFamily="34" charset="0"/>
+            </a:endParaRPr>
           </a:p>
         </p:txBody>
       </p:sp>
@@ -9877,7 +12748,7 @@
 </p:sld>
 </file>
 
-<file path=ppt/slides/slide3.xml><?xml version="1.0" encoding="utf-8"?>
+<file path=ppt/slides/slide4.xml><?xml version="1.0" encoding="utf-8"?>
 <p:sld xmlns:a="http://schemas.openxmlformats.org/drawingml/2006/main" xmlns:r="http://schemas.openxmlformats.org/officeDocument/2006/relationships" xmlns:p="http://schemas.openxmlformats.org/presentationml/2006/main">
   <p:cSld>
     <p:spTree>
@@ -10480,7 +13351,7 @@
         </p:nvSpPr>
         <p:spPr>
           <a:xfrm>
-            <a:off x="1066800" y="2209800"/>
+            <a:off x="1230254" y="1811927"/>
             <a:ext cx="6400800" cy="3524250"/>
           </a:xfrm>
           <a:prstGeom prst="rect">
@@ -10523,7 +13394,7 @@
                 <a:latin typeface="Segoe UI" panose="020B0502040204020203" pitchFamily="34" charset="0"/>
                 <a:cs typeface="Segoe UI" panose="020B0502040204020203" pitchFamily="34" charset="0"/>
               </a:rPr>
-              <a:t>Контекст вызова</a:t>
+              <a:t>Что такое ООП</a:t>
             </a:r>
           </a:p>
           <a:p>
@@ -10539,7 +13410,71 @@
                 <a:latin typeface="Segoe UI" panose="020B0502040204020203" pitchFamily="34" charset="0"/>
                 <a:cs typeface="Segoe UI" panose="020B0502040204020203" pitchFamily="34" charset="0"/>
               </a:rPr>
-              <a:t>Константы</a:t>
+              <a:t>Главные понятия ООП</a:t>
+            </a:r>
+          </a:p>
+          <a:p>
+            <a:pPr marL="800100" lvl="1" indent="-342900">
+              <a:buFont typeface="+mj-lt"/>
+              <a:buAutoNum type="arabicPeriod"/>
+            </a:pPr>
+            <a:r>
+              <a:rPr lang="ru-RU" dirty="0">
+                <a:solidFill>
+                  <a:schemeClr val="tx1"/>
+                </a:solidFill>
+                <a:latin typeface="Segoe UI" panose="020B0502040204020203" pitchFamily="34" charset="0"/>
+                <a:cs typeface="Segoe UI" panose="020B0502040204020203" pitchFamily="34" charset="0"/>
+              </a:rPr>
+              <a:t>Класс</a:t>
+            </a:r>
+          </a:p>
+          <a:p>
+            <a:pPr marL="800100" lvl="1" indent="-342900">
+              <a:buFont typeface="+mj-lt"/>
+              <a:buAutoNum type="arabicPeriod"/>
+            </a:pPr>
+            <a:r>
+              <a:rPr lang="ru-RU" dirty="0">
+                <a:solidFill>
+                  <a:schemeClr val="tx1"/>
+                </a:solidFill>
+                <a:latin typeface="Segoe UI" panose="020B0502040204020203" pitchFamily="34" charset="0"/>
+                <a:cs typeface="Segoe UI" panose="020B0502040204020203" pitchFamily="34" charset="0"/>
+              </a:rPr>
+              <a:t>Обьект</a:t>
+            </a:r>
+          </a:p>
+          <a:p>
+            <a:pPr marL="800100" lvl="1" indent="-342900">
+              <a:buFont typeface="+mj-lt"/>
+              <a:buAutoNum type="arabicPeriod"/>
+            </a:pPr>
+            <a:r>
+              <a:rPr lang="ru-RU" dirty="0">
+                <a:solidFill>
+                  <a:schemeClr val="tx1"/>
+                </a:solidFill>
+                <a:latin typeface="Segoe UI" panose="020B0502040204020203" pitchFamily="34" charset="0"/>
+                <a:cs typeface="Segoe UI" panose="020B0502040204020203" pitchFamily="34" charset="0"/>
+              </a:rPr>
+              <a:t>Свойство</a:t>
+            </a:r>
+          </a:p>
+          <a:p>
+            <a:pPr marL="800100" lvl="1" indent="-342900">
+              <a:buFont typeface="+mj-lt"/>
+              <a:buAutoNum type="arabicPeriod"/>
+            </a:pPr>
+            <a:r>
+              <a:rPr lang="ru-RU" dirty="0">
+                <a:solidFill>
+                  <a:schemeClr val="tx1"/>
+                </a:solidFill>
+                <a:latin typeface="Segoe UI" panose="020B0502040204020203" pitchFamily="34" charset="0"/>
+                <a:cs typeface="Segoe UI" panose="020B0502040204020203" pitchFamily="34" charset="0"/>
+              </a:rPr>
+              <a:t>Метод</a:t>
             </a:r>
           </a:p>
           <a:p>
@@ -10555,7 +13490,7 @@
                 <a:latin typeface="Segoe UI" panose="020B0502040204020203" pitchFamily="34" charset="0"/>
                 <a:cs typeface="Segoe UI" panose="020B0502040204020203" pitchFamily="34" charset="0"/>
               </a:rPr>
-              <a:t>Оператор области видимости</a:t>
+              <a:t>Особенности передачи значения обьекта</a:t>
             </a:r>
           </a:p>
           <a:p>
@@ -10571,24 +13506,18 @@
                 <a:latin typeface="Segoe UI" panose="020B0502040204020203" pitchFamily="34" charset="0"/>
                 <a:cs typeface="Segoe UI" panose="020B0502040204020203" pitchFamily="34" charset="0"/>
               </a:rPr>
-              <a:t>Статика</a:t>
-            </a:r>
-          </a:p>
-          <a:p>
-            <a:pPr marL="342900" indent="-342900">
-              <a:buFont typeface="+mj-lt"/>
-              <a:buAutoNum type="arabicPeriod"/>
-            </a:pPr>
-            <a:r>
-              <a:rPr lang="ru-RU" dirty="0">
-                <a:solidFill>
-                  <a:schemeClr val="tx1"/>
-                </a:solidFill>
-                <a:latin typeface="Segoe UI" panose="020B0502040204020203" pitchFamily="34" charset="0"/>
-                <a:cs typeface="Segoe UI" panose="020B0502040204020203" pitchFamily="34" charset="0"/>
-              </a:rPr>
-              <a:t>Немножечко магии(ну, а как же без неё?)</a:t>
-            </a:r>
+              <a:t>Сравнение обьектов</a:t>
+            </a:r>
+          </a:p>
+          <a:p>
+            <a:pPr lvl="1"/>
+            <a:endParaRPr lang="ru-RU" dirty="0">
+              <a:solidFill>
+                <a:schemeClr val="tx1"/>
+              </a:solidFill>
+              <a:latin typeface="Segoe UI" panose="020B0502040204020203" pitchFamily="34" charset="0"/>
+              <a:cs typeface="Segoe UI" panose="020B0502040204020203" pitchFamily="34" charset="0"/>
+            </a:endParaRPr>
           </a:p>
           <a:p>
             <a:pPr lvl="1"/>
@@ -10640,7 +13569,7 @@
 </p:sld>
 </file>
 
-<file path=ppt/slides/slide4.xml><?xml version="1.0" encoding="utf-8"?>
+<file path=ppt/slides/slide5.xml><?xml version="1.0" encoding="utf-8"?>
 <p:sld xmlns:a="http://schemas.openxmlformats.org/drawingml/2006/main" xmlns:r="http://schemas.openxmlformats.org/officeDocument/2006/relationships" xmlns:p="http://schemas.openxmlformats.org/presentationml/2006/main">
   <p:cSld>
     <p:spTree>
@@ -11243,7 +14172,7 @@
         </p:nvSpPr>
         <p:spPr>
           <a:xfrm>
-            <a:off x="1066800" y="2209800"/>
+            <a:off x="1143000" y="1809750"/>
             <a:ext cx="6400800" cy="3524250"/>
           </a:xfrm>
           <a:prstGeom prst="rect">
@@ -11354,7 +14283,7 @@
           <p:cNvPr id="3" name="Picture 2">
             <a:extLst>
               <a:ext uri="{FF2B5EF4-FFF2-40B4-BE49-F238E27FC236}">
-                <a16:creationId xmlns:a16="http://schemas.microsoft.com/office/drawing/2014/main" id="{23145B38-6F77-4827-A052-7424FF92A8DE}"/>
+                <a16:creationId xmlns:a16="http://schemas.microsoft.com/office/drawing/2014/main" id="{1C0F9F48-3868-4C6C-A8BB-9D65CEAF70A3}"/>
               </a:ext>
             </a:extLst>
           </p:cNvPr>
@@ -11371,8 +14300,8 @@
         </p:blipFill>
         <p:spPr>
           <a:xfrm>
-            <a:off x="285105" y="1616978"/>
-            <a:ext cx="5086350" cy="3044967"/>
+            <a:off x="609600" y="1175613"/>
+            <a:ext cx="4369883" cy="3929788"/>
           </a:xfrm>
           <a:prstGeom prst="rect">
             <a:avLst/>
@@ -11384,7 +14313,7 @@
           <p:cNvPr id="4" name="Picture 3">
             <a:extLst>
               <a:ext uri="{FF2B5EF4-FFF2-40B4-BE49-F238E27FC236}">
-                <a16:creationId xmlns:a16="http://schemas.microsoft.com/office/drawing/2014/main" id="{EAC256F1-738C-49F1-B6A5-507B4F76D1AC}"/>
+                <a16:creationId xmlns:a16="http://schemas.microsoft.com/office/drawing/2014/main" id="{48BF2083-F3B9-44FE-975D-FE1EB75F75FF}"/>
               </a:ext>
             </a:extLst>
           </p:cNvPr>
@@ -11401,8 +14330,8 @@
         </p:blipFill>
         <p:spPr>
           <a:xfrm>
-            <a:off x="6126585" y="1927640"/>
-            <a:ext cx="5233987" cy="2044285"/>
+            <a:off x="7315200" y="1617594"/>
+            <a:ext cx="3900487" cy="3712911"/>
           </a:xfrm>
           <a:prstGeom prst="rect">
             <a:avLst/>
@@ -11414,7 +14343,7 @@
           <p:cNvPr id="5" name="Picture 4">
             <a:extLst>
               <a:ext uri="{FF2B5EF4-FFF2-40B4-BE49-F238E27FC236}">
-                <a16:creationId xmlns:a16="http://schemas.microsoft.com/office/drawing/2014/main" id="{121E7F8D-B67A-4D5A-9979-B36102EB22CF}"/>
+                <a16:creationId xmlns:a16="http://schemas.microsoft.com/office/drawing/2014/main" id="{B1670B48-12DF-447F-A9D0-6789619AD4E8}"/>
               </a:ext>
             </a:extLst>
           </p:cNvPr>
@@ -11431,8 +14360,38 @@
         </p:blipFill>
         <p:spPr>
           <a:xfrm>
-            <a:off x="6474565" y="4343400"/>
-            <a:ext cx="1917260" cy="1889772"/>
+            <a:off x="4572000" y="1951668"/>
+            <a:ext cx="2820918" cy="3624831"/>
+          </a:xfrm>
+          <a:prstGeom prst="rect">
+            <a:avLst/>
+          </a:prstGeom>
+        </p:spPr>
+      </p:pic>
+      <p:pic>
+        <p:nvPicPr>
+          <p:cNvPr id="6" name="Picture 5">
+            <a:extLst>
+              <a:ext uri="{FF2B5EF4-FFF2-40B4-BE49-F238E27FC236}">
+                <a16:creationId xmlns:a16="http://schemas.microsoft.com/office/drawing/2014/main" id="{410869DD-CF30-4645-9B96-F575245051BA}"/>
+              </a:ext>
+            </a:extLst>
+          </p:cNvPr>
+          <p:cNvPicPr>
+            <a:picLocks noChangeAspect="1"/>
+          </p:cNvPicPr>
+          <p:nvPr/>
+        </p:nvPicPr>
+        <p:blipFill>
+          <a:blip r:embed="rId6"/>
+          <a:stretch>
+            <a:fillRect/>
+          </a:stretch>
+        </p:blipFill>
+        <p:spPr>
+          <a:xfrm>
+            <a:off x="2502224" y="2816382"/>
+            <a:ext cx="2552700" cy="3020695"/>
           </a:xfrm>
           <a:prstGeom prst="rect">
             <a:avLst/>
@@ -11455,7 +14414,7 @@
 </p:sld>
 </file>
 
-<file path=ppt/slides/slide5.xml><?xml version="1.0" encoding="utf-8"?>
+<file path=ppt/slides/slide6.xml><?xml version="1.0" encoding="utf-8"?>
 <p:sld xmlns:a="http://schemas.openxmlformats.org/drawingml/2006/main" xmlns:r="http://schemas.openxmlformats.org/officeDocument/2006/relationships" xmlns:p="http://schemas.openxmlformats.org/presentationml/2006/main">
   <p:cSld>
     <p:spTree>
@@ -12088,7 +15047,7 @@
         </p:nvSpPr>
         <p:spPr>
           <a:xfrm>
-            <a:off x="1066800" y="2209800"/>
+            <a:off x="1219200" y="1838053"/>
             <a:ext cx="6400800" cy="3524250"/>
           </a:xfrm>
           <a:prstGeom prst="rect">
@@ -12230,7 +15189,7 @@
 </p:sld>
 </file>
 
-<file path=ppt/slides/slide6.xml><?xml version="1.0" encoding="utf-8"?>
+<file path=ppt/slides/slide7.xml><?xml version="1.0" encoding="utf-8"?>
 <p:sld xmlns:a="http://schemas.openxmlformats.org/drawingml/2006/main" xmlns:r="http://schemas.openxmlformats.org/officeDocument/2006/relationships" xmlns:p="http://schemas.openxmlformats.org/presentationml/2006/main">
   <p:cSld>
     <p:spTree>
@@ -12863,7 +15822,7 @@
         </p:nvSpPr>
         <p:spPr>
           <a:xfrm>
-            <a:off x="1066800" y="2209800"/>
+            <a:off x="609600" y="1800225"/>
             <a:ext cx="3429000" cy="2057400"/>
           </a:xfrm>
           <a:prstGeom prst="rect">
@@ -13017,7 +15976,7 @@
         </p:blipFill>
         <p:spPr>
           <a:xfrm>
-            <a:off x="4973820" y="1940166"/>
+            <a:off x="4343400" y="1940166"/>
             <a:ext cx="6827729" cy="3840597"/>
           </a:xfrm>
           <a:prstGeom prst="rect">
@@ -13041,7 +16000,7 @@
 </p:sld>
 </file>
 
-<file path=ppt/slides/slide7.xml><?xml version="1.0" encoding="utf-8"?>
+<file path=ppt/slides/slide8.xml><?xml version="1.0" encoding="utf-8"?>
 <p:sld xmlns:a="http://schemas.openxmlformats.org/drawingml/2006/main" xmlns:r="http://schemas.openxmlformats.org/officeDocument/2006/relationships" xmlns:p="http://schemas.openxmlformats.org/presentationml/2006/main">
   <p:cSld>
     <p:spTree>
@@ -13692,7 +16651,7 @@
 </p:sld>
 </file>
 
-<file path=ppt/slides/slide8.xml><?xml version="1.0" encoding="utf-8"?>
+<file path=ppt/slides/slide9.xml><?xml version="1.0" encoding="utf-8"?>
 <p:sld xmlns:a="http://schemas.openxmlformats.org/drawingml/2006/main" xmlns:r="http://schemas.openxmlformats.org/officeDocument/2006/relationships" xmlns:p="http://schemas.openxmlformats.org/presentationml/2006/main">
   <p:cSld>
     <p:spTree>
@@ -14315,7 +17274,7 @@
         </p:blipFill>
         <p:spPr>
           <a:xfrm>
-            <a:off x="4343400" y="1379538"/>
+            <a:off x="4114800" y="1379538"/>
             <a:ext cx="3839340" cy="4792842"/>
           </a:xfrm>
           <a:prstGeom prst="rect">
@@ -14330,656 +17289,6 @@
     <p:extLst>
       <p:ext uri="{BB962C8B-B14F-4D97-AF65-F5344CB8AC3E}">
         <p14:creationId xmlns:p14="http://schemas.microsoft.com/office/powerpoint/2010/main" val="4292270960"/>
-      </p:ext>
-    </p:extLst>
-  </p:cSld>
-  <p:clrMapOvr>
-    <a:masterClrMapping/>
-  </p:clrMapOvr>
-  <p:transition spd="slow">
-    <p:cover/>
-  </p:transition>
-</p:sld>
-</file>
-
-<file path=ppt/slides/slide9.xml><?xml version="1.0" encoding="utf-8"?>
-<p:sld xmlns:a="http://schemas.openxmlformats.org/drawingml/2006/main" xmlns:r="http://schemas.openxmlformats.org/officeDocument/2006/relationships" xmlns:p="http://schemas.openxmlformats.org/presentationml/2006/main">
-  <p:cSld>
-    <p:spTree>
-      <p:nvGrpSpPr>
-        <p:cNvPr id="1" name=""/>
-        <p:cNvGrpSpPr/>
-        <p:nvPr/>
-      </p:nvGrpSpPr>
-      <p:grpSpPr>
-        <a:xfrm>
-          <a:off x="0" y="0"/>
-          <a:ext cx="0" cy="0"/>
-          <a:chOff x="0" y="0"/>
-          <a:chExt cx="0" cy="0"/>
-        </a:xfrm>
-      </p:grpSpPr>
-      <p:sp>
-        <p:nvSpPr>
-          <p:cNvPr id="11" name="Заголовок 1"/>
-          <p:cNvSpPr txBox="1">
-            <a:spLocks/>
-          </p:cNvSpPr>
-          <p:nvPr/>
-        </p:nvSpPr>
-        <p:spPr>
-          <a:xfrm>
-            <a:off x="1981200" y="808038"/>
-            <a:ext cx="8229600" cy="563562"/>
-          </a:xfrm>
-          <a:prstGeom prst="rect">
-            <a:avLst/>
-          </a:prstGeom>
-        </p:spPr>
-        <p:txBody>
-          <a:bodyPr vert="horz" lIns="91440" tIns="45720" rIns="91440" bIns="45720" rtlCol="0" anchor="ctr">
-            <a:normAutofit/>
-          </a:bodyPr>
-          <a:lstStyle>
-            <a:lvl1pPr algn="ctr" defTabSz="914400" rtl="0" eaLnBrk="1" latinLnBrk="0" hangingPunct="1">
-              <a:spcBef>
-                <a:spcPct val="0"/>
-              </a:spcBef>
-              <a:buNone/>
-              <a:defRPr sz="4400" kern="1200">
-                <a:solidFill>
-                  <a:schemeClr val="tx1"/>
-                </a:solidFill>
-                <a:latin typeface="+mj-lt"/>
-                <a:ea typeface="+mj-ea"/>
-                <a:cs typeface="+mj-cs"/>
-              </a:defRPr>
-            </a:lvl1pPr>
-          </a:lstStyle>
-          <a:p>
-            <a:r>
-              <a:rPr lang="en-US" sz="2800" spc="-1" dirty="0">
-                <a:solidFill>
-                  <a:srgbClr val="D04E1D"/>
-                </a:solidFill>
-                <a:latin typeface="Segoe UI Light"/>
-                <a:ea typeface="DejaVu Sans"/>
-              </a:rPr>
-              <a:t>C</a:t>
-            </a:r>
-            <a:r>
-              <a:rPr lang="ru-RU" sz="2800" spc="-1" dirty="0">
-                <a:solidFill>
-                  <a:srgbClr val="D04E1D"/>
-                </a:solidFill>
-                <a:latin typeface="Segoe UI Light"/>
-                <a:ea typeface="DejaVu Sans"/>
-              </a:rPr>
-              <a:t>войства класса</a:t>
-            </a:r>
-            <a:endParaRPr lang="en-US" sz="2800" dirty="0">
-              <a:solidFill>
-                <a:srgbClr val="D04E1D"/>
-              </a:solidFill>
-              <a:latin typeface="Segoe UI Light" panose="020B0502040204020203" pitchFamily="34" charset="0"/>
-              <a:cs typeface="Segoe UI Light" panose="020B0502040204020203" pitchFamily="34" charset="0"/>
-            </a:endParaRPr>
-          </a:p>
-        </p:txBody>
-      </p:sp>
-      <p:sp>
-        <p:nvSpPr>
-          <p:cNvPr id="13" name="Прямоугольник 12"/>
-          <p:cNvSpPr/>
-          <p:nvPr/>
-        </p:nvSpPr>
-        <p:spPr>
-          <a:xfrm>
-            <a:off x="0" y="6343650"/>
-            <a:ext cx="12192000" cy="533400"/>
-          </a:xfrm>
-          <a:prstGeom prst="rect">
-            <a:avLst/>
-          </a:prstGeom>
-          <a:solidFill>
-            <a:srgbClr val="6E6E6E"/>
-          </a:solidFill>
-          <a:ln>
-            <a:noFill/>
-          </a:ln>
-        </p:spPr>
-        <p:style>
-          <a:lnRef idx="3">
-            <a:schemeClr val="lt1"/>
-          </a:lnRef>
-          <a:fillRef idx="1">
-            <a:schemeClr val="accent1"/>
-          </a:fillRef>
-          <a:effectRef idx="1">
-            <a:schemeClr val="accent1"/>
-          </a:effectRef>
-          <a:fontRef idx="minor">
-            <a:schemeClr val="lt1"/>
-          </a:fontRef>
-        </p:style>
-        <p:txBody>
-          <a:bodyPr rtlCol="0" anchor="ctr"/>
-          <a:lstStyle/>
-          <a:p>
-            <a:pPr algn="ctr"/>
-            <a:endParaRPr lang="en-US"/>
-          </a:p>
-        </p:txBody>
-      </p:sp>
-      <p:sp>
-        <p:nvSpPr>
-          <p:cNvPr id="14" name="Прямоугольник 13"/>
-          <p:cNvSpPr/>
-          <p:nvPr/>
-        </p:nvSpPr>
-        <p:spPr>
-          <a:xfrm>
-            <a:off x="4038600" y="6458795"/>
-            <a:ext cx="7924800" cy="307777"/>
-          </a:xfrm>
-          <a:prstGeom prst="rect">
-            <a:avLst/>
-          </a:prstGeom>
-        </p:spPr>
-        <p:txBody>
-          <a:bodyPr wrap="square">
-            <a:spAutoFit/>
-          </a:bodyPr>
-          <a:lstStyle/>
-          <a:p>
-            <a:r>
-              <a:rPr lang="en-US" sz="1400" dirty="0">
-                <a:solidFill>
-                  <a:schemeClr val="bg1"/>
-                </a:solidFill>
-                <a:latin typeface="Segoe UI Light" panose="020B0502040204020203" pitchFamily="34" charset="0"/>
-                <a:cs typeface="Segoe UI Light" panose="020B0502040204020203" pitchFamily="34" charset="0"/>
-              </a:rPr>
-              <a:t>Information Technology Video Developer Network                                                       http://itvdn.com</a:t>
-            </a:r>
-          </a:p>
-        </p:txBody>
-      </p:sp>
-      <p:sp>
-        <p:nvSpPr>
-          <p:cNvPr id="16" name="Прямоугольник 15"/>
-          <p:cNvSpPr/>
-          <p:nvPr/>
-        </p:nvSpPr>
-        <p:spPr>
-          <a:xfrm>
-            <a:off x="373241" y="6431280"/>
-            <a:ext cx="891847" cy="400110"/>
-          </a:xfrm>
-          <a:prstGeom prst="rect">
-            <a:avLst/>
-          </a:prstGeom>
-        </p:spPr>
-        <p:txBody>
-          <a:bodyPr wrap="none">
-            <a:spAutoFit/>
-          </a:bodyPr>
-          <a:lstStyle/>
-          <a:p>
-            <a:r>
-              <a:rPr lang="en-US" sz="2000" dirty="0">
-                <a:solidFill>
-                  <a:schemeClr val="bg1"/>
-                </a:solidFill>
-                <a:latin typeface="Segoe UI Light" panose="020B0502040204020203" pitchFamily="34" charset="0"/>
-                <a:cs typeface="Segoe UI Light" panose="020B0502040204020203" pitchFamily="34" charset="0"/>
-              </a:rPr>
-              <a:t>ITVDN</a:t>
-            </a:r>
-            <a:endParaRPr lang="en-US" sz="2000" dirty="0"/>
-          </a:p>
-        </p:txBody>
-      </p:sp>
-      <p:grpSp>
-        <p:nvGrpSpPr>
-          <p:cNvPr id="18" name="Группа 17"/>
-          <p:cNvGrpSpPr/>
-          <p:nvPr/>
-        </p:nvGrpSpPr>
-        <p:grpSpPr>
-          <a:xfrm>
-            <a:off x="177200" y="6404572"/>
-            <a:ext cx="178914" cy="411555"/>
-            <a:chOff x="4724400" y="3098418"/>
-            <a:chExt cx="178914" cy="411555"/>
-          </a:xfrm>
-        </p:grpSpPr>
-        <p:sp>
-          <p:nvSpPr>
-            <p:cNvPr id="19" name="Блок-схема: данные 27"/>
-            <p:cNvSpPr/>
-            <p:nvPr/>
-          </p:nvSpPr>
-          <p:spPr>
-            <a:xfrm rot="5400000" flipH="1">
-              <a:off x="4611960" y="3312840"/>
-              <a:ext cx="309573" cy="84693"/>
-            </a:xfrm>
-            <a:custGeom>
-              <a:avLst/>
-              <a:gdLst>
-                <a:gd name="connsiteX0" fmla="*/ 0 w 10000"/>
-                <a:gd name="connsiteY0" fmla="*/ 10000 h 10000"/>
-                <a:gd name="connsiteX1" fmla="*/ 2000 w 10000"/>
-                <a:gd name="connsiteY1" fmla="*/ 0 h 10000"/>
-                <a:gd name="connsiteX2" fmla="*/ 10000 w 10000"/>
-                <a:gd name="connsiteY2" fmla="*/ 0 h 10000"/>
-                <a:gd name="connsiteX3" fmla="*/ 8000 w 10000"/>
-                <a:gd name="connsiteY3" fmla="*/ 10000 h 10000"/>
-                <a:gd name="connsiteX4" fmla="*/ 0 w 10000"/>
-                <a:gd name="connsiteY4" fmla="*/ 10000 h 10000"/>
-                <a:gd name="connsiteX0" fmla="*/ 0 w 11343"/>
-                <a:gd name="connsiteY0" fmla="*/ 10000 h 10000"/>
-                <a:gd name="connsiteX1" fmla="*/ 2000 w 11343"/>
-                <a:gd name="connsiteY1" fmla="*/ 0 h 10000"/>
-                <a:gd name="connsiteX2" fmla="*/ 11343 w 11343"/>
-                <a:gd name="connsiteY2" fmla="*/ 302 h 10000"/>
-                <a:gd name="connsiteX3" fmla="*/ 8000 w 11343"/>
-                <a:gd name="connsiteY3" fmla="*/ 10000 h 10000"/>
-                <a:gd name="connsiteX4" fmla="*/ 0 w 11343"/>
-                <a:gd name="connsiteY4" fmla="*/ 10000 h 10000"/>
-                <a:gd name="connsiteX0" fmla="*/ 0 w 11019"/>
-                <a:gd name="connsiteY0" fmla="*/ 10000 h 10000"/>
-                <a:gd name="connsiteX1" fmla="*/ 1676 w 11019"/>
-                <a:gd name="connsiteY1" fmla="*/ 0 h 10000"/>
-                <a:gd name="connsiteX2" fmla="*/ 11019 w 11019"/>
-                <a:gd name="connsiteY2" fmla="*/ 302 h 10000"/>
-                <a:gd name="connsiteX3" fmla="*/ 7676 w 11019"/>
-                <a:gd name="connsiteY3" fmla="*/ 10000 h 10000"/>
-                <a:gd name="connsiteX4" fmla="*/ 0 w 11019"/>
-                <a:gd name="connsiteY4" fmla="*/ 10000 h 10000"/>
-                <a:gd name="connsiteX0" fmla="*/ 0 w 11019"/>
-                <a:gd name="connsiteY0" fmla="*/ 10151 h 10151"/>
-                <a:gd name="connsiteX1" fmla="*/ 3759 w 11019"/>
-                <a:gd name="connsiteY1" fmla="*/ 0 h 10151"/>
-                <a:gd name="connsiteX2" fmla="*/ 11019 w 11019"/>
-                <a:gd name="connsiteY2" fmla="*/ 453 h 10151"/>
-                <a:gd name="connsiteX3" fmla="*/ 7676 w 11019"/>
-                <a:gd name="connsiteY3" fmla="*/ 10151 h 10151"/>
-                <a:gd name="connsiteX4" fmla="*/ 0 w 11019"/>
-                <a:gd name="connsiteY4" fmla="*/ 10151 h 10151"/>
-                <a:gd name="connsiteX0" fmla="*/ 0 w 11019"/>
-                <a:gd name="connsiteY0" fmla="*/ 9698 h 9698"/>
-                <a:gd name="connsiteX1" fmla="*/ 4685 w 11019"/>
-                <a:gd name="connsiteY1" fmla="*/ 1 h 9698"/>
-                <a:gd name="connsiteX2" fmla="*/ 11019 w 11019"/>
-                <a:gd name="connsiteY2" fmla="*/ 0 h 9698"/>
-                <a:gd name="connsiteX3" fmla="*/ 7676 w 11019"/>
-                <a:gd name="connsiteY3" fmla="*/ 9698 h 9698"/>
-                <a:gd name="connsiteX4" fmla="*/ 0 w 11019"/>
-                <a:gd name="connsiteY4" fmla="*/ 9698 h 9698"/>
-                <a:gd name="connsiteX0" fmla="*/ 0 w 10000"/>
-                <a:gd name="connsiteY0" fmla="*/ 10155 h 10155"/>
-                <a:gd name="connsiteX1" fmla="*/ 3202 w 10000"/>
-                <a:gd name="connsiteY1" fmla="*/ 0 h 10155"/>
-                <a:gd name="connsiteX2" fmla="*/ 10000 w 10000"/>
-                <a:gd name="connsiteY2" fmla="*/ 155 h 10155"/>
-                <a:gd name="connsiteX3" fmla="*/ 6966 w 10000"/>
-                <a:gd name="connsiteY3" fmla="*/ 10155 h 10155"/>
-                <a:gd name="connsiteX4" fmla="*/ 0 w 10000"/>
-                <a:gd name="connsiteY4" fmla="*/ 10155 h 10155"/>
-              </a:gdLst>
-              <a:ahLst/>
-              <a:cxnLst>
-                <a:cxn ang="0">
-                  <a:pos x="connsiteX0" y="connsiteY0"/>
-                </a:cxn>
-                <a:cxn ang="0">
-                  <a:pos x="connsiteX1" y="connsiteY1"/>
-                </a:cxn>
-                <a:cxn ang="0">
-                  <a:pos x="connsiteX2" y="connsiteY2"/>
-                </a:cxn>
-                <a:cxn ang="0">
-                  <a:pos x="connsiteX3" y="connsiteY3"/>
-                </a:cxn>
-                <a:cxn ang="0">
-                  <a:pos x="connsiteX4" y="connsiteY4"/>
-                </a:cxn>
-              </a:cxnLst>
-              <a:rect l="l" t="t" r="r" b="b"/>
-              <a:pathLst>
-                <a:path w="10000" h="10155">
-                  <a:moveTo>
-                    <a:pt x="0" y="10155"/>
-                  </a:moveTo>
-                  <a:lnTo>
-                    <a:pt x="3202" y="0"/>
-                  </a:lnTo>
-                  <a:lnTo>
-                    <a:pt x="10000" y="155"/>
-                  </a:lnTo>
-                  <a:lnTo>
-                    <a:pt x="6966" y="10155"/>
-                  </a:lnTo>
-                  <a:lnTo>
-                    <a:pt x="0" y="10155"/>
-                  </a:lnTo>
-                  <a:close/>
-                </a:path>
-              </a:pathLst>
-            </a:custGeom>
-            <a:solidFill>
-              <a:schemeClr val="bg1"/>
-            </a:solidFill>
-            <a:ln>
-              <a:noFill/>
-            </a:ln>
-          </p:spPr>
-          <p:style>
-            <a:lnRef idx="2">
-              <a:schemeClr val="accent1">
-                <a:shade val="50000"/>
-              </a:schemeClr>
-            </a:lnRef>
-            <a:fillRef idx="1">
-              <a:schemeClr val="accent1"/>
-            </a:fillRef>
-            <a:effectRef idx="0">
-              <a:schemeClr val="accent1"/>
-            </a:effectRef>
-            <a:fontRef idx="minor">
-              <a:schemeClr val="lt1"/>
-            </a:fontRef>
-          </p:style>
-          <p:txBody>
-            <a:bodyPr rtlCol="0" anchor="ctr"/>
-            <a:lstStyle/>
-            <a:p>
-              <a:pPr algn="ctr"/>
-              <a:endParaRPr lang="en-US"/>
-            </a:p>
-          </p:txBody>
-        </p:sp>
-        <p:sp>
-          <p:nvSpPr>
-            <p:cNvPr id="20" name="Блок-схема: данные 27"/>
-            <p:cNvSpPr/>
-            <p:nvPr/>
-          </p:nvSpPr>
-          <p:spPr>
-            <a:xfrm rot="5400000" flipH="1">
-              <a:off x="4706181" y="3210858"/>
-              <a:ext cx="309573" cy="84693"/>
-            </a:xfrm>
-            <a:custGeom>
-              <a:avLst/>
-              <a:gdLst>
-                <a:gd name="connsiteX0" fmla="*/ 0 w 10000"/>
-                <a:gd name="connsiteY0" fmla="*/ 10000 h 10000"/>
-                <a:gd name="connsiteX1" fmla="*/ 2000 w 10000"/>
-                <a:gd name="connsiteY1" fmla="*/ 0 h 10000"/>
-                <a:gd name="connsiteX2" fmla="*/ 10000 w 10000"/>
-                <a:gd name="connsiteY2" fmla="*/ 0 h 10000"/>
-                <a:gd name="connsiteX3" fmla="*/ 8000 w 10000"/>
-                <a:gd name="connsiteY3" fmla="*/ 10000 h 10000"/>
-                <a:gd name="connsiteX4" fmla="*/ 0 w 10000"/>
-                <a:gd name="connsiteY4" fmla="*/ 10000 h 10000"/>
-                <a:gd name="connsiteX0" fmla="*/ 0 w 11343"/>
-                <a:gd name="connsiteY0" fmla="*/ 10000 h 10000"/>
-                <a:gd name="connsiteX1" fmla="*/ 2000 w 11343"/>
-                <a:gd name="connsiteY1" fmla="*/ 0 h 10000"/>
-                <a:gd name="connsiteX2" fmla="*/ 11343 w 11343"/>
-                <a:gd name="connsiteY2" fmla="*/ 302 h 10000"/>
-                <a:gd name="connsiteX3" fmla="*/ 8000 w 11343"/>
-                <a:gd name="connsiteY3" fmla="*/ 10000 h 10000"/>
-                <a:gd name="connsiteX4" fmla="*/ 0 w 11343"/>
-                <a:gd name="connsiteY4" fmla="*/ 10000 h 10000"/>
-                <a:gd name="connsiteX0" fmla="*/ 0 w 11019"/>
-                <a:gd name="connsiteY0" fmla="*/ 10000 h 10000"/>
-                <a:gd name="connsiteX1" fmla="*/ 1676 w 11019"/>
-                <a:gd name="connsiteY1" fmla="*/ 0 h 10000"/>
-                <a:gd name="connsiteX2" fmla="*/ 11019 w 11019"/>
-                <a:gd name="connsiteY2" fmla="*/ 302 h 10000"/>
-                <a:gd name="connsiteX3" fmla="*/ 7676 w 11019"/>
-                <a:gd name="connsiteY3" fmla="*/ 10000 h 10000"/>
-                <a:gd name="connsiteX4" fmla="*/ 0 w 11019"/>
-                <a:gd name="connsiteY4" fmla="*/ 10000 h 10000"/>
-                <a:gd name="connsiteX0" fmla="*/ 0 w 11019"/>
-                <a:gd name="connsiteY0" fmla="*/ 10151 h 10151"/>
-                <a:gd name="connsiteX1" fmla="*/ 3759 w 11019"/>
-                <a:gd name="connsiteY1" fmla="*/ 0 h 10151"/>
-                <a:gd name="connsiteX2" fmla="*/ 11019 w 11019"/>
-                <a:gd name="connsiteY2" fmla="*/ 453 h 10151"/>
-                <a:gd name="connsiteX3" fmla="*/ 7676 w 11019"/>
-                <a:gd name="connsiteY3" fmla="*/ 10151 h 10151"/>
-                <a:gd name="connsiteX4" fmla="*/ 0 w 11019"/>
-                <a:gd name="connsiteY4" fmla="*/ 10151 h 10151"/>
-                <a:gd name="connsiteX0" fmla="*/ 0 w 11019"/>
-                <a:gd name="connsiteY0" fmla="*/ 9698 h 9698"/>
-                <a:gd name="connsiteX1" fmla="*/ 4685 w 11019"/>
-                <a:gd name="connsiteY1" fmla="*/ 1 h 9698"/>
-                <a:gd name="connsiteX2" fmla="*/ 11019 w 11019"/>
-                <a:gd name="connsiteY2" fmla="*/ 0 h 9698"/>
-                <a:gd name="connsiteX3" fmla="*/ 7676 w 11019"/>
-                <a:gd name="connsiteY3" fmla="*/ 9698 h 9698"/>
-                <a:gd name="connsiteX4" fmla="*/ 0 w 11019"/>
-                <a:gd name="connsiteY4" fmla="*/ 9698 h 9698"/>
-                <a:gd name="connsiteX0" fmla="*/ 0 w 10000"/>
-                <a:gd name="connsiteY0" fmla="*/ 10155 h 10155"/>
-                <a:gd name="connsiteX1" fmla="*/ 3202 w 10000"/>
-                <a:gd name="connsiteY1" fmla="*/ 0 h 10155"/>
-                <a:gd name="connsiteX2" fmla="*/ 10000 w 10000"/>
-                <a:gd name="connsiteY2" fmla="*/ 155 h 10155"/>
-                <a:gd name="connsiteX3" fmla="*/ 6966 w 10000"/>
-                <a:gd name="connsiteY3" fmla="*/ 10155 h 10155"/>
-                <a:gd name="connsiteX4" fmla="*/ 0 w 10000"/>
-                <a:gd name="connsiteY4" fmla="*/ 10155 h 10155"/>
-              </a:gdLst>
-              <a:ahLst/>
-              <a:cxnLst>
-                <a:cxn ang="0">
-                  <a:pos x="connsiteX0" y="connsiteY0"/>
-                </a:cxn>
-                <a:cxn ang="0">
-                  <a:pos x="connsiteX1" y="connsiteY1"/>
-                </a:cxn>
-                <a:cxn ang="0">
-                  <a:pos x="connsiteX2" y="connsiteY2"/>
-                </a:cxn>
-                <a:cxn ang="0">
-                  <a:pos x="connsiteX3" y="connsiteY3"/>
-                </a:cxn>
-                <a:cxn ang="0">
-                  <a:pos x="connsiteX4" y="connsiteY4"/>
-                </a:cxn>
-              </a:cxnLst>
-              <a:rect l="l" t="t" r="r" b="b"/>
-              <a:pathLst>
-                <a:path w="10000" h="10155">
-                  <a:moveTo>
-                    <a:pt x="0" y="10155"/>
-                  </a:moveTo>
-                  <a:lnTo>
-                    <a:pt x="3202" y="0"/>
-                  </a:lnTo>
-                  <a:lnTo>
-                    <a:pt x="10000" y="155"/>
-                  </a:lnTo>
-                  <a:lnTo>
-                    <a:pt x="6966" y="10155"/>
-                  </a:lnTo>
-                  <a:lnTo>
-                    <a:pt x="0" y="10155"/>
-                  </a:lnTo>
-                  <a:close/>
-                </a:path>
-              </a:pathLst>
-            </a:custGeom>
-            <a:solidFill>
-              <a:schemeClr val="bg1">
-                <a:lumMod val="85000"/>
-              </a:schemeClr>
-            </a:solidFill>
-            <a:ln>
-              <a:noFill/>
-            </a:ln>
-          </p:spPr>
-          <p:style>
-            <a:lnRef idx="2">
-              <a:schemeClr val="accent1">
-                <a:shade val="50000"/>
-              </a:schemeClr>
-            </a:lnRef>
-            <a:fillRef idx="1">
-              <a:schemeClr val="accent1"/>
-            </a:fillRef>
-            <a:effectRef idx="0">
-              <a:schemeClr val="accent1"/>
-            </a:effectRef>
-            <a:fontRef idx="minor">
-              <a:schemeClr val="lt1"/>
-            </a:fontRef>
-          </p:style>
-          <p:txBody>
-            <a:bodyPr rtlCol="0" anchor="ctr"/>
-            <a:lstStyle/>
-            <a:p>
-              <a:pPr algn="ctr"/>
-              <a:endParaRPr lang="en-US"/>
-            </a:p>
-          </p:txBody>
-        </p:sp>
-      </p:grpSp>
-      <p:sp>
-        <p:nvSpPr>
-          <p:cNvPr id="21" name="Прямоугольник 20"/>
-          <p:cNvSpPr/>
-          <p:nvPr/>
-        </p:nvSpPr>
-        <p:spPr>
-          <a:xfrm>
-            <a:off x="0" y="228600"/>
-            <a:ext cx="12192000" cy="533400"/>
-          </a:xfrm>
-          <a:prstGeom prst="rect">
-            <a:avLst/>
-          </a:prstGeom>
-          <a:solidFill>
-            <a:srgbClr val="6E6E6E"/>
-          </a:solidFill>
-          <a:ln>
-            <a:noFill/>
-          </a:ln>
-        </p:spPr>
-        <p:style>
-          <a:lnRef idx="3">
-            <a:schemeClr val="lt1"/>
-          </a:lnRef>
-          <a:fillRef idx="1">
-            <a:schemeClr val="accent1"/>
-          </a:fillRef>
-          <a:effectRef idx="1">
-            <a:schemeClr val="accent1"/>
-          </a:effectRef>
-          <a:fontRef idx="minor">
-            <a:schemeClr val="lt1"/>
-          </a:fontRef>
-        </p:style>
-        <p:txBody>
-          <a:bodyPr rtlCol="0" anchor="ctr"/>
-          <a:lstStyle/>
-          <a:p>
-            <a:pPr algn="ctr"/>
-            <a:endParaRPr lang="en-US"/>
-          </a:p>
-        </p:txBody>
-      </p:sp>
-      <p:sp>
-        <p:nvSpPr>
-          <p:cNvPr id="22" name="Заголовок 1"/>
-          <p:cNvSpPr txBox="1">
-            <a:spLocks/>
-          </p:cNvSpPr>
-          <p:nvPr/>
-        </p:nvSpPr>
-        <p:spPr>
-          <a:xfrm>
-            <a:off x="1981200" y="228600"/>
-            <a:ext cx="8229600" cy="571500"/>
-          </a:xfrm>
-          <a:prstGeom prst="rect">
-            <a:avLst/>
-          </a:prstGeom>
-        </p:spPr>
-        <p:txBody>
-          <a:bodyPr vert="horz" lIns="91440" tIns="45720" rIns="91440" bIns="45720" rtlCol="0" anchor="ctr">
-            <a:normAutofit fontScale="90000" lnSpcReduction="10000"/>
-          </a:bodyPr>
-          <a:lstStyle>
-            <a:lvl1pPr algn="ctr" defTabSz="914400" rtl="0" eaLnBrk="1" latinLnBrk="0" hangingPunct="1">
-              <a:spcBef>
-                <a:spcPct val="0"/>
-              </a:spcBef>
-              <a:buNone/>
-              <a:defRPr sz="4400" kern="1200">
-                <a:solidFill>
-                  <a:schemeClr val="tx1"/>
-                </a:solidFill>
-                <a:latin typeface="+mj-lt"/>
-                <a:ea typeface="+mj-ea"/>
-                <a:cs typeface="+mj-cs"/>
-              </a:defRPr>
-            </a:lvl1pPr>
-          </a:lstStyle>
-          <a:p>
-            <a:r>
-              <a:rPr lang="en-US" sz="3600" dirty="0">
-                <a:solidFill>
-                  <a:schemeClr val="bg1"/>
-                </a:solidFill>
-                <a:latin typeface="Segoe UI Light" panose="020B0502040204020203" pitchFamily="34" charset="0"/>
-                <a:ea typeface="Segoe UI" pitchFamily="34" charset="0"/>
-                <a:cs typeface="Segoe UI Light" panose="020B0502040204020203" pitchFamily="34" charset="0"/>
-              </a:rPr>
-              <a:t>PHP Essentials</a:t>
-            </a:r>
-          </a:p>
-        </p:txBody>
-      </p:sp>
-      <p:pic>
-        <p:nvPicPr>
-          <p:cNvPr id="12" name="Picture 11">
-            <a:extLst>
-              <a:ext uri="{FF2B5EF4-FFF2-40B4-BE49-F238E27FC236}">
-                <a16:creationId xmlns:a16="http://schemas.microsoft.com/office/drawing/2014/main" id="{CCB74D38-228B-49A9-8ABB-D2414F8F3FB3}"/>
-              </a:ext>
-            </a:extLst>
-          </p:cNvPr>
-          <p:cNvPicPr/>
-          <p:nvPr/>
-        </p:nvPicPr>
-        <p:blipFill>
-          <a:blip r:embed="rId3"/>
-          <a:stretch/>
-        </p:blipFill>
-        <p:spPr>
-          <a:xfrm>
-            <a:off x="4343400" y="1379538"/>
-            <a:ext cx="3839340" cy="4792842"/>
-          </a:xfrm>
-          <a:prstGeom prst="rect">
-            <a:avLst/>
-          </a:prstGeom>
-          <a:ln>
-            <a:noFill/>
-          </a:ln>
-        </p:spPr>
-      </p:pic>
-    </p:spTree>
-    <p:extLst>
-      <p:ext uri="{BB962C8B-B14F-4D97-AF65-F5344CB8AC3E}">
-        <p14:creationId xmlns:p14="http://schemas.microsoft.com/office/powerpoint/2010/main" val="1719840309"/>
       </p:ext>
     </p:extLst>
   </p:cSld>

--- a/PHP Essentials/002_Контекст вызова. Константы. Статика в PHP ООП/002_Контекст вызова. Константы. Статика в PHP ООП (Презентация).pptx
+++ b/PHP Essentials/002_Контекст вызова. Константы. Статика в PHP ООП/002_Контекст вызова. Константы. Статика в PHP ООП (Презентация).pptx
@@ -5,26 +5,27 @@
     <p:sldMasterId id="2147483660" r:id="rId1"/>
   </p:sldMasterIdLst>
   <p:notesMasterIdLst>
-    <p:notesMasterId r:id="rId19"/>
+    <p:notesMasterId r:id="rId20"/>
   </p:notesMasterIdLst>
   <p:sldIdLst>
     <p:sldId id="448" r:id="rId2"/>
     <p:sldId id="449" r:id="rId3"/>
     <p:sldId id="428" r:id="rId4"/>
     <p:sldId id="435" r:id="rId5"/>
-    <p:sldId id="438" r:id="rId6"/>
-    <p:sldId id="439" r:id="rId7"/>
-    <p:sldId id="440" r:id="rId8"/>
-    <p:sldId id="441" r:id="rId9"/>
-    <p:sldId id="442" r:id="rId10"/>
-    <p:sldId id="443" r:id="rId11"/>
-    <p:sldId id="444" r:id="rId12"/>
-    <p:sldId id="445" r:id="rId13"/>
-    <p:sldId id="446" r:id="rId14"/>
-    <p:sldId id="447" r:id="rId15"/>
-    <p:sldId id="451" r:id="rId16"/>
-    <p:sldId id="452" r:id="rId17"/>
-    <p:sldId id="453" r:id="rId18"/>
+    <p:sldId id="454" r:id="rId6"/>
+    <p:sldId id="438" r:id="rId7"/>
+    <p:sldId id="456" r:id="rId8"/>
+    <p:sldId id="439" r:id="rId9"/>
+    <p:sldId id="455" r:id="rId10"/>
+    <p:sldId id="457" r:id="rId11"/>
+    <p:sldId id="458" r:id="rId12"/>
+    <p:sldId id="459" r:id="rId13"/>
+    <p:sldId id="460" r:id="rId14"/>
+    <p:sldId id="461" r:id="rId15"/>
+    <p:sldId id="462" r:id="rId16"/>
+    <p:sldId id="451" r:id="rId17"/>
+    <p:sldId id="452" r:id="rId18"/>
+    <p:sldId id="453" r:id="rId19"/>
   </p:sldIdLst>
   <p:sldSz cx="12192000" cy="6858000"/>
   <p:notesSz cx="6858000" cy="9144000"/>
@@ -132,16 +133,17 @@
             <p14:sldId id="449"/>
             <p14:sldId id="428"/>
             <p14:sldId id="435"/>
+            <p14:sldId id="454"/>
             <p14:sldId id="438"/>
+            <p14:sldId id="456"/>
             <p14:sldId id="439"/>
-            <p14:sldId id="440"/>
-            <p14:sldId id="441"/>
-            <p14:sldId id="442"/>
-            <p14:sldId id="443"/>
-            <p14:sldId id="444"/>
-            <p14:sldId id="445"/>
-            <p14:sldId id="446"/>
-            <p14:sldId id="447"/>
+            <p14:sldId id="455"/>
+            <p14:sldId id="457"/>
+            <p14:sldId id="458"/>
+            <p14:sldId id="459"/>
+            <p14:sldId id="460"/>
+            <p14:sldId id="461"/>
+            <p14:sldId id="462"/>
             <p14:sldId id="451"/>
             <p14:sldId id="452"/>
             <p14:sldId id="453"/>
@@ -212,11 +214,13 @@
           <a:bodyPr vert="horz" lIns="91440" tIns="45720" rIns="91440" bIns="45720" rtlCol="0"/>
           <a:lstStyle>
             <a:lvl1pPr algn="l">
-              <a:defRPr sz="1200"/>
+              <a:defRPr sz="1200">
+                <a:latin typeface="Segoe UI" panose="020B0502040204020203" pitchFamily="34" charset="0"/>
+              </a:defRPr>
             </a:lvl1pPr>
           </a:lstStyle>
           <a:p>
-            <a:endParaRPr lang="en-US"/>
+            <a:endParaRPr lang="en-US" dirty="0"/>
           </a:p>
         </p:txBody>
       </p:sp>
@@ -243,15 +247,18 @@
           <a:bodyPr vert="horz" lIns="91440" tIns="45720" rIns="91440" bIns="45720" rtlCol="0"/>
           <a:lstStyle>
             <a:lvl1pPr algn="r">
-              <a:defRPr sz="1200"/>
+              <a:defRPr sz="1200">
+                <a:latin typeface="Segoe UI" panose="020B0502040204020203" pitchFamily="34" charset="0"/>
+              </a:defRPr>
             </a:lvl1pPr>
           </a:lstStyle>
           <a:p>
             <a:fld id="{39EEAABF-1A21-4BDA-A92C-F0636835B84E}" type="datetimeFigureOut">
               <a:rPr lang="en-US" smtClean="0"/>
-              <a:t>11/10/2020</a:t>
+              <a:pPr/>
+              <a:t>11/30/2020</a:t>
             </a:fld>
-            <a:endParaRPr lang="en-US"/>
+            <a:endParaRPr lang="en-US" dirty="0"/>
           </a:p>
         </p:txBody>
       </p:sp>
@@ -284,7 +291,7 @@
           <a:bodyPr vert="horz" lIns="91440" tIns="45720" rIns="91440" bIns="45720" rtlCol="0" anchor="ctr"/>
           <a:lstStyle/>
           <a:p>
-            <a:endParaRPr lang="en-US"/>
+            <a:endParaRPr lang="en-US" dirty="0"/>
           </a:p>
         </p:txBody>
       </p:sp>
@@ -313,38 +320,38 @@
           <a:p>
             <a:pPr lvl="0"/>
             <a:r>
-              <a:rPr lang="ru-RU"/>
+              <a:rPr lang="ru-RU" dirty="0"/>
               <a:t>Образец текста</a:t>
             </a:r>
           </a:p>
           <a:p>
             <a:pPr lvl="1"/>
             <a:r>
-              <a:rPr lang="ru-RU"/>
+              <a:rPr lang="ru-RU" dirty="0"/>
               <a:t>Второй уровень</a:t>
             </a:r>
           </a:p>
           <a:p>
             <a:pPr lvl="2"/>
             <a:r>
-              <a:rPr lang="ru-RU"/>
+              <a:rPr lang="ru-RU" dirty="0"/>
               <a:t>Третий уровень</a:t>
             </a:r>
           </a:p>
           <a:p>
             <a:pPr lvl="3"/>
             <a:r>
-              <a:rPr lang="ru-RU"/>
+              <a:rPr lang="ru-RU" dirty="0"/>
               <a:t>Четвертый уровень</a:t>
             </a:r>
           </a:p>
           <a:p>
             <a:pPr lvl="4"/>
             <a:r>
-              <a:rPr lang="ru-RU"/>
+              <a:rPr lang="ru-RU" dirty="0"/>
               <a:t>Пятый уровень</a:t>
             </a:r>
-            <a:endParaRPr lang="en-US"/>
+            <a:endParaRPr lang="en-US" dirty="0"/>
           </a:p>
         </p:txBody>
       </p:sp>
@@ -371,11 +378,13 @@
           <a:bodyPr vert="horz" lIns="91440" tIns="45720" rIns="91440" bIns="45720" rtlCol="0" anchor="b"/>
           <a:lstStyle>
             <a:lvl1pPr algn="l">
-              <a:defRPr sz="1200"/>
+              <a:defRPr sz="1200">
+                <a:latin typeface="Segoe UI" panose="020B0502040204020203" pitchFamily="34" charset="0"/>
+              </a:defRPr>
             </a:lvl1pPr>
           </a:lstStyle>
           <a:p>
-            <a:endParaRPr lang="en-US"/>
+            <a:endParaRPr lang="en-US" dirty="0"/>
           </a:p>
         </p:txBody>
       </p:sp>
@@ -402,15 +411,18 @@
           <a:bodyPr vert="horz" lIns="91440" tIns="45720" rIns="91440" bIns="45720" rtlCol="0" anchor="b"/>
           <a:lstStyle>
             <a:lvl1pPr algn="r">
-              <a:defRPr sz="1200"/>
+              <a:defRPr sz="1200">
+                <a:latin typeface="Segoe UI" panose="020B0502040204020203" pitchFamily="34" charset="0"/>
+              </a:defRPr>
             </a:lvl1pPr>
           </a:lstStyle>
           <a:p>
             <a:fld id="{A9257FB8-63EF-4E13-93FB-D2905A6BADA3}" type="slidenum">
               <a:rPr lang="en-US" smtClean="0"/>
+              <a:pPr/>
               <a:t>‹#›</a:t>
             </a:fld>
-            <a:endParaRPr lang="en-US"/>
+            <a:endParaRPr lang="en-US" dirty="0"/>
           </a:p>
         </p:txBody>
       </p:sp>
@@ -428,7 +440,7 @@
         <a:solidFill>
           <a:schemeClr val="tx1"/>
         </a:solidFill>
-        <a:latin typeface="+mn-lt"/>
+        <a:latin typeface="Segoe UI" panose="020B0502040204020203" pitchFamily="34" charset="0"/>
         <a:ea typeface="+mn-ea"/>
         <a:cs typeface="+mn-cs"/>
       </a:defRPr>
@@ -438,7 +450,7 @@
         <a:solidFill>
           <a:schemeClr val="tx1"/>
         </a:solidFill>
-        <a:latin typeface="+mn-lt"/>
+        <a:latin typeface="Segoe UI" panose="020B0502040204020203" pitchFamily="34" charset="0"/>
         <a:ea typeface="+mn-ea"/>
         <a:cs typeface="+mn-cs"/>
       </a:defRPr>
@@ -448,7 +460,7 @@
         <a:solidFill>
           <a:schemeClr val="tx1"/>
         </a:solidFill>
-        <a:latin typeface="+mn-lt"/>
+        <a:latin typeface="Segoe UI" panose="020B0502040204020203" pitchFamily="34" charset="0"/>
         <a:ea typeface="+mn-ea"/>
         <a:cs typeface="+mn-cs"/>
       </a:defRPr>
@@ -458,7 +470,7 @@
         <a:solidFill>
           <a:schemeClr val="tx1"/>
         </a:solidFill>
-        <a:latin typeface="+mn-lt"/>
+        <a:latin typeface="Segoe UI" panose="020B0502040204020203" pitchFamily="34" charset="0"/>
         <a:ea typeface="+mn-ea"/>
         <a:cs typeface="+mn-cs"/>
       </a:defRPr>
@@ -468,7 +480,7 @@
         <a:solidFill>
           <a:schemeClr val="tx1"/>
         </a:solidFill>
-        <a:latin typeface="+mn-lt"/>
+        <a:latin typeface="Segoe UI" panose="020B0502040204020203" pitchFamily="34" charset="0"/>
         <a:ea typeface="+mn-ea"/>
         <a:cs typeface="+mn-cs"/>
       </a:defRPr>
@@ -685,7 +697,7 @@
     </p:spTree>
     <p:extLst>
       <p:ext uri="{BB962C8B-B14F-4D97-AF65-F5344CB8AC3E}">
-        <p14:creationId xmlns:p14="http://schemas.microsoft.com/office/powerpoint/2010/main" val="3940013286"/>
+        <p14:creationId xmlns:p14="http://schemas.microsoft.com/office/powerpoint/2010/main" val="2585067375"/>
       </p:ext>
     </p:extLst>
   </p:cSld>
@@ -774,7 +786,7 @@
     </p:spTree>
     <p:extLst>
       <p:ext uri="{BB962C8B-B14F-4D97-AF65-F5344CB8AC3E}">
-        <p14:creationId xmlns:p14="http://schemas.microsoft.com/office/powerpoint/2010/main" val="1624490870"/>
+        <p14:creationId xmlns:p14="http://schemas.microsoft.com/office/powerpoint/2010/main" val="258070055"/>
       </p:ext>
     </p:extLst>
   </p:cSld>
@@ -863,7 +875,7 @@
     </p:spTree>
     <p:extLst>
       <p:ext uri="{BB962C8B-B14F-4D97-AF65-F5344CB8AC3E}">
-        <p14:creationId xmlns:p14="http://schemas.microsoft.com/office/powerpoint/2010/main" val="2659621633"/>
+        <p14:creationId xmlns:p14="http://schemas.microsoft.com/office/powerpoint/2010/main" val="33971386"/>
       </p:ext>
     </p:extLst>
   </p:cSld>
@@ -952,7 +964,7 @@
     </p:spTree>
     <p:extLst>
       <p:ext uri="{BB962C8B-B14F-4D97-AF65-F5344CB8AC3E}">
-        <p14:creationId xmlns:p14="http://schemas.microsoft.com/office/powerpoint/2010/main" val="3643451363"/>
+        <p14:creationId xmlns:p14="http://schemas.microsoft.com/office/powerpoint/2010/main" val="1254874540"/>
       </p:ext>
     </p:extLst>
   </p:cSld>
@@ -1041,7 +1053,7 @@
     </p:spTree>
     <p:extLst>
       <p:ext uri="{BB962C8B-B14F-4D97-AF65-F5344CB8AC3E}">
-        <p14:creationId xmlns:p14="http://schemas.microsoft.com/office/powerpoint/2010/main" val="126460396"/>
+        <p14:creationId xmlns:p14="http://schemas.microsoft.com/office/powerpoint/2010/main" val="1886448755"/>
       </p:ext>
     </p:extLst>
   </p:cSld>
@@ -1070,7 +1082,7 @@
       </p:grpSpPr>
       <p:sp>
         <p:nvSpPr>
-          <p:cNvPr id="46081" name="Образ слайда 1"/>
+          <p:cNvPr id="2" name="Образ слайда 1"/>
           <p:cNvSpPr>
             <a:spLocks noGrp="1" noRot="1" noChangeAspect="1"/>
           </p:cNvSpPr>
@@ -1078,25 +1090,16 @@
             <p:ph type="sldImg"/>
           </p:nvPr>
         </p:nvSpPr>
-        <p:spPr bwMode="auto">
+        <p:spPr>
           <a:xfrm>
             <a:off x="381000" y="685800"/>
             <a:ext cx="6096000" cy="3429000"/>
           </a:xfrm>
-          <a:noFill/>
-          <a:ln>
-            <a:solidFill>
-              <a:srgbClr val="000000"/>
-            </a:solidFill>
-            <a:miter lim="800000"/>
-            <a:headEnd/>
-            <a:tailEnd/>
-          </a:ln>
         </p:spPr>
       </p:sp>
       <p:sp>
         <p:nvSpPr>
-          <p:cNvPr id="46082" name="Заметки 2"/>
+          <p:cNvPr id="3" name="Заметки 2"/>
           <p:cNvSpPr>
             <a:spLocks noGrp="1"/>
           </p:cNvSpPr>
@@ -1104,84 +1107,42 @@
             <p:ph type="body" idx="1"/>
           </p:nvPr>
         </p:nvSpPr>
-        <p:spPr bwMode="auto">
-          <a:noFill/>
-        </p:spPr>
-        <p:txBody>
-          <a:bodyPr wrap="square" numCol="1" anchor="t" anchorCtr="0" compatLnSpc="1">
-            <a:prstTxWarp prst="textNoShape">
-              <a:avLst/>
-            </a:prstTxWarp>
-          </a:bodyPr>
+        <p:spPr/>
+        <p:txBody>
+          <a:bodyPr/>
           <a:lstStyle/>
           <a:p>
-            <a:pPr>
-              <a:spcBef>
-                <a:spcPct val="0"/>
-              </a:spcBef>
-            </a:pPr>
-            <a:endParaRPr lang="uk-UA"/>
-          </a:p>
-        </p:txBody>
-      </p:sp>
-      <p:sp>
-        <p:nvSpPr>
-          <p:cNvPr id="46083" name="Номер слайда 3"/>
+            <a:endParaRPr lang="ru-RU" dirty="0"/>
+          </a:p>
+        </p:txBody>
+      </p:sp>
+      <p:sp>
+        <p:nvSpPr>
+          <p:cNvPr id="4" name="Номер слайда 3"/>
           <p:cNvSpPr>
             <a:spLocks noGrp="1"/>
           </p:cNvSpPr>
           <p:nvPr>
-            <p:ph type="sldNum" sz="quarter" idx="5"/>
+            <p:ph type="sldNum" sz="quarter" idx="10"/>
           </p:nvPr>
         </p:nvSpPr>
-        <p:spPr bwMode="auto">
-          <a:noFill/>
-          <a:ln>
-            <a:miter lim="800000"/>
-            <a:headEnd/>
-            <a:tailEnd/>
-          </a:ln>
-        </p:spPr>
-        <p:txBody>
-          <a:bodyPr wrap="square" numCol="1" anchorCtr="0" compatLnSpc="1">
-            <a:prstTxWarp prst="textNoShape">
-              <a:avLst/>
-            </a:prstTxWarp>
-          </a:bodyPr>
+        <p:spPr/>
+        <p:txBody>
+          <a:bodyPr/>
           <a:lstStyle/>
           <a:p>
-            <a:pPr fontAlgn="base">
-              <a:spcBef>
-                <a:spcPct val="0"/>
-              </a:spcBef>
-              <a:spcAft>
-                <a:spcPct val="0"/>
-              </a:spcAft>
-            </a:pPr>
-            <a:fld id="{916FE315-372D-4431-BC57-08764164FCC9}" type="slidenum">
-              <a:rPr lang="en-US">
-                <a:cs typeface="Arial" charset="0"/>
-              </a:rPr>
-              <a:pPr fontAlgn="base">
-                <a:spcBef>
-                  <a:spcPct val="0"/>
-                </a:spcBef>
-                <a:spcAft>
-                  <a:spcPct val="0"/>
-                </a:spcAft>
-              </a:pPr>
+            <a:fld id="{A9257FB8-63EF-4E13-93FB-D2905A6BADA3}" type="slidenum">
+              <a:rPr lang="en-US" smtClean="0"/>
               <a:t>15</a:t>
             </a:fld>
-            <a:endParaRPr lang="en-US">
-              <a:cs typeface="Arial" charset="0"/>
-            </a:endParaRPr>
+            <a:endParaRPr lang="en-US"/>
           </a:p>
         </p:txBody>
       </p:sp>
     </p:spTree>
     <p:extLst>
       <p:ext uri="{BB962C8B-B14F-4D97-AF65-F5344CB8AC3E}">
-        <p14:creationId xmlns:p14="http://schemas.microsoft.com/office/powerpoint/2010/main" val="809263370"/>
+        <p14:creationId xmlns:p14="http://schemas.microsoft.com/office/powerpoint/2010/main" val="3268081322"/>
       </p:ext>
     </p:extLst>
   </p:cSld>
@@ -1210,6 +1171,146 @@
       </p:grpSpPr>
       <p:sp>
         <p:nvSpPr>
+          <p:cNvPr id="46081" name="Образ слайда 1"/>
+          <p:cNvSpPr>
+            <a:spLocks noGrp="1" noRot="1" noChangeAspect="1"/>
+          </p:cNvSpPr>
+          <p:nvPr>
+            <p:ph type="sldImg"/>
+          </p:nvPr>
+        </p:nvSpPr>
+        <p:spPr bwMode="auto">
+          <a:xfrm>
+            <a:off x="381000" y="685800"/>
+            <a:ext cx="6096000" cy="3429000"/>
+          </a:xfrm>
+          <a:noFill/>
+          <a:ln>
+            <a:solidFill>
+              <a:srgbClr val="000000"/>
+            </a:solidFill>
+            <a:miter lim="800000"/>
+            <a:headEnd/>
+            <a:tailEnd/>
+          </a:ln>
+        </p:spPr>
+      </p:sp>
+      <p:sp>
+        <p:nvSpPr>
+          <p:cNvPr id="46082" name="Заметки 2"/>
+          <p:cNvSpPr>
+            <a:spLocks noGrp="1"/>
+          </p:cNvSpPr>
+          <p:nvPr>
+            <p:ph type="body" idx="1"/>
+          </p:nvPr>
+        </p:nvSpPr>
+        <p:spPr bwMode="auto">
+          <a:noFill/>
+        </p:spPr>
+        <p:txBody>
+          <a:bodyPr wrap="square" numCol="1" anchor="t" anchorCtr="0" compatLnSpc="1">
+            <a:prstTxWarp prst="textNoShape">
+              <a:avLst/>
+            </a:prstTxWarp>
+          </a:bodyPr>
+          <a:lstStyle/>
+          <a:p>
+            <a:pPr>
+              <a:spcBef>
+                <a:spcPct val="0"/>
+              </a:spcBef>
+            </a:pPr>
+            <a:endParaRPr lang="uk-UA"/>
+          </a:p>
+        </p:txBody>
+      </p:sp>
+      <p:sp>
+        <p:nvSpPr>
+          <p:cNvPr id="46083" name="Номер слайда 3"/>
+          <p:cNvSpPr>
+            <a:spLocks noGrp="1"/>
+          </p:cNvSpPr>
+          <p:nvPr>
+            <p:ph type="sldNum" sz="quarter" idx="5"/>
+          </p:nvPr>
+        </p:nvSpPr>
+        <p:spPr bwMode="auto">
+          <a:noFill/>
+          <a:ln>
+            <a:miter lim="800000"/>
+            <a:headEnd/>
+            <a:tailEnd/>
+          </a:ln>
+        </p:spPr>
+        <p:txBody>
+          <a:bodyPr wrap="square" numCol="1" anchorCtr="0" compatLnSpc="1">
+            <a:prstTxWarp prst="textNoShape">
+              <a:avLst/>
+            </a:prstTxWarp>
+          </a:bodyPr>
+          <a:lstStyle/>
+          <a:p>
+            <a:pPr fontAlgn="base">
+              <a:spcBef>
+                <a:spcPct val="0"/>
+              </a:spcBef>
+              <a:spcAft>
+                <a:spcPct val="0"/>
+              </a:spcAft>
+            </a:pPr>
+            <a:fld id="{916FE315-372D-4431-BC57-08764164FCC9}" type="slidenum">
+              <a:rPr lang="en-US">
+                <a:cs typeface="Segoe UI" panose="020B0502040204020203" pitchFamily="34" charset="0"/>
+              </a:rPr>
+              <a:pPr fontAlgn="base">
+                <a:spcBef>
+                  <a:spcPct val="0"/>
+                </a:spcBef>
+                <a:spcAft>
+                  <a:spcPct val="0"/>
+                </a:spcAft>
+              </a:pPr>
+              <a:t>16</a:t>
+            </a:fld>
+            <a:endParaRPr lang="en-US" dirty="0">
+              <a:cs typeface="Segoe UI" panose="020B0502040204020203" pitchFamily="34" charset="0"/>
+            </a:endParaRPr>
+          </a:p>
+        </p:txBody>
+      </p:sp>
+    </p:spTree>
+    <p:extLst>
+      <p:ext uri="{BB962C8B-B14F-4D97-AF65-F5344CB8AC3E}">
+        <p14:creationId xmlns:p14="http://schemas.microsoft.com/office/powerpoint/2010/main" val="809263370"/>
+      </p:ext>
+    </p:extLst>
+  </p:cSld>
+  <p:clrMapOvr>
+    <a:masterClrMapping/>
+  </p:clrMapOvr>
+</p:notes>
+</file>
+
+<file path=ppt/notesSlides/notesSlide17.xml><?xml version="1.0" encoding="utf-8"?>
+<p:notes xmlns:a="http://schemas.openxmlformats.org/drawingml/2006/main" xmlns:r="http://schemas.openxmlformats.org/officeDocument/2006/relationships" xmlns:p="http://schemas.openxmlformats.org/presentationml/2006/main">
+  <p:cSld>
+    <p:spTree>
+      <p:nvGrpSpPr>
+        <p:cNvPr id="1" name=""/>
+        <p:cNvGrpSpPr/>
+        <p:nvPr/>
+      </p:nvGrpSpPr>
+      <p:grpSpPr>
+        <a:xfrm>
+          <a:off x="0" y="0"/>
+          <a:ext cx="0" cy="0"/>
+          <a:chOff x="0" y="0"/>
+          <a:chExt cx="0" cy="0"/>
+        </a:xfrm>
+      </p:grpSpPr>
+      <p:sp>
+        <p:nvSpPr>
           <p:cNvPr id="2" name="Образ слайда 1"/>
           <p:cNvSpPr>
             <a:spLocks noGrp="1" noRot="1" noChangeAspect="1"/>
@@ -1261,7 +1362,7 @@
           <a:p>
             <a:fld id="{A9257FB8-63EF-4E13-93FB-D2905A6BADA3}" type="slidenum">
               <a:rPr lang="en-US" smtClean="0"/>
-              <a:t>16</a:t>
+              <a:t>17</a:t>
             </a:fld>
             <a:endParaRPr lang="en-US"/>
           </a:p>
@@ -1626,7 +1727,7 @@
     </p:spTree>
     <p:extLst>
       <p:ext uri="{BB962C8B-B14F-4D97-AF65-F5344CB8AC3E}">
-        <p14:creationId xmlns:p14="http://schemas.microsoft.com/office/powerpoint/2010/main" val="2626006507"/>
+        <p14:creationId xmlns:p14="http://schemas.microsoft.com/office/powerpoint/2010/main" val="3468280281"/>
       </p:ext>
     </p:extLst>
   </p:cSld>
@@ -1715,7 +1816,7 @@
     </p:spTree>
     <p:extLst>
       <p:ext uri="{BB962C8B-B14F-4D97-AF65-F5344CB8AC3E}">
-        <p14:creationId xmlns:p14="http://schemas.microsoft.com/office/powerpoint/2010/main" val="1031409796"/>
+        <p14:creationId xmlns:p14="http://schemas.microsoft.com/office/powerpoint/2010/main" val="2626006507"/>
       </p:ext>
     </p:extLst>
   </p:cSld>
@@ -1804,7 +1905,7 @@
     </p:spTree>
     <p:extLst>
       <p:ext uri="{BB962C8B-B14F-4D97-AF65-F5344CB8AC3E}">
-        <p14:creationId xmlns:p14="http://schemas.microsoft.com/office/powerpoint/2010/main" val="1407193570"/>
+        <p14:creationId xmlns:p14="http://schemas.microsoft.com/office/powerpoint/2010/main" val="223612117"/>
       </p:ext>
     </p:extLst>
   </p:cSld>
@@ -1893,7 +1994,7 @@
     </p:spTree>
     <p:extLst>
       <p:ext uri="{BB962C8B-B14F-4D97-AF65-F5344CB8AC3E}">
-        <p14:creationId xmlns:p14="http://schemas.microsoft.com/office/powerpoint/2010/main" val="4097315785"/>
+        <p14:creationId xmlns:p14="http://schemas.microsoft.com/office/powerpoint/2010/main" val="1031409796"/>
       </p:ext>
     </p:extLst>
   </p:cSld>
@@ -1982,7 +2083,7 @@
     </p:spTree>
     <p:extLst>
       <p:ext uri="{BB962C8B-B14F-4D97-AF65-F5344CB8AC3E}">
-        <p14:creationId xmlns:p14="http://schemas.microsoft.com/office/powerpoint/2010/main" val="4041063064"/>
+        <p14:creationId xmlns:p14="http://schemas.microsoft.com/office/powerpoint/2010/main" val="2481605854"/>
       </p:ext>
     </p:extLst>
   </p:cSld>
@@ -2171,7 +2272,7 @@
           <a:p>
             <a:fld id="{7138E089-62ED-4B99-9D85-4233106172C3}" type="datetime1">
               <a:rPr lang="ru-RU" smtClean="0"/>
-              <a:t>10.11.2020</a:t>
+              <a:t>30.11.2020</a:t>
             </a:fld>
             <a:endParaRPr lang="ru-RU"/>
           </a:p>
@@ -2343,7 +2444,7 @@
           <a:p>
             <a:fld id="{1C55742B-6A67-44BA-9E65-E8ED5897B169}" type="datetime1">
               <a:rPr lang="ru-RU" smtClean="0"/>
-              <a:t>10.11.2020</a:t>
+              <a:t>30.11.2020</a:t>
             </a:fld>
             <a:endParaRPr lang="ru-RU"/>
           </a:p>
@@ -2525,7 +2626,7 @@
           <a:p>
             <a:fld id="{31D9B4FD-8306-4B74-B1F8-D2E67870986E}" type="datetime1">
               <a:rPr lang="ru-RU" smtClean="0"/>
-              <a:t>10.11.2020</a:t>
+              <a:t>30.11.2020</a:t>
             </a:fld>
             <a:endParaRPr lang="ru-RU"/>
           </a:p>
@@ -2697,7 +2798,7 @@
           <a:p>
             <a:fld id="{32E4D2F2-8EAD-4248-A8AF-937EE57F2432}" type="datetime1">
               <a:rPr lang="ru-RU" smtClean="0"/>
-              <a:t>10.11.2020</a:t>
+              <a:t>30.11.2020</a:t>
             </a:fld>
             <a:endParaRPr lang="ru-RU"/>
           </a:p>
@@ -2946,7 +3047,7 @@
           <a:p>
             <a:fld id="{FB71B655-9686-4700-A3E3-2677DD26807C}" type="datetime1">
               <a:rPr lang="ru-RU" smtClean="0"/>
-              <a:t>10.11.2020</a:t>
+              <a:t>30.11.2020</a:t>
             </a:fld>
             <a:endParaRPr lang="ru-RU"/>
           </a:p>
@@ -3235,7 +3336,7 @@
           <a:p>
             <a:fld id="{4AEFA3A0-0963-40F8-917D-76DEAAEFC216}" type="datetime1">
               <a:rPr lang="ru-RU" smtClean="0"/>
-              <a:t>10.11.2020</a:t>
+              <a:t>30.11.2020</a:t>
             </a:fld>
             <a:endParaRPr lang="ru-RU"/>
           </a:p>
@@ -3658,7 +3759,7 @@
           <a:p>
             <a:fld id="{DEF2FADE-2241-4AB9-A208-782AC4633E65}" type="datetime1">
               <a:rPr lang="ru-RU" smtClean="0"/>
-              <a:t>10.11.2020</a:t>
+              <a:t>30.11.2020</a:t>
             </a:fld>
             <a:endParaRPr lang="ru-RU"/>
           </a:p>
@@ -3779,7 +3880,7 @@
           <a:p>
             <a:fld id="{F73ABB79-FB1F-4563-8AEC-F75E8EA4533C}" type="datetime1">
               <a:rPr lang="ru-RU" smtClean="0"/>
-              <a:t>10.11.2020</a:t>
+              <a:t>30.11.2020</a:t>
             </a:fld>
             <a:endParaRPr lang="ru-RU"/>
           </a:p>
@@ -3878,7 +3979,7 @@
           <a:p>
             <a:fld id="{698CEBD2-D067-4C87-98E7-17140CF67479}" type="datetime1">
               <a:rPr lang="ru-RU" smtClean="0"/>
-              <a:t>10.11.2020</a:t>
+              <a:t>30.11.2020</a:t>
             </a:fld>
             <a:endParaRPr lang="ru-RU"/>
           </a:p>
@@ -4157,7 +4258,7 @@
           <a:p>
             <a:fld id="{98A170F8-514C-479C-AACB-5022023134F7}" type="datetime1">
               <a:rPr lang="ru-RU" smtClean="0"/>
-              <a:t>10.11.2020</a:t>
+              <a:t>30.11.2020</a:t>
             </a:fld>
             <a:endParaRPr lang="ru-RU"/>
           </a:p>
@@ -4416,7 +4517,7 @@
           <a:p>
             <a:fld id="{AA83611C-DD27-4ADB-92CD-801180824883}" type="datetime1">
               <a:rPr lang="ru-RU" smtClean="0"/>
-              <a:t>10.11.2020</a:t>
+              <a:t>30.11.2020</a:t>
             </a:fld>
             <a:endParaRPr lang="ru-RU"/>
           </a:p>
@@ -4532,7 +4633,7 @@
           <a:lstStyle/>
           <a:p>
             <a:r>
-              <a:rPr lang="ru-RU"/>
+              <a:rPr lang="ru-RU" dirty="0"/>
               <a:t>Образец заголовка</a:t>
             </a:r>
           </a:p>
@@ -4565,35 +4666,35 @@
           <a:p>
             <a:pPr lvl="0"/>
             <a:r>
-              <a:rPr lang="ru-RU"/>
+              <a:rPr lang="ru-RU" dirty="0"/>
               <a:t>Образец текста</a:t>
             </a:r>
           </a:p>
           <a:p>
             <a:pPr lvl="1"/>
             <a:r>
-              <a:rPr lang="ru-RU"/>
+              <a:rPr lang="ru-RU" dirty="0"/>
               <a:t>Второй уровень</a:t>
             </a:r>
           </a:p>
           <a:p>
             <a:pPr lvl="2"/>
             <a:r>
-              <a:rPr lang="ru-RU"/>
+              <a:rPr lang="ru-RU" dirty="0"/>
               <a:t>Третий уровень</a:t>
             </a:r>
           </a:p>
           <a:p>
             <a:pPr lvl="3"/>
             <a:r>
-              <a:rPr lang="ru-RU"/>
+              <a:rPr lang="ru-RU" dirty="0"/>
               <a:t>Четвертый уровень</a:t>
             </a:r>
           </a:p>
           <a:p>
             <a:pPr lvl="4"/>
             <a:r>
-              <a:rPr lang="ru-RU"/>
+              <a:rPr lang="ru-RU" dirty="0"/>
               <a:t>Пятый уровень</a:t>
             </a:r>
           </a:p>
@@ -4628,15 +4729,17 @@
                     <a:tint val="75000"/>
                   </a:schemeClr>
                 </a:solidFill>
+                <a:latin typeface="Segoe UI" panose="020B0502040204020203" pitchFamily="34" charset="0"/>
               </a:defRPr>
             </a:lvl1pPr>
           </a:lstStyle>
           <a:p>
             <a:fld id="{772C2E8B-7AD5-4B74-A391-C1BAFFD06762}" type="datetime1">
               <a:rPr lang="ru-RU" smtClean="0"/>
-              <a:t>10.11.2020</a:t>
+              <a:pPr/>
+              <a:t>30.11.2020</a:t>
             </a:fld>
-            <a:endParaRPr lang="ru-RU"/>
+            <a:endParaRPr lang="ru-RU" dirty="0"/>
           </a:p>
         </p:txBody>
       </p:sp>
@@ -4669,11 +4772,12 @@
                     <a:tint val="75000"/>
                   </a:schemeClr>
                 </a:solidFill>
+                <a:latin typeface="Segoe UI" panose="020B0502040204020203" pitchFamily="34" charset="0"/>
               </a:defRPr>
             </a:lvl1pPr>
           </a:lstStyle>
           <a:p>
-            <a:endParaRPr lang="ru-RU"/>
+            <a:endParaRPr lang="ru-RU" dirty="0"/>
           </a:p>
         </p:txBody>
       </p:sp>
@@ -4706,6 +4810,7 @@
                     <a:tint val="75000"/>
                   </a:schemeClr>
                 </a:solidFill>
+                <a:latin typeface="Segoe UI" panose="020B0502040204020203" pitchFamily="34" charset="0"/>
               </a:defRPr>
             </a:lvl1pPr>
           </a:lstStyle>
@@ -4715,7 +4820,7 @@
               <a:pPr/>
               <a:t>‹#›</a:t>
             </a:fld>
-            <a:endParaRPr lang="ru-RU"/>
+            <a:endParaRPr lang="ru-RU" dirty="0"/>
           </a:p>
         </p:txBody>
       </p:sp>
@@ -4755,7 +4860,7 @@
           <a:solidFill>
             <a:schemeClr val="tx1"/>
           </a:solidFill>
-          <a:latin typeface="+mj-lt"/>
+          <a:latin typeface="Segoe UI" panose="020B0502040204020203" pitchFamily="34" charset="0"/>
           <a:ea typeface="+mj-ea"/>
           <a:cs typeface="+mj-cs"/>
         </a:defRPr>
@@ -4772,7 +4877,7 @@
           <a:solidFill>
             <a:schemeClr val="tx1"/>
           </a:solidFill>
-          <a:latin typeface="+mn-lt"/>
+          <a:latin typeface="Segoe UI" panose="020B0502040204020203" pitchFamily="34" charset="0"/>
           <a:ea typeface="+mn-ea"/>
           <a:cs typeface="+mn-cs"/>
         </a:defRPr>
@@ -4787,7 +4892,7 @@
           <a:solidFill>
             <a:schemeClr val="tx1"/>
           </a:solidFill>
-          <a:latin typeface="+mn-lt"/>
+          <a:latin typeface="Segoe UI" panose="020B0502040204020203" pitchFamily="34" charset="0"/>
           <a:ea typeface="+mn-ea"/>
           <a:cs typeface="+mn-cs"/>
         </a:defRPr>
@@ -4802,7 +4907,7 @@
           <a:solidFill>
             <a:schemeClr val="tx1"/>
           </a:solidFill>
-          <a:latin typeface="+mn-lt"/>
+          <a:latin typeface="Segoe UI" panose="020B0502040204020203" pitchFamily="34" charset="0"/>
           <a:ea typeface="+mn-ea"/>
           <a:cs typeface="+mn-cs"/>
         </a:defRPr>
@@ -4817,7 +4922,7 @@
           <a:solidFill>
             <a:schemeClr val="tx1"/>
           </a:solidFill>
-          <a:latin typeface="+mn-lt"/>
+          <a:latin typeface="Segoe UI" panose="020B0502040204020203" pitchFamily="34" charset="0"/>
           <a:ea typeface="+mn-ea"/>
           <a:cs typeface="+mn-cs"/>
         </a:defRPr>
@@ -4832,7 +4937,7 @@
           <a:solidFill>
             <a:schemeClr val="tx1"/>
           </a:solidFill>
-          <a:latin typeface="+mn-lt"/>
+          <a:latin typeface="Segoe UI" panose="020B0502040204020203" pitchFamily="34" charset="0"/>
           <a:ea typeface="+mn-ea"/>
           <a:cs typeface="+mn-cs"/>
         </a:defRPr>
@@ -5059,7 +5164,9 @@
           <a:lstStyle/>
           <a:p>
             <a:pPr algn="ctr"/>
-            <a:endParaRPr lang="en-US"/>
+            <a:endParaRPr lang="ru-RU" dirty="0">
+              <a:latin typeface="Segoe UI" panose="020B0502040204020203" pitchFamily="34" charset="0"/>
+            </a:endParaRPr>
           </a:p>
         </p:txBody>
       </p:sp>
@@ -5073,7 +5180,7 @@
         </p:nvSpPr>
         <p:spPr>
           <a:xfrm>
-            <a:off x="1219200" y="4271170"/>
+            <a:off x="1168967" y="4252099"/>
             <a:ext cx="8458200" cy="698835"/>
           </a:xfrm>
           <a:prstGeom prst="rect">
@@ -5110,7 +5217,7 @@
                 <a:latin typeface="Segoe UI Light" panose="020B0502040204020203" pitchFamily="34" charset="0"/>
                 <a:cs typeface="Segoe UI Light" panose="020B0502040204020203" pitchFamily="34" charset="0"/>
               </a:rPr>
-              <a:t>Знакомство с ООП</a:t>
+              <a:t>Основы </a:t>
             </a:r>
             <a:r>
               <a:rPr lang="en-US" sz="2800" dirty="0">
@@ -5120,7 +5227,7 @@
                 <a:latin typeface="Segoe UI Light" panose="020B0502040204020203" pitchFamily="34" charset="0"/>
                 <a:cs typeface="Segoe UI Light" panose="020B0502040204020203" pitchFamily="34" charset="0"/>
               </a:rPr>
-              <a:t> </a:t>
+              <a:t>PHP </a:t>
             </a:r>
             <a:r>
               <a:rPr lang="ru-RU" sz="2800" dirty="0">
@@ -5130,35 +5237,8 @@
                 <a:latin typeface="Segoe UI Light" panose="020B0502040204020203" pitchFamily="34" charset="0"/>
                 <a:cs typeface="Segoe UI Light" panose="020B0502040204020203" pitchFamily="34" charset="0"/>
               </a:rPr>
-              <a:t>в </a:t>
-            </a:r>
-            <a:r>
-              <a:rPr lang="en-US" sz="2800" dirty="0">
-                <a:solidFill>
-                  <a:srgbClr val="6D6D6D"/>
-                </a:solidFill>
-                <a:latin typeface="Segoe UI Light" panose="020B0502040204020203" pitchFamily="34" charset="0"/>
-                <a:cs typeface="Segoe UI Light" panose="020B0502040204020203" pitchFamily="34" charset="0"/>
-              </a:rPr>
-              <a:t>PHP</a:t>
-            </a:r>
-            <a:r>
-              <a:rPr lang="ru-RU" sz="2800" dirty="0">
-                <a:solidFill>
-                  <a:srgbClr val="6D6D6D"/>
-                </a:solidFill>
-                <a:latin typeface="Segoe UI Light" panose="020B0502040204020203" pitchFamily="34" charset="0"/>
-                <a:cs typeface="Segoe UI Light" panose="020B0502040204020203" pitchFamily="34" charset="0"/>
-              </a:rPr>
-              <a:t> </a:t>
-            </a:r>
-            <a:endParaRPr lang="en-US" sz="2800" dirty="0">
-              <a:solidFill>
-                <a:srgbClr val="6D6D6D"/>
-              </a:solidFill>
-              <a:latin typeface="Segoe UI Light" panose="020B0502040204020203" pitchFamily="34" charset="0"/>
-              <a:cs typeface="Segoe UI Light" panose="020B0502040204020203" pitchFamily="34" charset="0"/>
-            </a:endParaRPr>
+              <a:t>ООП</a:t>
+            </a:r>
           </a:p>
         </p:txBody>
       </p:sp>
@@ -5184,15 +5264,102 @@
           <a:lstStyle/>
           <a:p>
             <a:r>
-              <a:rPr lang="en-US" sz="1400" dirty="0">
-                <a:solidFill>
-                  <a:schemeClr val="bg1"/>
-                </a:solidFill>
-                <a:latin typeface="Segoe UI Light" panose="020B0502040204020203" pitchFamily="34" charset="0"/>
-                <a:cs typeface="Segoe UI Light" panose="020B0502040204020203" pitchFamily="34" charset="0"/>
-              </a:rPr>
-              <a:t>Information Technology Video Developer Network</a:t>
-            </a:r>
+              <a:rPr lang="ru-RU" sz="1400" dirty="0" err="1">
+                <a:solidFill>
+                  <a:schemeClr val="bg1"/>
+                </a:solidFill>
+                <a:latin typeface="Segoe UI Light" panose="020B0502040204020203" pitchFamily="34" charset="0"/>
+                <a:cs typeface="Segoe UI Light" panose="020B0502040204020203" pitchFamily="34" charset="0"/>
+              </a:rPr>
+              <a:t>Information</a:t>
+            </a:r>
+            <a:r>
+              <a:rPr lang="ru-RU" sz="1400" dirty="0">
+                <a:solidFill>
+                  <a:schemeClr val="bg1"/>
+                </a:solidFill>
+                <a:latin typeface="Segoe UI Light" panose="020B0502040204020203" pitchFamily="34" charset="0"/>
+                <a:cs typeface="Segoe UI Light" panose="020B0502040204020203" pitchFamily="34" charset="0"/>
+              </a:rPr>
+              <a:t> </a:t>
+            </a:r>
+            <a:r>
+              <a:rPr lang="ru-RU" sz="1400" dirty="0" err="1">
+                <a:solidFill>
+                  <a:schemeClr val="bg1"/>
+                </a:solidFill>
+                <a:latin typeface="Segoe UI Light" panose="020B0502040204020203" pitchFamily="34" charset="0"/>
+                <a:cs typeface="Segoe UI Light" panose="020B0502040204020203" pitchFamily="34" charset="0"/>
+              </a:rPr>
+              <a:t>Technology</a:t>
+            </a:r>
+            <a:r>
+              <a:rPr lang="ru-RU" sz="1400" dirty="0">
+                <a:solidFill>
+                  <a:schemeClr val="bg1"/>
+                </a:solidFill>
+                <a:latin typeface="Segoe UI Light" panose="020B0502040204020203" pitchFamily="34" charset="0"/>
+                <a:cs typeface="Segoe UI Light" panose="020B0502040204020203" pitchFamily="34" charset="0"/>
+              </a:rPr>
+              <a:t> </a:t>
+            </a:r>
+            <a:r>
+              <a:rPr lang="ru-RU" sz="1400" dirty="0" err="1">
+                <a:solidFill>
+                  <a:schemeClr val="bg1"/>
+                </a:solidFill>
+                <a:latin typeface="Segoe UI Light" panose="020B0502040204020203" pitchFamily="34" charset="0"/>
+                <a:cs typeface="Segoe UI Light" panose="020B0502040204020203" pitchFamily="34" charset="0"/>
+              </a:rPr>
+              <a:t>Video</a:t>
+            </a:r>
+            <a:r>
+              <a:rPr lang="ru-RU" sz="1400" dirty="0">
+                <a:solidFill>
+                  <a:schemeClr val="bg1"/>
+                </a:solidFill>
+                <a:latin typeface="Segoe UI Light" panose="020B0502040204020203" pitchFamily="34" charset="0"/>
+                <a:cs typeface="Segoe UI Light" panose="020B0502040204020203" pitchFamily="34" charset="0"/>
+              </a:rPr>
+              <a:t> </a:t>
+            </a:r>
+            <a:r>
+              <a:rPr lang="ru-RU" sz="1400" dirty="0" err="1">
+                <a:solidFill>
+                  <a:schemeClr val="bg1"/>
+                </a:solidFill>
+                <a:latin typeface="Segoe UI Light" panose="020B0502040204020203" pitchFamily="34" charset="0"/>
+                <a:cs typeface="Segoe UI Light" panose="020B0502040204020203" pitchFamily="34" charset="0"/>
+              </a:rPr>
+              <a:t>Developer</a:t>
+            </a:r>
+            <a:r>
+              <a:rPr lang="ru-RU" sz="1400" dirty="0">
+                <a:solidFill>
+                  <a:schemeClr val="bg1"/>
+                </a:solidFill>
+                <a:latin typeface="Segoe UI Light" panose="020B0502040204020203" pitchFamily="34" charset="0"/>
+                <a:cs typeface="Segoe UI Light" panose="020B0502040204020203" pitchFamily="34" charset="0"/>
+              </a:rPr>
+              <a:t> </a:t>
+            </a:r>
+            <a:r>
+              <a:rPr lang="ru-RU" sz="1400" dirty="0" err="1">
+                <a:solidFill>
+                  <a:schemeClr val="bg1"/>
+                </a:solidFill>
+                <a:latin typeface="Segoe UI Light" panose="020B0502040204020203" pitchFamily="34" charset="0"/>
+                <a:cs typeface="Segoe UI Light" panose="020B0502040204020203" pitchFamily="34" charset="0"/>
+              </a:rPr>
+              <a:t>Network</a:t>
+            </a:r>
+            <a:endParaRPr lang="ru-RU" sz="1400" dirty="0">
+              <a:solidFill>
+                <a:schemeClr val="bg1"/>
+              </a:solidFill>
+              <a:latin typeface="Segoe UI Light" panose="020B0502040204020203" pitchFamily="34" charset="0"/>
+              <a:cs typeface="Segoe UI Light" panose="020B0502040204020203" pitchFamily="34" charset="0"/>
+            </a:endParaRPr>
           </a:p>
         </p:txBody>
       </p:sp>
@@ -5227,13 +5394,6 @@
               </a:rPr>
               <a:t>Информационный видеосервис для разработчиков программного обеспечения</a:t>
             </a:r>
-            <a:endParaRPr lang="en-US" sz="1400" dirty="0">
-              <a:solidFill>
-                <a:schemeClr val="bg1"/>
-              </a:solidFill>
-              <a:latin typeface="Segoe UI Light" panose="020B0502040204020203" pitchFamily="34" charset="0"/>
-              <a:cs typeface="Segoe UI Light" panose="020B0502040204020203" pitchFamily="34" charset="0"/>
-            </a:endParaRPr>
           </a:p>
         </p:txBody>
       </p:sp>
@@ -5283,7 +5443,7 @@
           <a:lstStyle/>
           <a:p>
             <a:r>
-              <a:rPr lang="en-US" sz="1400" dirty="0">
+              <a:rPr lang="ru-RU" sz="1400" dirty="0">
                 <a:solidFill>
                   <a:schemeClr val="bg1"/>
                 </a:solidFill>
@@ -5382,13 +5542,22 @@
           <a:lstStyle/>
           <a:p>
             <a:r>
-              <a:rPr lang="en-US" sz="5400" dirty="0">
+              <a:rPr lang="ru-RU" sz="5400" dirty="0">
                 <a:solidFill>
                   <a:srgbClr val="D1501F"/>
                 </a:solidFill>
                 <a:latin typeface="Segoe UI Light" pitchFamily="34" charset="0"/>
               </a:rPr>
-              <a:t>PHP Essentials</a:t>
+              <a:t>PHP </a:t>
+            </a:r>
+            <a:r>
+              <a:rPr lang="ru-RU" sz="5400" dirty="0" err="1">
+                <a:solidFill>
+                  <a:srgbClr val="D1501F"/>
+                </a:solidFill>
+                <a:latin typeface="Segoe UI Light" pitchFamily="34" charset="0"/>
+              </a:rPr>
+              <a:t>Essentials</a:t>
             </a:r>
             <a:endParaRPr lang="ru-RU" sz="5400" dirty="0">
               <a:solidFill>
@@ -5471,26 +5640,16 @@
           </a:lstStyle>
           <a:p>
             <a:r>
-              <a:rPr lang="en-US" sz="2800" spc="-1" dirty="0">
+              <a:rPr lang="ru-RU" sz="2800" spc="-1" dirty="0">
                 <a:solidFill>
                   <a:srgbClr val="D04E1D"/>
                 </a:solidFill>
                 <a:latin typeface="Segoe UI Light"/>
                 <a:ea typeface="DejaVu Sans"/>
               </a:rPr>
-              <a:t>C</a:t>
-            </a:r>
-            <a:r>
-              <a:rPr lang="ru-RU" sz="2800" spc="-1" dirty="0">
-                <a:solidFill>
-                  <a:srgbClr val="D04E1D"/>
-                </a:solidFill>
-                <a:latin typeface="Segoe UI Light"/>
-                <a:ea typeface="DejaVu Sans"/>
-              </a:rPr>
-              <a:t>войства класса</a:t>
-            </a:r>
-            <a:endParaRPr lang="en-US" sz="2800" dirty="0">
+              <a:t>Статика в ООП, статические свойства</a:t>
+            </a:r>
+            <a:endParaRPr lang="ru-RU" sz="2800" dirty="0">
               <a:solidFill>
                 <a:srgbClr val="D04E1D"/>
               </a:solidFill>
@@ -5540,7 +5699,9 @@
           <a:lstStyle/>
           <a:p>
             <a:pPr algn="ctr"/>
-            <a:endParaRPr lang="en-US"/>
+            <a:endParaRPr lang="ru-RU" dirty="0">
+              <a:latin typeface="Segoe UI" panose="020B0502040204020203" pitchFamily="34" charset="0"/>
+            </a:endParaRPr>
           </a:p>
         </p:txBody>
       </p:sp>
@@ -5566,14 +5727,104 @@
           <a:lstStyle/>
           <a:p>
             <a:r>
-              <a:rPr lang="en-US" sz="1400" dirty="0">
-                <a:solidFill>
-                  <a:schemeClr val="bg1"/>
-                </a:solidFill>
-                <a:latin typeface="Segoe UI Light" panose="020B0502040204020203" pitchFamily="34" charset="0"/>
-                <a:cs typeface="Segoe UI Light" panose="020B0502040204020203" pitchFamily="34" charset="0"/>
-              </a:rPr>
-              <a:t>Information Technology Video Developer Network                                                       http://itvdn.com</a:t>
+              <a:rPr lang="ru-RU" sz="1400" dirty="0" err="1">
+                <a:solidFill>
+                  <a:schemeClr val="bg1"/>
+                </a:solidFill>
+                <a:latin typeface="Segoe UI Light" panose="020B0502040204020203" pitchFamily="34" charset="0"/>
+                <a:cs typeface="Segoe UI Light" panose="020B0502040204020203" pitchFamily="34" charset="0"/>
+              </a:rPr>
+              <a:t>Information</a:t>
+            </a:r>
+            <a:r>
+              <a:rPr lang="ru-RU" sz="1400" dirty="0">
+                <a:solidFill>
+                  <a:schemeClr val="bg1"/>
+                </a:solidFill>
+                <a:latin typeface="Segoe UI Light" panose="020B0502040204020203" pitchFamily="34" charset="0"/>
+                <a:cs typeface="Segoe UI Light" panose="020B0502040204020203" pitchFamily="34" charset="0"/>
+              </a:rPr>
+              <a:t> </a:t>
+            </a:r>
+            <a:r>
+              <a:rPr lang="ru-RU" sz="1400" dirty="0" err="1">
+                <a:solidFill>
+                  <a:schemeClr val="bg1"/>
+                </a:solidFill>
+                <a:latin typeface="Segoe UI Light" panose="020B0502040204020203" pitchFamily="34" charset="0"/>
+                <a:cs typeface="Segoe UI Light" panose="020B0502040204020203" pitchFamily="34" charset="0"/>
+              </a:rPr>
+              <a:t>Technology</a:t>
+            </a:r>
+            <a:r>
+              <a:rPr lang="ru-RU" sz="1400" dirty="0">
+                <a:solidFill>
+                  <a:schemeClr val="bg1"/>
+                </a:solidFill>
+                <a:latin typeface="Segoe UI Light" panose="020B0502040204020203" pitchFamily="34" charset="0"/>
+                <a:cs typeface="Segoe UI Light" panose="020B0502040204020203" pitchFamily="34" charset="0"/>
+              </a:rPr>
+              <a:t> </a:t>
+            </a:r>
+            <a:r>
+              <a:rPr lang="ru-RU" sz="1400" dirty="0" err="1">
+                <a:solidFill>
+                  <a:schemeClr val="bg1"/>
+                </a:solidFill>
+                <a:latin typeface="Segoe UI Light" panose="020B0502040204020203" pitchFamily="34" charset="0"/>
+                <a:cs typeface="Segoe UI Light" panose="020B0502040204020203" pitchFamily="34" charset="0"/>
+              </a:rPr>
+              <a:t>Video</a:t>
+            </a:r>
+            <a:r>
+              <a:rPr lang="ru-RU" sz="1400" dirty="0">
+                <a:solidFill>
+                  <a:schemeClr val="bg1"/>
+                </a:solidFill>
+                <a:latin typeface="Segoe UI Light" panose="020B0502040204020203" pitchFamily="34" charset="0"/>
+                <a:cs typeface="Segoe UI Light" panose="020B0502040204020203" pitchFamily="34" charset="0"/>
+              </a:rPr>
+              <a:t> </a:t>
+            </a:r>
+            <a:r>
+              <a:rPr lang="ru-RU" sz="1400" dirty="0" err="1">
+                <a:solidFill>
+                  <a:schemeClr val="bg1"/>
+                </a:solidFill>
+                <a:latin typeface="Segoe UI Light" panose="020B0502040204020203" pitchFamily="34" charset="0"/>
+                <a:cs typeface="Segoe UI Light" panose="020B0502040204020203" pitchFamily="34" charset="0"/>
+              </a:rPr>
+              <a:t>Developer</a:t>
+            </a:r>
+            <a:r>
+              <a:rPr lang="ru-RU" sz="1400" dirty="0">
+                <a:solidFill>
+                  <a:schemeClr val="bg1"/>
+                </a:solidFill>
+                <a:latin typeface="Segoe UI Light" panose="020B0502040204020203" pitchFamily="34" charset="0"/>
+                <a:cs typeface="Segoe UI Light" panose="020B0502040204020203" pitchFamily="34" charset="0"/>
+              </a:rPr>
+              <a:t> </a:t>
+            </a:r>
+            <a:r>
+              <a:rPr lang="ru-RU" sz="1400" dirty="0" err="1">
+                <a:solidFill>
+                  <a:schemeClr val="bg1"/>
+                </a:solidFill>
+                <a:latin typeface="Segoe UI Light" panose="020B0502040204020203" pitchFamily="34" charset="0"/>
+                <a:cs typeface="Segoe UI Light" panose="020B0502040204020203" pitchFamily="34" charset="0"/>
+              </a:rPr>
+              <a:t>Network</a:t>
+            </a:r>
+            <a:r>
+              <a:rPr lang="ru-RU" sz="1400" dirty="0">
+                <a:solidFill>
+                  <a:schemeClr val="bg1"/>
+                </a:solidFill>
+                <a:latin typeface="Segoe UI Light" panose="020B0502040204020203" pitchFamily="34" charset="0"/>
+                <a:cs typeface="Segoe UI Light" panose="020B0502040204020203" pitchFamily="34" charset="0"/>
+              </a:rPr>
+              <a:t>                                                       http://itvdn.com</a:t>
             </a:r>
           </a:p>
         </p:txBody>
@@ -5600,7 +5851,7 @@
           <a:lstStyle/>
           <a:p>
             <a:r>
-              <a:rPr lang="en-US" sz="2000" dirty="0">
+              <a:rPr lang="ru-RU" sz="2000" dirty="0">
                 <a:solidFill>
                   <a:schemeClr val="bg1"/>
                 </a:solidFill>
@@ -5609,7 +5860,9 @@
               </a:rPr>
               <a:t>ITVDN</a:t>
             </a:r>
-            <a:endParaRPr lang="en-US" sz="2000" dirty="0"/>
+            <a:endParaRPr lang="ru-RU" sz="2000" dirty="0">
+              <a:latin typeface="Segoe UI" panose="020B0502040204020203" pitchFamily="34" charset="0"/>
+            </a:endParaRPr>
           </a:p>
         </p:txBody>
       </p:sp>
@@ -5770,7 +6023,9 @@
             <a:lstStyle/>
             <a:p>
               <a:pPr algn="ctr"/>
-              <a:endParaRPr lang="en-US"/>
+              <a:endParaRPr lang="en-US" dirty="0">
+                <a:latin typeface="Segoe UI" panose="020B0502040204020203" pitchFamily="34" charset="0"/>
+              </a:endParaRPr>
             </a:p>
           </p:txBody>
         </p:sp>
@@ -5919,7 +6174,9 @@
             <a:lstStyle/>
             <a:p>
               <a:pPr algn="ctr"/>
-              <a:endParaRPr lang="en-US"/>
+              <a:endParaRPr lang="en-US" dirty="0">
+                <a:latin typeface="Segoe UI" panose="020B0502040204020203" pitchFamily="34" charset="0"/>
+              </a:endParaRPr>
             </a:p>
           </p:txBody>
         </p:sp>
@@ -5964,7 +6221,9 @@
           <a:lstStyle/>
           <a:p>
             <a:pPr algn="ctr"/>
-            <a:endParaRPr lang="en-US"/>
+            <a:endParaRPr lang="ru-RU" dirty="0">
+              <a:latin typeface="Segoe UI" panose="020B0502040204020203" pitchFamily="34" charset="0"/>
+            </a:endParaRPr>
           </a:p>
         </p:txBody>
       </p:sp>
@@ -6007,7 +6266,7 @@
           </a:lstStyle>
           <a:p>
             <a:r>
-              <a:rPr lang="en-US" sz="3600" dirty="0">
+              <a:rPr lang="ru-RU" sz="3600" dirty="0">
                 <a:solidFill>
                   <a:schemeClr val="bg1"/>
                 </a:solidFill>
@@ -6015,44 +6274,94 @@
                 <a:ea typeface="Segoe UI" pitchFamily="34" charset="0"/>
                 <a:cs typeface="Segoe UI Light" panose="020B0502040204020203" pitchFamily="34" charset="0"/>
               </a:rPr>
-              <a:t>PHP Essentials</a:t>
-            </a:r>
+              <a:t>PHP </a:t>
+            </a:r>
+            <a:r>
+              <a:rPr lang="ru-RU" sz="3600" dirty="0" err="1">
+                <a:solidFill>
+                  <a:schemeClr val="bg1"/>
+                </a:solidFill>
+                <a:latin typeface="Segoe UI Light" panose="020B0502040204020203" pitchFamily="34" charset="0"/>
+                <a:ea typeface="Segoe UI" pitchFamily="34" charset="0"/>
+                <a:cs typeface="Segoe UI Light" panose="020B0502040204020203" pitchFamily="34" charset="0"/>
+              </a:rPr>
+              <a:t>Essential</a:t>
+            </a:r>
+            <a:endParaRPr lang="ru-RU" sz="3600" dirty="0">
+              <a:solidFill>
+                <a:schemeClr val="bg1"/>
+              </a:solidFill>
+              <a:latin typeface="Segoe UI Light" panose="020B0502040204020203" pitchFamily="34" charset="0"/>
+              <a:ea typeface="Segoe UI" pitchFamily="34" charset="0"/>
+              <a:cs typeface="Segoe UI Light" panose="020B0502040204020203" pitchFamily="34" charset="0"/>
+            </a:endParaRPr>
           </a:p>
         </p:txBody>
       </p:sp>
       <p:pic>
         <p:nvPicPr>
-          <p:cNvPr id="12" name="Picture 11">
+          <p:cNvPr id="2" name="Picture 1">
             <a:extLst>
               <a:ext uri="{FF2B5EF4-FFF2-40B4-BE49-F238E27FC236}">
-                <a16:creationId xmlns:a16="http://schemas.microsoft.com/office/drawing/2014/main" id="{CCB74D38-228B-49A9-8ABB-D2414F8F3FB3}"/>
+                <a16:creationId xmlns:a16="http://schemas.microsoft.com/office/drawing/2014/main" id="{B3D9059C-700C-4471-85F4-62546ECD3E5A}"/>
               </a:ext>
             </a:extLst>
           </p:cNvPr>
-          <p:cNvPicPr/>
+          <p:cNvPicPr>
+            <a:picLocks noChangeAspect="1"/>
+          </p:cNvPicPr>
           <p:nvPr/>
         </p:nvPicPr>
         <p:blipFill>
           <a:blip r:embed="rId3"/>
-          <a:stretch/>
+          <a:stretch>
+            <a:fillRect/>
+          </a:stretch>
         </p:blipFill>
         <p:spPr>
           <a:xfrm>
-            <a:off x="4191000" y="1379538"/>
-            <a:ext cx="3839340" cy="4792842"/>
+            <a:off x="271421" y="1783080"/>
+            <a:ext cx="5353050" cy="3950970"/>
           </a:xfrm>
           <a:prstGeom prst="rect">
             <a:avLst/>
           </a:prstGeom>
-          <a:ln>
-            <a:noFill/>
-          </a:ln>
+        </p:spPr>
+      </p:pic>
+      <p:pic>
+        <p:nvPicPr>
+          <p:cNvPr id="3" name="Picture 2">
+            <a:extLst>
+              <a:ext uri="{FF2B5EF4-FFF2-40B4-BE49-F238E27FC236}">
+                <a16:creationId xmlns:a16="http://schemas.microsoft.com/office/drawing/2014/main" id="{D414C14A-6BEC-4D1C-B8AA-25675F2A0FC1}"/>
+              </a:ext>
+            </a:extLst>
+          </p:cNvPr>
+          <p:cNvPicPr>
+            <a:picLocks noChangeAspect="1"/>
+          </p:cNvPicPr>
+          <p:nvPr/>
+        </p:nvPicPr>
+        <p:blipFill>
+          <a:blip r:embed="rId4"/>
+          <a:stretch>
+            <a:fillRect/>
+          </a:stretch>
+        </p:blipFill>
+        <p:spPr>
+          <a:xfrm>
+            <a:off x="7162800" y="1379538"/>
+            <a:ext cx="4505325" cy="4762500"/>
+          </a:xfrm>
+          <a:prstGeom prst="rect">
+            <a:avLst/>
+          </a:prstGeom>
         </p:spPr>
       </p:pic>
     </p:spTree>
     <p:extLst>
       <p:ext uri="{BB962C8B-B14F-4D97-AF65-F5344CB8AC3E}">
-        <p14:creationId xmlns:p14="http://schemas.microsoft.com/office/powerpoint/2010/main" val="1719840309"/>
+        <p14:creationId xmlns:p14="http://schemas.microsoft.com/office/powerpoint/2010/main" val="4167122585"/>
       </p:ext>
     </p:extLst>
   </p:cSld>
@@ -6128,9 +6437,9 @@
                 <a:latin typeface="Segoe UI Light"/>
                 <a:ea typeface="DejaVu Sans"/>
               </a:rPr>
-              <a:t>Метод класса</a:t>
-            </a:r>
-            <a:endParaRPr lang="en-US" sz="2800" dirty="0">
+              <a:t>Статика в ООП, статические методы</a:t>
+            </a:r>
+            <a:endParaRPr lang="ru-RU" sz="2800" dirty="0">
               <a:solidFill>
                 <a:srgbClr val="D04E1D"/>
               </a:solidFill>
@@ -6180,7 +6489,9 @@
           <a:lstStyle/>
           <a:p>
             <a:pPr algn="ctr"/>
-            <a:endParaRPr lang="en-US"/>
+            <a:endParaRPr lang="ru-RU" dirty="0">
+              <a:latin typeface="Segoe UI" panose="020B0502040204020203" pitchFamily="34" charset="0"/>
+            </a:endParaRPr>
           </a:p>
         </p:txBody>
       </p:sp>
@@ -6206,14 +6517,104 @@
           <a:lstStyle/>
           <a:p>
             <a:r>
-              <a:rPr lang="en-US" sz="1400" dirty="0">
-                <a:solidFill>
-                  <a:schemeClr val="bg1"/>
-                </a:solidFill>
-                <a:latin typeface="Segoe UI Light" panose="020B0502040204020203" pitchFamily="34" charset="0"/>
-                <a:cs typeface="Segoe UI Light" panose="020B0502040204020203" pitchFamily="34" charset="0"/>
-              </a:rPr>
-              <a:t>Information Technology Video Developer Network                                                       http://itvdn.com</a:t>
+              <a:rPr lang="ru-RU" sz="1400" dirty="0" err="1">
+                <a:solidFill>
+                  <a:schemeClr val="bg1"/>
+                </a:solidFill>
+                <a:latin typeface="Segoe UI Light" panose="020B0502040204020203" pitchFamily="34" charset="0"/>
+                <a:cs typeface="Segoe UI Light" panose="020B0502040204020203" pitchFamily="34" charset="0"/>
+              </a:rPr>
+              <a:t>Information</a:t>
+            </a:r>
+            <a:r>
+              <a:rPr lang="ru-RU" sz="1400" dirty="0">
+                <a:solidFill>
+                  <a:schemeClr val="bg1"/>
+                </a:solidFill>
+                <a:latin typeface="Segoe UI Light" panose="020B0502040204020203" pitchFamily="34" charset="0"/>
+                <a:cs typeface="Segoe UI Light" panose="020B0502040204020203" pitchFamily="34" charset="0"/>
+              </a:rPr>
+              <a:t> </a:t>
+            </a:r>
+            <a:r>
+              <a:rPr lang="ru-RU" sz="1400" dirty="0" err="1">
+                <a:solidFill>
+                  <a:schemeClr val="bg1"/>
+                </a:solidFill>
+                <a:latin typeface="Segoe UI Light" panose="020B0502040204020203" pitchFamily="34" charset="0"/>
+                <a:cs typeface="Segoe UI Light" panose="020B0502040204020203" pitchFamily="34" charset="0"/>
+              </a:rPr>
+              <a:t>Technology</a:t>
+            </a:r>
+            <a:r>
+              <a:rPr lang="ru-RU" sz="1400" dirty="0">
+                <a:solidFill>
+                  <a:schemeClr val="bg1"/>
+                </a:solidFill>
+                <a:latin typeface="Segoe UI Light" panose="020B0502040204020203" pitchFamily="34" charset="0"/>
+                <a:cs typeface="Segoe UI Light" panose="020B0502040204020203" pitchFamily="34" charset="0"/>
+              </a:rPr>
+              <a:t> </a:t>
+            </a:r>
+            <a:r>
+              <a:rPr lang="ru-RU" sz="1400" dirty="0" err="1">
+                <a:solidFill>
+                  <a:schemeClr val="bg1"/>
+                </a:solidFill>
+                <a:latin typeface="Segoe UI Light" panose="020B0502040204020203" pitchFamily="34" charset="0"/>
+                <a:cs typeface="Segoe UI Light" panose="020B0502040204020203" pitchFamily="34" charset="0"/>
+              </a:rPr>
+              <a:t>Video</a:t>
+            </a:r>
+            <a:r>
+              <a:rPr lang="ru-RU" sz="1400" dirty="0">
+                <a:solidFill>
+                  <a:schemeClr val="bg1"/>
+                </a:solidFill>
+                <a:latin typeface="Segoe UI Light" panose="020B0502040204020203" pitchFamily="34" charset="0"/>
+                <a:cs typeface="Segoe UI Light" panose="020B0502040204020203" pitchFamily="34" charset="0"/>
+              </a:rPr>
+              <a:t> </a:t>
+            </a:r>
+            <a:r>
+              <a:rPr lang="ru-RU" sz="1400" dirty="0" err="1">
+                <a:solidFill>
+                  <a:schemeClr val="bg1"/>
+                </a:solidFill>
+                <a:latin typeface="Segoe UI Light" panose="020B0502040204020203" pitchFamily="34" charset="0"/>
+                <a:cs typeface="Segoe UI Light" panose="020B0502040204020203" pitchFamily="34" charset="0"/>
+              </a:rPr>
+              <a:t>Developer</a:t>
+            </a:r>
+            <a:r>
+              <a:rPr lang="ru-RU" sz="1400" dirty="0">
+                <a:solidFill>
+                  <a:schemeClr val="bg1"/>
+                </a:solidFill>
+                <a:latin typeface="Segoe UI Light" panose="020B0502040204020203" pitchFamily="34" charset="0"/>
+                <a:cs typeface="Segoe UI Light" panose="020B0502040204020203" pitchFamily="34" charset="0"/>
+              </a:rPr>
+              <a:t> </a:t>
+            </a:r>
+            <a:r>
+              <a:rPr lang="ru-RU" sz="1400" dirty="0" err="1">
+                <a:solidFill>
+                  <a:schemeClr val="bg1"/>
+                </a:solidFill>
+                <a:latin typeface="Segoe UI Light" panose="020B0502040204020203" pitchFamily="34" charset="0"/>
+                <a:cs typeface="Segoe UI Light" panose="020B0502040204020203" pitchFamily="34" charset="0"/>
+              </a:rPr>
+              <a:t>Network</a:t>
+            </a:r>
+            <a:r>
+              <a:rPr lang="ru-RU" sz="1400" dirty="0">
+                <a:solidFill>
+                  <a:schemeClr val="bg1"/>
+                </a:solidFill>
+                <a:latin typeface="Segoe UI Light" panose="020B0502040204020203" pitchFamily="34" charset="0"/>
+                <a:cs typeface="Segoe UI Light" panose="020B0502040204020203" pitchFamily="34" charset="0"/>
+              </a:rPr>
+              <a:t>                                                       http://itvdn.com</a:t>
             </a:r>
           </a:p>
         </p:txBody>
@@ -6240,7 +6641,7 @@
           <a:lstStyle/>
           <a:p>
             <a:r>
-              <a:rPr lang="en-US" sz="2000" dirty="0">
+              <a:rPr lang="ru-RU" sz="2000" dirty="0">
                 <a:solidFill>
                   <a:schemeClr val="bg1"/>
                 </a:solidFill>
@@ -6249,7 +6650,9 @@
               </a:rPr>
               <a:t>ITVDN</a:t>
             </a:r>
-            <a:endParaRPr lang="en-US" sz="2000" dirty="0"/>
+            <a:endParaRPr lang="ru-RU" sz="2000" dirty="0">
+              <a:latin typeface="Segoe UI" panose="020B0502040204020203" pitchFamily="34" charset="0"/>
+            </a:endParaRPr>
           </a:p>
         </p:txBody>
       </p:sp>
@@ -6410,7 +6813,9 @@
             <a:lstStyle/>
             <a:p>
               <a:pPr algn="ctr"/>
-              <a:endParaRPr lang="en-US"/>
+              <a:endParaRPr lang="en-US" dirty="0">
+                <a:latin typeface="Segoe UI" panose="020B0502040204020203" pitchFamily="34" charset="0"/>
+              </a:endParaRPr>
             </a:p>
           </p:txBody>
         </p:sp>
@@ -6559,7 +6964,9 @@
             <a:lstStyle/>
             <a:p>
               <a:pPr algn="ctr"/>
-              <a:endParaRPr lang="en-US"/>
+              <a:endParaRPr lang="en-US" dirty="0">
+                <a:latin typeface="Segoe UI" panose="020B0502040204020203" pitchFamily="34" charset="0"/>
+              </a:endParaRPr>
             </a:p>
           </p:txBody>
         </p:sp>
@@ -6604,7 +7011,9 @@
           <a:lstStyle/>
           <a:p>
             <a:pPr algn="ctr"/>
-            <a:endParaRPr lang="en-US"/>
+            <a:endParaRPr lang="ru-RU" dirty="0">
+              <a:latin typeface="Segoe UI" panose="020B0502040204020203" pitchFamily="34" charset="0"/>
+            </a:endParaRPr>
           </a:p>
         </p:txBody>
       </p:sp>
@@ -6647,7 +7056,7 @@
           </a:lstStyle>
           <a:p>
             <a:r>
-              <a:rPr lang="en-US" sz="3600" dirty="0">
+              <a:rPr lang="ru-RU" sz="3600" dirty="0">
                 <a:solidFill>
                   <a:schemeClr val="bg1"/>
                 </a:solidFill>
@@ -6655,44 +7064,64 @@
                 <a:ea typeface="Segoe UI" pitchFamily="34" charset="0"/>
                 <a:cs typeface="Segoe UI Light" panose="020B0502040204020203" pitchFamily="34" charset="0"/>
               </a:rPr>
-              <a:t>PHP Essentials</a:t>
-            </a:r>
+              <a:t>PHP </a:t>
+            </a:r>
+            <a:r>
+              <a:rPr lang="ru-RU" sz="3600" dirty="0" err="1">
+                <a:solidFill>
+                  <a:schemeClr val="bg1"/>
+                </a:solidFill>
+                <a:latin typeface="Segoe UI Light" panose="020B0502040204020203" pitchFamily="34" charset="0"/>
+                <a:ea typeface="Segoe UI" pitchFamily="34" charset="0"/>
+                <a:cs typeface="Segoe UI Light" panose="020B0502040204020203" pitchFamily="34" charset="0"/>
+              </a:rPr>
+              <a:t>Essential</a:t>
+            </a:r>
+            <a:endParaRPr lang="ru-RU" sz="3600" dirty="0">
+              <a:solidFill>
+                <a:schemeClr val="bg1"/>
+              </a:solidFill>
+              <a:latin typeface="Segoe UI Light" panose="020B0502040204020203" pitchFamily="34" charset="0"/>
+              <a:ea typeface="Segoe UI" pitchFamily="34" charset="0"/>
+              <a:cs typeface="Segoe UI Light" panose="020B0502040204020203" pitchFamily="34" charset="0"/>
+            </a:endParaRPr>
           </a:p>
         </p:txBody>
       </p:sp>
       <p:pic>
         <p:nvPicPr>
-          <p:cNvPr id="15" name="Picture 14">
+          <p:cNvPr id="4" name="Picture 3">
             <a:extLst>
               <a:ext uri="{FF2B5EF4-FFF2-40B4-BE49-F238E27FC236}">
-                <a16:creationId xmlns:a16="http://schemas.microsoft.com/office/drawing/2014/main" id="{2B66C006-BF20-4777-AC34-280D4B2479CD}"/>
+                <a16:creationId xmlns:a16="http://schemas.microsoft.com/office/drawing/2014/main" id="{A927B797-87DB-4916-B910-9B0895010831}"/>
               </a:ext>
             </a:extLst>
           </p:cNvPr>
-          <p:cNvPicPr/>
+          <p:cNvPicPr>
+            <a:picLocks noChangeAspect="1"/>
+          </p:cNvPicPr>
           <p:nvPr/>
         </p:nvPicPr>
         <p:blipFill>
           <a:blip r:embed="rId3"/>
-          <a:stretch/>
+          <a:stretch>
+            <a:fillRect/>
+          </a:stretch>
         </p:blipFill>
         <p:spPr>
           <a:xfrm>
-            <a:off x="3581400" y="1371600"/>
-            <a:ext cx="4935540" cy="4638060"/>
+            <a:off x="3367087" y="2257209"/>
+            <a:ext cx="5457825" cy="3048000"/>
           </a:xfrm>
           <a:prstGeom prst="rect">
             <a:avLst/>
           </a:prstGeom>
-          <a:ln>
-            <a:noFill/>
-          </a:ln>
         </p:spPr>
       </p:pic>
     </p:spTree>
     <p:extLst>
       <p:ext uri="{BB962C8B-B14F-4D97-AF65-F5344CB8AC3E}">
-        <p14:creationId xmlns:p14="http://schemas.microsoft.com/office/powerpoint/2010/main" val="3283780185"/>
+        <p14:creationId xmlns:p14="http://schemas.microsoft.com/office/powerpoint/2010/main" val="2615535843"/>
       </p:ext>
     </p:extLst>
   </p:cSld>
@@ -6761,16 +7190,16 @@
           </a:lstStyle>
           <a:p>
             <a:r>
-              <a:rPr lang="ru-RU" sz="2800" dirty="0">
+              <a:rPr lang="ru-RU" sz="2800" spc="-1" dirty="0">
                 <a:solidFill>
                   <a:srgbClr val="D04E1D"/>
                 </a:solidFill>
-                <a:latin typeface="Segoe UI Light" panose="020B0502040204020203" pitchFamily="34" charset="0"/>
-                <a:cs typeface="Segoe UI Light" panose="020B0502040204020203" pitchFamily="34" charset="0"/>
-              </a:rPr>
-              <a:t>Передача значения обьекта</a:t>
-            </a:r>
-            <a:endParaRPr lang="en-US" sz="2800" dirty="0">
+                <a:latin typeface="Segoe UI Light"/>
+                <a:ea typeface="DejaVu Sans"/>
+              </a:rPr>
+              <a:t>Статика в ООП, статические методы</a:t>
+            </a:r>
+            <a:endParaRPr lang="ru-RU" sz="2800" dirty="0">
               <a:solidFill>
                 <a:srgbClr val="D04E1D"/>
               </a:solidFill>
@@ -6820,7 +7249,9 @@
           <a:lstStyle/>
           <a:p>
             <a:pPr algn="ctr"/>
-            <a:endParaRPr lang="en-US"/>
+            <a:endParaRPr lang="ru-RU" dirty="0">
+              <a:latin typeface="Segoe UI" panose="020B0502040204020203" pitchFamily="34" charset="0"/>
+            </a:endParaRPr>
           </a:p>
         </p:txBody>
       </p:sp>
@@ -6846,14 +7277,104 @@
           <a:lstStyle/>
           <a:p>
             <a:r>
-              <a:rPr lang="en-US" sz="1400" dirty="0">
-                <a:solidFill>
-                  <a:schemeClr val="bg1"/>
-                </a:solidFill>
-                <a:latin typeface="Segoe UI Light" panose="020B0502040204020203" pitchFamily="34" charset="0"/>
-                <a:cs typeface="Segoe UI Light" panose="020B0502040204020203" pitchFamily="34" charset="0"/>
-              </a:rPr>
-              <a:t>Information Technology Video Developer Network                                                       http://itvdn.com</a:t>
+              <a:rPr lang="ru-RU" sz="1400" dirty="0" err="1">
+                <a:solidFill>
+                  <a:schemeClr val="bg1"/>
+                </a:solidFill>
+                <a:latin typeface="Segoe UI Light" panose="020B0502040204020203" pitchFamily="34" charset="0"/>
+                <a:cs typeface="Segoe UI Light" panose="020B0502040204020203" pitchFamily="34" charset="0"/>
+              </a:rPr>
+              <a:t>Information</a:t>
+            </a:r>
+            <a:r>
+              <a:rPr lang="ru-RU" sz="1400" dirty="0">
+                <a:solidFill>
+                  <a:schemeClr val="bg1"/>
+                </a:solidFill>
+                <a:latin typeface="Segoe UI Light" panose="020B0502040204020203" pitchFamily="34" charset="0"/>
+                <a:cs typeface="Segoe UI Light" panose="020B0502040204020203" pitchFamily="34" charset="0"/>
+              </a:rPr>
+              <a:t> </a:t>
+            </a:r>
+            <a:r>
+              <a:rPr lang="ru-RU" sz="1400" dirty="0" err="1">
+                <a:solidFill>
+                  <a:schemeClr val="bg1"/>
+                </a:solidFill>
+                <a:latin typeface="Segoe UI Light" panose="020B0502040204020203" pitchFamily="34" charset="0"/>
+                <a:cs typeface="Segoe UI Light" panose="020B0502040204020203" pitchFamily="34" charset="0"/>
+              </a:rPr>
+              <a:t>Technology</a:t>
+            </a:r>
+            <a:r>
+              <a:rPr lang="ru-RU" sz="1400" dirty="0">
+                <a:solidFill>
+                  <a:schemeClr val="bg1"/>
+                </a:solidFill>
+                <a:latin typeface="Segoe UI Light" panose="020B0502040204020203" pitchFamily="34" charset="0"/>
+                <a:cs typeface="Segoe UI Light" panose="020B0502040204020203" pitchFamily="34" charset="0"/>
+              </a:rPr>
+              <a:t> </a:t>
+            </a:r>
+            <a:r>
+              <a:rPr lang="ru-RU" sz="1400" dirty="0" err="1">
+                <a:solidFill>
+                  <a:schemeClr val="bg1"/>
+                </a:solidFill>
+                <a:latin typeface="Segoe UI Light" panose="020B0502040204020203" pitchFamily="34" charset="0"/>
+                <a:cs typeface="Segoe UI Light" panose="020B0502040204020203" pitchFamily="34" charset="0"/>
+              </a:rPr>
+              <a:t>Video</a:t>
+            </a:r>
+            <a:r>
+              <a:rPr lang="ru-RU" sz="1400" dirty="0">
+                <a:solidFill>
+                  <a:schemeClr val="bg1"/>
+                </a:solidFill>
+                <a:latin typeface="Segoe UI Light" panose="020B0502040204020203" pitchFamily="34" charset="0"/>
+                <a:cs typeface="Segoe UI Light" panose="020B0502040204020203" pitchFamily="34" charset="0"/>
+              </a:rPr>
+              <a:t> </a:t>
+            </a:r>
+            <a:r>
+              <a:rPr lang="ru-RU" sz="1400" dirty="0" err="1">
+                <a:solidFill>
+                  <a:schemeClr val="bg1"/>
+                </a:solidFill>
+                <a:latin typeface="Segoe UI Light" panose="020B0502040204020203" pitchFamily="34" charset="0"/>
+                <a:cs typeface="Segoe UI Light" panose="020B0502040204020203" pitchFamily="34" charset="0"/>
+              </a:rPr>
+              <a:t>Developer</a:t>
+            </a:r>
+            <a:r>
+              <a:rPr lang="ru-RU" sz="1400" dirty="0">
+                <a:solidFill>
+                  <a:schemeClr val="bg1"/>
+                </a:solidFill>
+                <a:latin typeface="Segoe UI Light" panose="020B0502040204020203" pitchFamily="34" charset="0"/>
+                <a:cs typeface="Segoe UI Light" panose="020B0502040204020203" pitchFamily="34" charset="0"/>
+              </a:rPr>
+              <a:t> </a:t>
+            </a:r>
+            <a:r>
+              <a:rPr lang="ru-RU" sz="1400" dirty="0" err="1">
+                <a:solidFill>
+                  <a:schemeClr val="bg1"/>
+                </a:solidFill>
+                <a:latin typeface="Segoe UI Light" panose="020B0502040204020203" pitchFamily="34" charset="0"/>
+                <a:cs typeface="Segoe UI Light" panose="020B0502040204020203" pitchFamily="34" charset="0"/>
+              </a:rPr>
+              <a:t>Network</a:t>
+            </a:r>
+            <a:r>
+              <a:rPr lang="ru-RU" sz="1400" dirty="0">
+                <a:solidFill>
+                  <a:schemeClr val="bg1"/>
+                </a:solidFill>
+                <a:latin typeface="Segoe UI Light" panose="020B0502040204020203" pitchFamily="34" charset="0"/>
+                <a:cs typeface="Segoe UI Light" panose="020B0502040204020203" pitchFamily="34" charset="0"/>
+              </a:rPr>
+              <a:t>                                                       http://itvdn.com</a:t>
             </a:r>
           </a:p>
         </p:txBody>
@@ -6880,7 +7401,7 @@
           <a:lstStyle/>
           <a:p>
             <a:r>
-              <a:rPr lang="en-US" sz="2000" dirty="0">
+              <a:rPr lang="ru-RU" sz="2000" dirty="0">
                 <a:solidFill>
                   <a:schemeClr val="bg1"/>
                 </a:solidFill>
@@ -6889,7 +7410,9 @@
               </a:rPr>
               <a:t>ITVDN</a:t>
             </a:r>
-            <a:endParaRPr lang="en-US" sz="2000" dirty="0"/>
+            <a:endParaRPr lang="ru-RU" sz="2000" dirty="0">
+              <a:latin typeface="Segoe UI" panose="020B0502040204020203" pitchFamily="34" charset="0"/>
+            </a:endParaRPr>
           </a:p>
         </p:txBody>
       </p:sp>
@@ -7050,7 +7573,9 @@
             <a:lstStyle/>
             <a:p>
               <a:pPr algn="ctr"/>
-              <a:endParaRPr lang="en-US"/>
+              <a:endParaRPr lang="en-US" dirty="0">
+                <a:latin typeface="Segoe UI" panose="020B0502040204020203" pitchFamily="34" charset="0"/>
+              </a:endParaRPr>
             </a:p>
           </p:txBody>
         </p:sp>
@@ -7199,7 +7724,9 @@
             <a:lstStyle/>
             <a:p>
               <a:pPr algn="ctr"/>
-              <a:endParaRPr lang="en-US"/>
+              <a:endParaRPr lang="en-US" dirty="0">
+                <a:latin typeface="Segoe UI" panose="020B0502040204020203" pitchFamily="34" charset="0"/>
+              </a:endParaRPr>
             </a:p>
           </p:txBody>
         </p:sp>
@@ -7244,7 +7771,9 @@
           <a:lstStyle/>
           <a:p>
             <a:pPr algn="ctr"/>
-            <a:endParaRPr lang="en-US"/>
+            <a:endParaRPr lang="ru-RU" dirty="0">
+              <a:latin typeface="Segoe UI" panose="020B0502040204020203" pitchFamily="34" charset="0"/>
+            </a:endParaRPr>
           </a:p>
         </p:txBody>
       </p:sp>
@@ -7287,7 +7816,7 @@
           </a:lstStyle>
           <a:p>
             <a:r>
-              <a:rPr lang="en-US" sz="3600" dirty="0">
+              <a:rPr lang="ru-RU" sz="3600" dirty="0">
                 <a:solidFill>
                   <a:schemeClr val="bg1"/>
                 </a:solidFill>
@@ -7295,187 +7824,36 @@
                 <a:ea typeface="Segoe UI" pitchFamily="34" charset="0"/>
                 <a:cs typeface="Segoe UI Light" panose="020B0502040204020203" pitchFamily="34" charset="0"/>
               </a:rPr>
-              <a:t>PHP Essentials</a:t>
-            </a:r>
-          </a:p>
-        </p:txBody>
-      </p:sp>
-      <p:sp>
-        <p:nvSpPr>
-          <p:cNvPr id="2" name="Rectangle 1"/>
-          <p:cNvSpPr/>
-          <p:nvPr/>
-        </p:nvSpPr>
-        <p:spPr>
-          <a:xfrm>
-            <a:off x="76200" y="1463663"/>
-            <a:ext cx="5791200" cy="3524250"/>
-          </a:xfrm>
-          <a:prstGeom prst="rect">
-            <a:avLst/>
-          </a:prstGeom>
-          <a:noFill/>
-          <a:ln>
-            <a:noFill/>
-          </a:ln>
-        </p:spPr>
-        <p:style>
-          <a:lnRef idx="2">
-            <a:schemeClr val="accent1">
-              <a:shade val="50000"/>
-            </a:schemeClr>
-          </a:lnRef>
-          <a:fillRef idx="1">
-            <a:schemeClr val="accent1"/>
-          </a:fillRef>
-          <a:effectRef idx="0">
-            <a:schemeClr val="accent1"/>
-          </a:effectRef>
-          <a:fontRef idx="minor">
-            <a:schemeClr val="lt1"/>
-          </a:fontRef>
-        </p:style>
-        <p:txBody>
-          <a:bodyPr rtlCol="0" anchor="t"/>
-          <a:lstStyle/>
-          <a:p>
-            <a:pPr lvl="1" algn="just"/>
-            <a:endParaRPr lang="ru-RU" dirty="0">
+              <a:t>PHP </a:t>
+            </a:r>
+            <a:r>
+              <a:rPr lang="ru-RU" sz="3600" dirty="0" err="1">
+                <a:solidFill>
+                  <a:schemeClr val="bg1"/>
+                </a:solidFill>
+                <a:latin typeface="Segoe UI Light" panose="020B0502040204020203" pitchFamily="34" charset="0"/>
+                <a:ea typeface="Segoe UI" pitchFamily="34" charset="0"/>
+                <a:cs typeface="Segoe UI Light" panose="020B0502040204020203" pitchFamily="34" charset="0"/>
+              </a:rPr>
+              <a:t>Essential</a:t>
+            </a:r>
+            <a:endParaRPr lang="ru-RU" sz="3600" dirty="0">
               <a:solidFill>
-                <a:schemeClr val="tx1"/>
+                <a:schemeClr val="bg1"/>
               </a:solidFill>
-              <a:latin typeface="Segoe UI" panose="020B0502040204020203" pitchFamily="34" charset="0"/>
-              <a:cs typeface="Segoe UI" panose="020B0502040204020203" pitchFamily="34" charset="0"/>
-            </a:endParaRPr>
-          </a:p>
-          <a:p>
-            <a:pPr lvl="1" algn="just"/>
-            <a:r>
-              <a:rPr lang="ru-RU" dirty="0">
-                <a:solidFill>
-                  <a:schemeClr val="tx1"/>
-                </a:solidFill>
-                <a:latin typeface="Segoe UI" panose="020B0502040204020203" pitchFamily="34" charset="0"/>
-                <a:cs typeface="Segoe UI" panose="020B0502040204020203" pitchFamily="34" charset="0"/>
-              </a:rPr>
-              <a:t>Механизм </a:t>
-            </a:r>
-            <a:r>
-              <a:rPr lang="en-US" dirty="0">
-                <a:solidFill>
-                  <a:schemeClr val="tx1"/>
-                </a:solidFill>
-                <a:latin typeface="Segoe UI" panose="020B0502040204020203" pitchFamily="34" charset="0"/>
-                <a:cs typeface="Segoe UI" panose="020B0502040204020203" pitchFamily="34" charset="0"/>
-              </a:rPr>
-              <a:t>PHP</a:t>
-            </a:r>
-            <a:r>
-              <a:rPr lang="ru-RU" dirty="0">
-                <a:solidFill>
-                  <a:schemeClr val="tx1"/>
-                </a:solidFill>
-                <a:latin typeface="Segoe UI" panose="020B0502040204020203" pitchFamily="34" charset="0"/>
-                <a:cs typeface="Segoe UI" panose="020B0502040204020203" pitchFamily="34" charset="0"/>
-              </a:rPr>
-              <a:t>, который указывает, как именно нужно передать значение.</a:t>
-            </a:r>
-          </a:p>
-          <a:p>
-            <a:pPr lvl="1" algn="just"/>
-            <a:endParaRPr lang="ru-RU" dirty="0">
-              <a:solidFill>
-                <a:schemeClr val="tx1"/>
-              </a:solidFill>
-              <a:latin typeface="Segoe UI" panose="020B0502040204020203" pitchFamily="34" charset="0"/>
-              <a:cs typeface="Segoe UI" panose="020B0502040204020203" pitchFamily="34" charset="0"/>
-            </a:endParaRPr>
-          </a:p>
-          <a:p>
-            <a:pPr lvl="1" algn="just"/>
-            <a:r>
-              <a:rPr lang="ru-RU" dirty="0">
-                <a:solidFill>
-                  <a:schemeClr val="tx1"/>
-                </a:solidFill>
-                <a:latin typeface="Segoe UI" panose="020B0502040204020203" pitchFamily="34" charset="0"/>
-                <a:cs typeface="Segoe UI" panose="020B0502040204020203" pitchFamily="34" charset="0"/>
-              </a:rPr>
-              <a:t>Виды передачи:</a:t>
-            </a:r>
-          </a:p>
-          <a:p>
-            <a:pPr marL="800100" lvl="1" indent="-342900" algn="just">
-              <a:buAutoNum type="arabicPeriod"/>
-            </a:pPr>
-            <a:r>
-              <a:rPr lang="ru-RU" dirty="0">
-                <a:solidFill>
-                  <a:schemeClr val="tx1"/>
-                </a:solidFill>
-                <a:latin typeface="Segoe UI" panose="020B0502040204020203" pitchFamily="34" charset="0"/>
-                <a:cs typeface="Segoe UI" panose="020B0502040204020203" pitchFamily="34" charset="0"/>
-              </a:rPr>
-              <a:t>По значению</a:t>
-            </a:r>
-          </a:p>
-          <a:p>
-            <a:pPr marL="800100" lvl="1" indent="-342900" algn="just">
-              <a:buAutoNum type="arabicPeriod"/>
-            </a:pPr>
-            <a:r>
-              <a:rPr lang="ru-RU" dirty="0">
-                <a:solidFill>
-                  <a:schemeClr val="tx1"/>
-                </a:solidFill>
-                <a:latin typeface="Segoe UI" panose="020B0502040204020203" pitchFamily="34" charset="0"/>
-                <a:cs typeface="Segoe UI" panose="020B0502040204020203" pitchFamily="34" charset="0"/>
-              </a:rPr>
-              <a:t>По ссылке</a:t>
-            </a:r>
-          </a:p>
-          <a:p>
-            <a:pPr marL="800100" lvl="1" indent="-342900" algn="just">
-              <a:buAutoNum type="arabicPeriod"/>
-            </a:pPr>
-            <a:endParaRPr lang="ru-RU" dirty="0">
-              <a:solidFill>
-                <a:schemeClr val="tx1"/>
-              </a:solidFill>
-              <a:latin typeface="Segoe UI" panose="020B0502040204020203" pitchFamily="34" charset="0"/>
-              <a:cs typeface="Segoe UI" panose="020B0502040204020203" pitchFamily="34" charset="0"/>
-            </a:endParaRPr>
-          </a:p>
-          <a:p>
-            <a:pPr marL="800100" lvl="1" indent="-342900">
-              <a:buFont typeface="+mj-lt"/>
-              <a:buAutoNum type="arabicPeriod"/>
-            </a:pPr>
-            <a:endParaRPr lang="en-US" dirty="0">
-              <a:solidFill>
-                <a:schemeClr val="tx1"/>
-              </a:solidFill>
-              <a:latin typeface="Segoe UI" panose="020B0502040204020203" pitchFamily="34" charset="0"/>
-              <a:cs typeface="Segoe UI" panose="020B0502040204020203" pitchFamily="34" charset="0"/>
-            </a:endParaRPr>
-          </a:p>
-          <a:p>
-            <a:endParaRPr lang="en-US" dirty="0">
-              <a:solidFill>
-                <a:schemeClr val="tx1"/>
-              </a:solidFill>
-              <a:latin typeface="Segoe UI" panose="020B0502040204020203" pitchFamily="34" charset="0"/>
-              <a:cs typeface="Segoe UI" panose="020B0502040204020203" pitchFamily="34" charset="0"/>
+              <a:latin typeface="Segoe UI Light" panose="020B0502040204020203" pitchFamily="34" charset="0"/>
+              <a:ea typeface="Segoe UI" pitchFamily="34" charset="0"/>
+              <a:cs typeface="Segoe UI Light" panose="020B0502040204020203" pitchFamily="34" charset="0"/>
             </a:endParaRPr>
           </a:p>
         </p:txBody>
       </p:sp>
       <p:pic>
         <p:nvPicPr>
-          <p:cNvPr id="3" name="Picture 2">
+          <p:cNvPr id="15" name="Picture 14">
             <a:extLst>
               <a:ext uri="{FF2B5EF4-FFF2-40B4-BE49-F238E27FC236}">
-                <a16:creationId xmlns:a16="http://schemas.microsoft.com/office/drawing/2014/main" id="{ACA1164F-D9BF-4A6F-AC7F-592E07B564A1}"/>
+                <a16:creationId xmlns:a16="http://schemas.microsoft.com/office/drawing/2014/main" id="{444C0CD7-499A-4638-A44B-288B224B9F18}"/>
               </a:ext>
             </a:extLst>
           </p:cNvPr>
@@ -7492,38 +7870,8 @@
         </p:blipFill>
         <p:spPr>
           <a:xfrm>
-            <a:off x="3657600" y="2420548"/>
-            <a:ext cx="3656507" cy="3675452"/>
-          </a:xfrm>
-          <a:prstGeom prst="rect">
-            <a:avLst/>
-          </a:prstGeom>
-        </p:spPr>
-      </p:pic>
-      <p:pic>
-        <p:nvPicPr>
-          <p:cNvPr id="5" name="Picture 4">
-            <a:extLst>
-              <a:ext uri="{FF2B5EF4-FFF2-40B4-BE49-F238E27FC236}">
-                <a16:creationId xmlns:a16="http://schemas.microsoft.com/office/drawing/2014/main" id="{DF40CEDB-A4DF-4C14-B0C5-4CA6EB3D0506}"/>
-              </a:ext>
-            </a:extLst>
-          </p:cNvPr>
-          <p:cNvPicPr>
-            <a:picLocks noChangeAspect="1"/>
-          </p:cNvPicPr>
-          <p:nvPr/>
-        </p:nvPicPr>
-        <p:blipFill>
-          <a:blip r:embed="rId4"/>
-          <a:stretch>
-            <a:fillRect/>
-          </a:stretch>
-        </p:blipFill>
-        <p:spPr>
-          <a:xfrm>
-            <a:off x="7536796" y="2420548"/>
-            <a:ext cx="3824007" cy="3675452"/>
+            <a:off x="3048000" y="1383237"/>
+            <a:ext cx="5562600" cy="4886325"/>
           </a:xfrm>
           <a:prstGeom prst="rect">
             <a:avLst/>
@@ -7533,7 +7881,7 @@
     </p:spTree>
     <p:extLst>
       <p:ext uri="{BB962C8B-B14F-4D97-AF65-F5344CB8AC3E}">
-        <p14:creationId xmlns:p14="http://schemas.microsoft.com/office/powerpoint/2010/main" val="2396469565"/>
+        <p14:creationId xmlns:p14="http://schemas.microsoft.com/office/powerpoint/2010/main" val="777598636"/>
       </p:ext>
     </p:extLst>
   </p:cSld>
@@ -7602,16 +7950,36 @@
           </a:lstStyle>
           <a:p>
             <a:r>
-              <a:rPr lang="ru-RU" sz="2800" dirty="0">
+              <a:rPr lang="ru-RU" sz="2800" spc="-1" dirty="0">
                 <a:solidFill>
                   <a:srgbClr val="D04E1D"/>
                 </a:solidFill>
-                <a:latin typeface="Segoe UI Light" panose="020B0502040204020203" pitchFamily="34" charset="0"/>
-                <a:cs typeface="Segoe UI Light" panose="020B0502040204020203" pitchFamily="34" charset="0"/>
-              </a:rPr>
-              <a:t>Передача значения обьекта</a:t>
-            </a:r>
-            <a:endParaRPr lang="en-US" sz="2800" dirty="0">
+                <a:latin typeface="Segoe UI Light"/>
+                <a:cs typeface="Segoe UI Light" panose="020B0502040204020203" pitchFamily="34" charset="0"/>
+              </a:rPr>
+              <a:t>Магические методы в </a:t>
+            </a:r>
+            <a:r>
+              <a:rPr lang="en-US" sz="2800" spc="-1" dirty="0">
+                <a:solidFill>
+                  <a:srgbClr val="D04E1D"/>
+                </a:solidFill>
+                <a:latin typeface="Segoe UI Light"/>
+                <a:cs typeface="Segoe UI Light" panose="020B0502040204020203" pitchFamily="34" charset="0"/>
+              </a:rPr>
+              <a:t>PHP </a:t>
+            </a:r>
+            <a:r>
+              <a:rPr lang="ru-RU" sz="2800" spc="-1" dirty="0">
+                <a:solidFill>
+                  <a:srgbClr val="D04E1D"/>
+                </a:solidFill>
+                <a:latin typeface="Segoe UI Light"/>
+                <a:cs typeface="Segoe UI Light" panose="020B0502040204020203" pitchFamily="34" charset="0"/>
+              </a:rPr>
+              <a:t>ООП</a:t>
+            </a:r>
+            <a:endParaRPr lang="ru-RU" sz="2800" dirty="0">
               <a:solidFill>
                 <a:srgbClr val="D04E1D"/>
               </a:solidFill>
@@ -7661,7 +8029,9 @@
           <a:lstStyle/>
           <a:p>
             <a:pPr algn="ctr"/>
-            <a:endParaRPr lang="en-US"/>
+            <a:endParaRPr lang="ru-RU" dirty="0">
+              <a:latin typeface="Segoe UI" panose="020B0502040204020203" pitchFamily="34" charset="0"/>
+            </a:endParaRPr>
           </a:p>
         </p:txBody>
       </p:sp>
@@ -7687,14 +8057,104 @@
           <a:lstStyle/>
           <a:p>
             <a:r>
-              <a:rPr lang="en-US" sz="1400" dirty="0">
-                <a:solidFill>
-                  <a:schemeClr val="bg1"/>
-                </a:solidFill>
-                <a:latin typeface="Segoe UI Light" panose="020B0502040204020203" pitchFamily="34" charset="0"/>
-                <a:cs typeface="Segoe UI Light" panose="020B0502040204020203" pitchFamily="34" charset="0"/>
-              </a:rPr>
-              <a:t>Information Technology Video Developer Network                                                       http://itvdn.com</a:t>
+              <a:rPr lang="ru-RU" sz="1400" dirty="0" err="1">
+                <a:solidFill>
+                  <a:schemeClr val="bg1"/>
+                </a:solidFill>
+                <a:latin typeface="Segoe UI Light" panose="020B0502040204020203" pitchFamily="34" charset="0"/>
+                <a:cs typeface="Segoe UI Light" panose="020B0502040204020203" pitchFamily="34" charset="0"/>
+              </a:rPr>
+              <a:t>Information</a:t>
+            </a:r>
+            <a:r>
+              <a:rPr lang="ru-RU" sz="1400" dirty="0">
+                <a:solidFill>
+                  <a:schemeClr val="bg1"/>
+                </a:solidFill>
+                <a:latin typeface="Segoe UI Light" panose="020B0502040204020203" pitchFamily="34" charset="0"/>
+                <a:cs typeface="Segoe UI Light" panose="020B0502040204020203" pitchFamily="34" charset="0"/>
+              </a:rPr>
+              <a:t> </a:t>
+            </a:r>
+            <a:r>
+              <a:rPr lang="ru-RU" sz="1400" dirty="0" err="1">
+                <a:solidFill>
+                  <a:schemeClr val="bg1"/>
+                </a:solidFill>
+                <a:latin typeface="Segoe UI Light" panose="020B0502040204020203" pitchFamily="34" charset="0"/>
+                <a:cs typeface="Segoe UI Light" panose="020B0502040204020203" pitchFamily="34" charset="0"/>
+              </a:rPr>
+              <a:t>Technology</a:t>
+            </a:r>
+            <a:r>
+              <a:rPr lang="ru-RU" sz="1400" dirty="0">
+                <a:solidFill>
+                  <a:schemeClr val="bg1"/>
+                </a:solidFill>
+                <a:latin typeface="Segoe UI Light" panose="020B0502040204020203" pitchFamily="34" charset="0"/>
+                <a:cs typeface="Segoe UI Light" panose="020B0502040204020203" pitchFamily="34" charset="0"/>
+              </a:rPr>
+              <a:t> </a:t>
+            </a:r>
+            <a:r>
+              <a:rPr lang="ru-RU" sz="1400" dirty="0" err="1">
+                <a:solidFill>
+                  <a:schemeClr val="bg1"/>
+                </a:solidFill>
+                <a:latin typeface="Segoe UI Light" panose="020B0502040204020203" pitchFamily="34" charset="0"/>
+                <a:cs typeface="Segoe UI Light" panose="020B0502040204020203" pitchFamily="34" charset="0"/>
+              </a:rPr>
+              <a:t>Video</a:t>
+            </a:r>
+            <a:r>
+              <a:rPr lang="ru-RU" sz="1400" dirty="0">
+                <a:solidFill>
+                  <a:schemeClr val="bg1"/>
+                </a:solidFill>
+                <a:latin typeface="Segoe UI Light" panose="020B0502040204020203" pitchFamily="34" charset="0"/>
+                <a:cs typeface="Segoe UI Light" panose="020B0502040204020203" pitchFamily="34" charset="0"/>
+              </a:rPr>
+              <a:t> </a:t>
+            </a:r>
+            <a:r>
+              <a:rPr lang="ru-RU" sz="1400" dirty="0" err="1">
+                <a:solidFill>
+                  <a:schemeClr val="bg1"/>
+                </a:solidFill>
+                <a:latin typeface="Segoe UI Light" panose="020B0502040204020203" pitchFamily="34" charset="0"/>
+                <a:cs typeface="Segoe UI Light" panose="020B0502040204020203" pitchFamily="34" charset="0"/>
+              </a:rPr>
+              <a:t>Developer</a:t>
+            </a:r>
+            <a:r>
+              <a:rPr lang="ru-RU" sz="1400" dirty="0">
+                <a:solidFill>
+                  <a:schemeClr val="bg1"/>
+                </a:solidFill>
+                <a:latin typeface="Segoe UI Light" panose="020B0502040204020203" pitchFamily="34" charset="0"/>
+                <a:cs typeface="Segoe UI Light" panose="020B0502040204020203" pitchFamily="34" charset="0"/>
+              </a:rPr>
+              <a:t> </a:t>
+            </a:r>
+            <a:r>
+              <a:rPr lang="ru-RU" sz="1400" dirty="0" err="1">
+                <a:solidFill>
+                  <a:schemeClr val="bg1"/>
+                </a:solidFill>
+                <a:latin typeface="Segoe UI Light" panose="020B0502040204020203" pitchFamily="34" charset="0"/>
+                <a:cs typeface="Segoe UI Light" panose="020B0502040204020203" pitchFamily="34" charset="0"/>
+              </a:rPr>
+              <a:t>Network</a:t>
+            </a:r>
+            <a:r>
+              <a:rPr lang="ru-RU" sz="1400" dirty="0">
+                <a:solidFill>
+                  <a:schemeClr val="bg1"/>
+                </a:solidFill>
+                <a:latin typeface="Segoe UI Light" panose="020B0502040204020203" pitchFamily="34" charset="0"/>
+                <a:cs typeface="Segoe UI Light" panose="020B0502040204020203" pitchFamily="34" charset="0"/>
+              </a:rPr>
+              <a:t>                                                       http://itvdn.com</a:t>
             </a:r>
           </a:p>
         </p:txBody>
@@ -7721,7 +8181,7 @@
           <a:lstStyle/>
           <a:p>
             <a:r>
-              <a:rPr lang="en-US" sz="2000" dirty="0">
+              <a:rPr lang="ru-RU" sz="2000" dirty="0">
                 <a:solidFill>
                   <a:schemeClr val="bg1"/>
                 </a:solidFill>
@@ -7730,7 +8190,9 @@
               </a:rPr>
               <a:t>ITVDN</a:t>
             </a:r>
-            <a:endParaRPr lang="en-US" sz="2000" dirty="0"/>
+            <a:endParaRPr lang="ru-RU" sz="2000" dirty="0">
+              <a:latin typeface="Segoe UI" panose="020B0502040204020203" pitchFamily="34" charset="0"/>
+            </a:endParaRPr>
           </a:p>
         </p:txBody>
       </p:sp>
@@ -7891,7 +8353,9 @@
             <a:lstStyle/>
             <a:p>
               <a:pPr algn="ctr"/>
-              <a:endParaRPr lang="en-US"/>
+              <a:endParaRPr lang="en-US" dirty="0">
+                <a:latin typeface="Segoe UI" panose="020B0502040204020203" pitchFamily="34" charset="0"/>
+              </a:endParaRPr>
             </a:p>
           </p:txBody>
         </p:sp>
@@ -8040,7 +8504,9 @@
             <a:lstStyle/>
             <a:p>
               <a:pPr algn="ctr"/>
-              <a:endParaRPr lang="en-US"/>
+              <a:endParaRPr lang="en-US" dirty="0">
+                <a:latin typeface="Segoe UI" panose="020B0502040204020203" pitchFamily="34" charset="0"/>
+              </a:endParaRPr>
             </a:p>
           </p:txBody>
         </p:sp>
@@ -8085,7 +8551,9 @@
           <a:lstStyle/>
           <a:p>
             <a:pPr algn="ctr"/>
-            <a:endParaRPr lang="en-US"/>
+            <a:endParaRPr lang="ru-RU" dirty="0">
+              <a:latin typeface="Segoe UI" panose="020B0502040204020203" pitchFamily="34" charset="0"/>
+            </a:endParaRPr>
           </a:p>
         </p:txBody>
       </p:sp>
@@ -8128,7 +8596,7 @@
           </a:lstStyle>
           <a:p>
             <a:r>
-              <a:rPr lang="en-US" sz="3600" dirty="0">
+              <a:rPr lang="ru-RU" sz="3600" dirty="0">
                 <a:solidFill>
                   <a:schemeClr val="bg1"/>
                 </a:solidFill>
@@ -8136,17 +8604,264 @@
                 <a:ea typeface="Segoe UI" pitchFamily="34" charset="0"/>
                 <a:cs typeface="Segoe UI Light" panose="020B0502040204020203" pitchFamily="34" charset="0"/>
               </a:rPr>
-              <a:t>PHP Essentials</a:t>
-            </a:r>
+              <a:t>PHP </a:t>
+            </a:r>
+            <a:r>
+              <a:rPr lang="ru-RU" sz="3600" dirty="0" err="1">
+                <a:solidFill>
+                  <a:schemeClr val="bg1"/>
+                </a:solidFill>
+                <a:latin typeface="Segoe UI Light" panose="020B0502040204020203" pitchFamily="34" charset="0"/>
+                <a:ea typeface="Segoe UI" pitchFamily="34" charset="0"/>
+                <a:cs typeface="Segoe UI Light" panose="020B0502040204020203" pitchFamily="34" charset="0"/>
+              </a:rPr>
+              <a:t>Essential</a:t>
+            </a:r>
+            <a:endParaRPr lang="ru-RU" sz="3600" dirty="0">
+              <a:solidFill>
+                <a:schemeClr val="bg1"/>
+              </a:solidFill>
+              <a:latin typeface="Segoe UI Light" panose="020B0502040204020203" pitchFamily="34" charset="0"/>
+              <a:ea typeface="Segoe UI" pitchFamily="34" charset="0"/>
+              <a:cs typeface="Segoe UI Light" panose="020B0502040204020203" pitchFamily="34" charset="0"/>
+            </a:endParaRPr>
+          </a:p>
+        </p:txBody>
+      </p:sp>
+      <p:sp>
+        <p:nvSpPr>
+          <p:cNvPr id="2" name="Rectangle 1"/>
+          <p:cNvSpPr/>
+          <p:nvPr/>
+        </p:nvSpPr>
+        <p:spPr>
+          <a:xfrm>
+            <a:off x="373241" y="1751670"/>
+            <a:ext cx="10744200" cy="4211909"/>
+          </a:xfrm>
+          <a:prstGeom prst="rect">
+            <a:avLst/>
+          </a:prstGeom>
+          <a:noFill/>
+          <a:ln>
+            <a:noFill/>
+          </a:ln>
+        </p:spPr>
+        <p:style>
+          <a:lnRef idx="2">
+            <a:schemeClr val="accent1">
+              <a:shade val="50000"/>
+            </a:schemeClr>
+          </a:lnRef>
+          <a:fillRef idx="1">
+            <a:schemeClr val="accent1"/>
+          </a:fillRef>
+          <a:effectRef idx="0">
+            <a:schemeClr val="accent1"/>
+          </a:effectRef>
+          <a:fontRef idx="minor">
+            <a:schemeClr val="lt1"/>
+          </a:fontRef>
+        </p:style>
+        <p:txBody>
+          <a:bodyPr rtlCol="0" anchor="t"/>
+          <a:lstStyle/>
+          <a:p>
+            <a:pPr lvl="1"/>
+            <a:r>
+              <a:rPr lang="ru-RU" b="1" dirty="0">
+                <a:solidFill>
+                  <a:schemeClr val="tx1"/>
+                </a:solidFill>
+                <a:latin typeface="Segoe UI" panose="020B0502040204020203" pitchFamily="34" charset="0"/>
+                <a:cs typeface="Segoe UI" panose="020B0502040204020203" pitchFamily="34" charset="0"/>
+              </a:rPr>
+              <a:t>Магический метод – </a:t>
+            </a:r>
+            <a:r>
+              <a:rPr lang="ru-RU" dirty="0">
+                <a:solidFill>
+                  <a:schemeClr val="tx1"/>
+                </a:solidFill>
+                <a:latin typeface="Segoe UI" panose="020B0502040204020203" pitchFamily="34" charset="0"/>
+                <a:cs typeface="Segoe UI" panose="020B0502040204020203" pitchFamily="34" charset="0"/>
+              </a:rPr>
+              <a:t>метод, который доступен в любом классе, и вызывается при определённых условиях. </a:t>
+            </a:r>
+          </a:p>
+          <a:p>
+            <a:pPr lvl="1"/>
+            <a:r>
+              <a:rPr lang="ru-RU" b="1" dirty="0">
+                <a:solidFill>
+                  <a:schemeClr val="tx1"/>
+                </a:solidFill>
+                <a:latin typeface="Segoe UI" panose="020B0502040204020203" pitchFamily="34" charset="0"/>
+                <a:cs typeface="Segoe UI" panose="020B0502040204020203" pitchFamily="34" charset="0"/>
+              </a:rPr>
+              <a:t>	</a:t>
+            </a:r>
+            <a:r>
+              <a:rPr lang="ru-RU" dirty="0">
+                <a:solidFill>
+                  <a:schemeClr val="tx1"/>
+                </a:solidFill>
+                <a:latin typeface="Segoe UI" panose="020B0502040204020203" pitchFamily="34" charset="0"/>
+                <a:cs typeface="Segoe UI" panose="020B0502040204020203" pitchFamily="34" charset="0"/>
+              </a:rPr>
+              <a:t>Характерные особенности таких методов в </a:t>
+            </a:r>
+            <a:r>
+              <a:rPr lang="en-US" dirty="0">
+                <a:solidFill>
+                  <a:schemeClr val="tx1"/>
+                </a:solidFill>
+                <a:latin typeface="Segoe UI" panose="020B0502040204020203" pitchFamily="34" charset="0"/>
+                <a:cs typeface="Segoe UI" panose="020B0502040204020203" pitchFamily="34" charset="0"/>
+              </a:rPr>
+              <a:t>PHP – </a:t>
+            </a:r>
+            <a:r>
+              <a:rPr lang="ru-RU" dirty="0">
+                <a:solidFill>
+                  <a:schemeClr val="tx1"/>
+                </a:solidFill>
+                <a:latin typeface="Segoe UI" panose="020B0502040204020203" pitchFamily="34" charset="0"/>
+                <a:cs typeface="Segoe UI" panose="020B0502040204020203" pitchFamily="34" charset="0"/>
+              </a:rPr>
+              <a:t>они начинаются с </a:t>
+            </a:r>
+            <a:r>
+              <a:rPr lang="en-US" dirty="0">
+                <a:solidFill>
+                  <a:schemeClr val="tx1"/>
+                </a:solidFill>
+                <a:latin typeface="Segoe UI" panose="020B0502040204020203" pitchFamily="34" charset="0"/>
+                <a:cs typeface="Segoe UI" panose="020B0502040204020203" pitchFamily="34" charset="0"/>
+              </a:rPr>
+              <a:t>__</a:t>
+            </a:r>
+          </a:p>
+          <a:p>
+            <a:pPr lvl="1"/>
+            <a:r>
+              <a:rPr lang="en-US" b="1" dirty="0">
+                <a:solidFill>
+                  <a:schemeClr val="tx1"/>
+                </a:solidFill>
+                <a:latin typeface="Segoe UI" panose="020B0502040204020203" pitchFamily="34" charset="0"/>
+                <a:cs typeface="Segoe UI" panose="020B0502040204020203" pitchFamily="34" charset="0"/>
+              </a:rPr>
+              <a:t>		</a:t>
+            </a:r>
+            <a:endParaRPr lang="ru-RU" b="1" dirty="0">
+              <a:solidFill>
+                <a:schemeClr val="tx1"/>
+              </a:solidFill>
+              <a:latin typeface="Segoe UI" panose="020B0502040204020203" pitchFamily="34" charset="0"/>
+              <a:cs typeface="Segoe UI" panose="020B0502040204020203" pitchFamily="34" charset="0"/>
+            </a:endParaRPr>
+          </a:p>
+          <a:p>
+            <a:pPr lvl="1"/>
+            <a:endParaRPr lang="ru-RU" b="1" dirty="0">
+              <a:solidFill>
+                <a:schemeClr val="tx1"/>
+              </a:solidFill>
+              <a:latin typeface="Segoe UI" panose="020B0502040204020203" pitchFamily="34" charset="0"/>
+              <a:cs typeface="Segoe UI" panose="020B0502040204020203" pitchFamily="34" charset="0"/>
+            </a:endParaRPr>
+          </a:p>
+          <a:p>
+            <a:pPr lvl="1"/>
+            <a:endParaRPr lang="en-US" b="1" dirty="0">
+              <a:solidFill>
+                <a:schemeClr val="tx1"/>
+              </a:solidFill>
+              <a:latin typeface="Segoe UI" panose="020B0502040204020203" pitchFamily="34" charset="0"/>
+              <a:cs typeface="Segoe UI" panose="020B0502040204020203" pitchFamily="34" charset="0"/>
+            </a:endParaRPr>
+          </a:p>
+          <a:p>
+            <a:pPr lvl="1"/>
+            <a:endParaRPr lang="en-US" b="1" dirty="0">
+              <a:solidFill>
+                <a:schemeClr val="tx1"/>
+              </a:solidFill>
+              <a:latin typeface="Segoe UI" panose="020B0502040204020203" pitchFamily="34" charset="0"/>
+              <a:cs typeface="Segoe UI" panose="020B0502040204020203" pitchFamily="34" charset="0"/>
+            </a:endParaRPr>
+          </a:p>
+          <a:p>
+            <a:pPr lvl="1"/>
+            <a:endParaRPr lang="en-US" b="1" dirty="0">
+              <a:solidFill>
+                <a:schemeClr val="tx1"/>
+              </a:solidFill>
+              <a:latin typeface="Segoe UI" panose="020B0502040204020203" pitchFamily="34" charset="0"/>
+              <a:cs typeface="Segoe UI" panose="020B0502040204020203" pitchFamily="34" charset="0"/>
+            </a:endParaRPr>
+          </a:p>
+          <a:p>
+            <a:pPr lvl="1"/>
+            <a:endParaRPr lang="en-US" b="1" dirty="0">
+              <a:solidFill>
+                <a:schemeClr val="tx1"/>
+              </a:solidFill>
+              <a:latin typeface="Segoe UI" panose="020B0502040204020203" pitchFamily="34" charset="0"/>
+              <a:cs typeface="Segoe UI" panose="020B0502040204020203" pitchFamily="34" charset="0"/>
+            </a:endParaRPr>
+          </a:p>
+          <a:p>
+            <a:pPr lvl="1"/>
+            <a:endParaRPr lang="en-US" b="1" dirty="0">
+              <a:solidFill>
+                <a:schemeClr val="tx1"/>
+              </a:solidFill>
+              <a:latin typeface="Segoe UI" panose="020B0502040204020203" pitchFamily="34" charset="0"/>
+              <a:cs typeface="Segoe UI" panose="020B0502040204020203" pitchFamily="34" charset="0"/>
+            </a:endParaRPr>
+          </a:p>
+          <a:p>
+            <a:pPr lvl="1"/>
+            <a:endParaRPr lang="en-US" b="1" dirty="0">
+              <a:solidFill>
+                <a:schemeClr val="tx1"/>
+              </a:solidFill>
+              <a:latin typeface="Segoe UI" panose="020B0502040204020203" pitchFamily="34" charset="0"/>
+              <a:cs typeface="Segoe UI" panose="020B0502040204020203" pitchFamily="34" charset="0"/>
+            </a:endParaRPr>
+          </a:p>
+          <a:p>
+            <a:pPr marL="800100" lvl="1" indent="-342900">
+              <a:buFont typeface="+mj-lt"/>
+              <a:buAutoNum type="arabicPeriod"/>
+            </a:pPr>
+            <a:endParaRPr lang="ru-RU" dirty="0">
+              <a:solidFill>
+                <a:schemeClr val="tx1"/>
+              </a:solidFill>
+              <a:latin typeface="Segoe UI" panose="020B0502040204020203" pitchFamily="34" charset="0"/>
+              <a:cs typeface="Segoe UI" panose="020B0502040204020203" pitchFamily="34" charset="0"/>
+            </a:endParaRPr>
+          </a:p>
+          <a:p>
+            <a:endParaRPr lang="ru-RU" dirty="0">
+              <a:solidFill>
+                <a:schemeClr val="tx1"/>
+              </a:solidFill>
+              <a:latin typeface="Segoe UI" panose="020B0502040204020203" pitchFamily="34" charset="0"/>
+              <a:cs typeface="Segoe UI" panose="020B0502040204020203" pitchFamily="34" charset="0"/>
+            </a:endParaRPr>
           </a:p>
         </p:txBody>
       </p:sp>
       <p:pic>
         <p:nvPicPr>
-          <p:cNvPr id="4" name="Picture 3">
+          <p:cNvPr id="3" name="Picture 2">
             <a:extLst>
               <a:ext uri="{FF2B5EF4-FFF2-40B4-BE49-F238E27FC236}">
-                <a16:creationId xmlns:a16="http://schemas.microsoft.com/office/drawing/2014/main" id="{26C721ED-E480-440A-8705-5BE14F30A490}"/>
+                <a16:creationId xmlns:a16="http://schemas.microsoft.com/office/drawing/2014/main" id="{7822D6AA-09C2-4C02-A1A8-ABC13184E8E6}"/>
               </a:ext>
             </a:extLst>
           </p:cNvPr>
@@ -8163,8 +8878,8 @@
         </p:blipFill>
         <p:spPr>
           <a:xfrm>
-            <a:off x="1260734" y="1830551"/>
-            <a:ext cx="3581400" cy="3482648"/>
+            <a:off x="685800" y="3005136"/>
+            <a:ext cx="3686175" cy="1704975"/>
           </a:xfrm>
           <a:prstGeom prst="rect">
             <a:avLst/>
@@ -8173,10 +8888,10 @@
       </p:pic>
       <p:pic>
         <p:nvPicPr>
-          <p:cNvPr id="6" name="Picture 5">
+          <p:cNvPr id="4" name="Picture 3">
             <a:extLst>
               <a:ext uri="{FF2B5EF4-FFF2-40B4-BE49-F238E27FC236}">
-                <a16:creationId xmlns:a16="http://schemas.microsoft.com/office/drawing/2014/main" id="{ECD819AE-F597-4A16-A5E0-E52D9408FD38}"/>
+                <a16:creationId xmlns:a16="http://schemas.microsoft.com/office/drawing/2014/main" id="{286078BA-0302-4BF7-B67A-84F53E560344}"/>
               </a:ext>
             </a:extLst>
           </p:cNvPr>
@@ -8193,8 +8908,8 @@
         </p:blipFill>
         <p:spPr>
           <a:xfrm>
-            <a:off x="6096000" y="1792451"/>
-            <a:ext cx="4277911" cy="4262393"/>
+            <a:off x="6126887" y="3005136"/>
+            <a:ext cx="4095750" cy="1704975"/>
           </a:xfrm>
           <a:prstGeom prst="rect">
             <a:avLst/>
@@ -8204,7 +8919,7 @@
     </p:spTree>
     <p:extLst>
       <p:ext uri="{BB962C8B-B14F-4D97-AF65-F5344CB8AC3E}">
-        <p14:creationId xmlns:p14="http://schemas.microsoft.com/office/powerpoint/2010/main" val="3113073388"/>
+        <p14:creationId xmlns:p14="http://schemas.microsoft.com/office/powerpoint/2010/main" val="148184580"/>
       </p:ext>
     </p:extLst>
   </p:cSld>
@@ -8273,16 +8988,16 @@
           </a:lstStyle>
           <a:p>
             <a:r>
-              <a:rPr lang="ru-RU" sz="2800" dirty="0">
+              <a:rPr lang="ru-RU" sz="2800" spc="-1" dirty="0">
                 <a:solidFill>
                   <a:srgbClr val="D04E1D"/>
                 </a:solidFill>
-                <a:latin typeface="Segoe UI Light" panose="020B0502040204020203" pitchFamily="34" charset="0"/>
-                <a:cs typeface="Segoe UI Light" panose="020B0502040204020203" pitchFamily="34" charset="0"/>
-              </a:rPr>
-              <a:t>Сравнение обьектов</a:t>
-            </a:r>
-            <a:endParaRPr lang="en-US" sz="2800" dirty="0">
+                <a:latin typeface="Segoe UI Light"/>
+                <a:cs typeface="Segoe UI Light" panose="020B0502040204020203" pitchFamily="34" charset="0"/>
+              </a:rPr>
+              <a:t>Конструктор</a:t>
+            </a:r>
+            <a:endParaRPr lang="ru-RU" sz="2800" dirty="0">
               <a:solidFill>
                 <a:srgbClr val="D04E1D"/>
               </a:solidFill>
@@ -8332,7 +9047,9 @@
           <a:lstStyle/>
           <a:p>
             <a:pPr algn="ctr"/>
-            <a:endParaRPr lang="en-US"/>
+            <a:endParaRPr lang="ru-RU" dirty="0">
+              <a:latin typeface="Segoe UI" panose="020B0502040204020203" pitchFamily="34" charset="0"/>
+            </a:endParaRPr>
           </a:p>
         </p:txBody>
       </p:sp>
@@ -8358,14 +9075,104 @@
           <a:lstStyle/>
           <a:p>
             <a:r>
-              <a:rPr lang="en-US" sz="1400" dirty="0">
-                <a:solidFill>
-                  <a:schemeClr val="bg1"/>
-                </a:solidFill>
-                <a:latin typeface="Segoe UI Light" panose="020B0502040204020203" pitchFamily="34" charset="0"/>
-                <a:cs typeface="Segoe UI Light" panose="020B0502040204020203" pitchFamily="34" charset="0"/>
-              </a:rPr>
-              <a:t>Information Technology Video Developer Network                                                       http://itvdn.com</a:t>
+              <a:rPr lang="ru-RU" sz="1400" dirty="0" err="1">
+                <a:solidFill>
+                  <a:schemeClr val="bg1"/>
+                </a:solidFill>
+                <a:latin typeface="Segoe UI Light" panose="020B0502040204020203" pitchFamily="34" charset="0"/>
+                <a:cs typeface="Segoe UI Light" panose="020B0502040204020203" pitchFamily="34" charset="0"/>
+              </a:rPr>
+              <a:t>Information</a:t>
+            </a:r>
+            <a:r>
+              <a:rPr lang="ru-RU" sz="1400" dirty="0">
+                <a:solidFill>
+                  <a:schemeClr val="bg1"/>
+                </a:solidFill>
+                <a:latin typeface="Segoe UI Light" panose="020B0502040204020203" pitchFamily="34" charset="0"/>
+                <a:cs typeface="Segoe UI Light" panose="020B0502040204020203" pitchFamily="34" charset="0"/>
+              </a:rPr>
+              <a:t> </a:t>
+            </a:r>
+            <a:r>
+              <a:rPr lang="ru-RU" sz="1400" dirty="0" err="1">
+                <a:solidFill>
+                  <a:schemeClr val="bg1"/>
+                </a:solidFill>
+                <a:latin typeface="Segoe UI Light" panose="020B0502040204020203" pitchFamily="34" charset="0"/>
+                <a:cs typeface="Segoe UI Light" panose="020B0502040204020203" pitchFamily="34" charset="0"/>
+              </a:rPr>
+              <a:t>Technology</a:t>
+            </a:r>
+            <a:r>
+              <a:rPr lang="ru-RU" sz="1400" dirty="0">
+                <a:solidFill>
+                  <a:schemeClr val="bg1"/>
+                </a:solidFill>
+                <a:latin typeface="Segoe UI Light" panose="020B0502040204020203" pitchFamily="34" charset="0"/>
+                <a:cs typeface="Segoe UI Light" panose="020B0502040204020203" pitchFamily="34" charset="0"/>
+              </a:rPr>
+              <a:t> </a:t>
+            </a:r>
+            <a:r>
+              <a:rPr lang="ru-RU" sz="1400" dirty="0" err="1">
+                <a:solidFill>
+                  <a:schemeClr val="bg1"/>
+                </a:solidFill>
+                <a:latin typeface="Segoe UI Light" panose="020B0502040204020203" pitchFamily="34" charset="0"/>
+                <a:cs typeface="Segoe UI Light" panose="020B0502040204020203" pitchFamily="34" charset="0"/>
+              </a:rPr>
+              <a:t>Video</a:t>
+            </a:r>
+            <a:r>
+              <a:rPr lang="ru-RU" sz="1400" dirty="0">
+                <a:solidFill>
+                  <a:schemeClr val="bg1"/>
+                </a:solidFill>
+                <a:latin typeface="Segoe UI Light" panose="020B0502040204020203" pitchFamily="34" charset="0"/>
+                <a:cs typeface="Segoe UI Light" panose="020B0502040204020203" pitchFamily="34" charset="0"/>
+              </a:rPr>
+              <a:t> </a:t>
+            </a:r>
+            <a:r>
+              <a:rPr lang="ru-RU" sz="1400" dirty="0" err="1">
+                <a:solidFill>
+                  <a:schemeClr val="bg1"/>
+                </a:solidFill>
+                <a:latin typeface="Segoe UI Light" panose="020B0502040204020203" pitchFamily="34" charset="0"/>
+                <a:cs typeface="Segoe UI Light" panose="020B0502040204020203" pitchFamily="34" charset="0"/>
+              </a:rPr>
+              <a:t>Developer</a:t>
+            </a:r>
+            <a:r>
+              <a:rPr lang="ru-RU" sz="1400" dirty="0">
+                <a:solidFill>
+                  <a:schemeClr val="bg1"/>
+                </a:solidFill>
+                <a:latin typeface="Segoe UI Light" panose="020B0502040204020203" pitchFamily="34" charset="0"/>
+                <a:cs typeface="Segoe UI Light" panose="020B0502040204020203" pitchFamily="34" charset="0"/>
+              </a:rPr>
+              <a:t> </a:t>
+            </a:r>
+            <a:r>
+              <a:rPr lang="ru-RU" sz="1400" dirty="0" err="1">
+                <a:solidFill>
+                  <a:schemeClr val="bg1"/>
+                </a:solidFill>
+                <a:latin typeface="Segoe UI Light" panose="020B0502040204020203" pitchFamily="34" charset="0"/>
+                <a:cs typeface="Segoe UI Light" panose="020B0502040204020203" pitchFamily="34" charset="0"/>
+              </a:rPr>
+              <a:t>Network</a:t>
+            </a:r>
+            <a:r>
+              <a:rPr lang="ru-RU" sz="1400" dirty="0">
+                <a:solidFill>
+                  <a:schemeClr val="bg1"/>
+                </a:solidFill>
+                <a:latin typeface="Segoe UI Light" panose="020B0502040204020203" pitchFamily="34" charset="0"/>
+                <a:cs typeface="Segoe UI Light" panose="020B0502040204020203" pitchFamily="34" charset="0"/>
+              </a:rPr>
+              <a:t>                                                       http://itvdn.com</a:t>
             </a:r>
           </a:p>
         </p:txBody>
@@ -8392,7 +9199,7 @@
           <a:lstStyle/>
           <a:p>
             <a:r>
-              <a:rPr lang="en-US" sz="2000" dirty="0">
+              <a:rPr lang="ru-RU" sz="2000" dirty="0">
                 <a:solidFill>
                   <a:schemeClr val="bg1"/>
                 </a:solidFill>
@@ -8401,7 +9208,9 @@
               </a:rPr>
               <a:t>ITVDN</a:t>
             </a:r>
-            <a:endParaRPr lang="en-US" sz="2000" dirty="0"/>
+            <a:endParaRPr lang="ru-RU" sz="2000" dirty="0">
+              <a:latin typeface="Segoe UI" panose="020B0502040204020203" pitchFamily="34" charset="0"/>
+            </a:endParaRPr>
           </a:p>
         </p:txBody>
       </p:sp>
@@ -8562,7 +9371,9 @@
             <a:lstStyle/>
             <a:p>
               <a:pPr algn="ctr"/>
-              <a:endParaRPr lang="en-US"/>
+              <a:endParaRPr lang="en-US" dirty="0">
+                <a:latin typeface="Segoe UI" panose="020B0502040204020203" pitchFamily="34" charset="0"/>
+              </a:endParaRPr>
             </a:p>
           </p:txBody>
         </p:sp>
@@ -8711,7 +9522,9 @@
             <a:lstStyle/>
             <a:p>
               <a:pPr algn="ctr"/>
-              <a:endParaRPr lang="en-US"/>
+              <a:endParaRPr lang="en-US" dirty="0">
+                <a:latin typeface="Segoe UI" panose="020B0502040204020203" pitchFamily="34" charset="0"/>
+              </a:endParaRPr>
             </a:p>
           </p:txBody>
         </p:sp>
@@ -8756,7 +9569,9 @@
           <a:lstStyle/>
           <a:p>
             <a:pPr algn="ctr"/>
-            <a:endParaRPr lang="en-US"/>
+            <a:endParaRPr lang="ru-RU" dirty="0">
+              <a:latin typeface="Segoe UI" panose="020B0502040204020203" pitchFamily="34" charset="0"/>
+            </a:endParaRPr>
           </a:p>
         </p:txBody>
       </p:sp>
@@ -8799,7 +9614,7 @@
           </a:lstStyle>
           <a:p>
             <a:r>
-              <a:rPr lang="en-US" sz="3600" dirty="0">
+              <a:rPr lang="ru-RU" sz="3600" dirty="0">
                 <a:solidFill>
                   <a:schemeClr val="bg1"/>
                 </a:solidFill>
@@ -8807,17 +9622,238 @@
                 <a:ea typeface="Segoe UI" pitchFamily="34" charset="0"/>
                 <a:cs typeface="Segoe UI Light" panose="020B0502040204020203" pitchFamily="34" charset="0"/>
               </a:rPr>
-              <a:t>PHP Essentials</a:t>
-            </a:r>
+              <a:t>PHP </a:t>
+            </a:r>
+            <a:r>
+              <a:rPr lang="ru-RU" sz="3600" dirty="0" err="1">
+                <a:solidFill>
+                  <a:schemeClr val="bg1"/>
+                </a:solidFill>
+                <a:latin typeface="Segoe UI Light" panose="020B0502040204020203" pitchFamily="34" charset="0"/>
+                <a:ea typeface="Segoe UI" pitchFamily="34" charset="0"/>
+                <a:cs typeface="Segoe UI Light" panose="020B0502040204020203" pitchFamily="34" charset="0"/>
+              </a:rPr>
+              <a:t>Essential</a:t>
+            </a:r>
+            <a:endParaRPr lang="ru-RU" sz="3600" dirty="0">
+              <a:solidFill>
+                <a:schemeClr val="bg1"/>
+              </a:solidFill>
+              <a:latin typeface="Segoe UI Light" panose="020B0502040204020203" pitchFamily="34" charset="0"/>
+              <a:ea typeface="Segoe UI" pitchFamily="34" charset="0"/>
+              <a:cs typeface="Segoe UI Light" panose="020B0502040204020203" pitchFamily="34" charset="0"/>
+            </a:endParaRPr>
+          </a:p>
+        </p:txBody>
+      </p:sp>
+      <p:sp>
+        <p:nvSpPr>
+          <p:cNvPr id="2" name="Rectangle 1"/>
+          <p:cNvSpPr/>
+          <p:nvPr/>
+        </p:nvSpPr>
+        <p:spPr>
+          <a:xfrm>
+            <a:off x="373241" y="1751670"/>
+            <a:ext cx="10744200" cy="4211909"/>
+          </a:xfrm>
+          <a:prstGeom prst="rect">
+            <a:avLst/>
+          </a:prstGeom>
+          <a:noFill/>
+          <a:ln>
+            <a:noFill/>
+          </a:ln>
+        </p:spPr>
+        <p:style>
+          <a:lnRef idx="2">
+            <a:schemeClr val="accent1">
+              <a:shade val="50000"/>
+            </a:schemeClr>
+          </a:lnRef>
+          <a:fillRef idx="1">
+            <a:schemeClr val="accent1"/>
+          </a:fillRef>
+          <a:effectRef idx="0">
+            <a:schemeClr val="accent1"/>
+          </a:effectRef>
+          <a:fontRef idx="minor">
+            <a:schemeClr val="lt1"/>
+          </a:fontRef>
+        </p:style>
+        <p:txBody>
+          <a:bodyPr rtlCol="0" anchor="t"/>
+          <a:lstStyle/>
+          <a:p>
+            <a:pPr lvl="1"/>
+            <a:r>
+              <a:rPr lang="ru-RU" b="1" dirty="0">
+                <a:solidFill>
+                  <a:schemeClr val="tx1"/>
+                </a:solidFill>
+                <a:latin typeface="Segoe UI" panose="020B0502040204020203" pitchFamily="34" charset="0"/>
+                <a:cs typeface="Segoe UI" panose="020B0502040204020203" pitchFamily="34" charset="0"/>
+              </a:rPr>
+              <a:t>Конструктор – </a:t>
+            </a:r>
+            <a:r>
+              <a:rPr lang="ru-RU" dirty="0">
+                <a:solidFill>
+                  <a:schemeClr val="tx1"/>
+                </a:solidFill>
+                <a:latin typeface="Segoe UI" panose="020B0502040204020203" pitchFamily="34" charset="0"/>
+                <a:cs typeface="Segoe UI" panose="020B0502040204020203" pitchFamily="34" charset="0"/>
+              </a:rPr>
+              <a:t>магический метод </a:t>
+            </a:r>
+            <a:r>
+              <a:rPr lang="en-US" i="1" dirty="0">
+                <a:solidFill>
+                  <a:schemeClr val="tx1"/>
+                </a:solidFill>
+                <a:latin typeface="Segoe UI" panose="020B0502040204020203" pitchFamily="34" charset="0"/>
+                <a:cs typeface="Segoe UI" panose="020B0502040204020203" pitchFamily="34" charset="0"/>
+              </a:rPr>
+              <a:t>__construct</a:t>
+            </a:r>
+            <a:r>
+              <a:rPr lang="ru-RU" dirty="0">
+                <a:solidFill>
+                  <a:schemeClr val="tx1"/>
+                </a:solidFill>
+                <a:latin typeface="Segoe UI" panose="020B0502040204020203" pitchFamily="34" charset="0"/>
+                <a:cs typeface="Segoe UI" panose="020B0502040204020203" pitchFamily="34" charset="0"/>
+              </a:rPr>
+              <a:t>, вызывается при создании екземпляра класса</a:t>
+            </a:r>
+            <a:endParaRPr lang="en-US" dirty="0">
+              <a:solidFill>
+                <a:schemeClr val="tx1"/>
+              </a:solidFill>
+              <a:latin typeface="Segoe UI" panose="020B0502040204020203" pitchFamily="34" charset="0"/>
+              <a:cs typeface="Segoe UI" panose="020B0502040204020203" pitchFamily="34" charset="0"/>
+            </a:endParaRPr>
+          </a:p>
+          <a:p>
+            <a:pPr lvl="1"/>
+            <a:r>
+              <a:rPr lang="en-US" b="1" dirty="0">
+                <a:solidFill>
+                  <a:schemeClr val="tx1"/>
+                </a:solidFill>
+                <a:latin typeface="Segoe UI" panose="020B0502040204020203" pitchFamily="34" charset="0"/>
+                <a:cs typeface="Segoe UI" panose="020B0502040204020203" pitchFamily="34" charset="0"/>
+              </a:rPr>
+              <a:t>		</a:t>
+            </a:r>
+            <a:endParaRPr lang="ru-RU" b="1" dirty="0">
+              <a:solidFill>
+                <a:schemeClr val="tx1"/>
+              </a:solidFill>
+              <a:latin typeface="Segoe UI" panose="020B0502040204020203" pitchFamily="34" charset="0"/>
+              <a:cs typeface="Segoe UI" panose="020B0502040204020203" pitchFamily="34" charset="0"/>
+            </a:endParaRPr>
+          </a:p>
+          <a:p>
+            <a:pPr lvl="1"/>
+            <a:endParaRPr lang="ru-RU" b="1" dirty="0">
+              <a:solidFill>
+                <a:schemeClr val="tx1"/>
+              </a:solidFill>
+              <a:latin typeface="Segoe UI" panose="020B0502040204020203" pitchFamily="34" charset="0"/>
+              <a:cs typeface="Segoe UI" panose="020B0502040204020203" pitchFamily="34" charset="0"/>
+            </a:endParaRPr>
+          </a:p>
+          <a:p>
+            <a:pPr lvl="1"/>
+            <a:endParaRPr lang="en-US" b="1" dirty="0">
+              <a:solidFill>
+                <a:schemeClr val="tx1"/>
+              </a:solidFill>
+              <a:latin typeface="Segoe UI" panose="020B0502040204020203" pitchFamily="34" charset="0"/>
+              <a:cs typeface="Segoe UI" panose="020B0502040204020203" pitchFamily="34" charset="0"/>
+            </a:endParaRPr>
+          </a:p>
+          <a:p>
+            <a:pPr lvl="1"/>
+            <a:endParaRPr lang="en-US" b="1" dirty="0">
+              <a:solidFill>
+                <a:schemeClr val="tx1"/>
+              </a:solidFill>
+              <a:latin typeface="Segoe UI" panose="020B0502040204020203" pitchFamily="34" charset="0"/>
+              <a:cs typeface="Segoe UI" panose="020B0502040204020203" pitchFamily="34" charset="0"/>
+            </a:endParaRPr>
+          </a:p>
+          <a:p>
+            <a:pPr lvl="1"/>
+            <a:endParaRPr lang="en-US" b="1" dirty="0">
+              <a:solidFill>
+                <a:schemeClr val="tx1"/>
+              </a:solidFill>
+              <a:latin typeface="Segoe UI" panose="020B0502040204020203" pitchFamily="34" charset="0"/>
+              <a:cs typeface="Segoe UI" panose="020B0502040204020203" pitchFamily="34" charset="0"/>
+            </a:endParaRPr>
+          </a:p>
+          <a:p>
+            <a:pPr lvl="1"/>
+            <a:endParaRPr lang="en-US" b="1" dirty="0">
+              <a:solidFill>
+                <a:schemeClr val="tx1"/>
+              </a:solidFill>
+              <a:latin typeface="Segoe UI" panose="020B0502040204020203" pitchFamily="34" charset="0"/>
+              <a:cs typeface="Segoe UI" panose="020B0502040204020203" pitchFamily="34" charset="0"/>
+            </a:endParaRPr>
+          </a:p>
+          <a:p>
+            <a:pPr lvl="1"/>
+            <a:endParaRPr lang="en-US" b="1" dirty="0">
+              <a:solidFill>
+                <a:schemeClr val="tx1"/>
+              </a:solidFill>
+              <a:latin typeface="Segoe UI" panose="020B0502040204020203" pitchFamily="34" charset="0"/>
+              <a:cs typeface="Segoe UI" panose="020B0502040204020203" pitchFamily="34" charset="0"/>
+            </a:endParaRPr>
+          </a:p>
+          <a:p>
+            <a:pPr lvl="1"/>
+            <a:endParaRPr lang="en-US" b="1" dirty="0">
+              <a:solidFill>
+                <a:schemeClr val="tx1"/>
+              </a:solidFill>
+              <a:latin typeface="Segoe UI" panose="020B0502040204020203" pitchFamily="34" charset="0"/>
+              <a:cs typeface="Segoe UI" panose="020B0502040204020203" pitchFamily="34" charset="0"/>
+            </a:endParaRPr>
+          </a:p>
+          <a:p>
+            <a:pPr marL="800100" lvl="1" indent="-342900">
+              <a:buFont typeface="+mj-lt"/>
+              <a:buAutoNum type="arabicPeriod"/>
+            </a:pPr>
+            <a:endParaRPr lang="ru-RU" dirty="0">
+              <a:solidFill>
+                <a:schemeClr val="tx1"/>
+              </a:solidFill>
+              <a:latin typeface="Segoe UI" panose="020B0502040204020203" pitchFamily="34" charset="0"/>
+              <a:cs typeface="Segoe UI" panose="020B0502040204020203" pitchFamily="34" charset="0"/>
+            </a:endParaRPr>
+          </a:p>
+          <a:p>
+            <a:endParaRPr lang="ru-RU" dirty="0">
+              <a:solidFill>
+                <a:schemeClr val="tx1"/>
+              </a:solidFill>
+              <a:latin typeface="Segoe UI" panose="020B0502040204020203" pitchFamily="34" charset="0"/>
+              <a:cs typeface="Segoe UI" panose="020B0502040204020203" pitchFamily="34" charset="0"/>
+            </a:endParaRPr>
           </a:p>
         </p:txBody>
       </p:sp>
       <p:pic>
         <p:nvPicPr>
-          <p:cNvPr id="3" name="Picture 2">
+          <p:cNvPr id="5" name="Picture 4">
             <a:extLst>
               <a:ext uri="{FF2B5EF4-FFF2-40B4-BE49-F238E27FC236}">
-                <a16:creationId xmlns:a16="http://schemas.microsoft.com/office/drawing/2014/main" id="{66C7A403-DEB3-462D-BDB5-D328BD1D24C3}"/>
+                <a16:creationId xmlns:a16="http://schemas.microsoft.com/office/drawing/2014/main" id="{CBA3EB71-194C-47FB-B2AA-A2EBCE945594}"/>
               </a:ext>
             </a:extLst>
           </p:cNvPr>
@@ -8834,38 +9870,8 @@
         </p:blipFill>
         <p:spPr>
           <a:xfrm>
-            <a:off x="2725234" y="1838325"/>
-            <a:ext cx="2626732" cy="4038600"/>
-          </a:xfrm>
-          <a:prstGeom prst="rect">
-            <a:avLst/>
-          </a:prstGeom>
-        </p:spPr>
-      </p:pic>
-      <p:pic>
-        <p:nvPicPr>
-          <p:cNvPr id="5" name="Picture 4">
-            <a:extLst>
-              <a:ext uri="{FF2B5EF4-FFF2-40B4-BE49-F238E27FC236}">
-                <a16:creationId xmlns:a16="http://schemas.microsoft.com/office/drawing/2014/main" id="{7E2749EA-4800-4E37-9360-6CAE1E275E56}"/>
-              </a:ext>
-            </a:extLst>
-          </p:cNvPr>
-          <p:cNvPicPr>
-            <a:picLocks noChangeAspect="1"/>
-          </p:cNvPicPr>
-          <p:nvPr/>
-        </p:nvPicPr>
-        <p:blipFill>
-          <a:blip r:embed="rId4"/>
-          <a:stretch>
-            <a:fillRect/>
-          </a:stretch>
-        </p:blipFill>
-        <p:spPr>
-          <a:xfrm>
-            <a:off x="6096000" y="2630649"/>
-            <a:ext cx="3153849" cy="2184078"/>
+            <a:off x="4090987" y="2257002"/>
+            <a:ext cx="4010025" cy="4029075"/>
           </a:xfrm>
           <a:prstGeom prst="rect">
             <a:avLst/>
@@ -8875,7 +9881,7 @@
     </p:spTree>
     <p:extLst>
       <p:ext uri="{BB962C8B-B14F-4D97-AF65-F5344CB8AC3E}">
-        <p14:creationId xmlns:p14="http://schemas.microsoft.com/office/powerpoint/2010/main" val="3658170166"/>
+        <p14:creationId xmlns:p14="http://schemas.microsoft.com/office/powerpoint/2010/main" val="844708111"/>
       </p:ext>
     </p:extLst>
   </p:cSld>
@@ -8907,43 +9913,59 @@
       </p:grpSpPr>
       <p:sp>
         <p:nvSpPr>
-          <p:cNvPr id="45057" name="Заголовок 1"/>
+          <p:cNvPr id="11" name="Заголовок 1"/>
           <p:cNvSpPr txBox="1">
             <a:spLocks/>
           </p:cNvSpPr>
           <p:nvPr/>
         </p:nvSpPr>
-        <p:spPr bwMode="auto">
+        <p:spPr>
           <a:xfrm>
-            <a:off x="1981200" y="795740"/>
+            <a:off x="1981200" y="808038"/>
             <a:ext cx="8229600" cy="563562"/>
           </a:xfrm>
           <a:prstGeom prst="rect">
             <a:avLst/>
           </a:prstGeom>
-          <a:noFill/>
-          <a:ln w="9525">
-            <a:noFill/>
-            <a:miter lim="800000"/>
-            <a:headEnd/>
-            <a:tailEnd/>
-          </a:ln>
         </p:spPr>
         <p:txBody>
-          <a:bodyPr anchor="ctr"/>
-          <a:lstStyle/>
-          <a:p>
-            <a:pPr algn="ctr"/>
-            <a:r>
-              <a:rPr lang="en-US" sz="2800" dirty="0">
+          <a:bodyPr vert="horz" lIns="91440" tIns="45720" rIns="91440" bIns="45720" rtlCol="0" anchor="ctr">
+            <a:normAutofit/>
+          </a:bodyPr>
+          <a:lstStyle>
+            <a:lvl1pPr algn="ctr" defTabSz="914400" rtl="0" eaLnBrk="1" latinLnBrk="0" hangingPunct="1">
+              <a:spcBef>
+                <a:spcPct val="0"/>
+              </a:spcBef>
+              <a:buNone/>
+              <a:defRPr sz="4400" kern="1200">
+                <a:solidFill>
+                  <a:schemeClr val="tx1"/>
+                </a:solidFill>
+                <a:latin typeface="+mj-lt"/>
+                <a:ea typeface="+mj-ea"/>
+                <a:cs typeface="+mj-cs"/>
+              </a:defRPr>
+            </a:lvl1pPr>
+          </a:lstStyle>
+          <a:p>
+            <a:r>
+              <a:rPr lang="ru-RU" sz="2800" spc="-1" dirty="0">
                 <a:solidFill>
                   <a:srgbClr val="D04E1D"/>
                 </a:solidFill>
-                <a:latin typeface="Segoe UI Light" panose="020B0502040204020203" pitchFamily="34" charset="0"/>
-                <a:cs typeface="Segoe UI Light" panose="020B0502040204020203" pitchFamily="34" charset="0"/>
-              </a:rPr>
-              <a:t>TestProvider.com</a:t>
-            </a:r>
+                <a:latin typeface="Segoe UI Light"/>
+                <a:cs typeface="Segoe UI Light" panose="020B0502040204020203" pitchFamily="34" charset="0"/>
+              </a:rPr>
+              <a:t>Деструктор</a:t>
+            </a:r>
+            <a:endParaRPr lang="ru-RU" sz="2800" dirty="0">
+              <a:solidFill>
+                <a:srgbClr val="D04E1D"/>
+              </a:solidFill>
+              <a:latin typeface="Segoe UI Light" panose="020B0502040204020203" pitchFamily="34" charset="0"/>
+              <a:cs typeface="Segoe UI Light" panose="020B0502040204020203" pitchFamily="34" charset="0"/>
+            </a:endParaRPr>
           </a:p>
         </p:txBody>
       </p:sp>
@@ -8983,6 +10005,952 @@
           </a:fontRef>
         </p:style>
         <p:txBody>
+          <a:bodyPr rtlCol="0" anchor="ctr"/>
+          <a:lstStyle/>
+          <a:p>
+            <a:pPr algn="ctr"/>
+            <a:endParaRPr lang="ru-RU" dirty="0">
+              <a:latin typeface="Segoe UI" panose="020B0502040204020203" pitchFamily="34" charset="0"/>
+            </a:endParaRPr>
+          </a:p>
+        </p:txBody>
+      </p:sp>
+      <p:sp>
+        <p:nvSpPr>
+          <p:cNvPr id="14" name="Прямоугольник 13"/>
+          <p:cNvSpPr/>
+          <p:nvPr/>
+        </p:nvSpPr>
+        <p:spPr>
+          <a:xfrm>
+            <a:off x="4038600" y="6458795"/>
+            <a:ext cx="7924800" cy="307777"/>
+          </a:xfrm>
+          <a:prstGeom prst="rect">
+            <a:avLst/>
+          </a:prstGeom>
+        </p:spPr>
+        <p:txBody>
+          <a:bodyPr wrap="square">
+            <a:spAutoFit/>
+          </a:bodyPr>
+          <a:lstStyle/>
+          <a:p>
+            <a:r>
+              <a:rPr lang="ru-RU" sz="1400" dirty="0" err="1">
+                <a:solidFill>
+                  <a:schemeClr val="bg1"/>
+                </a:solidFill>
+                <a:latin typeface="Segoe UI Light" panose="020B0502040204020203" pitchFamily="34" charset="0"/>
+                <a:cs typeface="Segoe UI Light" panose="020B0502040204020203" pitchFamily="34" charset="0"/>
+              </a:rPr>
+              <a:t>Information</a:t>
+            </a:r>
+            <a:r>
+              <a:rPr lang="ru-RU" sz="1400" dirty="0">
+                <a:solidFill>
+                  <a:schemeClr val="bg1"/>
+                </a:solidFill>
+                <a:latin typeface="Segoe UI Light" panose="020B0502040204020203" pitchFamily="34" charset="0"/>
+                <a:cs typeface="Segoe UI Light" panose="020B0502040204020203" pitchFamily="34" charset="0"/>
+              </a:rPr>
+              <a:t> </a:t>
+            </a:r>
+            <a:r>
+              <a:rPr lang="ru-RU" sz="1400" dirty="0" err="1">
+                <a:solidFill>
+                  <a:schemeClr val="bg1"/>
+                </a:solidFill>
+                <a:latin typeface="Segoe UI Light" panose="020B0502040204020203" pitchFamily="34" charset="0"/>
+                <a:cs typeface="Segoe UI Light" panose="020B0502040204020203" pitchFamily="34" charset="0"/>
+              </a:rPr>
+              <a:t>Technology</a:t>
+            </a:r>
+            <a:r>
+              <a:rPr lang="ru-RU" sz="1400" dirty="0">
+                <a:solidFill>
+                  <a:schemeClr val="bg1"/>
+                </a:solidFill>
+                <a:latin typeface="Segoe UI Light" panose="020B0502040204020203" pitchFamily="34" charset="0"/>
+                <a:cs typeface="Segoe UI Light" panose="020B0502040204020203" pitchFamily="34" charset="0"/>
+              </a:rPr>
+              <a:t> </a:t>
+            </a:r>
+            <a:r>
+              <a:rPr lang="ru-RU" sz="1400" dirty="0" err="1">
+                <a:solidFill>
+                  <a:schemeClr val="bg1"/>
+                </a:solidFill>
+                <a:latin typeface="Segoe UI Light" panose="020B0502040204020203" pitchFamily="34" charset="0"/>
+                <a:cs typeface="Segoe UI Light" panose="020B0502040204020203" pitchFamily="34" charset="0"/>
+              </a:rPr>
+              <a:t>Video</a:t>
+            </a:r>
+            <a:r>
+              <a:rPr lang="ru-RU" sz="1400" dirty="0">
+                <a:solidFill>
+                  <a:schemeClr val="bg1"/>
+                </a:solidFill>
+                <a:latin typeface="Segoe UI Light" panose="020B0502040204020203" pitchFamily="34" charset="0"/>
+                <a:cs typeface="Segoe UI Light" panose="020B0502040204020203" pitchFamily="34" charset="0"/>
+              </a:rPr>
+              <a:t> </a:t>
+            </a:r>
+            <a:r>
+              <a:rPr lang="ru-RU" sz="1400" dirty="0" err="1">
+                <a:solidFill>
+                  <a:schemeClr val="bg1"/>
+                </a:solidFill>
+                <a:latin typeface="Segoe UI Light" panose="020B0502040204020203" pitchFamily="34" charset="0"/>
+                <a:cs typeface="Segoe UI Light" panose="020B0502040204020203" pitchFamily="34" charset="0"/>
+              </a:rPr>
+              <a:t>Developer</a:t>
+            </a:r>
+            <a:r>
+              <a:rPr lang="ru-RU" sz="1400" dirty="0">
+                <a:solidFill>
+                  <a:schemeClr val="bg1"/>
+                </a:solidFill>
+                <a:latin typeface="Segoe UI Light" panose="020B0502040204020203" pitchFamily="34" charset="0"/>
+                <a:cs typeface="Segoe UI Light" panose="020B0502040204020203" pitchFamily="34" charset="0"/>
+              </a:rPr>
+              <a:t> </a:t>
+            </a:r>
+            <a:r>
+              <a:rPr lang="ru-RU" sz="1400" dirty="0" err="1">
+                <a:solidFill>
+                  <a:schemeClr val="bg1"/>
+                </a:solidFill>
+                <a:latin typeface="Segoe UI Light" panose="020B0502040204020203" pitchFamily="34" charset="0"/>
+                <a:cs typeface="Segoe UI Light" panose="020B0502040204020203" pitchFamily="34" charset="0"/>
+              </a:rPr>
+              <a:t>Network</a:t>
+            </a:r>
+            <a:r>
+              <a:rPr lang="ru-RU" sz="1400" dirty="0">
+                <a:solidFill>
+                  <a:schemeClr val="bg1"/>
+                </a:solidFill>
+                <a:latin typeface="Segoe UI Light" panose="020B0502040204020203" pitchFamily="34" charset="0"/>
+                <a:cs typeface="Segoe UI Light" panose="020B0502040204020203" pitchFamily="34" charset="0"/>
+              </a:rPr>
+              <a:t>                                                       http://itvdn.com</a:t>
+            </a:r>
+          </a:p>
+        </p:txBody>
+      </p:sp>
+      <p:sp>
+        <p:nvSpPr>
+          <p:cNvPr id="16" name="Прямоугольник 15"/>
+          <p:cNvSpPr/>
+          <p:nvPr/>
+        </p:nvSpPr>
+        <p:spPr>
+          <a:xfrm>
+            <a:off x="373241" y="6431280"/>
+            <a:ext cx="891847" cy="400110"/>
+          </a:xfrm>
+          <a:prstGeom prst="rect">
+            <a:avLst/>
+          </a:prstGeom>
+        </p:spPr>
+        <p:txBody>
+          <a:bodyPr wrap="none">
+            <a:spAutoFit/>
+          </a:bodyPr>
+          <a:lstStyle/>
+          <a:p>
+            <a:r>
+              <a:rPr lang="ru-RU" sz="2000" dirty="0">
+                <a:solidFill>
+                  <a:schemeClr val="bg1"/>
+                </a:solidFill>
+                <a:latin typeface="Segoe UI Light" panose="020B0502040204020203" pitchFamily="34" charset="0"/>
+                <a:cs typeface="Segoe UI Light" panose="020B0502040204020203" pitchFamily="34" charset="0"/>
+              </a:rPr>
+              <a:t>ITVDN</a:t>
+            </a:r>
+            <a:endParaRPr lang="ru-RU" sz="2000" dirty="0">
+              <a:latin typeface="Segoe UI" panose="020B0502040204020203" pitchFamily="34" charset="0"/>
+            </a:endParaRPr>
+          </a:p>
+        </p:txBody>
+      </p:sp>
+      <p:grpSp>
+        <p:nvGrpSpPr>
+          <p:cNvPr id="18" name="Группа 17"/>
+          <p:cNvGrpSpPr/>
+          <p:nvPr/>
+        </p:nvGrpSpPr>
+        <p:grpSpPr>
+          <a:xfrm>
+            <a:off x="177200" y="6404572"/>
+            <a:ext cx="178914" cy="411555"/>
+            <a:chOff x="4724400" y="3098418"/>
+            <a:chExt cx="178914" cy="411555"/>
+          </a:xfrm>
+        </p:grpSpPr>
+        <p:sp>
+          <p:nvSpPr>
+            <p:cNvPr id="19" name="Блок-схема: данные 27"/>
+            <p:cNvSpPr/>
+            <p:nvPr/>
+          </p:nvSpPr>
+          <p:spPr>
+            <a:xfrm rot="5400000" flipH="1">
+              <a:off x="4611960" y="3312840"/>
+              <a:ext cx="309573" cy="84693"/>
+            </a:xfrm>
+            <a:custGeom>
+              <a:avLst/>
+              <a:gdLst>
+                <a:gd name="connsiteX0" fmla="*/ 0 w 10000"/>
+                <a:gd name="connsiteY0" fmla="*/ 10000 h 10000"/>
+                <a:gd name="connsiteX1" fmla="*/ 2000 w 10000"/>
+                <a:gd name="connsiteY1" fmla="*/ 0 h 10000"/>
+                <a:gd name="connsiteX2" fmla="*/ 10000 w 10000"/>
+                <a:gd name="connsiteY2" fmla="*/ 0 h 10000"/>
+                <a:gd name="connsiteX3" fmla="*/ 8000 w 10000"/>
+                <a:gd name="connsiteY3" fmla="*/ 10000 h 10000"/>
+                <a:gd name="connsiteX4" fmla="*/ 0 w 10000"/>
+                <a:gd name="connsiteY4" fmla="*/ 10000 h 10000"/>
+                <a:gd name="connsiteX0" fmla="*/ 0 w 11343"/>
+                <a:gd name="connsiteY0" fmla="*/ 10000 h 10000"/>
+                <a:gd name="connsiteX1" fmla="*/ 2000 w 11343"/>
+                <a:gd name="connsiteY1" fmla="*/ 0 h 10000"/>
+                <a:gd name="connsiteX2" fmla="*/ 11343 w 11343"/>
+                <a:gd name="connsiteY2" fmla="*/ 302 h 10000"/>
+                <a:gd name="connsiteX3" fmla="*/ 8000 w 11343"/>
+                <a:gd name="connsiteY3" fmla="*/ 10000 h 10000"/>
+                <a:gd name="connsiteX4" fmla="*/ 0 w 11343"/>
+                <a:gd name="connsiteY4" fmla="*/ 10000 h 10000"/>
+                <a:gd name="connsiteX0" fmla="*/ 0 w 11019"/>
+                <a:gd name="connsiteY0" fmla="*/ 10000 h 10000"/>
+                <a:gd name="connsiteX1" fmla="*/ 1676 w 11019"/>
+                <a:gd name="connsiteY1" fmla="*/ 0 h 10000"/>
+                <a:gd name="connsiteX2" fmla="*/ 11019 w 11019"/>
+                <a:gd name="connsiteY2" fmla="*/ 302 h 10000"/>
+                <a:gd name="connsiteX3" fmla="*/ 7676 w 11019"/>
+                <a:gd name="connsiteY3" fmla="*/ 10000 h 10000"/>
+                <a:gd name="connsiteX4" fmla="*/ 0 w 11019"/>
+                <a:gd name="connsiteY4" fmla="*/ 10000 h 10000"/>
+                <a:gd name="connsiteX0" fmla="*/ 0 w 11019"/>
+                <a:gd name="connsiteY0" fmla="*/ 10151 h 10151"/>
+                <a:gd name="connsiteX1" fmla="*/ 3759 w 11019"/>
+                <a:gd name="connsiteY1" fmla="*/ 0 h 10151"/>
+                <a:gd name="connsiteX2" fmla="*/ 11019 w 11019"/>
+                <a:gd name="connsiteY2" fmla="*/ 453 h 10151"/>
+                <a:gd name="connsiteX3" fmla="*/ 7676 w 11019"/>
+                <a:gd name="connsiteY3" fmla="*/ 10151 h 10151"/>
+                <a:gd name="connsiteX4" fmla="*/ 0 w 11019"/>
+                <a:gd name="connsiteY4" fmla="*/ 10151 h 10151"/>
+                <a:gd name="connsiteX0" fmla="*/ 0 w 11019"/>
+                <a:gd name="connsiteY0" fmla="*/ 9698 h 9698"/>
+                <a:gd name="connsiteX1" fmla="*/ 4685 w 11019"/>
+                <a:gd name="connsiteY1" fmla="*/ 1 h 9698"/>
+                <a:gd name="connsiteX2" fmla="*/ 11019 w 11019"/>
+                <a:gd name="connsiteY2" fmla="*/ 0 h 9698"/>
+                <a:gd name="connsiteX3" fmla="*/ 7676 w 11019"/>
+                <a:gd name="connsiteY3" fmla="*/ 9698 h 9698"/>
+                <a:gd name="connsiteX4" fmla="*/ 0 w 11019"/>
+                <a:gd name="connsiteY4" fmla="*/ 9698 h 9698"/>
+                <a:gd name="connsiteX0" fmla="*/ 0 w 10000"/>
+                <a:gd name="connsiteY0" fmla="*/ 10155 h 10155"/>
+                <a:gd name="connsiteX1" fmla="*/ 3202 w 10000"/>
+                <a:gd name="connsiteY1" fmla="*/ 0 h 10155"/>
+                <a:gd name="connsiteX2" fmla="*/ 10000 w 10000"/>
+                <a:gd name="connsiteY2" fmla="*/ 155 h 10155"/>
+                <a:gd name="connsiteX3" fmla="*/ 6966 w 10000"/>
+                <a:gd name="connsiteY3" fmla="*/ 10155 h 10155"/>
+                <a:gd name="connsiteX4" fmla="*/ 0 w 10000"/>
+                <a:gd name="connsiteY4" fmla="*/ 10155 h 10155"/>
+              </a:gdLst>
+              <a:ahLst/>
+              <a:cxnLst>
+                <a:cxn ang="0">
+                  <a:pos x="connsiteX0" y="connsiteY0"/>
+                </a:cxn>
+                <a:cxn ang="0">
+                  <a:pos x="connsiteX1" y="connsiteY1"/>
+                </a:cxn>
+                <a:cxn ang="0">
+                  <a:pos x="connsiteX2" y="connsiteY2"/>
+                </a:cxn>
+                <a:cxn ang="0">
+                  <a:pos x="connsiteX3" y="connsiteY3"/>
+                </a:cxn>
+                <a:cxn ang="0">
+                  <a:pos x="connsiteX4" y="connsiteY4"/>
+                </a:cxn>
+              </a:cxnLst>
+              <a:rect l="l" t="t" r="r" b="b"/>
+              <a:pathLst>
+                <a:path w="10000" h="10155">
+                  <a:moveTo>
+                    <a:pt x="0" y="10155"/>
+                  </a:moveTo>
+                  <a:lnTo>
+                    <a:pt x="3202" y="0"/>
+                  </a:lnTo>
+                  <a:lnTo>
+                    <a:pt x="10000" y="155"/>
+                  </a:lnTo>
+                  <a:lnTo>
+                    <a:pt x="6966" y="10155"/>
+                  </a:lnTo>
+                  <a:lnTo>
+                    <a:pt x="0" y="10155"/>
+                  </a:lnTo>
+                  <a:close/>
+                </a:path>
+              </a:pathLst>
+            </a:custGeom>
+            <a:solidFill>
+              <a:schemeClr val="bg1"/>
+            </a:solidFill>
+            <a:ln>
+              <a:noFill/>
+            </a:ln>
+          </p:spPr>
+          <p:style>
+            <a:lnRef idx="2">
+              <a:schemeClr val="accent1">
+                <a:shade val="50000"/>
+              </a:schemeClr>
+            </a:lnRef>
+            <a:fillRef idx="1">
+              <a:schemeClr val="accent1"/>
+            </a:fillRef>
+            <a:effectRef idx="0">
+              <a:schemeClr val="accent1"/>
+            </a:effectRef>
+            <a:fontRef idx="minor">
+              <a:schemeClr val="lt1"/>
+            </a:fontRef>
+          </p:style>
+          <p:txBody>
+            <a:bodyPr rtlCol="0" anchor="ctr"/>
+            <a:lstStyle/>
+            <a:p>
+              <a:pPr algn="ctr"/>
+              <a:endParaRPr lang="en-US" dirty="0">
+                <a:latin typeface="Segoe UI" panose="020B0502040204020203" pitchFamily="34" charset="0"/>
+              </a:endParaRPr>
+            </a:p>
+          </p:txBody>
+        </p:sp>
+        <p:sp>
+          <p:nvSpPr>
+            <p:cNvPr id="20" name="Блок-схема: данные 27"/>
+            <p:cNvSpPr/>
+            <p:nvPr/>
+          </p:nvSpPr>
+          <p:spPr>
+            <a:xfrm rot="5400000" flipH="1">
+              <a:off x="4706181" y="3210858"/>
+              <a:ext cx="309573" cy="84693"/>
+            </a:xfrm>
+            <a:custGeom>
+              <a:avLst/>
+              <a:gdLst>
+                <a:gd name="connsiteX0" fmla="*/ 0 w 10000"/>
+                <a:gd name="connsiteY0" fmla="*/ 10000 h 10000"/>
+                <a:gd name="connsiteX1" fmla="*/ 2000 w 10000"/>
+                <a:gd name="connsiteY1" fmla="*/ 0 h 10000"/>
+                <a:gd name="connsiteX2" fmla="*/ 10000 w 10000"/>
+                <a:gd name="connsiteY2" fmla="*/ 0 h 10000"/>
+                <a:gd name="connsiteX3" fmla="*/ 8000 w 10000"/>
+                <a:gd name="connsiteY3" fmla="*/ 10000 h 10000"/>
+                <a:gd name="connsiteX4" fmla="*/ 0 w 10000"/>
+                <a:gd name="connsiteY4" fmla="*/ 10000 h 10000"/>
+                <a:gd name="connsiteX0" fmla="*/ 0 w 11343"/>
+                <a:gd name="connsiteY0" fmla="*/ 10000 h 10000"/>
+                <a:gd name="connsiteX1" fmla="*/ 2000 w 11343"/>
+                <a:gd name="connsiteY1" fmla="*/ 0 h 10000"/>
+                <a:gd name="connsiteX2" fmla="*/ 11343 w 11343"/>
+                <a:gd name="connsiteY2" fmla="*/ 302 h 10000"/>
+                <a:gd name="connsiteX3" fmla="*/ 8000 w 11343"/>
+                <a:gd name="connsiteY3" fmla="*/ 10000 h 10000"/>
+                <a:gd name="connsiteX4" fmla="*/ 0 w 11343"/>
+                <a:gd name="connsiteY4" fmla="*/ 10000 h 10000"/>
+                <a:gd name="connsiteX0" fmla="*/ 0 w 11019"/>
+                <a:gd name="connsiteY0" fmla="*/ 10000 h 10000"/>
+                <a:gd name="connsiteX1" fmla="*/ 1676 w 11019"/>
+                <a:gd name="connsiteY1" fmla="*/ 0 h 10000"/>
+                <a:gd name="connsiteX2" fmla="*/ 11019 w 11019"/>
+                <a:gd name="connsiteY2" fmla="*/ 302 h 10000"/>
+                <a:gd name="connsiteX3" fmla="*/ 7676 w 11019"/>
+                <a:gd name="connsiteY3" fmla="*/ 10000 h 10000"/>
+                <a:gd name="connsiteX4" fmla="*/ 0 w 11019"/>
+                <a:gd name="connsiteY4" fmla="*/ 10000 h 10000"/>
+                <a:gd name="connsiteX0" fmla="*/ 0 w 11019"/>
+                <a:gd name="connsiteY0" fmla="*/ 10151 h 10151"/>
+                <a:gd name="connsiteX1" fmla="*/ 3759 w 11019"/>
+                <a:gd name="connsiteY1" fmla="*/ 0 h 10151"/>
+                <a:gd name="connsiteX2" fmla="*/ 11019 w 11019"/>
+                <a:gd name="connsiteY2" fmla="*/ 453 h 10151"/>
+                <a:gd name="connsiteX3" fmla="*/ 7676 w 11019"/>
+                <a:gd name="connsiteY3" fmla="*/ 10151 h 10151"/>
+                <a:gd name="connsiteX4" fmla="*/ 0 w 11019"/>
+                <a:gd name="connsiteY4" fmla="*/ 10151 h 10151"/>
+                <a:gd name="connsiteX0" fmla="*/ 0 w 11019"/>
+                <a:gd name="connsiteY0" fmla="*/ 9698 h 9698"/>
+                <a:gd name="connsiteX1" fmla="*/ 4685 w 11019"/>
+                <a:gd name="connsiteY1" fmla="*/ 1 h 9698"/>
+                <a:gd name="connsiteX2" fmla="*/ 11019 w 11019"/>
+                <a:gd name="connsiteY2" fmla="*/ 0 h 9698"/>
+                <a:gd name="connsiteX3" fmla="*/ 7676 w 11019"/>
+                <a:gd name="connsiteY3" fmla="*/ 9698 h 9698"/>
+                <a:gd name="connsiteX4" fmla="*/ 0 w 11019"/>
+                <a:gd name="connsiteY4" fmla="*/ 9698 h 9698"/>
+                <a:gd name="connsiteX0" fmla="*/ 0 w 10000"/>
+                <a:gd name="connsiteY0" fmla="*/ 10155 h 10155"/>
+                <a:gd name="connsiteX1" fmla="*/ 3202 w 10000"/>
+                <a:gd name="connsiteY1" fmla="*/ 0 h 10155"/>
+                <a:gd name="connsiteX2" fmla="*/ 10000 w 10000"/>
+                <a:gd name="connsiteY2" fmla="*/ 155 h 10155"/>
+                <a:gd name="connsiteX3" fmla="*/ 6966 w 10000"/>
+                <a:gd name="connsiteY3" fmla="*/ 10155 h 10155"/>
+                <a:gd name="connsiteX4" fmla="*/ 0 w 10000"/>
+                <a:gd name="connsiteY4" fmla="*/ 10155 h 10155"/>
+              </a:gdLst>
+              <a:ahLst/>
+              <a:cxnLst>
+                <a:cxn ang="0">
+                  <a:pos x="connsiteX0" y="connsiteY0"/>
+                </a:cxn>
+                <a:cxn ang="0">
+                  <a:pos x="connsiteX1" y="connsiteY1"/>
+                </a:cxn>
+                <a:cxn ang="0">
+                  <a:pos x="connsiteX2" y="connsiteY2"/>
+                </a:cxn>
+                <a:cxn ang="0">
+                  <a:pos x="connsiteX3" y="connsiteY3"/>
+                </a:cxn>
+                <a:cxn ang="0">
+                  <a:pos x="connsiteX4" y="connsiteY4"/>
+                </a:cxn>
+              </a:cxnLst>
+              <a:rect l="l" t="t" r="r" b="b"/>
+              <a:pathLst>
+                <a:path w="10000" h="10155">
+                  <a:moveTo>
+                    <a:pt x="0" y="10155"/>
+                  </a:moveTo>
+                  <a:lnTo>
+                    <a:pt x="3202" y="0"/>
+                  </a:lnTo>
+                  <a:lnTo>
+                    <a:pt x="10000" y="155"/>
+                  </a:lnTo>
+                  <a:lnTo>
+                    <a:pt x="6966" y="10155"/>
+                  </a:lnTo>
+                  <a:lnTo>
+                    <a:pt x="0" y="10155"/>
+                  </a:lnTo>
+                  <a:close/>
+                </a:path>
+              </a:pathLst>
+            </a:custGeom>
+            <a:solidFill>
+              <a:schemeClr val="bg1">
+                <a:lumMod val="85000"/>
+              </a:schemeClr>
+            </a:solidFill>
+            <a:ln>
+              <a:noFill/>
+            </a:ln>
+          </p:spPr>
+          <p:style>
+            <a:lnRef idx="2">
+              <a:schemeClr val="accent1">
+                <a:shade val="50000"/>
+              </a:schemeClr>
+            </a:lnRef>
+            <a:fillRef idx="1">
+              <a:schemeClr val="accent1"/>
+            </a:fillRef>
+            <a:effectRef idx="0">
+              <a:schemeClr val="accent1"/>
+            </a:effectRef>
+            <a:fontRef idx="minor">
+              <a:schemeClr val="lt1"/>
+            </a:fontRef>
+          </p:style>
+          <p:txBody>
+            <a:bodyPr rtlCol="0" anchor="ctr"/>
+            <a:lstStyle/>
+            <a:p>
+              <a:pPr algn="ctr"/>
+              <a:endParaRPr lang="en-US" dirty="0">
+                <a:latin typeface="Segoe UI" panose="020B0502040204020203" pitchFamily="34" charset="0"/>
+              </a:endParaRPr>
+            </a:p>
+          </p:txBody>
+        </p:sp>
+      </p:grpSp>
+      <p:sp>
+        <p:nvSpPr>
+          <p:cNvPr id="21" name="Прямоугольник 20"/>
+          <p:cNvSpPr/>
+          <p:nvPr/>
+        </p:nvSpPr>
+        <p:spPr>
+          <a:xfrm>
+            <a:off x="0" y="228600"/>
+            <a:ext cx="12192000" cy="533400"/>
+          </a:xfrm>
+          <a:prstGeom prst="rect">
+            <a:avLst/>
+          </a:prstGeom>
+          <a:solidFill>
+            <a:srgbClr val="6E6E6E"/>
+          </a:solidFill>
+          <a:ln>
+            <a:noFill/>
+          </a:ln>
+        </p:spPr>
+        <p:style>
+          <a:lnRef idx="3">
+            <a:schemeClr val="lt1"/>
+          </a:lnRef>
+          <a:fillRef idx="1">
+            <a:schemeClr val="accent1"/>
+          </a:fillRef>
+          <a:effectRef idx="1">
+            <a:schemeClr val="accent1"/>
+          </a:effectRef>
+          <a:fontRef idx="minor">
+            <a:schemeClr val="lt1"/>
+          </a:fontRef>
+        </p:style>
+        <p:txBody>
+          <a:bodyPr rtlCol="0" anchor="ctr"/>
+          <a:lstStyle/>
+          <a:p>
+            <a:pPr algn="ctr"/>
+            <a:endParaRPr lang="ru-RU" dirty="0">
+              <a:latin typeface="Segoe UI" panose="020B0502040204020203" pitchFamily="34" charset="0"/>
+            </a:endParaRPr>
+          </a:p>
+        </p:txBody>
+      </p:sp>
+      <p:sp>
+        <p:nvSpPr>
+          <p:cNvPr id="22" name="Заголовок 1"/>
+          <p:cNvSpPr txBox="1">
+            <a:spLocks/>
+          </p:cNvSpPr>
+          <p:nvPr/>
+        </p:nvSpPr>
+        <p:spPr>
+          <a:xfrm>
+            <a:off x="1981200" y="228600"/>
+            <a:ext cx="8229600" cy="571500"/>
+          </a:xfrm>
+          <a:prstGeom prst="rect">
+            <a:avLst/>
+          </a:prstGeom>
+        </p:spPr>
+        <p:txBody>
+          <a:bodyPr vert="horz" lIns="91440" tIns="45720" rIns="91440" bIns="45720" rtlCol="0" anchor="ctr">
+            <a:normAutofit fontScale="90000" lnSpcReduction="10000"/>
+          </a:bodyPr>
+          <a:lstStyle>
+            <a:lvl1pPr algn="ctr" defTabSz="914400" rtl="0" eaLnBrk="1" latinLnBrk="0" hangingPunct="1">
+              <a:spcBef>
+                <a:spcPct val="0"/>
+              </a:spcBef>
+              <a:buNone/>
+              <a:defRPr sz="4400" kern="1200">
+                <a:solidFill>
+                  <a:schemeClr val="tx1"/>
+                </a:solidFill>
+                <a:latin typeface="+mj-lt"/>
+                <a:ea typeface="+mj-ea"/>
+                <a:cs typeface="+mj-cs"/>
+              </a:defRPr>
+            </a:lvl1pPr>
+          </a:lstStyle>
+          <a:p>
+            <a:r>
+              <a:rPr lang="ru-RU" sz="3600" dirty="0">
+                <a:solidFill>
+                  <a:schemeClr val="bg1"/>
+                </a:solidFill>
+                <a:latin typeface="Segoe UI Light" panose="020B0502040204020203" pitchFamily="34" charset="0"/>
+                <a:ea typeface="Segoe UI" pitchFamily="34" charset="0"/>
+                <a:cs typeface="Segoe UI Light" panose="020B0502040204020203" pitchFamily="34" charset="0"/>
+              </a:rPr>
+              <a:t>PHP </a:t>
+            </a:r>
+            <a:r>
+              <a:rPr lang="ru-RU" sz="3600" dirty="0" err="1">
+                <a:solidFill>
+                  <a:schemeClr val="bg1"/>
+                </a:solidFill>
+                <a:latin typeface="Segoe UI Light" panose="020B0502040204020203" pitchFamily="34" charset="0"/>
+                <a:ea typeface="Segoe UI" pitchFamily="34" charset="0"/>
+                <a:cs typeface="Segoe UI Light" panose="020B0502040204020203" pitchFamily="34" charset="0"/>
+              </a:rPr>
+              <a:t>Essential</a:t>
+            </a:r>
+            <a:endParaRPr lang="ru-RU" sz="3600" dirty="0">
+              <a:solidFill>
+                <a:schemeClr val="bg1"/>
+              </a:solidFill>
+              <a:latin typeface="Segoe UI Light" panose="020B0502040204020203" pitchFamily="34" charset="0"/>
+              <a:ea typeface="Segoe UI" pitchFamily="34" charset="0"/>
+              <a:cs typeface="Segoe UI Light" panose="020B0502040204020203" pitchFamily="34" charset="0"/>
+            </a:endParaRPr>
+          </a:p>
+        </p:txBody>
+      </p:sp>
+      <p:sp>
+        <p:nvSpPr>
+          <p:cNvPr id="2" name="Rectangle 1"/>
+          <p:cNvSpPr/>
+          <p:nvPr/>
+        </p:nvSpPr>
+        <p:spPr>
+          <a:xfrm>
+            <a:off x="373241" y="1751670"/>
+            <a:ext cx="10744200" cy="4211909"/>
+          </a:xfrm>
+          <a:prstGeom prst="rect">
+            <a:avLst/>
+          </a:prstGeom>
+          <a:noFill/>
+          <a:ln>
+            <a:noFill/>
+          </a:ln>
+        </p:spPr>
+        <p:style>
+          <a:lnRef idx="2">
+            <a:schemeClr val="accent1">
+              <a:shade val="50000"/>
+            </a:schemeClr>
+          </a:lnRef>
+          <a:fillRef idx="1">
+            <a:schemeClr val="accent1"/>
+          </a:fillRef>
+          <a:effectRef idx="0">
+            <a:schemeClr val="accent1"/>
+          </a:effectRef>
+          <a:fontRef idx="minor">
+            <a:schemeClr val="lt1"/>
+          </a:fontRef>
+        </p:style>
+        <p:txBody>
+          <a:bodyPr rtlCol="0" anchor="t"/>
+          <a:lstStyle/>
+          <a:p>
+            <a:pPr lvl="1"/>
+            <a:r>
+              <a:rPr lang="ru-RU" b="1" dirty="0">
+                <a:solidFill>
+                  <a:schemeClr val="tx1"/>
+                </a:solidFill>
+                <a:latin typeface="Segoe UI" panose="020B0502040204020203" pitchFamily="34" charset="0"/>
+                <a:cs typeface="Segoe UI" panose="020B0502040204020203" pitchFamily="34" charset="0"/>
+              </a:rPr>
+              <a:t>Деструктор – </a:t>
+            </a:r>
+            <a:r>
+              <a:rPr lang="ru-RU" dirty="0">
+                <a:solidFill>
+                  <a:schemeClr val="tx1"/>
+                </a:solidFill>
+                <a:latin typeface="Segoe UI" panose="020B0502040204020203" pitchFamily="34" charset="0"/>
+                <a:cs typeface="Segoe UI" panose="020B0502040204020203" pitchFamily="34" charset="0"/>
+              </a:rPr>
+              <a:t>магический метод </a:t>
+            </a:r>
+            <a:r>
+              <a:rPr lang="en-US" i="1" dirty="0">
+                <a:solidFill>
+                  <a:schemeClr val="tx1"/>
+                </a:solidFill>
+                <a:latin typeface="Segoe UI" panose="020B0502040204020203" pitchFamily="34" charset="0"/>
+                <a:cs typeface="Segoe UI" panose="020B0502040204020203" pitchFamily="34" charset="0"/>
+              </a:rPr>
+              <a:t>__destruct</a:t>
+            </a:r>
+            <a:r>
+              <a:rPr lang="ru-RU" dirty="0">
+                <a:solidFill>
+                  <a:schemeClr val="tx1"/>
+                </a:solidFill>
+                <a:latin typeface="Segoe UI" panose="020B0502040204020203" pitchFamily="34" charset="0"/>
+                <a:cs typeface="Segoe UI" panose="020B0502040204020203" pitchFamily="34" charset="0"/>
+              </a:rPr>
+              <a:t>, вызывается при уничтожении екземпляра класса</a:t>
+            </a:r>
+            <a:endParaRPr lang="en-US" dirty="0">
+              <a:solidFill>
+                <a:schemeClr val="tx1"/>
+              </a:solidFill>
+              <a:latin typeface="Segoe UI" panose="020B0502040204020203" pitchFamily="34" charset="0"/>
+              <a:cs typeface="Segoe UI" panose="020B0502040204020203" pitchFamily="34" charset="0"/>
+            </a:endParaRPr>
+          </a:p>
+          <a:p>
+            <a:pPr lvl="1"/>
+            <a:r>
+              <a:rPr lang="en-US" b="1" dirty="0">
+                <a:solidFill>
+                  <a:schemeClr val="tx1"/>
+                </a:solidFill>
+                <a:latin typeface="Segoe UI" panose="020B0502040204020203" pitchFamily="34" charset="0"/>
+                <a:cs typeface="Segoe UI" panose="020B0502040204020203" pitchFamily="34" charset="0"/>
+              </a:rPr>
+              <a:t>		</a:t>
+            </a:r>
+            <a:endParaRPr lang="ru-RU" b="1" dirty="0">
+              <a:solidFill>
+                <a:schemeClr val="tx1"/>
+              </a:solidFill>
+              <a:latin typeface="Segoe UI" panose="020B0502040204020203" pitchFamily="34" charset="0"/>
+              <a:cs typeface="Segoe UI" panose="020B0502040204020203" pitchFamily="34" charset="0"/>
+            </a:endParaRPr>
+          </a:p>
+          <a:p>
+            <a:pPr lvl="1"/>
+            <a:endParaRPr lang="ru-RU" b="1" dirty="0">
+              <a:solidFill>
+                <a:schemeClr val="tx1"/>
+              </a:solidFill>
+              <a:latin typeface="Segoe UI" panose="020B0502040204020203" pitchFamily="34" charset="0"/>
+              <a:cs typeface="Segoe UI" panose="020B0502040204020203" pitchFamily="34" charset="0"/>
+            </a:endParaRPr>
+          </a:p>
+          <a:p>
+            <a:pPr lvl="1"/>
+            <a:endParaRPr lang="en-US" b="1" dirty="0">
+              <a:solidFill>
+                <a:schemeClr val="tx1"/>
+              </a:solidFill>
+              <a:latin typeface="Segoe UI" panose="020B0502040204020203" pitchFamily="34" charset="0"/>
+              <a:cs typeface="Segoe UI" panose="020B0502040204020203" pitchFamily="34" charset="0"/>
+            </a:endParaRPr>
+          </a:p>
+          <a:p>
+            <a:pPr lvl="1"/>
+            <a:endParaRPr lang="en-US" b="1" dirty="0">
+              <a:solidFill>
+                <a:schemeClr val="tx1"/>
+              </a:solidFill>
+              <a:latin typeface="Segoe UI" panose="020B0502040204020203" pitchFamily="34" charset="0"/>
+              <a:cs typeface="Segoe UI" panose="020B0502040204020203" pitchFamily="34" charset="0"/>
+            </a:endParaRPr>
+          </a:p>
+          <a:p>
+            <a:pPr lvl="1"/>
+            <a:endParaRPr lang="en-US" b="1" dirty="0">
+              <a:solidFill>
+                <a:schemeClr val="tx1"/>
+              </a:solidFill>
+              <a:latin typeface="Segoe UI" panose="020B0502040204020203" pitchFamily="34" charset="0"/>
+              <a:cs typeface="Segoe UI" panose="020B0502040204020203" pitchFamily="34" charset="0"/>
+            </a:endParaRPr>
+          </a:p>
+          <a:p>
+            <a:pPr lvl="1"/>
+            <a:endParaRPr lang="en-US" b="1" dirty="0">
+              <a:solidFill>
+                <a:schemeClr val="tx1"/>
+              </a:solidFill>
+              <a:latin typeface="Segoe UI" panose="020B0502040204020203" pitchFamily="34" charset="0"/>
+              <a:cs typeface="Segoe UI" panose="020B0502040204020203" pitchFamily="34" charset="0"/>
+            </a:endParaRPr>
+          </a:p>
+          <a:p>
+            <a:pPr lvl="1"/>
+            <a:endParaRPr lang="en-US" b="1" dirty="0">
+              <a:solidFill>
+                <a:schemeClr val="tx1"/>
+              </a:solidFill>
+              <a:latin typeface="Segoe UI" panose="020B0502040204020203" pitchFamily="34" charset="0"/>
+              <a:cs typeface="Segoe UI" panose="020B0502040204020203" pitchFamily="34" charset="0"/>
+            </a:endParaRPr>
+          </a:p>
+          <a:p>
+            <a:pPr lvl="1"/>
+            <a:endParaRPr lang="en-US" b="1" dirty="0">
+              <a:solidFill>
+                <a:schemeClr val="tx1"/>
+              </a:solidFill>
+              <a:latin typeface="Segoe UI" panose="020B0502040204020203" pitchFamily="34" charset="0"/>
+              <a:cs typeface="Segoe UI" panose="020B0502040204020203" pitchFamily="34" charset="0"/>
+            </a:endParaRPr>
+          </a:p>
+          <a:p>
+            <a:pPr marL="800100" lvl="1" indent="-342900">
+              <a:buFont typeface="+mj-lt"/>
+              <a:buAutoNum type="arabicPeriod"/>
+            </a:pPr>
+            <a:endParaRPr lang="ru-RU" dirty="0">
+              <a:solidFill>
+                <a:schemeClr val="tx1"/>
+              </a:solidFill>
+              <a:latin typeface="Segoe UI" panose="020B0502040204020203" pitchFamily="34" charset="0"/>
+              <a:cs typeface="Segoe UI" panose="020B0502040204020203" pitchFamily="34" charset="0"/>
+            </a:endParaRPr>
+          </a:p>
+          <a:p>
+            <a:endParaRPr lang="ru-RU" dirty="0">
+              <a:solidFill>
+                <a:schemeClr val="tx1"/>
+              </a:solidFill>
+              <a:latin typeface="Segoe UI" panose="020B0502040204020203" pitchFamily="34" charset="0"/>
+              <a:cs typeface="Segoe UI" panose="020B0502040204020203" pitchFamily="34" charset="0"/>
+            </a:endParaRPr>
+          </a:p>
+        </p:txBody>
+      </p:sp>
+      <p:pic>
+        <p:nvPicPr>
+          <p:cNvPr id="3" name="Picture 2">
+            <a:extLst>
+              <a:ext uri="{FF2B5EF4-FFF2-40B4-BE49-F238E27FC236}">
+                <a16:creationId xmlns:a16="http://schemas.microsoft.com/office/drawing/2014/main" id="{5EDF0895-C38B-4EB0-866C-C3EA9C9387EE}"/>
+              </a:ext>
+            </a:extLst>
+          </p:cNvPr>
+          <p:cNvPicPr>
+            <a:picLocks noChangeAspect="1"/>
+          </p:cNvPicPr>
+          <p:nvPr/>
+        </p:nvPicPr>
+        <p:blipFill>
+          <a:blip r:embed="rId3"/>
+          <a:stretch>
+            <a:fillRect/>
+          </a:stretch>
+        </p:blipFill>
+        <p:spPr>
+          <a:xfrm>
+            <a:off x="4376737" y="2774644"/>
+            <a:ext cx="3438525" cy="2266950"/>
+          </a:xfrm>
+          <a:prstGeom prst="rect">
+            <a:avLst/>
+          </a:prstGeom>
+        </p:spPr>
+      </p:pic>
+    </p:spTree>
+    <p:extLst>
+      <p:ext uri="{BB962C8B-B14F-4D97-AF65-F5344CB8AC3E}">
+        <p14:creationId xmlns:p14="http://schemas.microsoft.com/office/powerpoint/2010/main" val="123803109"/>
+      </p:ext>
+    </p:extLst>
+  </p:cSld>
+  <p:clrMapOvr>
+    <a:masterClrMapping/>
+  </p:clrMapOvr>
+  <p:transition spd="slow">
+    <p:cover/>
+  </p:transition>
+</p:sld>
+</file>
+
+<file path=ppt/slides/slide16.xml><?xml version="1.0" encoding="utf-8"?>
+<p:sld xmlns:a="http://schemas.openxmlformats.org/drawingml/2006/main" xmlns:r="http://schemas.openxmlformats.org/officeDocument/2006/relationships" xmlns:p="http://schemas.openxmlformats.org/presentationml/2006/main">
+  <p:cSld>
+    <p:spTree>
+      <p:nvGrpSpPr>
+        <p:cNvPr id="1" name=""/>
+        <p:cNvGrpSpPr/>
+        <p:nvPr/>
+      </p:nvGrpSpPr>
+      <p:grpSpPr>
+        <a:xfrm>
+          <a:off x="0" y="0"/>
+          <a:ext cx="0" cy="0"/>
+          <a:chOff x="0" y="0"/>
+          <a:chExt cx="0" cy="0"/>
+        </a:xfrm>
+      </p:grpSpPr>
+      <p:sp>
+        <p:nvSpPr>
+          <p:cNvPr id="45057" name="Заголовок 1"/>
+          <p:cNvSpPr txBox="1">
+            <a:spLocks/>
+          </p:cNvSpPr>
+          <p:nvPr/>
+        </p:nvSpPr>
+        <p:spPr bwMode="auto">
+          <a:xfrm>
+            <a:off x="1981200" y="795740"/>
+            <a:ext cx="8229600" cy="563562"/>
+          </a:xfrm>
+          <a:prstGeom prst="rect">
+            <a:avLst/>
+          </a:prstGeom>
+          <a:noFill/>
+          <a:ln w="9525">
+            <a:noFill/>
+            <a:miter lim="800000"/>
+            <a:headEnd/>
+            <a:tailEnd/>
+          </a:ln>
+        </p:spPr>
+        <p:txBody>
+          <a:bodyPr anchor="ctr"/>
+          <a:lstStyle/>
+          <a:p>
+            <a:pPr algn="ctr"/>
+            <a:r>
+              <a:rPr lang="ru-RU" sz="2800" dirty="0">
+                <a:solidFill>
+                  <a:srgbClr val="D04E1D"/>
+                </a:solidFill>
+                <a:latin typeface="Segoe UI Light" panose="020B0502040204020203" pitchFamily="34" charset="0"/>
+                <a:cs typeface="Segoe UI Light" panose="020B0502040204020203" pitchFamily="34" charset="0"/>
+              </a:rPr>
+              <a:t>TestProvider.com</a:t>
+            </a:r>
+          </a:p>
+        </p:txBody>
+      </p:sp>
+      <p:sp>
+        <p:nvSpPr>
+          <p:cNvPr id="13" name="Прямоугольник 12"/>
+          <p:cNvSpPr/>
+          <p:nvPr/>
+        </p:nvSpPr>
+        <p:spPr>
+          <a:xfrm>
+            <a:off x="0" y="6343650"/>
+            <a:ext cx="12192000" cy="533400"/>
+          </a:xfrm>
+          <a:prstGeom prst="rect">
+            <a:avLst/>
+          </a:prstGeom>
+          <a:solidFill>
+            <a:srgbClr val="6E6E6E"/>
+          </a:solidFill>
+          <a:ln>
+            <a:noFill/>
+          </a:ln>
+        </p:spPr>
+        <p:style>
+          <a:lnRef idx="3">
+            <a:schemeClr val="lt1"/>
+          </a:lnRef>
+          <a:fillRef idx="1">
+            <a:schemeClr val="accent1"/>
+          </a:fillRef>
+          <a:effectRef idx="1">
+            <a:schemeClr val="accent1"/>
+          </a:effectRef>
+          <a:fontRef idx="minor">
+            <a:schemeClr val="lt1"/>
+          </a:fontRef>
+        </p:style>
+        <p:txBody>
           <a:bodyPr anchor="ctr"/>
           <a:lstStyle/>
           <a:p>
@@ -8995,7 +10963,7 @@
               </a:spcAft>
               <a:defRPr/>
             </a:pPr>
-            <a:endParaRPr lang="en-US">
+            <a:endParaRPr lang="ru-RU" dirty="0">
               <a:latin typeface="Segoe UI Light" panose="020B0502040204020203" pitchFamily="34" charset="0"/>
               <a:cs typeface="Segoe UI Light" panose="020B0502040204020203" pitchFamily="34" charset="0"/>
             </a:endParaRPr>
@@ -9033,14 +11001,104 @@
           <a:lstStyle/>
           <a:p>
             <a:r>
-              <a:rPr lang="en-US" sz="1400">
-                <a:solidFill>
-                  <a:schemeClr val="bg1"/>
-                </a:solidFill>
-                <a:latin typeface="Segoe UI Light" panose="020B0502040204020203" pitchFamily="34" charset="0"/>
-                <a:cs typeface="Segoe UI Light" panose="020B0502040204020203" pitchFamily="34" charset="0"/>
-              </a:rPr>
-              <a:t>Information Technology Video Developer Network                                                       http://itvdn.com</a:t>
+              <a:rPr lang="ru-RU" sz="1400" dirty="0" err="1">
+                <a:solidFill>
+                  <a:schemeClr val="bg1"/>
+                </a:solidFill>
+                <a:latin typeface="Segoe UI Light" panose="020B0502040204020203" pitchFamily="34" charset="0"/>
+                <a:cs typeface="Segoe UI Light" panose="020B0502040204020203" pitchFamily="34" charset="0"/>
+              </a:rPr>
+              <a:t>Information</a:t>
+            </a:r>
+            <a:r>
+              <a:rPr lang="ru-RU" sz="1400" dirty="0">
+                <a:solidFill>
+                  <a:schemeClr val="bg1"/>
+                </a:solidFill>
+                <a:latin typeface="Segoe UI Light" panose="020B0502040204020203" pitchFamily="34" charset="0"/>
+                <a:cs typeface="Segoe UI Light" panose="020B0502040204020203" pitchFamily="34" charset="0"/>
+              </a:rPr>
+              <a:t> </a:t>
+            </a:r>
+            <a:r>
+              <a:rPr lang="ru-RU" sz="1400" dirty="0" err="1">
+                <a:solidFill>
+                  <a:schemeClr val="bg1"/>
+                </a:solidFill>
+                <a:latin typeface="Segoe UI Light" panose="020B0502040204020203" pitchFamily="34" charset="0"/>
+                <a:cs typeface="Segoe UI Light" panose="020B0502040204020203" pitchFamily="34" charset="0"/>
+              </a:rPr>
+              <a:t>Technology</a:t>
+            </a:r>
+            <a:r>
+              <a:rPr lang="ru-RU" sz="1400" dirty="0">
+                <a:solidFill>
+                  <a:schemeClr val="bg1"/>
+                </a:solidFill>
+                <a:latin typeface="Segoe UI Light" panose="020B0502040204020203" pitchFamily="34" charset="0"/>
+                <a:cs typeface="Segoe UI Light" panose="020B0502040204020203" pitchFamily="34" charset="0"/>
+              </a:rPr>
+              <a:t> </a:t>
+            </a:r>
+            <a:r>
+              <a:rPr lang="ru-RU" sz="1400" dirty="0" err="1">
+                <a:solidFill>
+                  <a:schemeClr val="bg1"/>
+                </a:solidFill>
+                <a:latin typeface="Segoe UI Light" panose="020B0502040204020203" pitchFamily="34" charset="0"/>
+                <a:cs typeface="Segoe UI Light" panose="020B0502040204020203" pitchFamily="34" charset="0"/>
+              </a:rPr>
+              <a:t>Video</a:t>
+            </a:r>
+            <a:r>
+              <a:rPr lang="ru-RU" sz="1400" dirty="0">
+                <a:solidFill>
+                  <a:schemeClr val="bg1"/>
+                </a:solidFill>
+                <a:latin typeface="Segoe UI Light" panose="020B0502040204020203" pitchFamily="34" charset="0"/>
+                <a:cs typeface="Segoe UI Light" panose="020B0502040204020203" pitchFamily="34" charset="0"/>
+              </a:rPr>
+              <a:t> </a:t>
+            </a:r>
+            <a:r>
+              <a:rPr lang="ru-RU" sz="1400" dirty="0" err="1">
+                <a:solidFill>
+                  <a:schemeClr val="bg1"/>
+                </a:solidFill>
+                <a:latin typeface="Segoe UI Light" panose="020B0502040204020203" pitchFamily="34" charset="0"/>
+                <a:cs typeface="Segoe UI Light" panose="020B0502040204020203" pitchFamily="34" charset="0"/>
+              </a:rPr>
+              <a:t>Developer</a:t>
+            </a:r>
+            <a:r>
+              <a:rPr lang="ru-RU" sz="1400" dirty="0">
+                <a:solidFill>
+                  <a:schemeClr val="bg1"/>
+                </a:solidFill>
+                <a:latin typeface="Segoe UI Light" panose="020B0502040204020203" pitchFamily="34" charset="0"/>
+                <a:cs typeface="Segoe UI Light" panose="020B0502040204020203" pitchFamily="34" charset="0"/>
+              </a:rPr>
+              <a:t> </a:t>
+            </a:r>
+            <a:r>
+              <a:rPr lang="ru-RU" sz="1400" dirty="0" err="1">
+                <a:solidFill>
+                  <a:schemeClr val="bg1"/>
+                </a:solidFill>
+                <a:latin typeface="Segoe UI Light" panose="020B0502040204020203" pitchFamily="34" charset="0"/>
+                <a:cs typeface="Segoe UI Light" panose="020B0502040204020203" pitchFamily="34" charset="0"/>
+              </a:rPr>
+              <a:t>Network</a:t>
+            </a:r>
+            <a:r>
+              <a:rPr lang="ru-RU" sz="1400" dirty="0">
+                <a:solidFill>
+                  <a:schemeClr val="bg1"/>
+                </a:solidFill>
+                <a:latin typeface="Segoe UI Light" panose="020B0502040204020203" pitchFamily="34" charset="0"/>
+                <a:cs typeface="Segoe UI Light" panose="020B0502040204020203" pitchFamily="34" charset="0"/>
+              </a:rPr>
+              <a:t>                                                       http://itvdn.com</a:t>
             </a:r>
           </a:p>
         </p:txBody>
@@ -9076,7 +11134,7 @@
           <a:lstStyle/>
           <a:p>
             <a:r>
-              <a:rPr lang="en-US" sz="2000">
+              <a:rPr lang="ru-RU" sz="2000" dirty="0">
                 <a:solidFill>
                   <a:schemeClr val="bg1"/>
                 </a:solidFill>
@@ -9085,7 +11143,7 @@
               </a:rPr>
               <a:t>ITVDN</a:t>
             </a:r>
-            <a:endParaRPr lang="en-US" sz="2000">
+            <a:endParaRPr lang="ru-RU" sz="2000" dirty="0">
               <a:latin typeface="Segoe UI Light" panose="020B0502040204020203" pitchFamily="34" charset="0"/>
               <a:cs typeface="Segoe UI Light" panose="020B0502040204020203" pitchFamily="34" charset="0"/>
             </a:endParaRPr>
@@ -9475,7 +11533,7 @@
               </a:spcAft>
               <a:defRPr/>
             </a:pPr>
-            <a:endParaRPr lang="en-US">
+            <a:endParaRPr lang="ru-RU" dirty="0">
               <a:latin typeface="Segoe UI Light" panose="020B0502040204020203" pitchFamily="34" charset="0"/>
               <a:cs typeface="Segoe UI Light" panose="020B0502040204020203" pitchFamily="34" charset="0"/>
             </a:endParaRPr>
@@ -9572,7 +11630,7 @@
               <a:defRPr/>
             </a:pPr>
             <a:r>
-              <a:rPr lang="en-US" dirty="0">
+              <a:rPr lang="ru-RU" dirty="0" err="1">
                 <a:solidFill>
                   <a:schemeClr val="tx1">
                     <a:lumMod val="65000"/>
@@ -9598,7 +11656,7 @@
               <a:t> – это </a:t>
             </a:r>
             <a:r>
-              <a:rPr lang="en-US" dirty="0">
+              <a:rPr lang="ru-RU" dirty="0" err="1">
                 <a:solidFill>
                   <a:schemeClr val="tx1">
                     <a:lumMod val="65000"/>
@@ -9608,7 +11666,7 @@
                 <a:latin typeface="Segoe UI" panose="020B0502040204020203" pitchFamily="34" charset="0"/>
                 <a:cs typeface="Segoe UI" panose="020B0502040204020203" pitchFamily="34" charset="0"/>
               </a:rPr>
-              <a:t>online </a:t>
+              <a:t>online</a:t>
             </a:r>
             <a:r>
               <a:rPr lang="ru-RU" dirty="0">
@@ -9621,44 +11679,8 @@
                 <a:latin typeface="Segoe UI" panose="020B0502040204020203" pitchFamily="34" charset="0"/>
                 <a:cs typeface="Segoe UI" panose="020B0502040204020203" pitchFamily="34" charset="0"/>
               </a:rPr>
-              <a:t>сервис проверки знаний по информационным технологиям. С его помощью Вы можете оценить Ваш уровень и выявить слабые места. Он будет полезен как в процессе изучения технологии, так и для общей оценки знаний </a:t>
-            </a:r>
-            <a:r>
-              <a:rPr lang="en-US" dirty="0">
-                <a:solidFill>
-                  <a:schemeClr val="tx1">
-                    <a:lumMod val="65000"/>
-                    <a:lumOff val="35000"/>
-                  </a:schemeClr>
-                </a:solidFill>
-                <a:latin typeface="Segoe UI" panose="020B0502040204020203" pitchFamily="34" charset="0"/>
-                <a:cs typeface="Segoe UI" panose="020B0502040204020203" pitchFamily="34" charset="0"/>
-              </a:rPr>
-              <a:t>IT </a:t>
-            </a:r>
-            <a:r>
-              <a:rPr lang="ru-RU" dirty="0">
-                <a:solidFill>
-                  <a:schemeClr val="tx1">
-                    <a:lumMod val="65000"/>
-                    <a:lumOff val="35000"/>
-                  </a:schemeClr>
-                </a:solidFill>
-                <a:latin typeface="Segoe UI" panose="020B0502040204020203" pitchFamily="34" charset="0"/>
-                <a:cs typeface="Segoe UI" panose="020B0502040204020203" pitchFamily="34" charset="0"/>
-              </a:rPr>
-              <a:t>специалиста.</a:t>
-            </a:r>
-            <a:endParaRPr lang="en-US" dirty="0">
-              <a:solidFill>
-                <a:schemeClr val="tx1">
-                  <a:lumMod val="65000"/>
-                  <a:lumOff val="35000"/>
-                </a:schemeClr>
-              </a:solidFill>
-              <a:latin typeface="Segoe UI" panose="020B0502040204020203" pitchFamily="34" charset="0"/>
-              <a:cs typeface="Segoe UI" panose="020B0502040204020203" pitchFamily="34" charset="0"/>
-            </a:endParaRPr>
+              <a:t> сервис проверки знаний по информационным технологиям. С его помощью Вы можете оценить Ваш уровень и выявить слабые места. Он будет полезен как в процессе изучения технологии, так и для общей оценки знаний IT специалиста.</a:t>
+            </a:r>
           </a:p>
           <a:p>
             <a:pPr fontAlgn="auto">
@@ -9785,7 +11807,7 @@
               <a:t>Проверьте как Вы усвоили данный материал на </a:t>
             </a:r>
             <a:r>
-              <a:rPr lang="en-US" sz="2000" dirty="0">
+              <a:rPr lang="ru-RU" sz="2000" dirty="0">
                 <a:solidFill>
                   <a:schemeClr val="tx1">
                     <a:lumMod val="65000"/>
@@ -9799,7 +11821,7 @@
               <a:t>TestProvider.com</a:t>
             </a:r>
             <a:r>
-              <a:rPr lang="en-US" sz="2000" dirty="0">
+              <a:rPr lang="ru-RU" sz="2000" dirty="0">
                 <a:solidFill>
                   <a:schemeClr val="tx1">
                     <a:lumMod val="65000"/>
@@ -9830,7 +11852,7 @@
 </p:sld>
 </file>
 
-<file path=ppt/slides/slide16.xml><?xml version="1.0" encoding="utf-8"?>
+<file path=ppt/slides/slide17.xml><?xml version="1.0" encoding="utf-8"?>
 <p:sld xmlns:a="http://schemas.openxmlformats.org/drawingml/2006/main" xmlns:r="http://schemas.openxmlformats.org/officeDocument/2006/relationships" xmlns:p="http://schemas.openxmlformats.org/presentationml/2006/main">
   <p:cSld>
     <p:spTree>
@@ -9887,7 +11909,9 @@
           <a:lstStyle/>
           <a:p>
             <a:pPr algn="ctr"/>
-            <a:endParaRPr lang="en-US"/>
+            <a:endParaRPr lang="ru-RU" dirty="0">
+              <a:latin typeface="Segoe UI" panose="020B0502040204020203" pitchFamily="34" charset="0"/>
+            </a:endParaRPr>
           </a:p>
         </p:txBody>
       </p:sp>
@@ -9930,7 +11954,7 @@
           </a:lstStyle>
           <a:p>
             <a:r>
-              <a:rPr lang="en-US" sz="3600" dirty="0">
+              <a:rPr lang="ru-RU" sz="3600" dirty="0">
                 <a:solidFill>
                   <a:schemeClr val="bg1"/>
                 </a:solidFill>
@@ -9938,8 +11962,27 @@
                 <a:ea typeface="Segoe UI" pitchFamily="34" charset="0"/>
                 <a:cs typeface="Segoe UI Light" panose="020B0502040204020203" pitchFamily="34" charset="0"/>
               </a:rPr>
-              <a:t>PHP Essential</a:t>
-            </a:r>
+              <a:t>PHP </a:t>
+            </a:r>
+            <a:r>
+              <a:rPr lang="ru-RU" sz="3600" dirty="0" err="1">
+                <a:solidFill>
+                  <a:schemeClr val="bg1"/>
+                </a:solidFill>
+                <a:latin typeface="Segoe UI Light" panose="020B0502040204020203" pitchFamily="34" charset="0"/>
+                <a:ea typeface="Segoe UI" pitchFamily="34" charset="0"/>
+                <a:cs typeface="Segoe UI Light" panose="020B0502040204020203" pitchFamily="34" charset="0"/>
+              </a:rPr>
+              <a:t>Essential</a:t>
+            </a:r>
+            <a:endParaRPr lang="ru-RU" sz="3600" dirty="0">
+              <a:solidFill>
+                <a:schemeClr val="bg1"/>
+              </a:solidFill>
+              <a:latin typeface="Segoe UI Light" panose="020B0502040204020203" pitchFamily="34" charset="0"/>
+              <a:ea typeface="Segoe UI" pitchFamily="34" charset="0"/>
+              <a:cs typeface="Segoe UI Light" panose="020B0502040204020203" pitchFamily="34" charset="0"/>
+            </a:endParaRPr>
           </a:p>
         </p:txBody>
       </p:sp>
@@ -10034,7 +12077,9 @@
           <a:lstStyle/>
           <a:p>
             <a:pPr algn="ctr"/>
-            <a:endParaRPr lang="en-US"/>
+            <a:endParaRPr lang="ru-RU" dirty="0">
+              <a:latin typeface="Segoe UI" panose="020B0502040204020203" pitchFamily="34" charset="0"/>
+            </a:endParaRPr>
           </a:p>
         </p:txBody>
       </p:sp>
@@ -10060,14 +12105,104 @@
           <a:lstStyle/>
           <a:p>
             <a:r>
-              <a:rPr lang="en-US" sz="1400" dirty="0">
-                <a:solidFill>
-                  <a:schemeClr val="bg1"/>
-                </a:solidFill>
-                <a:latin typeface="Segoe UI Light" panose="020B0502040204020203" pitchFamily="34" charset="0"/>
-                <a:cs typeface="Segoe UI Light" panose="020B0502040204020203" pitchFamily="34" charset="0"/>
-              </a:rPr>
-              <a:t>Information Technology Video Developer Network                                                       http://itvdn.com</a:t>
+              <a:rPr lang="ru-RU" sz="1400" dirty="0" err="1">
+                <a:solidFill>
+                  <a:schemeClr val="bg1"/>
+                </a:solidFill>
+                <a:latin typeface="Segoe UI Light" panose="020B0502040204020203" pitchFamily="34" charset="0"/>
+                <a:cs typeface="Segoe UI Light" panose="020B0502040204020203" pitchFamily="34" charset="0"/>
+              </a:rPr>
+              <a:t>Information</a:t>
+            </a:r>
+            <a:r>
+              <a:rPr lang="ru-RU" sz="1400" dirty="0">
+                <a:solidFill>
+                  <a:schemeClr val="bg1"/>
+                </a:solidFill>
+                <a:latin typeface="Segoe UI Light" panose="020B0502040204020203" pitchFamily="34" charset="0"/>
+                <a:cs typeface="Segoe UI Light" panose="020B0502040204020203" pitchFamily="34" charset="0"/>
+              </a:rPr>
+              <a:t> </a:t>
+            </a:r>
+            <a:r>
+              <a:rPr lang="ru-RU" sz="1400" dirty="0" err="1">
+                <a:solidFill>
+                  <a:schemeClr val="bg1"/>
+                </a:solidFill>
+                <a:latin typeface="Segoe UI Light" panose="020B0502040204020203" pitchFamily="34" charset="0"/>
+                <a:cs typeface="Segoe UI Light" panose="020B0502040204020203" pitchFamily="34" charset="0"/>
+              </a:rPr>
+              <a:t>Technology</a:t>
+            </a:r>
+            <a:r>
+              <a:rPr lang="ru-RU" sz="1400" dirty="0">
+                <a:solidFill>
+                  <a:schemeClr val="bg1"/>
+                </a:solidFill>
+                <a:latin typeface="Segoe UI Light" panose="020B0502040204020203" pitchFamily="34" charset="0"/>
+                <a:cs typeface="Segoe UI Light" panose="020B0502040204020203" pitchFamily="34" charset="0"/>
+              </a:rPr>
+              <a:t> </a:t>
+            </a:r>
+            <a:r>
+              <a:rPr lang="ru-RU" sz="1400" dirty="0" err="1">
+                <a:solidFill>
+                  <a:schemeClr val="bg1"/>
+                </a:solidFill>
+                <a:latin typeface="Segoe UI Light" panose="020B0502040204020203" pitchFamily="34" charset="0"/>
+                <a:cs typeface="Segoe UI Light" panose="020B0502040204020203" pitchFamily="34" charset="0"/>
+              </a:rPr>
+              <a:t>Video</a:t>
+            </a:r>
+            <a:r>
+              <a:rPr lang="ru-RU" sz="1400" dirty="0">
+                <a:solidFill>
+                  <a:schemeClr val="bg1"/>
+                </a:solidFill>
+                <a:latin typeface="Segoe UI Light" panose="020B0502040204020203" pitchFamily="34" charset="0"/>
+                <a:cs typeface="Segoe UI Light" panose="020B0502040204020203" pitchFamily="34" charset="0"/>
+              </a:rPr>
+              <a:t> </a:t>
+            </a:r>
+            <a:r>
+              <a:rPr lang="ru-RU" sz="1400" dirty="0" err="1">
+                <a:solidFill>
+                  <a:schemeClr val="bg1"/>
+                </a:solidFill>
+                <a:latin typeface="Segoe UI Light" panose="020B0502040204020203" pitchFamily="34" charset="0"/>
+                <a:cs typeface="Segoe UI Light" panose="020B0502040204020203" pitchFamily="34" charset="0"/>
+              </a:rPr>
+              <a:t>Developer</a:t>
+            </a:r>
+            <a:r>
+              <a:rPr lang="ru-RU" sz="1400" dirty="0">
+                <a:solidFill>
+                  <a:schemeClr val="bg1"/>
+                </a:solidFill>
+                <a:latin typeface="Segoe UI Light" panose="020B0502040204020203" pitchFamily="34" charset="0"/>
+                <a:cs typeface="Segoe UI Light" panose="020B0502040204020203" pitchFamily="34" charset="0"/>
+              </a:rPr>
+              <a:t> </a:t>
+            </a:r>
+            <a:r>
+              <a:rPr lang="ru-RU" sz="1400" dirty="0" err="1">
+                <a:solidFill>
+                  <a:schemeClr val="bg1"/>
+                </a:solidFill>
+                <a:latin typeface="Segoe UI Light" panose="020B0502040204020203" pitchFamily="34" charset="0"/>
+                <a:cs typeface="Segoe UI Light" panose="020B0502040204020203" pitchFamily="34" charset="0"/>
+              </a:rPr>
+              <a:t>Network</a:t>
+            </a:r>
+            <a:r>
+              <a:rPr lang="ru-RU" sz="1400" dirty="0">
+                <a:solidFill>
+                  <a:schemeClr val="bg1"/>
+                </a:solidFill>
+                <a:latin typeface="Segoe UI Light" panose="020B0502040204020203" pitchFamily="34" charset="0"/>
+                <a:cs typeface="Segoe UI Light" panose="020B0502040204020203" pitchFamily="34" charset="0"/>
+              </a:rPr>
+              <a:t>                                                       http://itvdn.com</a:t>
             </a:r>
           </a:p>
         </p:txBody>
@@ -10094,7 +12229,7 @@
           <a:lstStyle/>
           <a:p>
             <a:r>
-              <a:rPr lang="en-US" sz="2000" dirty="0">
+              <a:rPr lang="ru-RU" sz="2000" dirty="0">
                 <a:solidFill>
                   <a:schemeClr val="bg1"/>
                 </a:solidFill>
@@ -10103,7 +12238,9 @@
               </a:rPr>
               <a:t>ITVDN</a:t>
             </a:r>
-            <a:endParaRPr lang="en-US" sz="2000" dirty="0"/>
+            <a:endParaRPr lang="ru-RU" sz="2000" dirty="0">
+              <a:latin typeface="Segoe UI" panose="020B0502040204020203" pitchFamily="34" charset="0"/>
+            </a:endParaRPr>
           </a:p>
         </p:txBody>
       </p:sp>
@@ -10264,7 +12401,9 @@
             <a:lstStyle/>
             <a:p>
               <a:pPr algn="ctr"/>
-              <a:endParaRPr lang="en-US"/>
+              <a:endParaRPr lang="en-US" dirty="0">
+                <a:latin typeface="Segoe UI" panose="020B0502040204020203" pitchFamily="34" charset="0"/>
+              </a:endParaRPr>
             </a:p>
           </p:txBody>
         </p:sp>
@@ -10413,7 +12552,9 @@
             <a:lstStyle/>
             <a:p>
               <a:pPr algn="ctr"/>
-              <a:endParaRPr lang="en-US"/>
+              <a:endParaRPr lang="en-US" dirty="0">
+                <a:latin typeface="Segoe UI" panose="020B0502040204020203" pitchFamily="34" charset="0"/>
+              </a:endParaRPr>
             </a:p>
           </p:txBody>
         </p:sp>
@@ -10469,15 +12610,32 @@
           </a:p>
           <a:p>
             <a:r>
-              <a:rPr lang="en-US" sz="1600" dirty="0">
+              <a:rPr lang="ru-RU" sz="1600" dirty="0">
                 <a:solidFill>
                   <a:srgbClr val="D04E1D"/>
                 </a:solidFill>
                 <a:latin typeface="Segoe UI Light" panose="020B0502040204020203" pitchFamily="34" charset="0"/>
                 <a:cs typeface="Segoe UI Light" panose="020B0502040204020203" pitchFamily="34" charset="0"/>
               </a:rPr>
-              <a:t>PHP Developer</a:t>
-            </a:r>
+              <a:t>PHP </a:t>
+            </a:r>
+            <a:r>
+              <a:rPr lang="ru-RU" sz="1600" dirty="0" err="1">
+                <a:solidFill>
+                  <a:srgbClr val="D04E1D"/>
+                </a:solidFill>
+                <a:latin typeface="Segoe UI Light" panose="020B0502040204020203" pitchFamily="34" charset="0"/>
+                <a:cs typeface="Segoe UI Light" panose="020B0502040204020203" pitchFamily="34" charset="0"/>
+              </a:rPr>
+              <a:t>Developer</a:t>
+            </a:r>
+            <a:endParaRPr lang="ru-RU" sz="1600" dirty="0">
+              <a:solidFill>
+                <a:srgbClr val="D04E1D"/>
+              </a:solidFill>
+              <a:latin typeface="Segoe UI Light" panose="020B0502040204020203" pitchFamily="34" charset="0"/>
+              <a:cs typeface="Segoe UI Light" panose="020B0502040204020203" pitchFamily="34" charset="0"/>
+            </a:endParaRPr>
           </a:p>
         </p:txBody>
       </p:sp>
@@ -10530,21 +12688,22 @@
           </p:cNvPicPr>
           <p:nvPr/>
         </p:nvPicPr>
-        <p:blipFill rotWithShape="1">
-          <a:blip r:embed="rId4">
+        <p:blipFill>
+          <a:blip r:embed="rId4" cstate="print">
             <a:extLst>
               <a:ext uri="{28A0092B-C50C-407E-A947-70E740481C1C}">
                 <a14:useLocalDpi xmlns:a14="http://schemas.microsoft.com/office/drawing/2010/main" val="0"/>
               </a:ext>
             </a:extLst>
           </a:blip>
-          <a:srcRect l="9272" r="8952"/>
-          <a:stretch/>
+          <a:stretch>
+            <a:fillRect/>
+          </a:stretch>
         </p:blipFill>
         <p:spPr>
           <a:xfrm>
-            <a:off x="3276600" y="2077867"/>
-            <a:ext cx="2209801" cy="2702265"/>
+            <a:off x="3276600" y="2119111"/>
+            <a:ext cx="2209801" cy="2619777"/>
           </a:xfrm>
           <a:prstGeom prst="rect">
             <a:avLst/>
@@ -10567,7 +12726,7 @@
 </p:sld>
 </file>
 
-<file path=ppt/slides/slide17.xml><?xml version="1.0" encoding="utf-8"?>
+<file path=ppt/slides/slide18.xml><?xml version="1.0" encoding="utf-8"?>
 <p:sld xmlns:a="http://schemas.openxmlformats.org/drawingml/2006/main" xmlns:r="http://schemas.openxmlformats.org/officeDocument/2006/relationships" xmlns:p="http://schemas.openxmlformats.org/presentationml/2006/main">
   <p:cSld>
     <p:spTree>
@@ -10624,7 +12783,9 @@
           <a:lstStyle/>
           <a:p>
             <a:pPr algn="ctr"/>
-            <a:endParaRPr lang="en-US"/>
+            <a:endParaRPr lang="ru-RU" dirty="0">
+              <a:latin typeface="Segoe UI" panose="020B0502040204020203" pitchFamily="34" charset="0"/>
+            </a:endParaRPr>
           </a:p>
         </p:txBody>
       </p:sp>
@@ -10676,13 +12837,6 @@
               </a:rPr>
               <a:t>Информационный видеосервис для разработчиков программного обеспечения</a:t>
             </a:r>
-            <a:endParaRPr lang="en-US" sz="2600" dirty="0">
-              <a:solidFill>
-                <a:schemeClr val="bg1"/>
-              </a:solidFill>
-              <a:latin typeface="Segoe UI Light" panose="020B0502040204020203" pitchFamily="34" charset="0"/>
-              <a:cs typeface="Segoe UI Light" panose="020B0502040204020203" pitchFamily="34" charset="0"/>
-            </a:endParaRPr>
           </a:p>
         </p:txBody>
       </p:sp>
@@ -10726,7 +12880,9 @@
           <a:lstStyle/>
           <a:p>
             <a:pPr algn="ctr"/>
-            <a:endParaRPr lang="en-US"/>
+            <a:endParaRPr lang="ru-RU" dirty="0">
+              <a:latin typeface="Segoe UI" panose="020B0502040204020203" pitchFamily="34" charset="0"/>
+            </a:endParaRPr>
           </a:p>
         </p:txBody>
       </p:sp>
@@ -10752,14 +12908,104 @@
           <a:lstStyle/>
           <a:p>
             <a:r>
-              <a:rPr lang="en-US" sz="1400" dirty="0">
-                <a:solidFill>
-                  <a:schemeClr val="bg1"/>
-                </a:solidFill>
-                <a:latin typeface="Segoe UI Light" panose="020B0502040204020203" pitchFamily="34" charset="0"/>
-                <a:cs typeface="Segoe UI Light" panose="020B0502040204020203" pitchFamily="34" charset="0"/>
-              </a:rPr>
-              <a:t>Information Technology Video Developer Network                                                       http://itvdn.com</a:t>
+              <a:rPr lang="ru-RU" sz="1400" dirty="0" err="1">
+                <a:solidFill>
+                  <a:schemeClr val="bg1"/>
+                </a:solidFill>
+                <a:latin typeface="Segoe UI Light" panose="020B0502040204020203" pitchFamily="34" charset="0"/>
+                <a:cs typeface="Segoe UI Light" panose="020B0502040204020203" pitchFamily="34" charset="0"/>
+              </a:rPr>
+              <a:t>Information</a:t>
+            </a:r>
+            <a:r>
+              <a:rPr lang="ru-RU" sz="1400" dirty="0">
+                <a:solidFill>
+                  <a:schemeClr val="bg1"/>
+                </a:solidFill>
+                <a:latin typeface="Segoe UI Light" panose="020B0502040204020203" pitchFamily="34" charset="0"/>
+                <a:cs typeface="Segoe UI Light" panose="020B0502040204020203" pitchFamily="34" charset="0"/>
+              </a:rPr>
+              <a:t> </a:t>
+            </a:r>
+            <a:r>
+              <a:rPr lang="ru-RU" sz="1400" dirty="0" err="1">
+                <a:solidFill>
+                  <a:schemeClr val="bg1"/>
+                </a:solidFill>
+                <a:latin typeface="Segoe UI Light" panose="020B0502040204020203" pitchFamily="34" charset="0"/>
+                <a:cs typeface="Segoe UI Light" panose="020B0502040204020203" pitchFamily="34" charset="0"/>
+              </a:rPr>
+              <a:t>Technology</a:t>
+            </a:r>
+            <a:r>
+              <a:rPr lang="ru-RU" sz="1400" dirty="0">
+                <a:solidFill>
+                  <a:schemeClr val="bg1"/>
+                </a:solidFill>
+                <a:latin typeface="Segoe UI Light" panose="020B0502040204020203" pitchFamily="34" charset="0"/>
+                <a:cs typeface="Segoe UI Light" panose="020B0502040204020203" pitchFamily="34" charset="0"/>
+              </a:rPr>
+              <a:t> </a:t>
+            </a:r>
+            <a:r>
+              <a:rPr lang="ru-RU" sz="1400" dirty="0" err="1">
+                <a:solidFill>
+                  <a:schemeClr val="bg1"/>
+                </a:solidFill>
+                <a:latin typeface="Segoe UI Light" panose="020B0502040204020203" pitchFamily="34" charset="0"/>
+                <a:cs typeface="Segoe UI Light" panose="020B0502040204020203" pitchFamily="34" charset="0"/>
+              </a:rPr>
+              <a:t>Video</a:t>
+            </a:r>
+            <a:r>
+              <a:rPr lang="ru-RU" sz="1400" dirty="0">
+                <a:solidFill>
+                  <a:schemeClr val="bg1"/>
+                </a:solidFill>
+                <a:latin typeface="Segoe UI Light" panose="020B0502040204020203" pitchFamily="34" charset="0"/>
+                <a:cs typeface="Segoe UI Light" panose="020B0502040204020203" pitchFamily="34" charset="0"/>
+              </a:rPr>
+              <a:t> </a:t>
+            </a:r>
+            <a:r>
+              <a:rPr lang="ru-RU" sz="1400" dirty="0" err="1">
+                <a:solidFill>
+                  <a:schemeClr val="bg1"/>
+                </a:solidFill>
+                <a:latin typeface="Segoe UI Light" panose="020B0502040204020203" pitchFamily="34" charset="0"/>
+                <a:cs typeface="Segoe UI Light" panose="020B0502040204020203" pitchFamily="34" charset="0"/>
+              </a:rPr>
+              <a:t>Developer</a:t>
+            </a:r>
+            <a:r>
+              <a:rPr lang="ru-RU" sz="1400" dirty="0">
+                <a:solidFill>
+                  <a:schemeClr val="bg1"/>
+                </a:solidFill>
+                <a:latin typeface="Segoe UI Light" panose="020B0502040204020203" pitchFamily="34" charset="0"/>
+                <a:cs typeface="Segoe UI Light" panose="020B0502040204020203" pitchFamily="34" charset="0"/>
+              </a:rPr>
+              <a:t> </a:t>
+            </a:r>
+            <a:r>
+              <a:rPr lang="ru-RU" sz="1400" dirty="0" err="1">
+                <a:solidFill>
+                  <a:schemeClr val="bg1"/>
+                </a:solidFill>
+                <a:latin typeface="Segoe UI Light" panose="020B0502040204020203" pitchFamily="34" charset="0"/>
+                <a:cs typeface="Segoe UI Light" panose="020B0502040204020203" pitchFamily="34" charset="0"/>
+              </a:rPr>
+              <a:t>Network</a:t>
+            </a:r>
+            <a:r>
+              <a:rPr lang="ru-RU" sz="1400" dirty="0">
+                <a:solidFill>
+                  <a:schemeClr val="bg1"/>
+                </a:solidFill>
+                <a:latin typeface="Segoe UI Light" panose="020B0502040204020203" pitchFamily="34" charset="0"/>
+                <a:cs typeface="Segoe UI Light" panose="020B0502040204020203" pitchFamily="34" charset="0"/>
+              </a:rPr>
+              <a:t>                                                       http://itvdn.com</a:t>
             </a:r>
           </a:p>
         </p:txBody>
@@ -10786,7 +13032,7 @@
           <a:lstStyle/>
           <a:p>
             <a:r>
-              <a:rPr lang="en-US" sz="2000" dirty="0">
+              <a:rPr lang="ru-RU" sz="2000" dirty="0">
                 <a:solidFill>
                   <a:schemeClr val="bg1"/>
                 </a:solidFill>
@@ -10795,7 +13041,9 @@
               </a:rPr>
               <a:t>ITVDN</a:t>
             </a:r>
-            <a:endParaRPr lang="en-US" sz="2000" dirty="0"/>
+            <a:endParaRPr lang="ru-RU" sz="2000" dirty="0">
+              <a:latin typeface="Segoe UI" panose="020B0502040204020203" pitchFamily="34" charset="0"/>
+            </a:endParaRPr>
           </a:p>
         </p:txBody>
       </p:sp>
@@ -10956,7 +13204,9 @@
             <a:lstStyle/>
             <a:p>
               <a:pPr algn="ctr"/>
-              <a:endParaRPr lang="en-US"/>
+              <a:endParaRPr lang="en-US" dirty="0">
+                <a:latin typeface="Segoe UI" panose="020B0502040204020203" pitchFamily="34" charset="0"/>
+              </a:endParaRPr>
             </a:p>
           </p:txBody>
         </p:sp>
@@ -11105,7 +13355,9 @@
             <a:lstStyle/>
             <a:p>
               <a:pPr algn="ctr"/>
-              <a:endParaRPr lang="en-US"/>
+              <a:endParaRPr lang="en-US" dirty="0">
+                <a:latin typeface="Segoe UI" panose="020B0502040204020203" pitchFamily="34" charset="0"/>
+              </a:endParaRPr>
             </a:p>
           </p:txBody>
         </p:sp>
@@ -11254,7 +13506,9 @@
           <a:lstStyle/>
           <a:p>
             <a:pPr algn="ctr"/>
-            <a:endParaRPr lang="en-US"/>
+            <a:endParaRPr lang="ru-RU" dirty="0">
+              <a:latin typeface="Segoe UI" panose="020B0502040204020203" pitchFamily="34" charset="0"/>
+            </a:endParaRPr>
           </a:p>
         </p:txBody>
       </p:sp>
@@ -11297,7 +13551,7 @@
           </a:lstStyle>
           <a:p>
             <a:r>
-              <a:rPr lang="en-US" sz="3600" dirty="0">
+              <a:rPr lang="ru-RU" sz="3600" dirty="0">
                 <a:solidFill>
                   <a:schemeClr val="bg1"/>
                 </a:solidFill>
@@ -11305,8 +13559,27 @@
                 <a:ea typeface="Segoe UI" pitchFamily="34" charset="0"/>
                 <a:cs typeface="Segoe UI Light" panose="020B0502040204020203" pitchFamily="34" charset="0"/>
               </a:rPr>
-              <a:t>PHP Essential</a:t>
-            </a:r>
+              <a:t>PHP </a:t>
+            </a:r>
+            <a:r>
+              <a:rPr lang="ru-RU" sz="3600" dirty="0" err="1">
+                <a:solidFill>
+                  <a:schemeClr val="bg1"/>
+                </a:solidFill>
+                <a:latin typeface="Segoe UI Light" panose="020B0502040204020203" pitchFamily="34" charset="0"/>
+                <a:ea typeface="Segoe UI" pitchFamily="34" charset="0"/>
+                <a:cs typeface="Segoe UI Light" panose="020B0502040204020203" pitchFamily="34" charset="0"/>
+              </a:rPr>
+              <a:t>Essential</a:t>
+            </a:r>
+            <a:endParaRPr lang="ru-RU" sz="3600" dirty="0">
+              <a:solidFill>
+                <a:schemeClr val="bg1"/>
+              </a:solidFill>
+              <a:latin typeface="Segoe UI Light" panose="020B0502040204020203" pitchFamily="34" charset="0"/>
+              <a:ea typeface="Segoe UI" pitchFamily="34" charset="0"/>
+              <a:cs typeface="Segoe UI Light" panose="020B0502040204020203" pitchFamily="34" charset="0"/>
+            </a:endParaRPr>
           </a:p>
         </p:txBody>
       </p:sp>
@@ -11318,7 +13591,7 @@
         </p:nvSpPr>
         <p:spPr>
           <a:xfrm>
-            <a:off x="4907137" y="1915765"/>
+            <a:off x="4800600" y="1915765"/>
             <a:ext cx="3703463" cy="677108"/>
           </a:xfrm>
           <a:prstGeom prst="rect">
@@ -11361,15 +13634,32 @@
           </a:p>
           <a:p>
             <a:r>
-              <a:rPr lang="en-US" dirty="0">
+              <a:rPr lang="ru-RU" dirty="0">
                 <a:solidFill>
                   <a:srgbClr val="D04E1D"/>
                 </a:solidFill>
                 <a:latin typeface="Segoe UI Light" panose="020B0502040204020203" pitchFamily="34" charset="0"/>
                 <a:cs typeface="Segoe UI Light" panose="020B0502040204020203" pitchFamily="34" charset="0"/>
               </a:rPr>
-              <a:t>PHP Developer</a:t>
-            </a:r>
+              <a:t>PHP </a:t>
+            </a:r>
+            <a:r>
+              <a:rPr lang="ru-RU" dirty="0" err="1">
+                <a:solidFill>
+                  <a:srgbClr val="D04E1D"/>
+                </a:solidFill>
+                <a:latin typeface="Segoe UI Light" panose="020B0502040204020203" pitchFamily="34" charset="0"/>
+                <a:cs typeface="Segoe UI Light" panose="020B0502040204020203" pitchFamily="34" charset="0"/>
+              </a:rPr>
+              <a:t>Developer</a:t>
+            </a:r>
+            <a:endParaRPr lang="ru-RU" dirty="0">
+              <a:solidFill>
+                <a:srgbClr val="D04E1D"/>
+              </a:solidFill>
+              <a:latin typeface="Segoe UI Light" panose="020B0502040204020203" pitchFamily="34" charset="0"/>
+              <a:cs typeface="Segoe UI Light" panose="020B0502040204020203" pitchFamily="34" charset="0"/>
+            </a:endParaRPr>
           </a:p>
         </p:txBody>
       </p:sp>
@@ -11412,7 +13702,7 @@
           </a:lstStyle>
           <a:p>
             <a:r>
-              <a:rPr lang="en-US" sz="2800" dirty="0">
+              <a:rPr lang="ru-RU" sz="2800" dirty="0" err="1">
                 <a:solidFill>
                   <a:srgbClr val="D04E1D"/>
                 </a:solidFill>
@@ -11421,6 +13711,13 @@
               </a:rPr>
               <a:t>Introduction</a:t>
             </a:r>
+            <a:endParaRPr lang="ru-RU" sz="2800" dirty="0">
+              <a:solidFill>
+                <a:srgbClr val="D04E1D"/>
+              </a:solidFill>
+              <a:latin typeface="Segoe UI Light" panose="020B0502040204020203" pitchFamily="34" charset="0"/>
+              <a:cs typeface="Segoe UI Light" panose="020B0502040204020203" pitchFamily="34" charset="0"/>
+            </a:endParaRPr>
           </a:p>
         </p:txBody>
       </p:sp>
@@ -11464,7 +13761,9 @@
           <a:lstStyle/>
           <a:p>
             <a:pPr algn="ctr"/>
-            <a:endParaRPr lang="en-US"/>
+            <a:endParaRPr lang="ru-RU" dirty="0">
+              <a:latin typeface="Segoe UI" panose="020B0502040204020203" pitchFamily="34" charset="0"/>
+            </a:endParaRPr>
           </a:p>
         </p:txBody>
       </p:sp>
@@ -11490,14 +13789,104 @@
           <a:lstStyle/>
           <a:p>
             <a:r>
-              <a:rPr lang="en-US" sz="1400" dirty="0">
-                <a:solidFill>
-                  <a:schemeClr val="bg1"/>
-                </a:solidFill>
-                <a:latin typeface="Segoe UI Light" panose="020B0502040204020203" pitchFamily="34" charset="0"/>
-                <a:cs typeface="Segoe UI Light" panose="020B0502040204020203" pitchFamily="34" charset="0"/>
-              </a:rPr>
-              <a:t>Information Technology Video Developer Network                                                       http://itvdn.com</a:t>
+              <a:rPr lang="ru-RU" sz="1400" dirty="0" err="1">
+                <a:solidFill>
+                  <a:schemeClr val="bg1"/>
+                </a:solidFill>
+                <a:latin typeface="Segoe UI Light" panose="020B0502040204020203" pitchFamily="34" charset="0"/>
+                <a:cs typeface="Segoe UI Light" panose="020B0502040204020203" pitchFamily="34" charset="0"/>
+              </a:rPr>
+              <a:t>Information</a:t>
+            </a:r>
+            <a:r>
+              <a:rPr lang="ru-RU" sz="1400" dirty="0">
+                <a:solidFill>
+                  <a:schemeClr val="bg1"/>
+                </a:solidFill>
+                <a:latin typeface="Segoe UI Light" panose="020B0502040204020203" pitchFamily="34" charset="0"/>
+                <a:cs typeface="Segoe UI Light" panose="020B0502040204020203" pitchFamily="34" charset="0"/>
+              </a:rPr>
+              <a:t> </a:t>
+            </a:r>
+            <a:r>
+              <a:rPr lang="ru-RU" sz="1400" dirty="0" err="1">
+                <a:solidFill>
+                  <a:schemeClr val="bg1"/>
+                </a:solidFill>
+                <a:latin typeface="Segoe UI Light" panose="020B0502040204020203" pitchFamily="34" charset="0"/>
+                <a:cs typeface="Segoe UI Light" panose="020B0502040204020203" pitchFamily="34" charset="0"/>
+              </a:rPr>
+              <a:t>Technology</a:t>
+            </a:r>
+            <a:r>
+              <a:rPr lang="ru-RU" sz="1400" dirty="0">
+                <a:solidFill>
+                  <a:schemeClr val="bg1"/>
+                </a:solidFill>
+                <a:latin typeface="Segoe UI Light" panose="020B0502040204020203" pitchFamily="34" charset="0"/>
+                <a:cs typeface="Segoe UI Light" panose="020B0502040204020203" pitchFamily="34" charset="0"/>
+              </a:rPr>
+              <a:t> </a:t>
+            </a:r>
+            <a:r>
+              <a:rPr lang="ru-RU" sz="1400" dirty="0" err="1">
+                <a:solidFill>
+                  <a:schemeClr val="bg1"/>
+                </a:solidFill>
+                <a:latin typeface="Segoe UI Light" panose="020B0502040204020203" pitchFamily="34" charset="0"/>
+                <a:cs typeface="Segoe UI Light" panose="020B0502040204020203" pitchFamily="34" charset="0"/>
+              </a:rPr>
+              <a:t>Video</a:t>
+            </a:r>
+            <a:r>
+              <a:rPr lang="ru-RU" sz="1400" dirty="0">
+                <a:solidFill>
+                  <a:schemeClr val="bg1"/>
+                </a:solidFill>
+                <a:latin typeface="Segoe UI Light" panose="020B0502040204020203" pitchFamily="34" charset="0"/>
+                <a:cs typeface="Segoe UI Light" panose="020B0502040204020203" pitchFamily="34" charset="0"/>
+              </a:rPr>
+              <a:t> </a:t>
+            </a:r>
+            <a:r>
+              <a:rPr lang="ru-RU" sz="1400" dirty="0" err="1">
+                <a:solidFill>
+                  <a:schemeClr val="bg1"/>
+                </a:solidFill>
+                <a:latin typeface="Segoe UI Light" panose="020B0502040204020203" pitchFamily="34" charset="0"/>
+                <a:cs typeface="Segoe UI Light" panose="020B0502040204020203" pitchFamily="34" charset="0"/>
+              </a:rPr>
+              <a:t>Developer</a:t>
+            </a:r>
+            <a:r>
+              <a:rPr lang="ru-RU" sz="1400" dirty="0">
+                <a:solidFill>
+                  <a:schemeClr val="bg1"/>
+                </a:solidFill>
+                <a:latin typeface="Segoe UI Light" panose="020B0502040204020203" pitchFamily="34" charset="0"/>
+                <a:cs typeface="Segoe UI Light" panose="020B0502040204020203" pitchFamily="34" charset="0"/>
+              </a:rPr>
+              <a:t> </a:t>
+            </a:r>
+            <a:r>
+              <a:rPr lang="ru-RU" sz="1400" dirty="0" err="1">
+                <a:solidFill>
+                  <a:schemeClr val="bg1"/>
+                </a:solidFill>
+                <a:latin typeface="Segoe UI Light" panose="020B0502040204020203" pitchFamily="34" charset="0"/>
+                <a:cs typeface="Segoe UI Light" panose="020B0502040204020203" pitchFamily="34" charset="0"/>
+              </a:rPr>
+              <a:t>Network</a:t>
+            </a:r>
+            <a:r>
+              <a:rPr lang="ru-RU" sz="1400" dirty="0">
+                <a:solidFill>
+                  <a:schemeClr val="bg1"/>
+                </a:solidFill>
+                <a:latin typeface="Segoe UI Light" panose="020B0502040204020203" pitchFamily="34" charset="0"/>
+                <a:cs typeface="Segoe UI Light" panose="020B0502040204020203" pitchFamily="34" charset="0"/>
+              </a:rPr>
+              <a:t>                                                       http://itvdn.com</a:t>
             </a:r>
           </a:p>
         </p:txBody>
@@ -11524,7 +13913,7 @@
           <a:lstStyle/>
           <a:p>
             <a:r>
-              <a:rPr lang="en-US" sz="2000" dirty="0">
+              <a:rPr lang="ru-RU" sz="2000" dirty="0">
                 <a:solidFill>
                   <a:schemeClr val="bg1"/>
                 </a:solidFill>
@@ -11533,7 +13922,9 @@
               </a:rPr>
               <a:t>ITVDN</a:t>
             </a:r>
-            <a:endParaRPr lang="en-US" sz="2000" dirty="0"/>
+            <a:endParaRPr lang="ru-RU" sz="2000" dirty="0">
+              <a:latin typeface="Segoe UI" panose="020B0502040204020203" pitchFamily="34" charset="0"/>
+            </a:endParaRPr>
           </a:p>
         </p:txBody>
       </p:sp>
@@ -11694,7 +14085,9 @@
             <a:lstStyle/>
             <a:p>
               <a:pPr algn="ctr"/>
-              <a:endParaRPr lang="en-US"/>
+              <a:endParaRPr lang="en-US" dirty="0">
+                <a:latin typeface="Segoe UI" panose="020B0502040204020203" pitchFamily="34" charset="0"/>
+              </a:endParaRPr>
             </a:p>
           </p:txBody>
         </p:sp>
@@ -11843,7 +14236,9 @@
             <a:lstStyle/>
             <a:p>
               <a:pPr algn="ctr"/>
-              <a:endParaRPr lang="en-US"/>
+              <a:endParaRPr lang="en-US" dirty="0">
+                <a:latin typeface="Segoe UI" panose="020B0502040204020203" pitchFamily="34" charset="0"/>
+              </a:endParaRPr>
             </a:p>
           </p:txBody>
         </p:sp>
@@ -11882,7 +14277,7 @@
         </p:nvSpPr>
         <p:spPr>
           <a:xfrm>
-            <a:off x="5135737" y="3039951"/>
+            <a:off x="5135737" y="3059668"/>
             <a:ext cx="1431995" cy="369332"/>
           </a:xfrm>
           <a:prstGeom prst="rect">
@@ -11896,14 +14291,14 @@
           <a:lstStyle/>
           <a:p>
             <a:r>
-              <a:rPr lang="en-US" dirty="0" err="1">
+              <a:rPr lang="ru-RU" dirty="0" err="1">
                 <a:latin typeface="Segoe UI" panose="020B0502040204020203" pitchFamily="34" charset="0"/>
                 <a:cs typeface="Segoe UI" panose="020B0502040204020203" pitchFamily="34" charset="0"/>
                 <a:hlinkClick r:id="rId3"/>
               </a:rPr>
               <a:t>alex-khonko</a:t>
             </a:r>
-            <a:endParaRPr lang="en-US" dirty="0">
+            <a:endParaRPr lang="ru-RU" dirty="0">
               <a:latin typeface="Segoe UI" panose="020B0502040204020203" pitchFamily="34" charset="0"/>
               <a:cs typeface="Segoe UI" panose="020B0502040204020203" pitchFamily="34" charset="0"/>
             </a:endParaRPr>
@@ -11959,21 +14354,22 @@
           </p:cNvPicPr>
           <p:nvPr/>
         </p:nvPicPr>
-        <p:blipFill rotWithShape="1">
-          <a:blip r:embed="rId6">
+        <p:blipFill>
+          <a:blip r:embed="rId6" cstate="print">
             <a:extLst>
               <a:ext uri="{28A0092B-C50C-407E-A947-70E740481C1C}">
                 <a14:useLocalDpi xmlns:a14="http://schemas.microsoft.com/office/drawing/2010/main" val="0"/>
               </a:ext>
             </a:extLst>
           </a:blip>
-          <a:srcRect l="9272" r="8952"/>
-          <a:stretch/>
+          <a:stretch>
+            <a:fillRect/>
+          </a:stretch>
         </p:blipFill>
         <p:spPr>
           <a:xfrm>
-            <a:off x="2133600" y="2073347"/>
-            <a:ext cx="2209801" cy="2702265"/>
+            <a:off x="2077734" y="2048360"/>
+            <a:ext cx="2321534" cy="2752240"/>
           </a:xfrm>
           <a:prstGeom prst="rect">
             <a:avLst/>
@@ -12051,7 +14447,7 @@
             </a:lvl1pPr>
           </a:lstStyle>
           <a:p>
-            <a:endParaRPr lang="en-US" sz="2800" dirty="0">
+            <a:endParaRPr lang="ru-RU" sz="2800" dirty="0">
               <a:solidFill>
                 <a:srgbClr val="D04E1D"/>
               </a:solidFill>
@@ -12101,7 +14497,9 @@
           <a:lstStyle/>
           <a:p>
             <a:pPr algn="ctr"/>
-            <a:endParaRPr lang="en-US"/>
+            <a:endParaRPr lang="ru-RU" dirty="0">
+              <a:latin typeface="Segoe UI" panose="020B0502040204020203" pitchFamily="34" charset="0"/>
+            </a:endParaRPr>
           </a:p>
         </p:txBody>
       </p:sp>
@@ -12127,14 +14525,104 @@
           <a:lstStyle/>
           <a:p>
             <a:r>
-              <a:rPr lang="en-US" sz="1400" dirty="0">
-                <a:solidFill>
-                  <a:schemeClr val="bg1"/>
-                </a:solidFill>
-                <a:latin typeface="Segoe UI Light" panose="020B0502040204020203" pitchFamily="34" charset="0"/>
-                <a:cs typeface="Segoe UI Light" panose="020B0502040204020203" pitchFamily="34" charset="0"/>
-              </a:rPr>
-              <a:t>Information Technology Video Developer Network                                                       http://itvdn.com</a:t>
+              <a:rPr lang="ru-RU" sz="1400" dirty="0" err="1">
+                <a:solidFill>
+                  <a:schemeClr val="bg1"/>
+                </a:solidFill>
+                <a:latin typeface="Segoe UI Light" panose="020B0502040204020203" pitchFamily="34" charset="0"/>
+                <a:cs typeface="Segoe UI Light" panose="020B0502040204020203" pitchFamily="34" charset="0"/>
+              </a:rPr>
+              <a:t>Information</a:t>
+            </a:r>
+            <a:r>
+              <a:rPr lang="ru-RU" sz="1400" dirty="0">
+                <a:solidFill>
+                  <a:schemeClr val="bg1"/>
+                </a:solidFill>
+                <a:latin typeface="Segoe UI Light" panose="020B0502040204020203" pitchFamily="34" charset="0"/>
+                <a:cs typeface="Segoe UI Light" panose="020B0502040204020203" pitchFamily="34" charset="0"/>
+              </a:rPr>
+              <a:t> </a:t>
+            </a:r>
+            <a:r>
+              <a:rPr lang="ru-RU" sz="1400" dirty="0" err="1">
+                <a:solidFill>
+                  <a:schemeClr val="bg1"/>
+                </a:solidFill>
+                <a:latin typeface="Segoe UI Light" panose="020B0502040204020203" pitchFamily="34" charset="0"/>
+                <a:cs typeface="Segoe UI Light" panose="020B0502040204020203" pitchFamily="34" charset="0"/>
+              </a:rPr>
+              <a:t>Technology</a:t>
+            </a:r>
+            <a:r>
+              <a:rPr lang="ru-RU" sz="1400" dirty="0">
+                <a:solidFill>
+                  <a:schemeClr val="bg1"/>
+                </a:solidFill>
+                <a:latin typeface="Segoe UI Light" panose="020B0502040204020203" pitchFamily="34" charset="0"/>
+                <a:cs typeface="Segoe UI Light" panose="020B0502040204020203" pitchFamily="34" charset="0"/>
+              </a:rPr>
+              <a:t> </a:t>
+            </a:r>
+            <a:r>
+              <a:rPr lang="ru-RU" sz="1400" dirty="0" err="1">
+                <a:solidFill>
+                  <a:schemeClr val="bg1"/>
+                </a:solidFill>
+                <a:latin typeface="Segoe UI Light" panose="020B0502040204020203" pitchFamily="34" charset="0"/>
+                <a:cs typeface="Segoe UI Light" panose="020B0502040204020203" pitchFamily="34" charset="0"/>
+              </a:rPr>
+              <a:t>Video</a:t>
+            </a:r>
+            <a:r>
+              <a:rPr lang="ru-RU" sz="1400" dirty="0">
+                <a:solidFill>
+                  <a:schemeClr val="bg1"/>
+                </a:solidFill>
+                <a:latin typeface="Segoe UI Light" panose="020B0502040204020203" pitchFamily="34" charset="0"/>
+                <a:cs typeface="Segoe UI Light" panose="020B0502040204020203" pitchFamily="34" charset="0"/>
+              </a:rPr>
+              <a:t> </a:t>
+            </a:r>
+            <a:r>
+              <a:rPr lang="ru-RU" sz="1400" dirty="0" err="1">
+                <a:solidFill>
+                  <a:schemeClr val="bg1"/>
+                </a:solidFill>
+                <a:latin typeface="Segoe UI Light" panose="020B0502040204020203" pitchFamily="34" charset="0"/>
+                <a:cs typeface="Segoe UI Light" panose="020B0502040204020203" pitchFamily="34" charset="0"/>
+              </a:rPr>
+              <a:t>Developer</a:t>
+            </a:r>
+            <a:r>
+              <a:rPr lang="ru-RU" sz="1400" dirty="0">
+                <a:solidFill>
+                  <a:schemeClr val="bg1"/>
+                </a:solidFill>
+                <a:latin typeface="Segoe UI Light" panose="020B0502040204020203" pitchFamily="34" charset="0"/>
+                <a:cs typeface="Segoe UI Light" panose="020B0502040204020203" pitchFamily="34" charset="0"/>
+              </a:rPr>
+              <a:t> </a:t>
+            </a:r>
+            <a:r>
+              <a:rPr lang="ru-RU" sz="1400" dirty="0" err="1">
+                <a:solidFill>
+                  <a:schemeClr val="bg1"/>
+                </a:solidFill>
+                <a:latin typeface="Segoe UI Light" panose="020B0502040204020203" pitchFamily="34" charset="0"/>
+                <a:cs typeface="Segoe UI Light" panose="020B0502040204020203" pitchFamily="34" charset="0"/>
+              </a:rPr>
+              <a:t>Network</a:t>
+            </a:r>
+            <a:r>
+              <a:rPr lang="ru-RU" sz="1400" dirty="0">
+                <a:solidFill>
+                  <a:schemeClr val="bg1"/>
+                </a:solidFill>
+                <a:latin typeface="Segoe UI Light" panose="020B0502040204020203" pitchFamily="34" charset="0"/>
+                <a:cs typeface="Segoe UI Light" panose="020B0502040204020203" pitchFamily="34" charset="0"/>
+              </a:rPr>
+              <a:t>                                                       http://itvdn.com</a:t>
             </a:r>
           </a:p>
         </p:txBody>
@@ -12161,7 +14649,7 @@
           <a:lstStyle/>
           <a:p>
             <a:r>
-              <a:rPr lang="en-US" sz="2000" dirty="0">
+              <a:rPr lang="ru-RU" sz="2000" dirty="0">
                 <a:solidFill>
                   <a:schemeClr val="bg1"/>
                 </a:solidFill>
@@ -12170,7 +14658,9 @@
               </a:rPr>
               <a:t>ITVDN</a:t>
             </a:r>
-            <a:endParaRPr lang="en-US" sz="2000" dirty="0"/>
+            <a:endParaRPr lang="ru-RU" sz="2000" dirty="0">
+              <a:latin typeface="Segoe UI" panose="020B0502040204020203" pitchFamily="34" charset="0"/>
+            </a:endParaRPr>
           </a:p>
         </p:txBody>
       </p:sp>
@@ -12331,7 +14821,9 @@
             <a:lstStyle/>
             <a:p>
               <a:pPr algn="ctr"/>
-              <a:endParaRPr lang="en-US"/>
+              <a:endParaRPr lang="en-US" dirty="0">
+                <a:latin typeface="Segoe UI" panose="020B0502040204020203" pitchFamily="34" charset="0"/>
+              </a:endParaRPr>
             </a:p>
           </p:txBody>
         </p:sp>
@@ -12480,7 +14972,9 @@
             <a:lstStyle/>
             <a:p>
               <a:pPr algn="ctr"/>
-              <a:endParaRPr lang="en-US"/>
+              <a:endParaRPr lang="en-US" dirty="0">
+                <a:latin typeface="Segoe UI" panose="020B0502040204020203" pitchFamily="34" charset="0"/>
+              </a:endParaRPr>
             </a:p>
           </p:txBody>
         </p:sp>
@@ -12525,7 +15019,9 @@
           <a:lstStyle/>
           <a:p>
             <a:pPr algn="ctr"/>
-            <a:endParaRPr lang="en-US"/>
+            <a:endParaRPr lang="ru-RU" dirty="0">
+              <a:latin typeface="Segoe UI" panose="020B0502040204020203" pitchFamily="34" charset="0"/>
+            </a:endParaRPr>
           </a:p>
         </p:txBody>
       </p:sp>
@@ -12537,7 +15033,7 @@
         </p:nvSpPr>
         <p:spPr>
           <a:xfrm>
-            <a:off x="533400" y="1524000"/>
+            <a:off x="495300" y="1524000"/>
             <a:ext cx="11201400" cy="4419600"/>
           </a:xfrm>
           <a:prstGeom prst="rect">
@@ -12569,7 +15065,7 @@
           <a:lstStyle/>
           <a:p>
             <a:pPr algn="ctr"/>
-            <a:endParaRPr lang="ru-RU" sz="3600" dirty="0">
+            <a:endParaRPr lang="ru-RU" sz="2800" dirty="0">
               <a:solidFill>
                 <a:srgbClr val="D04E1D"/>
               </a:solidFill>
@@ -12580,6 +15076,28 @@
           </a:p>
           <a:p>
             <a:pPr algn="ctr"/>
+            <a:endParaRPr lang="ru-RU" sz="2800" dirty="0">
+              <a:solidFill>
+                <a:srgbClr val="D04E1D"/>
+              </a:solidFill>
+              <a:latin typeface="Segoe UI Light" panose="020B0502040204020203" pitchFamily="34" charset="0"/>
+              <a:ea typeface="+mj-ea"/>
+              <a:cs typeface="Segoe UI Light" panose="020B0502040204020203" pitchFamily="34" charset="0"/>
+            </a:endParaRPr>
+          </a:p>
+          <a:p>
+            <a:pPr algn="ctr"/>
+            <a:endParaRPr lang="ru-RU" sz="2800" dirty="0">
+              <a:solidFill>
+                <a:srgbClr val="D04E1D"/>
+              </a:solidFill>
+              <a:latin typeface="Segoe UI Light" panose="020B0502040204020203" pitchFamily="34" charset="0"/>
+              <a:ea typeface="+mj-ea"/>
+              <a:cs typeface="Segoe UI Light" panose="020B0502040204020203" pitchFamily="34" charset="0"/>
+            </a:endParaRPr>
+          </a:p>
+          <a:p>
+            <a:pPr algn="ctr"/>
             <a:r>
               <a:rPr lang="ru-RU" sz="3600" dirty="0">
                 <a:solidFill>
@@ -12589,7 +15107,7 @@
                 <a:ea typeface="+mj-ea"/>
                 <a:cs typeface="Segoe UI Light" panose="020B0502040204020203" pitchFamily="34" charset="0"/>
               </a:rPr>
-              <a:t>Контекст вызова</a:t>
+              <a:t>Контекст вызова.</a:t>
             </a:r>
           </a:p>
           <a:p>
@@ -12603,11 +15121,19 @@
                 <a:ea typeface="+mj-ea"/>
                 <a:cs typeface="Segoe UI Light" panose="020B0502040204020203" pitchFamily="34" charset="0"/>
               </a:rPr>
-              <a:t>Константы</a:t>
-            </a:r>
-          </a:p>
-          <a:p>
-            <a:pPr algn="ctr"/>
+              <a:t>Статика в </a:t>
+            </a:r>
+            <a:r>
+              <a:rPr lang="en-US" sz="3600" dirty="0">
+                <a:solidFill>
+                  <a:srgbClr val="D04E1D"/>
+                </a:solidFill>
+                <a:latin typeface="Segoe UI Light" panose="020B0502040204020203" pitchFamily="34" charset="0"/>
+                <a:ea typeface="+mj-ea"/>
+                <a:cs typeface="Segoe UI Light" panose="020B0502040204020203" pitchFamily="34" charset="0"/>
+              </a:rPr>
+              <a:t>PHP </a:t>
+            </a:r>
             <a:r>
               <a:rPr lang="ru-RU" sz="3600" dirty="0">
                 <a:solidFill>
@@ -12617,7 +15143,7 @@
                 <a:ea typeface="+mj-ea"/>
                 <a:cs typeface="Segoe UI Light" panose="020B0502040204020203" pitchFamily="34" charset="0"/>
               </a:rPr>
-              <a:t>Статика</a:t>
+              <a:t>ООП</a:t>
             </a:r>
           </a:p>
         </p:txBody>
@@ -12661,7 +15187,7 @@
           </a:lstStyle>
           <a:p>
             <a:r>
-              <a:rPr lang="en-US" sz="3600" dirty="0">
+              <a:rPr lang="ru-RU" sz="3600" dirty="0">
                 <a:solidFill>
                   <a:schemeClr val="bg1"/>
                 </a:solidFill>
@@ -12669,8 +15195,27 @@
                 <a:ea typeface="Segoe UI" pitchFamily="34" charset="0"/>
                 <a:cs typeface="Segoe UI Light" panose="020B0502040204020203" pitchFamily="34" charset="0"/>
               </a:rPr>
-              <a:t>PHP Essentials</a:t>
-            </a:r>
+              <a:t>PHP </a:t>
+            </a:r>
+            <a:r>
+              <a:rPr lang="ru-RU" sz="3600" dirty="0" err="1">
+                <a:solidFill>
+                  <a:schemeClr val="bg1"/>
+                </a:solidFill>
+                <a:latin typeface="Segoe UI Light" panose="020B0502040204020203" pitchFamily="34" charset="0"/>
+                <a:ea typeface="Segoe UI" pitchFamily="34" charset="0"/>
+                <a:cs typeface="Segoe UI Light" panose="020B0502040204020203" pitchFamily="34" charset="0"/>
+              </a:rPr>
+              <a:t>Essential</a:t>
+            </a:r>
+            <a:endParaRPr lang="ru-RU" sz="3600" dirty="0">
+              <a:solidFill>
+                <a:schemeClr val="bg1"/>
+              </a:solidFill>
+              <a:latin typeface="Segoe UI Light" panose="020B0502040204020203" pitchFamily="34" charset="0"/>
+              <a:ea typeface="Segoe UI" pitchFamily="34" charset="0"/>
+              <a:cs typeface="Segoe UI Light" panose="020B0502040204020203" pitchFamily="34" charset="0"/>
+            </a:endParaRPr>
           </a:p>
         </p:txBody>
       </p:sp>
@@ -12722,13 +15267,6 @@
               </a:rPr>
               <a:t>Тема урока</a:t>
             </a:r>
-            <a:endParaRPr lang="en-US" sz="2800" dirty="0">
-              <a:solidFill>
-                <a:srgbClr val="D04E1D"/>
-              </a:solidFill>
-              <a:latin typeface="Segoe UI Light" panose="020B0502040204020203" pitchFamily="34" charset="0"/>
-              <a:cs typeface="Segoe UI Light" panose="020B0502040204020203" pitchFamily="34" charset="0"/>
-            </a:endParaRPr>
           </a:p>
         </p:txBody>
       </p:sp>
@@ -12813,13 +15351,6 @@
               </a:rPr>
               <a:t>План урока</a:t>
             </a:r>
-            <a:endParaRPr lang="en-US" sz="2800" dirty="0">
-              <a:solidFill>
-                <a:srgbClr val="D04E1D"/>
-              </a:solidFill>
-              <a:latin typeface="Segoe UI Light" panose="020B0502040204020203" pitchFamily="34" charset="0"/>
-              <a:cs typeface="Segoe UI Light" panose="020B0502040204020203" pitchFamily="34" charset="0"/>
-            </a:endParaRPr>
           </a:p>
         </p:txBody>
       </p:sp>
@@ -12863,7 +15394,9 @@
           <a:lstStyle/>
           <a:p>
             <a:pPr algn="ctr"/>
-            <a:endParaRPr lang="en-US"/>
+            <a:endParaRPr lang="ru-RU" dirty="0">
+              <a:latin typeface="Segoe UI" panose="020B0502040204020203" pitchFamily="34" charset="0"/>
+            </a:endParaRPr>
           </a:p>
         </p:txBody>
       </p:sp>
@@ -12889,14 +15422,104 @@
           <a:lstStyle/>
           <a:p>
             <a:r>
-              <a:rPr lang="en-US" sz="1400" dirty="0">
-                <a:solidFill>
-                  <a:schemeClr val="bg1"/>
-                </a:solidFill>
-                <a:latin typeface="Segoe UI Light" panose="020B0502040204020203" pitchFamily="34" charset="0"/>
-                <a:cs typeface="Segoe UI Light" panose="020B0502040204020203" pitchFamily="34" charset="0"/>
-              </a:rPr>
-              <a:t>Information Technology Video Developer Network                                                       http://itvdn.com</a:t>
+              <a:rPr lang="ru-RU" sz="1400" dirty="0" err="1">
+                <a:solidFill>
+                  <a:schemeClr val="bg1"/>
+                </a:solidFill>
+                <a:latin typeface="Segoe UI Light" panose="020B0502040204020203" pitchFamily="34" charset="0"/>
+                <a:cs typeface="Segoe UI Light" panose="020B0502040204020203" pitchFamily="34" charset="0"/>
+              </a:rPr>
+              <a:t>Information</a:t>
+            </a:r>
+            <a:r>
+              <a:rPr lang="ru-RU" sz="1400" dirty="0">
+                <a:solidFill>
+                  <a:schemeClr val="bg1"/>
+                </a:solidFill>
+                <a:latin typeface="Segoe UI Light" panose="020B0502040204020203" pitchFamily="34" charset="0"/>
+                <a:cs typeface="Segoe UI Light" panose="020B0502040204020203" pitchFamily="34" charset="0"/>
+              </a:rPr>
+              <a:t> </a:t>
+            </a:r>
+            <a:r>
+              <a:rPr lang="ru-RU" sz="1400" dirty="0" err="1">
+                <a:solidFill>
+                  <a:schemeClr val="bg1"/>
+                </a:solidFill>
+                <a:latin typeface="Segoe UI Light" panose="020B0502040204020203" pitchFamily="34" charset="0"/>
+                <a:cs typeface="Segoe UI Light" panose="020B0502040204020203" pitchFamily="34" charset="0"/>
+              </a:rPr>
+              <a:t>Technology</a:t>
+            </a:r>
+            <a:r>
+              <a:rPr lang="ru-RU" sz="1400" dirty="0">
+                <a:solidFill>
+                  <a:schemeClr val="bg1"/>
+                </a:solidFill>
+                <a:latin typeface="Segoe UI Light" panose="020B0502040204020203" pitchFamily="34" charset="0"/>
+                <a:cs typeface="Segoe UI Light" panose="020B0502040204020203" pitchFamily="34" charset="0"/>
+              </a:rPr>
+              <a:t> </a:t>
+            </a:r>
+            <a:r>
+              <a:rPr lang="ru-RU" sz="1400" dirty="0" err="1">
+                <a:solidFill>
+                  <a:schemeClr val="bg1"/>
+                </a:solidFill>
+                <a:latin typeface="Segoe UI Light" panose="020B0502040204020203" pitchFamily="34" charset="0"/>
+                <a:cs typeface="Segoe UI Light" panose="020B0502040204020203" pitchFamily="34" charset="0"/>
+              </a:rPr>
+              <a:t>Video</a:t>
+            </a:r>
+            <a:r>
+              <a:rPr lang="ru-RU" sz="1400" dirty="0">
+                <a:solidFill>
+                  <a:schemeClr val="bg1"/>
+                </a:solidFill>
+                <a:latin typeface="Segoe UI Light" panose="020B0502040204020203" pitchFamily="34" charset="0"/>
+                <a:cs typeface="Segoe UI Light" panose="020B0502040204020203" pitchFamily="34" charset="0"/>
+              </a:rPr>
+              <a:t> </a:t>
+            </a:r>
+            <a:r>
+              <a:rPr lang="ru-RU" sz="1400" dirty="0" err="1">
+                <a:solidFill>
+                  <a:schemeClr val="bg1"/>
+                </a:solidFill>
+                <a:latin typeface="Segoe UI Light" panose="020B0502040204020203" pitchFamily="34" charset="0"/>
+                <a:cs typeface="Segoe UI Light" panose="020B0502040204020203" pitchFamily="34" charset="0"/>
+              </a:rPr>
+              <a:t>Developer</a:t>
+            </a:r>
+            <a:r>
+              <a:rPr lang="ru-RU" sz="1400" dirty="0">
+                <a:solidFill>
+                  <a:schemeClr val="bg1"/>
+                </a:solidFill>
+                <a:latin typeface="Segoe UI Light" panose="020B0502040204020203" pitchFamily="34" charset="0"/>
+                <a:cs typeface="Segoe UI Light" panose="020B0502040204020203" pitchFamily="34" charset="0"/>
+              </a:rPr>
+              <a:t> </a:t>
+            </a:r>
+            <a:r>
+              <a:rPr lang="ru-RU" sz="1400" dirty="0" err="1">
+                <a:solidFill>
+                  <a:schemeClr val="bg1"/>
+                </a:solidFill>
+                <a:latin typeface="Segoe UI Light" panose="020B0502040204020203" pitchFamily="34" charset="0"/>
+                <a:cs typeface="Segoe UI Light" panose="020B0502040204020203" pitchFamily="34" charset="0"/>
+              </a:rPr>
+              <a:t>Network</a:t>
+            </a:r>
+            <a:r>
+              <a:rPr lang="ru-RU" sz="1400" dirty="0">
+                <a:solidFill>
+                  <a:schemeClr val="bg1"/>
+                </a:solidFill>
+                <a:latin typeface="Segoe UI Light" panose="020B0502040204020203" pitchFamily="34" charset="0"/>
+                <a:cs typeface="Segoe UI Light" panose="020B0502040204020203" pitchFamily="34" charset="0"/>
+              </a:rPr>
+              <a:t>                                                       http://itvdn.com</a:t>
             </a:r>
           </a:p>
         </p:txBody>
@@ -12923,7 +15546,7 @@
           <a:lstStyle/>
           <a:p>
             <a:r>
-              <a:rPr lang="en-US" sz="2000" dirty="0">
+              <a:rPr lang="ru-RU" sz="2000" dirty="0">
                 <a:solidFill>
                   <a:schemeClr val="bg1"/>
                 </a:solidFill>
@@ -12932,7 +15555,9 @@
               </a:rPr>
               <a:t>ITVDN</a:t>
             </a:r>
-            <a:endParaRPr lang="en-US" sz="2000" dirty="0"/>
+            <a:endParaRPr lang="ru-RU" sz="2000" dirty="0">
+              <a:latin typeface="Segoe UI" panose="020B0502040204020203" pitchFamily="34" charset="0"/>
+            </a:endParaRPr>
           </a:p>
         </p:txBody>
       </p:sp>
@@ -13093,7 +15718,9 @@
             <a:lstStyle/>
             <a:p>
               <a:pPr algn="ctr"/>
-              <a:endParaRPr lang="en-US"/>
+              <a:endParaRPr lang="en-US" dirty="0">
+                <a:latin typeface="Segoe UI" panose="020B0502040204020203" pitchFamily="34" charset="0"/>
+              </a:endParaRPr>
             </a:p>
           </p:txBody>
         </p:sp>
@@ -13242,7 +15869,9 @@
             <a:lstStyle/>
             <a:p>
               <a:pPr algn="ctr"/>
-              <a:endParaRPr lang="en-US"/>
+              <a:endParaRPr lang="en-US" dirty="0">
+                <a:latin typeface="Segoe UI" panose="020B0502040204020203" pitchFamily="34" charset="0"/>
+              </a:endParaRPr>
             </a:p>
           </p:txBody>
         </p:sp>
@@ -13287,7 +15916,9 @@
           <a:lstStyle/>
           <a:p>
             <a:pPr algn="ctr"/>
-            <a:endParaRPr lang="en-US"/>
+            <a:endParaRPr lang="ru-RU" dirty="0">
+              <a:latin typeface="Segoe UI" panose="020B0502040204020203" pitchFamily="34" charset="0"/>
+            </a:endParaRPr>
           </a:p>
         </p:txBody>
       </p:sp>
@@ -13330,7 +15961,7 @@
           </a:lstStyle>
           <a:p>
             <a:r>
-              <a:rPr lang="en-US" sz="3600" dirty="0">
+              <a:rPr lang="ru-RU" sz="3600" dirty="0">
                 <a:solidFill>
                   <a:schemeClr val="bg1"/>
                 </a:solidFill>
@@ -13338,8 +15969,27 @@
                 <a:ea typeface="Segoe UI" pitchFamily="34" charset="0"/>
                 <a:cs typeface="Segoe UI Light" panose="020B0502040204020203" pitchFamily="34" charset="0"/>
               </a:rPr>
-              <a:t>PHP Essentials</a:t>
-            </a:r>
+              <a:t>PHP </a:t>
+            </a:r>
+            <a:r>
+              <a:rPr lang="ru-RU" sz="3600" dirty="0" err="1">
+                <a:solidFill>
+                  <a:schemeClr val="bg1"/>
+                </a:solidFill>
+                <a:latin typeface="Segoe UI Light" panose="020B0502040204020203" pitchFamily="34" charset="0"/>
+                <a:ea typeface="Segoe UI" pitchFamily="34" charset="0"/>
+                <a:cs typeface="Segoe UI Light" panose="020B0502040204020203" pitchFamily="34" charset="0"/>
+              </a:rPr>
+              <a:t>Essential</a:t>
+            </a:r>
+            <a:endParaRPr lang="ru-RU" sz="3600" dirty="0">
+              <a:solidFill>
+                <a:schemeClr val="bg1"/>
+              </a:solidFill>
+              <a:latin typeface="Segoe UI Light" panose="020B0502040204020203" pitchFamily="34" charset="0"/>
+              <a:ea typeface="Segoe UI" pitchFamily="34" charset="0"/>
+              <a:cs typeface="Segoe UI Light" panose="020B0502040204020203" pitchFamily="34" charset="0"/>
+            </a:endParaRPr>
           </a:p>
         </p:txBody>
       </p:sp>
@@ -13394,7 +16044,17 @@
                 <a:latin typeface="Segoe UI" panose="020B0502040204020203" pitchFamily="34" charset="0"/>
                 <a:cs typeface="Segoe UI" panose="020B0502040204020203" pitchFamily="34" charset="0"/>
               </a:rPr>
-              <a:t>Что такое ООП</a:t>
+              <a:t>Контекст вызова </a:t>
+            </a:r>
+            <a:r>
+              <a:rPr lang="en-US" dirty="0">
+                <a:solidFill>
+                  <a:schemeClr val="tx1"/>
+                </a:solidFill>
+                <a:latin typeface="Segoe UI" panose="020B0502040204020203" pitchFamily="34" charset="0"/>
+                <a:cs typeface="Segoe UI" panose="020B0502040204020203" pitchFamily="34" charset="0"/>
+              </a:rPr>
+              <a:t>$this</a:t>
             </a:r>
           </a:p>
           <a:p>
@@ -13410,7 +16070,59 @@
                 <a:latin typeface="Segoe UI" panose="020B0502040204020203" pitchFamily="34" charset="0"/>
                 <a:cs typeface="Segoe UI" panose="020B0502040204020203" pitchFamily="34" charset="0"/>
               </a:rPr>
-              <a:t>Главные понятия ООП</a:t>
+              <a:t>Константы</a:t>
+            </a:r>
+          </a:p>
+          <a:p>
+            <a:pPr marL="342900" indent="-342900">
+              <a:buFont typeface="+mj-lt"/>
+              <a:buAutoNum type="arabicPeriod"/>
+            </a:pPr>
+            <a:r>
+              <a:rPr lang="ru-RU" dirty="0">
+                <a:solidFill>
+                  <a:schemeClr val="tx1"/>
+                </a:solidFill>
+                <a:latin typeface="Segoe UI" panose="020B0502040204020203" pitchFamily="34" charset="0"/>
+                <a:cs typeface="Segoe UI" panose="020B0502040204020203" pitchFamily="34" charset="0"/>
+              </a:rPr>
+              <a:t>Оператор области видимости</a:t>
+            </a:r>
+          </a:p>
+          <a:p>
+            <a:pPr marL="342900" indent="-342900">
+              <a:buFont typeface="+mj-lt"/>
+              <a:buAutoNum type="arabicPeriod"/>
+            </a:pPr>
+            <a:r>
+              <a:rPr lang="ru-RU" dirty="0">
+                <a:solidFill>
+                  <a:schemeClr val="tx1"/>
+                </a:solidFill>
+                <a:latin typeface="Segoe UI" panose="020B0502040204020203" pitchFamily="34" charset="0"/>
+                <a:cs typeface="Segoe UI" panose="020B0502040204020203" pitchFamily="34" charset="0"/>
+              </a:rPr>
+              <a:t>Статика </a:t>
+            </a:r>
+            <a:r>
+              <a:rPr lang="en-US" dirty="0">
+                <a:solidFill>
+                  <a:schemeClr val="tx1"/>
+                </a:solidFill>
+                <a:latin typeface="Segoe UI" panose="020B0502040204020203" pitchFamily="34" charset="0"/>
+                <a:cs typeface="Segoe UI" panose="020B0502040204020203" pitchFamily="34" charset="0"/>
+              </a:rPr>
+              <a:t>PHP </a:t>
+            </a:r>
+            <a:r>
+              <a:rPr lang="ru-RU" dirty="0">
+                <a:solidFill>
+                  <a:schemeClr val="tx1"/>
+                </a:solidFill>
+                <a:latin typeface="Segoe UI" panose="020B0502040204020203" pitchFamily="34" charset="0"/>
+                <a:cs typeface="Segoe UI" panose="020B0502040204020203" pitchFamily="34" charset="0"/>
+              </a:rPr>
+              <a:t>ООП</a:t>
             </a:r>
           </a:p>
           <a:p>
@@ -13426,7 +16138,7 @@
                 <a:latin typeface="Segoe UI" panose="020B0502040204020203" pitchFamily="34" charset="0"/>
                 <a:cs typeface="Segoe UI" panose="020B0502040204020203" pitchFamily="34" charset="0"/>
               </a:rPr>
-              <a:t>Класс</a:t>
+              <a:t>Статические свойства</a:t>
             </a:r>
           </a:p>
           <a:p>
@@ -13442,7 +16154,23 @@
                 <a:latin typeface="Segoe UI" panose="020B0502040204020203" pitchFamily="34" charset="0"/>
                 <a:cs typeface="Segoe UI" panose="020B0502040204020203" pitchFamily="34" charset="0"/>
               </a:rPr>
-              <a:t>Обьект</a:t>
+              <a:t>Статические методы</a:t>
+            </a:r>
+          </a:p>
+          <a:p>
+            <a:pPr marL="342900" indent="-342900">
+              <a:buFont typeface="+mj-lt"/>
+              <a:buAutoNum type="arabicPeriod"/>
+            </a:pPr>
+            <a:r>
+              <a:rPr lang="ru-RU" dirty="0">
+                <a:solidFill>
+                  <a:schemeClr val="tx1"/>
+                </a:solidFill>
+                <a:latin typeface="Segoe UI" panose="020B0502040204020203" pitchFamily="34" charset="0"/>
+                <a:cs typeface="Segoe UI" panose="020B0502040204020203" pitchFamily="34" charset="0"/>
+              </a:rPr>
+              <a:t>Первая магия ООП</a:t>
             </a:r>
           </a:p>
           <a:p>
@@ -13458,7 +16186,7 @@
                 <a:latin typeface="Segoe UI" panose="020B0502040204020203" pitchFamily="34" charset="0"/>
                 <a:cs typeface="Segoe UI" panose="020B0502040204020203" pitchFamily="34" charset="0"/>
               </a:rPr>
-              <a:t>Свойство</a:t>
+              <a:t>Конструкторы</a:t>
             </a:r>
           </a:p>
           <a:p>
@@ -13474,39 +16202,7 @@
                 <a:latin typeface="Segoe UI" panose="020B0502040204020203" pitchFamily="34" charset="0"/>
                 <a:cs typeface="Segoe UI" panose="020B0502040204020203" pitchFamily="34" charset="0"/>
               </a:rPr>
-              <a:t>Метод</a:t>
-            </a:r>
-          </a:p>
-          <a:p>
-            <a:pPr marL="342900" indent="-342900">
-              <a:buFont typeface="+mj-lt"/>
-              <a:buAutoNum type="arabicPeriod"/>
-            </a:pPr>
-            <a:r>
-              <a:rPr lang="ru-RU" dirty="0">
-                <a:solidFill>
-                  <a:schemeClr val="tx1"/>
-                </a:solidFill>
-                <a:latin typeface="Segoe UI" panose="020B0502040204020203" pitchFamily="34" charset="0"/>
-                <a:cs typeface="Segoe UI" panose="020B0502040204020203" pitchFamily="34" charset="0"/>
-              </a:rPr>
-              <a:t>Особенности передачи значения обьекта</a:t>
-            </a:r>
-          </a:p>
-          <a:p>
-            <a:pPr marL="342900" indent="-342900">
-              <a:buFont typeface="+mj-lt"/>
-              <a:buAutoNum type="arabicPeriod"/>
-            </a:pPr>
-            <a:r>
-              <a:rPr lang="ru-RU" dirty="0">
-                <a:solidFill>
-                  <a:schemeClr val="tx1"/>
-                </a:solidFill>
-                <a:latin typeface="Segoe UI" panose="020B0502040204020203" pitchFamily="34" charset="0"/>
-                <a:cs typeface="Segoe UI" panose="020B0502040204020203" pitchFamily="34" charset="0"/>
-              </a:rPr>
-              <a:t>Сравнение обьектов</a:t>
+              <a:t>деструкторы</a:t>
             </a:r>
           </a:p>
           <a:p>
@@ -13520,7 +16216,10 @@
             </a:endParaRPr>
           </a:p>
           <a:p>
-            <a:pPr lvl="1"/>
+            <a:pPr marL="800100" lvl="1" indent="-342900">
+              <a:buFont typeface="+mj-lt"/>
+              <a:buAutoNum type="arabicPeriod"/>
+            </a:pPr>
             <a:endParaRPr lang="ru-RU" dirty="0">
               <a:solidFill>
                 <a:schemeClr val="tx1"/>
@@ -13530,20 +16229,7 @@
             </a:endParaRPr>
           </a:p>
           <a:p>
-            <a:pPr marL="800100" lvl="1" indent="-342900">
-              <a:buFont typeface="+mj-lt"/>
-              <a:buAutoNum type="arabicPeriod"/>
-            </a:pPr>
-            <a:endParaRPr lang="en-US" dirty="0">
-              <a:solidFill>
-                <a:schemeClr val="tx1"/>
-              </a:solidFill>
-              <a:latin typeface="Segoe UI" panose="020B0502040204020203" pitchFamily="34" charset="0"/>
-              <a:cs typeface="Segoe UI" panose="020B0502040204020203" pitchFamily="34" charset="0"/>
-            </a:endParaRPr>
-          </a:p>
-          <a:p>
-            <a:endParaRPr lang="en-US" dirty="0">
+            <a:endParaRPr lang="ru-RU" dirty="0">
               <a:solidFill>
                 <a:schemeClr val="tx1"/>
               </a:solidFill>
@@ -13632,15 +16318,18 @@
                 <a:latin typeface="Segoe UI Light" panose="020B0502040204020203" pitchFamily="34" charset="0"/>
                 <a:cs typeface="Segoe UI Light" panose="020B0502040204020203" pitchFamily="34" charset="0"/>
               </a:rPr>
-              <a:t>Немного основ</a:t>
-            </a:r>
-            <a:endParaRPr lang="en-US" sz="2800" dirty="0">
-              <a:solidFill>
-                <a:srgbClr val="D04E1D"/>
-              </a:solidFill>
-              <a:latin typeface="Segoe UI Light" panose="020B0502040204020203" pitchFamily="34" charset="0"/>
-              <a:cs typeface="Segoe UI Light" panose="020B0502040204020203" pitchFamily="34" charset="0"/>
-            </a:endParaRPr>
+              <a:t>Контекст вызова $</a:t>
+            </a:r>
+            <a:r>
+              <a:rPr lang="en-US" sz="2800" dirty="0">
+                <a:solidFill>
+                  <a:srgbClr val="D04E1D"/>
+                </a:solidFill>
+                <a:latin typeface="Segoe UI Light" panose="020B0502040204020203" pitchFamily="34" charset="0"/>
+                <a:cs typeface="Segoe UI Light" panose="020B0502040204020203" pitchFamily="34" charset="0"/>
+              </a:rPr>
+              <a:t>this</a:t>
+            </a:r>
           </a:p>
         </p:txBody>
       </p:sp>
@@ -13684,7 +16373,9 @@
           <a:lstStyle/>
           <a:p>
             <a:pPr algn="ctr"/>
-            <a:endParaRPr lang="en-US"/>
+            <a:endParaRPr lang="ru-RU" dirty="0">
+              <a:latin typeface="Segoe UI" panose="020B0502040204020203" pitchFamily="34" charset="0"/>
+            </a:endParaRPr>
           </a:p>
         </p:txBody>
       </p:sp>
@@ -13710,14 +16401,104 @@
           <a:lstStyle/>
           <a:p>
             <a:r>
-              <a:rPr lang="en-US" sz="1400" dirty="0">
-                <a:solidFill>
-                  <a:schemeClr val="bg1"/>
-                </a:solidFill>
-                <a:latin typeface="Segoe UI Light" panose="020B0502040204020203" pitchFamily="34" charset="0"/>
-                <a:cs typeface="Segoe UI Light" panose="020B0502040204020203" pitchFamily="34" charset="0"/>
-              </a:rPr>
-              <a:t>Information Technology Video Developer Network                                                       http://itvdn.com</a:t>
+              <a:rPr lang="ru-RU" sz="1400" dirty="0" err="1">
+                <a:solidFill>
+                  <a:schemeClr val="bg1"/>
+                </a:solidFill>
+                <a:latin typeface="Segoe UI Light" panose="020B0502040204020203" pitchFamily="34" charset="0"/>
+                <a:cs typeface="Segoe UI Light" panose="020B0502040204020203" pitchFamily="34" charset="0"/>
+              </a:rPr>
+              <a:t>Information</a:t>
+            </a:r>
+            <a:r>
+              <a:rPr lang="ru-RU" sz="1400" dirty="0">
+                <a:solidFill>
+                  <a:schemeClr val="bg1"/>
+                </a:solidFill>
+                <a:latin typeface="Segoe UI Light" panose="020B0502040204020203" pitchFamily="34" charset="0"/>
+                <a:cs typeface="Segoe UI Light" panose="020B0502040204020203" pitchFamily="34" charset="0"/>
+              </a:rPr>
+              <a:t> </a:t>
+            </a:r>
+            <a:r>
+              <a:rPr lang="ru-RU" sz="1400" dirty="0" err="1">
+                <a:solidFill>
+                  <a:schemeClr val="bg1"/>
+                </a:solidFill>
+                <a:latin typeface="Segoe UI Light" panose="020B0502040204020203" pitchFamily="34" charset="0"/>
+                <a:cs typeface="Segoe UI Light" panose="020B0502040204020203" pitchFamily="34" charset="0"/>
+              </a:rPr>
+              <a:t>Technology</a:t>
+            </a:r>
+            <a:r>
+              <a:rPr lang="ru-RU" sz="1400" dirty="0">
+                <a:solidFill>
+                  <a:schemeClr val="bg1"/>
+                </a:solidFill>
+                <a:latin typeface="Segoe UI Light" panose="020B0502040204020203" pitchFamily="34" charset="0"/>
+                <a:cs typeface="Segoe UI Light" panose="020B0502040204020203" pitchFamily="34" charset="0"/>
+              </a:rPr>
+              <a:t> </a:t>
+            </a:r>
+            <a:r>
+              <a:rPr lang="ru-RU" sz="1400" dirty="0" err="1">
+                <a:solidFill>
+                  <a:schemeClr val="bg1"/>
+                </a:solidFill>
+                <a:latin typeface="Segoe UI Light" panose="020B0502040204020203" pitchFamily="34" charset="0"/>
+                <a:cs typeface="Segoe UI Light" panose="020B0502040204020203" pitchFamily="34" charset="0"/>
+              </a:rPr>
+              <a:t>Video</a:t>
+            </a:r>
+            <a:r>
+              <a:rPr lang="ru-RU" sz="1400" dirty="0">
+                <a:solidFill>
+                  <a:schemeClr val="bg1"/>
+                </a:solidFill>
+                <a:latin typeface="Segoe UI Light" panose="020B0502040204020203" pitchFamily="34" charset="0"/>
+                <a:cs typeface="Segoe UI Light" panose="020B0502040204020203" pitchFamily="34" charset="0"/>
+              </a:rPr>
+              <a:t> </a:t>
+            </a:r>
+            <a:r>
+              <a:rPr lang="ru-RU" sz="1400" dirty="0" err="1">
+                <a:solidFill>
+                  <a:schemeClr val="bg1"/>
+                </a:solidFill>
+                <a:latin typeface="Segoe UI Light" panose="020B0502040204020203" pitchFamily="34" charset="0"/>
+                <a:cs typeface="Segoe UI Light" panose="020B0502040204020203" pitchFamily="34" charset="0"/>
+              </a:rPr>
+              <a:t>Developer</a:t>
+            </a:r>
+            <a:r>
+              <a:rPr lang="ru-RU" sz="1400" dirty="0">
+                <a:solidFill>
+                  <a:schemeClr val="bg1"/>
+                </a:solidFill>
+                <a:latin typeface="Segoe UI Light" panose="020B0502040204020203" pitchFamily="34" charset="0"/>
+                <a:cs typeface="Segoe UI Light" panose="020B0502040204020203" pitchFamily="34" charset="0"/>
+              </a:rPr>
+              <a:t> </a:t>
+            </a:r>
+            <a:r>
+              <a:rPr lang="ru-RU" sz="1400" dirty="0" err="1">
+                <a:solidFill>
+                  <a:schemeClr val="bg1"/>
+                </a:solidFill>
+                <a:latin typeface="Segoe UI Light" panose="020B0502040204020203" pitchFamily="34" charset="0"/>
+                <a:cs typeface="Segoe UI Light" panose="020B0502040204020203" pitchFamily="34" charset="0"/>
+              </a:rPr>
+              <a:t>Network</a:t>
+            </a:r>
+            <a:r>
+              <a:rPr lang="ru-RU" sz="1400" dirty="0">
+                <a:solidFill>
+                  <a:schemeClr val="bg1"/>
+                </a:solidFill>
+                <a:latin typeface="Segoe UI Light" panose="020B0502040204020203" pitchFamily="34" charset="0"/>
+                <a:cs typeface="Segoe UI Light" panose="020B0502040204020203" pitchFamily="34" charset="0"/>
+              </a:rPr>
+              <a:t>                                                       http://itvdn.com</a:t>
             </a:r>
           </a:p>
         </p:txBody>
@@ -13744,7 +16525,7 @@
           <a:lstStyle/>
           <a:p>
             <a:r>
-              <a:rPr lang="en-US" sz="2000" dirty="0">
+              <a:rPr lang="ru-RU" sz="2000" dirty="0">
                 <a:solidFill>
                   <a:schemeClr val="bg1"/>
                 </a:solidFill>
@@ -13753,7 +16534,9 @@
               </a:rPr>
               <a:t>ITVDN</a:t>
             </a:r>
-            <a:endParaRPr lang="en-US" sz="2000" dirty="0"/>
+            <a:endParaRPr lang="ru-RU" sz="2000" dirty="0">
+              <a:latin typeface="Segoe UI" panose="020B0502040204020203" pitchFamily="34" charset="0"/>
+            </a:endParaRPr>
           </a:p>
         </p:txBody>
       </p:sp>
@@ -13914,7 +16697,9 @@
             <a:lstStyle/>
             <a:p>
               <a:pPr algn="ctr"/>
-              <a:endParaRPr lang="en-US"/>
+              <a:endParaRPr lang="en-US" dirty="0">
+                <a:latin typeface="Segoe UI" panose="020B0502040204020203" pitchFamily="34" charset="0"/>
+              </a:endParaRPr>
             </a:p>
           </p:txBody>
         </p:sp>
@@ -14063,7 +16848,9 @@
             <a:lstStyle/>
             <a:p>
               <a:pPr algn="ctr"/>
-              <a:endParaRPr lang="en-US"/>
+              <a:endParaRPr lang="en-US" dirty="0">
+                <a:latin typeface="Segoe UI" panose="020B0502040204020203" pitchFamily="34" charset="0"/>
+              </a:endParaRPr>
             </a:p>
           </p:txBody>
         </p:sp>
@@ -14108,7 +16895,9 @@
           <a:lstStyle/>
           <a:p>
             <a:pPr algn="ctr"/>
-            <a:endParaRPr lang="en-US"/>
+            <a:endParaRPr lang="ru-RU" dirty="0">
+              <a:latin typeface="Segoe UI" panose="020B0502040204020203" pitchFamily="34" charset="0"/>
+            </a:endParaRPr>
           </a:p>
         </p:txBody>
       </p:sp>
@@ -14151,7 +16940,7 @@
           </a:lstStyle>
           <a:p>
             <a:r>
-              <a:rPr lang="en-US" sz="3600" dirty="0">
+              <a:rPr lang="ru-RU" sz="3600" dirty="0">
                 <a:solidFill>
                   <a:schemeClr val="bg1"/>
                 </a:solidFill>
@@ -14159,8 +16948,27 @@
                 <a:ea typeface="Segoe UI" pitchFamily="34" charset="0"/>
                 <a:cs typeface="Segoe UI Light" panose="020B0502040204020203" pitchFamily="34" charset="0"/>
               </a:rPr>
-              <a:t>PHP Essentials</a:t>
-            </a:r>
+              <a:t>PHP </a:t>
+            </a:r>
+            <a:r>
+              <a:rPr lang="ru-RU" sz="3600" dirty="0" err="1">
+                <a:solidFill>
+                  <a:schemeClr val="bg1"/>
+                </a:solidFill>
+                <a:latin typeface="Segoe UI Light" panose="020B0502040204020203" pitchFamily="34" charset="0"/>
+                <a:ea typeface="Segoe UI" pitchFamily="34" charset="0"/>
+                <a:cs typeface="Segoe UI Light" panose="020B0502040204020203" pitchFamily="34" charset="0"/>
+              </a:rPr>
+              <a:t>Essential</a:t>
+            </a:r>
+            <a:endParaRPr lang="ru-RU" sz="3600" dirty="0">
+              <a:solidFill>
+                <a:schemeClr val="bg1"/>
+              </a:solidFill>
+              <a:latin typeface="Segoe UI Light" panose="020B0502040204020203" pitchFamily="34" charset="0"/>
+              <a:ea typeface="Segoe UI" pitchFamily="34" charset="0"/>
+              <a:cs typeface="Segoe UI Light" panose="020B0502040204020203" pitchFamily="34" charset="0"/>
+            </a:endParaRPr>
           </a:p>
         </p:txBody>
       </p:sp>
@@ -14172,8 +16980,8 @@
         </p:nvSpPr>
         <p:spPr>
           <a:xfrm>
-            <a:off x="1143000" y="1809750"/>
-            <a:ext cx="6400800" cy="3524250"/>
+            <a:off x="1230254" y="1811927"/>
+            <a:ext cx="7380346" cy="3524250"/>
           </a:xfrm>
           <a:prstGeom prst="rect">
             <a:avLst/>
@@ -14203,26 +17011,20 @@
           <a:bodyPr rtlCol="0" anchor="t"/>
           <a:lstStyle/>
           <a:p>
-            <a:pPr marL="342900" indent="-342900">
-              <a:buFont typeface="+mj-lt"/>
-              <a:buAutoNum type="arabicPeriod"/>
+            <a:pPr marL="742950" lvl="1" indent="-285750">
+              <a:buFont typeface="Arial" panose="020B0604020202020204" pitchFamily="34" charset="0"/>
+              <a:buChar char="•"/>
             </a:pPr>
             <a:r>
-              <a:rPr lang="ru-RU" dirty="0">
+              <a:rPr lang="en-US" dirty="0">
                 <a:solidFill>
                   <a:schemeClr val="tx1"/>
                 </a:solidFill>
                 <a:latin typeface="Segoe UI" panose="020B0502040204020203" pitchFamily="34" charset="0"/>
                 <a:cs typeface="Segoe UI" panose="020B0502040204020203" pitchFamily="34" charset="0"/>
               </a:rPr>
-              <a:t>Что такое ООП?</a:t>
-            </a:r>
-          </a:p>
-          <a:p>
-            <a:pPr marL="342900" indent="-342900">
-              <a:buFont typeface="+mj-lt"/>
-              <a:buAutoNum type="arabicPeriod"/>
-            </a:pPr>
+              <a:t>$this – “</a:t>
+            </a:r>
             <a:r>
               <a:rPr lang="ru-RU" dirty="0">
                 <a:solidFill>
@@ -14231,11 +17033,18 @@
                 <a:latin typeface="Segoe UI" panose="020B0502040204020203" pitchFamily="34" charset="0"/>
                 <a:cs typeface="Segoe UI" panose="020B0502040204020203" pitchFamily="34" charset="0"/>
               </a:rPr>
-              <a:t>Зачем нужно ООП?</a:t>
-            </a:r>
-          </a:p>
-          <a:p>
-            <a:pPr lvl="1"/>
+              <a:t>псевдопеременная</a:t>
+            </a:r>
+            <a:r>
+              <a:rPr lang="en-US" dirty="0">
+                <a:solidFill>
+                  <a:schemeClr val="tx1"/>
+                </a:solidFill>
+                <a:latin typeface="Segoe UI" panose="020B0502040204020203" pitchFamily="34" charset="0"/>
+                <a:cs typeface="Segoe UI" panose="020B0502040204020203" pitchFamily="34" charset="0"/>
+              </a:rPr>
+              <a:t>”</a:t>
+            </a:r>
             <a:endParaRPr lang="ru-RU" dirty="0">
               <a:solidFill>
                 <a:schemeClr val="tx1"/>
@@ -14245,7 +17054,26 @@
             </a:endParaRPr>
           </a:p>
           <a:p>
-            <a:pPr lvl="1"/>
+            <a:pPr marL="742950" lvl="1" indent="-285750">
+              <a:buFont typeface="Arial" panose="020B0604020202020204" pitchFamily="34" charset="0"/>
+              <a:buChar char="•"/>
+            </a:pPr>
+            <a:r>
+              <a:rPr lang="ru-RU" dirty="0">
+                <a:solidFill>
+                  <a:schemeClr val="tx1"/>
+                </a:solidFill>
+                <a:latin typeface="Segoe UI" panose="020B0502040204020203" pitchFamily="34" charset="0"/>
+                <a:cs typeface="Segoe UI" panose="020B0502040204020203" pitchFamily="34" charset="0"/>
+              </a:rPr>
+              <a:t>Ссылка на вызываемый обьект</a:t>
+            </a:r>
+          </a:p>
+          <a:p>
+            <a:pPr marL="800100" lvl="1" indent="-342900">
+              <a:buFont typeface="+mj-lt"/>
+              <a:buAutoNum type="arabicPeriod"/>
+            </a:pPr>
             <a:endParaRPr lang="ru-RU" dirty="0">
               <a:solidFill>
                 <a:schemeClr val="tx1"/>
@@ -14255,11 +17083,7 @@
             </a:endParaRPr>
           </a:p>
           <a:p>
-            <a:pPr marL="800100" lvl="1" indent="-342900">
-              <a:buFont typeface="+mj-lt"/>
-              <a:buAutoNum type="arabicPeriod"/>
-            </a:pPr>
-            <a:endParaRPr lang="en-US" dirty="0">
+            <a:endParaRPr lang="ru-RU" dirty="0">
               <a:solidFill>
                 <a:schemeClr val="tx1"/>
               </a:solidFill>
@@ -14267,15 +17091,6 @@
               <a:cs typeface="Segoe UI" panose="020B0502040204020203" pitchFamily="34" charset="0"/>
             </a:endParaRPr>
           </a:p>
-          <a:p>
-            <a:endParaRPr lang="en-US" dirty="0">
-              <a:solidFill>
-                <a:schemeClr val="tx1"/>
-              </a:solidFill>
-              <a:latin typeface="Segoe UI" panose="020B0502040204020203" pitchFamily="34" charset="0"/>
-              <a:cs typeface="Segoe UI" panose="020B0502040204020203" pitchFamily="34" charset="0"/>
-            </a:endParaRPr>
-          </a:p>
         </p:txBody>
       </p:sp>
       <p:pic>
@@ -14283,7 +17098,7 @@
           <p:cNvPr id="3" name="Picture 2">
             <a:extLst>
               <a:ext uri="{FF2B5EF4-FFF2-40B4-BE49-F238E27FC236}">
-                <a16:creationId xmlns:a16="http://schemas.microsoft.com/office/drawing/2014/main" id="{1C0F9F48-3868-4C6C-A8BB-9D65CEAF70A3}"/>
+                <a16:creationId xmlns:a16="http://schemas.microsoft.com/office/drawing/2014/main" id="{C8EE9475-EC8C-4300-A202-9CE05623514F}"/>
               </a:ext>
             </a:extLst>
           </p:cNvPr>
@@ -14300,8 +17115,8 @@
         </p:blipFill>
         <p:spPr>
           <a:xfrm>
-            <a:off x="609600" y="1175613"/>
-            <a:ext cx="4369883" cy="3929788"/>
+            <a:off x="1981200" y="2656227"/>
+            <a:ext cx="3302428" cy="3576945"/>
           </a:xfrm>
           <a:prstGeom prst="rect">
             <a:avLst/>
@@ -14313,7 +17128,7 @@
           <p:cNvPr id="4" name="Picture 3">
             <a:extLst>
               <a:ext uri="{FF2B5EF4-FFF2-40B4-BE49-F238E27FC236}">
-                <a16:creationId xmlns:a16="http://schemas.microsoft.com/office/drawing/2014/main" id="{48BF2083-F3B9-44FE-975D-FE1EB75F75FF}"/>
+                <a16:creationId xmlns:a16="http://schemas.microsoft.com/office/drawing/2014/main" id="{6DAC01BE-240F-4033-AE22-243055FB117A}"/>
               </a:ext>
             </a:extLst>
           </p:cNvPr>
@@ -14330,68 +17145,8 @@
         </p:blipFill>
         <p:spPr>
           <a:xfrm>
-            <a:off x="7315200" y="1617594"/>
-            <a:ext cx="3900487" cy="3712911"/>
-          </a:xfrm>
-          <a:prstGeom prst="rect">
-            <a:avLst/>
-          </a:prstGeom>
-        </p:spPr>
-      </p:pic>
-      <p:pic>
-        <p:nvPicPr>
-          <p:cNvPr id="5" name="Picture 4">
-            <a:extLst>
-              <a:ext uri="{FF2B5EF4-FFF2-40B4-BE49-F238E27FC236}">
-                <a16:creationId xmlns:a16="http://schemas.microsoft.com/office/drawing/2014/main" id="{B1670B48-12DF-447F-A9D0-6789619AD4E8}"/>
-              </a:ext>
-            </a:extLst>
-          </p:cNvPr>
-          <p:cNvPicPr>
-            <a:picLocks noChangeAspect="1"/>
-          </p:cNvPicPr>
-          <p:nvPr/>
-        </p:nvPicPr>
-        <p:blipFill>
-          <a:blip r:embed="rId5"/>
-          <a:stretch>
-            <a:fillRect/>
-          </a:stretch>
-        </p:blipFill>
-        <p:spPr>
-          <a:xfrm>
-            <a:off x="4572000" y="1951668"/>
-            <a:ext cx="2820918" cy="3624831"/>
-          </a:xfrm>
-          <a:prstGeom prst="rect">
-            <a:avLst/>
-          </a:prstGeom>
-        </p:spPr>
-      </p:pic>
-      <p:pic>
-        <p:nvPicPr>
-          <p:cNvPr id="6" name="Picture 5">
-            <a:extLst>
-              <a:ext uri="{FF2B5EF4-FFF2-40B4-BE49-F238E27FC236}">
-                <a16:creationId xmlns:a16="http://schemas.microsoft.com/office/drawing/2014/main" id="{410869DD-CF30-4645-9B96-F575245051BA}"/>
-              </a:ext>
-            </a:extLst>
-          </p:cNvPr>
-          <p:cNvPicPr>
-            <a:picLocks noChangeAspect="1"/>
-          </p:cNvPicPr>
-          <p:nvPr/>
-        </p:nvPicPr>
-        <p:blipFill>
-          <a:blip r:embed="rId6"/>
-          <a:stretch>
-            <a:fillRect/>
-          </a:stretch>
-        </p:blipFill>
-        <p:spPr>
-          <a:xfrm>
-            <a:off x="2502224" y="2816382"/>
-            <a:ext cx="2552700" cy="3020695"/>
+            <a:off x="5943600" y="2720027"/>
+            <a:ext cx="5881460" cy="2613191"/>
           </a:xfrm>
           <a:prstGeom prst="rect">
             <a:avLst/>
@@ -14401,7 +17156,7 @@
     </p:spTree>
     <p:extLst>
       <p:ext uri="{BB962C8B-B14F-4D97-AF65-F5344CB8AC3E}">
-        <p14:creationId xmlns:p14="http://schemas.microsoft.com/office/powerpoint/2010/main" val="2251435291"/>
+        <p14:creationId xmlns:p14="http://schemas.microsoft.com/office/powerpoint/2010/main" val="759502348"/>
       </p:ext>
     </p:extLst>
   </p:cSld>
@@ -14470,52 +17225,15 @@
           </a:lstStyle>
           <a:p>
             <a:r>
-              <a:rPr lang="en-US" sz="2800" spc="-1" dirty="0" err="1">
+              <a:rPr lang="ru-RU" sz="2800" dirty="0">
                 <a:solidFill>
                   <a:srgbClr val="D04E1D"/>
                 </a:solidFill>
-                <a:latin typeface="Segoe UI Light"/>
-                <a:ea typeface="DejaVu Sans"/>
-              </a:rPr>
-              <a:t>Основные</a:t>
-            </a:r>
-            <a:r>
-              <a:rPr lang="en-US" sz="2800" spc="-1" dirty="0">
-                <a:solidFill>
-                  <a:srgbClr val="D04E1D"/>
-                </a:solidFill>
-                <a:latin typeface="Segoe UI Light"/>
-                <a:ea typeface="DejaVu Sans"/>
-              </a:rPr>
-              <a:t> </a:t>
-            </a:r>
-            <a:r>
-              <a:rPr lang="en-US" sz="2800" spc="-1" dirty="0" err="1">
-                <a:solidFill>
-                  <a:srgbClr val="D04E1D"/>
-                </a:solidFill>
-                <a:latin typeface="Segoe UI Light"/>
-                <a:ea typeface="DejaVu Sans"/>
-              </a:rPr>
-              <a:t>понятия</a:t>
-            </a:r>
-            <a:r>
-              <a:rPr lang="en-US" sz="2800" spc="-1" dirty="0">
-                <a:solidFill>
-                  <a:srgbClr val="D04E1D"/>
-                </a:solidFill>
-                <a:latin typeface="Segoe UI Light"/>
-                <a:ea typeface="DejaVu Sans"/>
-              </a:rPr>
-              <a:t> ООП</a:t>
-            </a:r>
-            <a:endParaRPr lang="en-US" sz="2800" dirty="0">
-              <a:solidFill>
-                <a:srgbClr val="D04E1D"/>
-              </a:solidFill>
-              <a:latin typeface="Segoe UI Light" panose="020B0502040204020203" pitchFamily="34" charset="0"/>
-              <a:cs typeface="Segoe UI Light" panose="020B0502040204020203" pitchFamily="34" charset="0"/>
-            </a:endParaRPr>
+                <a:latin typeface="Segoe UI Light" panose="020B0502040204020203" pitchFamily="34" charset="0"/>
+                <a:cs typeface="Segoe UI Light" panose="020B0502040204020203" pitchFamily="34" charset="0"/>
+              </a:rPr>
+              <a:t>Константы</a:t>
+            </a:r>
           </a:p>
         </p:txBody>
       </p:sp>
@@ -14559,7 +17277,9 @@
           <a:lstStyle/>
           <a:p>
             <a:pPr algn="ctr"/>
-            <a:endParaRPr lang="en-US"/>
+            <a:endParaRPr lang="ru-RU" dirty="0">
+              <a:latin typeface="Segoe UI" panose="020B0502040204020203" pitchFamily="34" charset="0"/>
+            </a:endParaRPr>
           </a:p>
         </p:txBody>
       </p:sp>
@@ -14585,14 +17305,104 @@
           <a:lstStyle/>
           <a:p>
             <a:r>
-              <a:rPr lang="en-US" sz="1400" dirty="0">
-                <a:solidFill>
-                  <a:schemeClr val="bg1"/>
-                </a:solidFill>
-                <a:latin typeface="Segoe UI Light" panose="020B0502040204020203" pitchFamily="34" charset="0"/>
-                <a:cs typeface="Segoe UI Light" panose="020B0502040204020203" pitchFamily="34" charset="0"/>
-              </a:rPr>
-              <a:t>Information Technology Video Developer Network                                                       http://itvdn.com</a:t>
+              <a:rPr lang="ru-RU" sz="1400" dirty="0" err="1">
+                <a:solidFill>
+                  <a:schemeClr val="bg1"/>
+                </a:solidFill>
+                <a:latin typeface="Segoe UI Light" panose="020B0502040204020203" pitchFamily="34" charset="0"/>
+                <a:cs typeface="Segoe UI Light" panose="020B0502040204020203" pitchFamily="34" charset="0"/>
+              </a:rPr>
+              <a:t>Information</a:t>
+            </a:r>
+            <a:r>
+              <a:rPr lang="ru-RU" sz="1400" dirty="0">
+                <a:solidFill>
+                  <a:schemeClr val="bg1"/>
+                </a:solidFill>
+                <a:latin typeface="Segoe UI Light" panose="020B0502040204020203" pitchFamily="34" charset="0"/>
+                <a:cs typeface="Segoe UI Light" panose="020B0502040204020203" pitchFamily="34" charset="0"/>
+              </a:rPr>
+              <a:t> </a:t>
+            </a:r>
+            <a:r>
+              <a:rPr lang="ru-RU" sz="1400" dirty="0" err="1">
+                <a:solidFill>
+                  <a:schemeClr val="bg1"/>
+                </a:solidFill>
+                <a:latin typeface="Segoe UI Light" panose="020B0502040204020203" pitchFamily="34" charset="0"/>
+                <a:cs typeface="Segoe UI Light" panose="020B0502040204020203" pitchFamily="34" charset="0"/>
+              </a:rPr>
+              <a:t>Technology</a:t>
+            </a:r>
+            <a:r>
+              <a:rPr lang="ru-RU" sz="1400" dirty="0">
+                <a:solidFill>
+                  <a:schemeClr val="bg1"/>
+                </a:solidFill>
+                <a:latin typeface="Segoe UI Light" panose="020B0502040204020203" pitchFamily="34" charset="0"/>
+                <a:cs typeface="Segoe UI Light" panose="020B0502040204020203" pitchFamily="34" charset="0"/>
+              </a:rPr>
+              <a:t> </a:t>
+            </a:r>
+            <a:r>
+              <a:rPr lang="ru-RU" sz="1400" dirty="0" err="1">
+                <a:solidFill>
+                  <a:schemeClr val="bg1"/>
+                </a:solidFill>
+                <a:latin typeface="Segoe UI Light" panose="020B0502040204020203" pitchFamily="34" charset="0"/>
+                <a:cs typeface="Segoe UI Light" panose="020B0502040204020203" pitchFamily="34" charset="0"/>
+              </a:rPr>
+              <a:t>Video</a:t>
+            </a:r>
+            <a:r>
+              <a:rPr lang="ru-RU" sz="1400" dirty="0">
+                <a:solidFill>
+                  <a:schemeClr val="bg1"/>
+                </a:solidFill>
+                <a:latin typeface="Segoe UI Light" panose="020B0502040204020203" pitchFamily="34" charset="0"/>
+                <a:cs typeface="Segoe UI Light" panose="020B0502040204020203" pitchFamily="34" charset="0"/>
+              </a:rPr>
+              <a:t> </a:t>
+            </a:r>
+            <a:r>
+              <a:rPr lang="ru-RU" sz="1400" dirty="0" err="1">
+                <a:solidFill>
+                  <a:schemeClr val="bg1"/>
+                </a:solidFill>
+                <a:latin typeface="Segoe UI Light" panose="020B0502040204020203" pitchFamily="34" charset="0"/>
+                <a:cs typeface="Segoe UI Light" panose="020B0502040204020203" pitchFamily="34" charset="0"/>
+              </a:rPr>
+              <a:t>Developer</a:t>
+            </a:r>
+            <a:r>
+              <a:rPr lang="ru-RU" sz="1400" dirty="0">
+                <a:solidFill>
+                  <a:schemeClr val="bg1"/>
+                </a:solidFill>
+                <a:latin typeface="Segoe UI Light" panose="020B0502040204020203" pitchFamily="34" charset="0"/>
+                <a:cs typeface="Segoe UI Light" panose="020B0502040204020203" pitchFamily="34" charset="0"/>
+              </a:rPr>
+              <a:t> </a:t>
+            </a:r>
+            <a:r>
+              <a:rPr lang="ru-RU" sz="1400" dirty="0" err="1">
+                <a:solidFill>
+                  <a:schemeClr val="bg1"/>
+                </a:solidFill>
+                <a:latin typeface="Segoe UI Light" panose="020B0502040204020203" pitchFamily="34" charset="0"/>
+                <a:cs typeface="Segoe UI Light" panose="020B0502040204020203" pitchFamily="34" charset="0"/>
+              </a:rPr>
+              <a:t>Network</a:t>
+            </a:r>
+            <a:r>
+              <a:rPr lang="ru-RU" sz="1400" dirty="0">
+                <a:solidFill>
+                  <a:schemeClr val="bg1"/>
+                </a:solidFill>
+                <a:latin typeface="Segoe UI Light" panose="020B0502040204020203" pitchFamily="34" charset="0"/>
+                <a:cs typeface="Segoe UI Light" panose="020B0502040204020203" pitchFamily="34" charset="0"/>
+              </a:rPr>
+              <a:t>                                                       http://itvdn.com</a:t>
             </a:r>
           </a:p>
         </p:txBody>
@@ -14619,7 +17429,7 @@
           <a:lstStyle/>
           <a:p>
             <a:r>
-              <a:rPr lang="en-US" sz="2000" dirty="0">
+              <a:rPr lang="ru-RU" sz="2000" dirty="0">
                 <a:solidFill>
                   <a:schemeClr val="bg1"/>
                 </a:solidFill>
@@ -14628,7 +17438,9 @@
               </a:rPr>
               <a:t>ITVDN</a:t>
             </a:r>
-            <a:endParaRPr lang="en-US" sz="2000" dirty="0"/>
+            <a:endParaRPr lang="ru-RU" sz="2000" dirty="0">
+              <a:latin typeface="Segoe UI" panose="020B0502040204020203" pitchFamily="34" charset="0"/>
+            </a:endParaRPr>
           </a:p>
         </p:txBody>
       </p:sp>
@@ -14789,7 +17601,9 @@
             <a:lstStyle/>
             <a:p>
               <a:pPr algn="ctr"/>
-              <a:endParaRPr lang="en-US"/>
+              <a:endParaRPr lang="en-US" dirty="0">
+                <a:latin typeface="Segoe UI" panose="020B0502040204020203" pitchFamily="34" charset="0"/>
+              </a:endParaRPr>
             </a:p>
           </p:txBody>
         </p:sp>
@@ -14938,7 +17752,9 @@
             <a:lstStyle/>
             <a:p>
               <a:pPr algn="ctr"/>
-              <a:endParaRPr lang="en-US"/>
+              <a:endParaRPr lang="en-US" dirty="0">
+                <a:latin typeface="Segoe UI" panose="020B0502040204020203" pitchFamily="34" charset="0"/>
+              </a:endParaRPr>
             </a:p>
           </p:txBody>
         </p:sp>
@@ -14983,7 +17799,9 @@
           <a:lstStyle/>
           <a:p>
             <a:pPr algn="ctr"/>
-            <a:endParaRPr lang="en-US"/>
+            <a:endParaRPr lang="ru-RU" dirty="0">
+              <a:latin typeface="Segoe UI" panose="020B0502040204020203" pitchFamily="34" charset="0"/>
+            </a:endParaRPr>
           </a:p>
         </p:txBody>
       </p:sp>
@@ -15026,7 +17844,7 @@
           </a:lstStyle>
           <a:p>
             <a:r>
-              <a:rPr lang="en-US" sz="3600" dirty="0">
+              <a:rPr lang="ru-RU" sz="3600" dirty="0">
                 <a:solidFill>
                   <a:schemeClr val="bg1"/>
                 </a:solidFill>
@@ -15034,8 +17852,27 @@
                 <a:ea typeface="Segoe UI" pitchFamily="34" charset="0"/>
                 <a:cs typeface="Segoe UI Light" panose="020B0502040204020203" pitchFamily="34" charset="0"/>
               </a:rPr>
-              <a:t>PHP Essentials</a:t>
-            </a:r>
+              <a:t>PHP </a:t>
+            </a:r>
+            <a:r>
+              <a:rPr lang="ru-RU" sz="3600" dirty="0" err="1">
+                <a:solidFill>
+                  <a:schemeClr val="bg1"/>
+                </a:solidFill>
+                <a:latin typeface="Segoe UI Light" panose="020B0502040204020203" pitchFamily="34" charset="0"/>
+                <a:ea typeface="Segoe UI" pitchFamily="34" charset="0"/>
+                <a:cs typeface="Segoe UI Light" panose="020B0502040204020203" pitchFamily="34" charset="0"/>
+              </a:rPr>
+              <a:t>Essential</a:t>
+            </a:r>
+            <a:endParaRPr lang="ru-RU" sz="3600" dirty="0">
+              <a:solidFill>
+                <a:schemeClr val="bg1"/>
+              </a:solidFill>
+              <a:latin typeface="Segoe UI Light" panose="020B0502040204020203" pitchFamily="34" charset="0"/>
+              <a:ea typeface="Segoe UI" pitchFamily="34" charset="0"/>
+              <a:cs typeface="Segoe UI Light" panose="020B0502040204020203" pitchFamily="34" charset="0"/>
+            </a:endParaRPr>
           </a:p>
         </p:txBody>
       </p:sp>
@@ -15047,7 +17884,7 @@
         </p:nvSpPr>
         <p:spPr>
           <a:xfrm>
-            <a:off x="1219200" y="1838053"/>
+            <a:off x="1143000" y="1809750"/>
             <a:ext cx="6400800" cy="3524250"/>
           </a:xfrm>
           <a:prstGeom prst="rect">
@@ -15078,20 +17915,18 @@
           <a:bodyPr rtlCol="0" anchor="t"/>
           <a:lstStyle/>
           <a:p>
-            <a:pPr marL="342900" indent="-342900">
-              <a:buFont typeface="+mj-lt"/>
-              <a:buAutoNum type="arabicPeriod"/>
-            </a:pPr>
-            <a:r>
-              <a:rPr lang="ru-RU" b="1" dirty="0">
+            <a:r>
+              <a:rPr lang="ru-RU" dirty="0">
                 <a:solidFill>
                   <a:schemeClr val="tx1"/>
                 </a:solidFill>
                 <a:latin typeface="Segoe UI" panose="020B0502040204020203" pitchFamily="34" charset="0"/>
                 <a:cs typeface="Segoe UI" panose="020B0502040204020203" pitchFamily="34" charset="0"/>
               </a:rPr>
-              <a:t>Класс</a:t>
-            </a:r>
+              <a:t>Как и в реальной жизни:</a:t>
+            </a:r>
+          </a:p>
+          <a:p>
             <a:r>
               <a:rPr lang="ru-RU" dirty="0">
                 <a:solidFill>
@@ -15100,33 +17935,48 @@
                 <a:latin typeface="Segoe UI" panose="020B0502040204020203" pitchFamily="34" charset="0"/>
                 <a:cs typeface="Segoe UI" panose="020B0502040204020203" pitchFamily="34" charset="0"/>
               </a:rPr>
-              <a:t> - шаблон/каркас</a:t>
-            </a:r>
-          </a:p>
-          <a:p>
-            <a:pPr marL="342900" indent="-342900">
-              <a:buFont typeface="+mj-lt"/>
-              <a:buAutoNum type="arabicPeriod"/>
-            </a:pPr>
-            <a:r>
-              <a:rPr lang="ru-RU" b="1" dirty="0">
+              <a:t>Константа – строго заданное значение, которое нельзя изменить</a:t>
+            </a:r>
+          </a:p>
+          <a:p>
+            <a:endParaRPr lang="ru-RU" dirty="0">
+              <a:solidFill>
+                <a:schemeClr val="tx1"/>
+              </a:solidFill>
+              <a:latin typeface="Segoe UI" panose="020B0502040204020203" pitchFamily="34" charset="0"/>
+              <a:cs typeface="Segoe UI" panose="020B0502040204020203" pitchFamily="34" charset="0"/>
+            </a:endParaRPr>
+          </a:p>
+          <a:p>
+            <a:r>
+              <a:rPr lang="ru-RU" dirty="0">
                 <a:solidFill>
                   <a:schemeClr val="tx1"/>
                 </a:solidFill>
                 <a:latin typeface="Segoe UI" panose="020B0502040204020203" pitchFamily="34" charset="0"/>
                 <a:cs typeface="Segoe UI" panose="020B0502040204020203" pitchFamily="34" charset="0"/>
               </a:rPr>
-              <a:t>Обьект</a:t>
-            </a:r>
-            <a:r>
-              <a:rPr lang="ru-RU" dirty="0">
+              <a:t>В </a:t>
+            </a:r>
+            <a:r>
+              <a:rPr lang="en-US" dirty="0">
                 <a:solidFill>
                   <a:schemeClr val="tx1"/>
                 </a:solidFill>
                 <a:latin typeface="Segoe UI" panose="020B0502040204020203" pitchFamily="34" charset="0"/>
                 <a:cs typeface="Segoe UI" panose="020B0502040204020203" pitchFamily="34" charset="0"/>
               </a:rPr>
-              <a:t> – экземпляр класса(то, что будет сделано по шаблону)</a:t>
+              <a:t>PHP </a:t>
+            </a:r>
+            <a:r>
+              <a:rPr lang="ru-RU" dirty="0">
+                <a:solidFill>
+                  <a:schemeClr val="tx1"/>
+                </a:solidFill>
+                <a:latin typeface="Segoe UI" panose="020B0502040204020203" pitchFamily="34" charset="0"/>
+                <a:cs typeface="Segoe UI" panose="020B0502040204020203" pitchFamily="34" charset="0"/>
+              </a:rPr>
+              <a:t>константы – часть языка, которые есть и вне ООП:</a:t>
             </a:r>
           </a:p>
           <a:p>
@@ -15140,7 +17990,10 @@
             </a:endParaRPr>
           </a:p>
           <a:p>
-            <a:pPr lvl="1"/>
+            <a:pPr marL="800100" lvl="1" indent="-342900">
+              <a:buFont typeface="+mj-lt"/>
+              <a:buAutoNum type="arabicPeriod"/>
+            </a:pPr>
             <a:endParaRPr lang="ru-RU" dirty="0">
               <a:solidFill>
                 <a:schemeClr val="tx1"/>
@@ -15150,11 +18003,7 @@
             </a:endParaRPr>
           </a:p>
           <a:p>
-            <a:pPr marL="800100" lvl="1" indent="-342900">
-              <a:buFont typeface="+mj-lt"/>
-              <a:buAutoNum type="arabicPeriod"/>
-            </a:pPr>
-            <a:endParaRPr lang="en-US" dirty="0">
+            <a:endParaRPr lang="ru-RU" dirty="0">
               <a:solidFill>
                 <a:schemeClr val="tx1"/>
               </a:solidFill>
@@ -15162,21 +18011,72 @@
               <a:cs typeface="Segoe UI" panose="020B0502040204020203" pitchFamily="34" charset="0"/>
             </a:endParaRPr>
           </a:p>
-          <a:p>
-            <a:endParaRPr lang="en-US" dirty="0">
-              <a:solidFill>
-                <a:schemeClr val="tx1"/>
-              </a:solidFill>
-              <a:latin typeface="Segoe UI" panose="020B0502040204020203" pitchFamily="34" charset="0"/>
-              <a:cs typeface="Segoe UI" panose="020B0502040204020203" pitchFamily="34" charset="0"/>
-            </a:endParaRPr>
-          </a:p>
-        </p:txBody>
-      </p:sp>
+        </p:txBody>
+      </p:sp>
+      <p:pic>
+        <p:nvPicPr>
+          <p:cNvPr id="3" name="Picture 2">
+            <a:extLst>
+              <a:ext uri="{FF2B5EF4-FFF2-40B4-BE49-F238E27FC236}">
+                <a16:creationId xmlns:a16="http://schemas.microsoft.com/office/drawing/2014/main" id="{2163FC6F-BB5F-4FD7-9821-8CF372A011D2}"/>
+              </a:ext>
+            </a:extLst>
+          </p:cNvPr>
+          <p:cNvPicPr>
+            <a:picLocks noChangeAspect="1"/>
+          </p:cNvPicPr>
+          <p:nvPr/>
+        </p:nvPicPr>
+        <p:blipFill>
+          <a:blip r:embed="rId3"/>
+          <a:stretch>
+            <a:fillRect/>
+          </a:stretch>
+        </p:blipFill>
+        <p:spPr>
+          <a:xfrm>
+            <a:off x="1600200" y="3429000"/>
+            <a:ext cx="4133850" cy="2333625"/>
+          </a:xfrm>
+          <a:prstGeom prst="rect">
+            <a:avLst/>
+          </a:prstGeom>
+        </p:spPr>
+      </p:pic>
+      <p:pic>
+        <p:nvPicPr>
+          <p:cNvPr id="4" name="Picture 3">
+            <a:extLst>
+              <a:ext uri="{FF2B5EF4-FFF2-40B4-BE49-F238E27FC236}">
+                <a16:creationId xmlns:a16="http://schemas.microsoft.com/office/drawing/2014/main" id="{B64EEFC6-C10B-42E6-9C47-95D50CF30391}"/>
+              </a:ext>
+            </a:extLst>
+          </p:cNvPr>
+          <p:cNvPicPr>
+            <a:picLocks noChangeAspect="1"/>
+          </p:cNvPicPr>
+          <p:nvPr/>
+        </p:nvPicPr>
+        <p:blipFill>
+          <a:blip r:embed="rId4"/>
+          <a:stretch>
+            <a:fillRect/>
+          </a:stretch>
+        </p:blipFill>
+        <p:spPr>
+          <a:xfrm>
+            <a:off x="7332282" y="1119188"/>
+            <a:ext cx="4631118" cy="4933950"/>
+          </a:xfrm>
+          <a:prstGeom prst="rect">
+            <a:avLst/>
+          </a:prstGeom>
+        </p:spPr>
+      </p:pic>
     </p:spTree>
     <p:extLst>
       <p:ext uri="{BB962C8B-B14F-4D97-AF65-F5344CB8AC3E}">
-        <p14:creationId xmlns:p14="http://schemas.microsoft.com/office/powerpoint/2010/main" val="1909106339"/>
+        <p14:creationId xmlns:p14="http://schemas.microsoft.com/office/powerpoint/2010/main" val="2251435291"/>
       </p:ext>
     </p:extLst>
   </p:cSld>
@@ -15245,52 +18145,15 @@
           </a:lstStyle>
           <a:p>
             <a:r>
-              <a:rPr lang="en-US" sz="2800" spc="-1" dirty="0" err="1">
+              <a:rPr lang="ru-RU" sz="2800" dirty="0">
                 <a:solidFill>
                   <a:srgbClr val="D04E1D"/>
                 </a:solidFill>
-                <a:latin typeface="Segoe UI Light"/>
-                <a:ea typeface="DejaVu Sans"/>
-              </a:rPr>
-              <a:t>Основные</a:t>
-            </a:r>
-            <a:r>
-              <a:rPr lang="en-US" sz="2800" spc="-1" dirty="0">
-                <a:solidFill>
-                  <a:srgbClr val="D04E1D"/>
-                </a:solidFill>
-                <a:latin typeface="Segoe UI Light"/>
-                <a:ea typeface="DejaVu Sans"/>
-              </a:rPr>
-              <a:t> </a:t>
-            </a:r>
-            <a:r>
-              <a:rPr lang="en-US" sz="2800" spc="-1" dirty="0" err="1">
-                <a:solidFill>
-                  <a:srgbClr val="D04E1D"/>
-                </a:solidFill>
-                <a:latin typeface="Segoe UI Light"/>
-                <a:ea typeface="DejaVu Sans"/>
-              </a:rPr>
-              <a:t>понятия</a:t>
-            </a:r>
-            <a:r>
-              <a:rPr lang="en-US" sz="2800" spc="-1" dirty="0">
-                <a:solidFill>
-                  <a:srgbClr val="D04E1D"/>
-                </a:solidFill>
-                <a:latin typeface="Segoe UI Light"/>
-                <a:ea typeface="DejaVu Sans"/>
-              </a:rPr>
-              <a:t> ООП</a:t>
-            </a:r>
-            <a:endParaRPr lang="en-US" sz="2800" dirty="0">
-              <a:solidFill>
-                <a:srgbClr val="D04E1D"/>
-              </a:solidFill>
-              <a:latin typeface="Segoe UI Light" panose="020B0502040204020203" pitchFamily="34" charset="0"/>
-              <a:cs typeface="Segoe UI Light" panose="020B0502040204020203" pitchFamily="34" charset="0"/>
-            </a:endParaRPr>
+                <a:latin typeface="Segoe UI Light" panose="020B0502040204020203" pitchFamily="34" charset="0"/>
+                <a:cs typeface="Segoe UI Light" panose="020B0502040204020203" pitchFamily="34" charset="0"/>
+              </a:rPr>
+              <a:t>Оператор области видимости</a:t>
+            </a:r>
           </a:p>
         </p:txBody>
       </p:sp>
@@ -15334,7 +18197,9 @@
           <a:lstStyle/>
           <a:p>
             <a:pPr algn="ctr"/>
-            <a:endParaRPr lang="en-US"/>
+            <a:endParaRPr lang="ru-RU" dirty="0">
+              <a:latin typeface="Segoe UI" panose="020B0502040204020203" pitchFamily="34" charset="0"/>
+            </a:endParaRPr>
           </a:p>
         </p:txBody>
       </p:sp>
@@ -15360,14 +18225,104 @@
           <a:lstStyle/>
           <a:p>
             <a:r>
-              <a:rPr lang="en-US" sz="1400" dirty="0">
-                <a:solidFill>
-                  <a:schemeClr val="bg1"/>
-                </a:solidFill>
-                <a:latin typeface="Segoe UI Light" panose="020B0502040204020203" pitchFamily="34" charset="0"/>
-                <a:cs typeface="Segoe UI Light" panose="020B0502040204020203" pitchFamily="34" charset="0"/>
-              </a:rPr>
-              <a:t>Information Technology Video Developer Network                                                       http://itvdn.com</a:t>
+              <a:rPr lang="ru-RU" sz="1400" dirty="0" err="1">
+                <a:solidFill>
+                  <a:schemeClr val="bg1"/>
+                </a:solidFill>
+                <a:latin typeface="Segoe UI Light" panose="020B0502040204020203" pitchFamily="34" charset="0"/>
+                <a:cs typeface="Segoe UI Light" panose="020B0502040204020203" pitchFamily="34" charset="0"/>
+              </a:rPr>
+              <a:t>Information</a:t>
+            </a:r>
+            <a:r>
+              <a:rPr lang="ru-RU" sz="1400" dirty="0">
+                <a:solidFill>
+                  <a:schemeClr val="bg1"/>
+                </a:solidFill>
+                <a:latin typeface="Segoe UI Light" panose="020B0502040204020203" pitchFamily="34" charset="0"/>
+                <a:cs typeface="Segoe UI Light" panose="020B0502040204020203" pitchFamily="34" charset="0"/>
+              </a:rPr>
+              <a:t> </a:t>
+            </a:r>
+            <a:r>
+              <a:rPr lang="ru-RU" sz="1400" dirty="0" err="1">
+                <a:solidFill>
+                  <a:schemeClr val="bg1"/>
+                </a:solidFill>
+                <a:latin typeface="Segoe UI Light" panose="020B0502040204020203" pitchFamily="34" charset="0"/>
+                <a:cs typeface="Segoe UI Light" panose="020B0502040204020203" pitchFamily="34" charset="0"/>
+              </a:rPr>
+              <a:t>Technology</a:t>
+            </a:r>
+            <a:r>
+              <a:rPr lang="ru-RU" sz="1400" dirty="0">
+                <a:solidFill>
+                  <a:schemeClr val="bg1"/>
+                </a:solidFill>
+                <a:latin typeface="Segoe UI Light" panose="020B0502040204020203" pitchFamily="34" charset="0"/>
+                <a:cs typeface="Segoe UI Light" panose="020B0502040204020203" pitchFamily="34" charset="0"/>
+              </a:rPr>
+              <a:t> </a:t>
+            </a:r>
+            <a:r>
+              <a:rPr lang="ru-RU" sz="1400" dirty="0" err="1">
+                <a:solidFill>
+                  <a:schemeClr val="bg1"/>
+                </a:solidFill>
+                <a:latin typeface="Segoe UI Light" panose="020B0502040204020203" pitchFamily="34" charset="0"/>
+                <a:cs typeface="Segoe UI Light" panose="020B0502040204020203" pitchFamily="34" charset="0"/>
+              </a:rPr>
+              <a:t>Video</a:t>
+            </a:r>
+            <a:r>
+              <a:rPr lang="ru-RU" sz="1400" dirty="0">
+                <a:solidFill>
+                  <a:schemeClr val="bg1"/>
+                </a:solidFill>
+                <a:latin typeface="Segoe UI Light" panose="020B0502040204020203" pitchFamily="34" charset="0"/>
+                <a:cs typeface="Segoe UI Light" panose="020B0502040204020203" pitchFamily="34" charset="0"/>
+              </a:rPr>
+              <a:t> </a:t>
+            </a:r>
+            <a:r>
+              <a:rPr lang="ru-RU" sz="1400" dirty="0" err="1">
+                <a:solidFill>
+                  <a:schemeClr val="bg1"/>
+                </a:solidFill>
+                <a:latin typeface="Segoe UI Light" panose="020B0502040204020203" pitchFamily="34" charset="0"/>
+                <a:cs typeface="Segoe UI Light" panose="020B0502040204020203" pitchFamily="34" charset="0"/>
+              </a:rPr>
+              <a:t>Developer</a:t>
+            </a:r>
+            <a:r>
+              <a:rPr lang="ru-RU" sz="1400" dirty="0">
+                <a:solidFill>
+                  <a:schemeClr val="bg1"/>
+                </a:solidFill>
+                <a:latin typeface="Segoe UI Light" panose="020B0502040204020203" pitchFamily="34" charset="0"/>
+                <a:cs typeface="Segoe UI Light" panose="020B0502040204020203" pitchFamily="34" charset="0"/>
+              </a:rPr>
+              <a:t> </a:t>
+            </a:r>
+            <a:r>
+              <a:rPr lang="ru-RU" sz="1400" dirty="0" err="1">
+                <a:solidFill>
+                  <a:schemeClr val="bg1"/>
+                </a:solidFill>
+                <a:latin typeface="Segoe UI Light" panose="020B0502040204020203" pitchFamily="34" charset="0"/>
+                <a:cs typeface="Segoe UI Light" panose="020B0502040204020203" pitchFamily="34" charset="0"/>
+              </a:rPr>
+              <a:t>Network</a:t>
+            </a:r>
+            <a:r>
+              <a:rPr lang="ru-RU" sz="1400" dirty="0">
+                <a:solidFill>
+                  <a:schemeClr val="bg1"/>
+                </a:solidFill>
+                <a:latin typeface="Segoe UI Light" panose="020B0502040204020203" pitchFamily="34" charset="0"/>
+                <a:cs typeface="Segoe UI Light" panose="020B0502040204020203" pitchFamily="34" charset="0"/>
+              </a:rPr>
+              <a:t>                                                       http://itvdn.com</a:t>
             </a:r>
           </a:p>
         </p:txBody>
@@ -15394,7 +18349,7 @@
           <a:lstStyle/>
           <a:p>
             <a:r>
-              <a:rPr lang="en-US" sz="2000" dirty="0">
+              <a:rPr lang="ru-RU" sz="2000" dirty="0">
                 <a:solidFill>
                   <a:schemeClr val="bg1"/>
                 </a:solidFill>
@@ -15403,7 +18358,9 @@
               </a:rPr>
               <a:t>ITVDN</a:t>
             </a:r>
-            <a:endParaRPr lang="en-US" sz="2000" dirty="0"/>
+            <a:endParaRPr lang="ru-RU" sz="2000" dirty="0">
+              <a:latin typeface="Segoe UI" panose="020B0502040204020203" pitchFamily="34" charset="0"/>
+            </a:endParaRPr>
           </a:p>
         </p:txBody>
       </p:sp>
@@ -15564,7 +18521,9 @@
             <a:lstStyle/>
             <a:p>
               <a:pPr algn="ctr"/>
-              <a:endParaRPr lang="en-US"/>
+              <a:endParaRPr lang="en-US" dirty="0">
+                <a:latin typeface="Segoe UI" panose="020B0502040204020203" pitchFamily="34" charset="0"/>
+              </a:endParaRPr>
             </a:p>
           </p:txBody>
         </p:sp>
@@ -15713,7 +18672,9 @@
             <a:lstStyle/>
             <a:p>
               <a:pPr algn="ctr"/>
-              <a:endParaRPr lang="en-US"/>
+              <a:endParaRPr lang="en-US" dirty="0">
+                <a:latin typeface="Segoe UI" panose="020B0502040204020203" pitchFamily="34" charset="0"/>
+              </a:endParaRPr>
             </a:p>
           </p:txBody>
         </p:sp>
@@ -15758,7 +18719,9 @@
           <a:lstStyle/>
           <a:p>
             <a:pPr algn="ctr"/>
-            <a:endParaRPr lang="en-US"/>
+            <a:endParaRPr lang="ru-RU" dirty="0">
+              <a:latin typeface="Segoe UI" panose="020B0502040204020203" pitchFamily="34" charset="0"/>
+            </a:endParaRPr>
           </a:p>
         </p:txBody>
       </p:sp>
@@ -15801,7 +18764,7 @@
           </a:lstStyle>
           <a:p>
             <a:r>
-              <a:rPr lang="en-US" sz="3600" dirty="0">
+              <a:rPr lang="ru-RU" sz="3600" dirty="0">
                 <a:solidFill>
                   <a:schemeClr val="bg1"/>
                 </a:solidFill>
@@ -15809,8 +18772,27 @@
                 <a:ea typeface="Segoe UI" pitchFamily="34" charset="0"/>
                 <a:cs typeface="Segoe UI Light" panose="020B0502040204020203" pitchFamily="34" charset="0"/>
               </a:rPr>
-              <a:t>PHP Essentials</a:t>
-            </a:r>
+              <a:t>PHP </a:t>
+            </a:r>
+            <a:r>
+              <a:rPr lang="ru-RU" sz="3600" dirty="0" err="1">
+                <a:solidFill>
+                  <a:schemeClr val="bg1"/>
+                </a:solidFill>
+                <a:latin typeface="Segoe UI Light" panose="020B0502040204020203" pitchFamily="34" charset="0"/>
+                <a:ea typeface="Segoe UI" pitchFamily="34" charset="0"/>
+                <a:cs typeface="Segoe UI Light" panose="020B0502040204020203" pitchFamily="34" charset="0"/>
+              </a:rPr>
+              <a:t>Essential</a:t>
+            </a:r>
+            <a:endParaRPr lang="ru-RU" sz="3600" dirty="0">
+              <a:solidFill>
+                <a:schemeClr val="bg1"/>
+              </a:solidFill>
+              <a:latin typeface="Segoe UI Light" panose="020B0502040204020203" pitchFamily="34" charset="0"/>
+              <a:ea typeface="Segoe UI" pitchFamily="34" charset="0"/>
+              <a:cs typeface="Segoe UI Light" panose="020B0502040204020203" pitchFamily="34" charset="0"/>
+            </a:endParaRPr>
           </a:p>
         </p:txBody>
       </p:sp>
@@ -15822,8 +18804,8 @@
         </p:nvSpPr>
         <p:spPr>
           <a:xfrm>
-            <a:off x="609600" y="1800225"/>
-            <a:ext cx="3429000" cy="2057400"/>
+            <a:off x="1143000" y="1809750"/>
+            <a:ext cx="6400800" cy="3524250"/>
           </a:xfrm>
           <a:prstGeom prst="rect">
             <a:avLst/>
@@ -15853,10 +18835,6 @@
           <a:bodyPr rtlCol="0" anchor="t"/>
           <a:lstStyle/>
           <a:p>
-            <a:pPr marL="342900" indent="-342900">
-              <a:buFont typeface="+mj-lt"/>
-              <a:buAutoNum type="arabicPeriod"/>
-            </a:pPr>
             <a:r>
               <a:rPr lang="ru-RU" b="1" dirty="0">
                 <a:solidFill>
@@ -15865,47 +18843,40 @@
                 <a:latin typeface="Segoe UI" panose="020B0502040204020203" pitchFamily="34" charset="0"/>
                 <a:cs typeface="Segoe UI" panose="020B0502040204020203" pitchFamily="34" charset="0"/>
               </a:rPr>
-              <a:t>Класс</a:t>
-            </a:r>
-            <a:r>
-              <a:rPr lang="ru-RU" dirty="0">
+              <a:t>Псевдопеременная </a:t>
+            </a:r>
+            <a:r>
+              <a:rPr lang="en-US" b="1" dirty="0">
                 <a:solidFill>
                   <a:schemeClr val="tx1"/>
                 </a:solidFill>
                 <a:latin typeface="Segoe UI" panose="020B0502040204020203" pitchFamily="34" charset="0"/>
                 <a:cs typeface="Segoe UI" panose="020B0502040204020203" pitchFamily="34" charset="0"/>
               </a:rPr>
-              <a:t> - шаблон/каркас</a:t>
-            </a:r>
-          </a:p>
-          <a:p>
-            <a:pPr marL="342900" indent="-342900">
-              <a:buFont typeface="+mj-lt"/>
-              <a:buAutoNum type="arabicPeriod"/>
-            </a:pPr>
-            <a:r>
-              <a:rPr lang="ru-RU" b="1" dirty="0">
+              <a:t>::</a:t>
+            </a:r>
+            <a:r>
+              <a:rPr lang="ru-RU" dirty="0">
                 <a:solidFill>
                   <a:schemeClr val="tx1"/>
                 </a:solidFill>
                 <a:latin typeface="Segoe UI" panose="020B0502040204020203" pitchFamily="34" charset="0"/>
                 <a:cs typeface="Segoe UI" panose="020B0502040204020203" pitchFamily="34" charset="0"/>
               </a:rPr>
-              <a:t>Обьект</a:t>
-            </a:r>
-            <a:r>
-              <a:rPr lang="ru-RU" dirty="0">
+              <a:t>, которая позволяет обращатся к другим интересным вещам, которые невозможны через </a:t>
+            </a:r>
+            <a:r>
+              <a:rPr lang="en-US" dirty="0">
                 <a:solidFill>
                   <a:schemeClr val="tx1"/>
                 </a:solidFill>
                 <a:latin typeface="Segoe UI" panose="020B0502040204020203" pitchFamily="34" charset="0"/>
                 <a:cs typeface="Segoe UI" panose="020B0502040204020203" pitchFamily="34" charset="0"/>
               </a:rPr>
-              <a:t> – экземпляр класса(то, что будет сделано по шаблону)</a:t>
-            </a:r>
-          </a:p>
-          <a:p>
-            <a:pPr lvl="1"/>
+              <a:t>$this</a:t>
+            </a:r>
+          </a:p>
+          <a:p>
             <a:endParaRPr lang="ru-RU" dirty="0">
               <a:solidFill>
                 <a:schemeClr val="tx1"/>
@@ -15915,7 +18886,45 @@
             </a:endParaRPr>
           </a:p>
           <a:p>
-            <a:pPr lvl="1"/>
+            <a:endParaRPr lang="en-US" dirty="0">
+              <a:solidFill>
+                <a:schemeClr val="tx1"/>
+              </a:solidFill>
+              <a:latin typeface="Segoe UI" panose="020B0502040204020203" pitchFamily="34" charset="0"/>
+              <a:cs typeface="Segoe UI" panose="020B0502040204020203" pitchFamily="34" charset="0"/>
+            </a:endParaRPr>
+          </a:p>
+          <a:p>
+            <a:r>
+              <a:rPr lang="ru-RU" b="1" dirty="0">
+                <a:solidFill>
+                  <a:schemeClr val="tx1"/>
+                </a:solidFill>
+                <a:latin typeface="Segoe UI" panose="020B0502040204020203" pitchFamily="34" charset="0"/>
+                <a:cs typeface="Segoe UI" panose="020B0502040204020203" pitchFamily="34" charset="0"/>
+              </a:rPr>
+              <a:t>Прим:</a:t>
+            </a:r>
+            <a:r>
+              <a:rPr lang="ru-RU" dirty="0">
+                <a:solidFill>
+                  <a:schemeClr val="tx1"/>
+                </a:solidFill>
+                <a:latin typeface="Segoe UI" panose="020B0502040204020203" pitchFamily="34" charset="0"/>
+                <a:cs typeface="Segoe UI" panose="020B0502040204020203" pitchFamily="34" charset="0"/>
+              </a:rPr>
+              <a:t> </a:t>
+            </a:r>
+            <a:r>
+              <a:rPr lang="en-US" dirty="0">
+                <a:solidFill>
+                  <a:schemeClr val="tx1"/>
+                </a:solidFill>
+                <a:latin typeface="Segoe UI" panose="020B0502040204020203" pitchFamily="34" charset="0"/>
+                <a:cs typeface="Segoe UI" panose="020B0502040204020203" pitchFamily="34" charset="0"/>
+              </a:rPr>
+              <a:t>Color::BLACK</a:t>
+            </a:r>
             <a:endParaRPr lang="ru-RU" dirty="0">
               <a:solidFill>
                 <a:schemeClr val="tx1"/>
@@ -15929,7 +18938,7 @@
               <a:buFont typeface="+mj-lt"/>
               <a:buAutoNum type="arabicPeriod"/>
             </a:pPr>
-            <a:endParaRPr lang="en-US" dirty="0">
+            <a:endParaRPr lang="ru-RU" dirty="0">
               <a:solidFill>
                 <a:schemeClr val="tx1"/>
               </a:solidFill>
@@ -15938,7 +18947,7 @@
             </a:endParaRPr>
           </a:p>
           <a:p>
-            <a:endParaRPr lang="en-US" dirty="0">
+            <a:endParaRPr lang="ru-RU" dirty="0">
               <a:solidFill>
                 <a:schemeClr val="tx1"/>
               </a:solidFill>
@@ -15950,10 +18959,10 @@
       </p:sp>
       <p:pic>
         <p:nvPicPr>
-          <p:cNvPr id="4" name="Picture 3">
+          <p:cNvPr id="5" name="Picture 4">
             <a:extLst>
               <a:ext uri="{FF2B5EF4-FFF2-40B4-BE49-F238E27FC236}">
-                <a16:creationId xmlns:a16="http://schemas.microsoft.com/office/drawing/2014/main" id="{298A861F-7AAE-4665-B8AC-B5EE55423FB2}"/>
+                <a16:creationId xmlns:a16="http://schemas.microsoft.com/office/drawing/2014/main" id="{87376DCA-42EB-4042-A4D3-F29DDD86D976}"/>
               </a:ext>
             </a:extLst>
           </p:cNvPr>
@@ -15963,21 +18972,15 @@
           <p:nvPr/>
         </p:nvPicPr>
         <p:blipFill>
-          <a:blip r:embed="rId3">
-            <a:extLst>
-              <a:ext uri="{28A0092B-C50C-407E-A947-70E740481C1C}">
-                <a14:useLocalDpi xmlns:a14="http://schemas.microsoft.com/office/drawing/2010/main" val="0"/>
-              </a:ext>
-            </a:extLst>
-          </a:blip>
+          <a:blip r:embed="rId3"/>
           <a:stretch>
             <a:fillRect/>
           </a:stretch>
         </p:blipFill>
         <p:spPr>
           <a:xfrm>
-            <a:off x="4343400" y="1940166"/>
-            <a:ext cx="6827729" cy="3840597"/>
+            <a:off x="7543800" y="1463172"/>
+            <a:ext cx="4470656" cy="4788906"/>
           </a:xfrm>
           <a:prstGeom prst="rect">
             <a:avLst/>
@@ -15987,7 +18990,7 @@
     </p:spTree>
     <p:extLst>
       <p:ext uri="{BB962C8B-B14F-4D97-AF65-F5344CB8AC3E}">
-        <p14:creationId xmlns:p14="http://schemas.microsoft.com/office/powerpoint/2010/main" val="2587162333"/>
+        <p14:creationId xmlns:p14="http://schemas.microsoft.com/office/powerpoint/2010/main" val="3608163757"/>
       </p:ext>
     </p:extLst>
   </p:cSld>
@@ -16063,7 +19066,7 @@
                 <a:latin typeface="Segoe UI Light"/>
                 <a:ea typeface="DejaVu Sans"/>
               </a:rPr>
-              <a:t>Первые классы на </a:t>
+              <a:t>Статика в </a:t>
             </a:r>
             <a:r>
               <a:rPr lang="en-US" sz="2800" spc="-1" dirty="0">
@@ -16073,9 +19076,19 @@
                 <a:latin typeface="Segoe UI Light"/>
                 <a:ea typeface="DejaVu Sans"/>
               </a:rPr>
-              <a:t>PHP</a:t>
-            </a:r>
-            <a:endParaRPr lang="en-US" sz="2800" dirty="0">
+              <a:t>PHP </a:t>
+            </a:r>
+            <a:r>
+              <a:rPr lang="ru-RU" sz="2800" spc="-1" dirty="0">
+                <a:solidFill>
+                  <a:srgbClr val="D04E1D"/>
+                </a:solidFill>
+                <a:latin typeface="Segoe UI Light"/>
+                <a:ea typeface="DejaVu Sans"/>
+              </a:rPr>
+              <a:t>ООП</a:t>
+            </a:r>
+            <a:endParaRPr lang="ru-RU" sz="2800" dirty="0">
               <a:solidFill>
                 <a:srgbClr val="D04E1D"/>
               </a:solidFill>
@@ -16125,7 +19138,9 @@
           <a:lstStyle/>
           <a:p>
             <a:pPr algn="ctr"/>
-            <a:endParaRPr lang="en-US"/>
+            <a:endParaRPr lang="ru-RU" dirty="0">
+              <a:latin typeface="Segoe UI" panose="020B0502040204020203" pitchFamily="34" charset="0"/>
+            </a:endParaRPr>
           </a:p>
         </p:txBody>
       </p:sp>
@@ -16151,14 +19166,104 @@
           <a:lstStyle/>
           <a:p>
             <a:r>
-              <a:rPr lang="en-US" sz="1400" dirty="0">
-                <a:solidFill>
-                  <a:schemeClr val="bg1"/>
-                </a:solidFill>
-                <a:latin typeface="Segoe UI Light" panose="020B0502040204020203" pitchFamily="34" charset="0"/>
-                <a:cs typeface="Segoe UI Light" panose="020B0502040204020203" pitchFamily="34" charset="0"/>
-              </a:rPr>
-              <a:t>Information Technology Video Developer Network                                                       http://itvdn.com</a:t>
+              <a:rPr lang="ru-RU" sz="1400" dirty="0" err="1">
+                <a:solidFill>
+                  <a:schemeClr val="bg1"/>
+                </a:solidFill>
+                <a:latin typeface="Segoe UI Light" panose="020B0502040204020203" pitchFamily="34" charset="0"/>
+                <a:cs typeface="Segoe UI Light" panose="020B0502040204020203" pitchFamily="34" charset="0"/>
+              </a:rPr>
+              <a:t>Information</a:t>
+            </a:r>
+            <a:r>
+              <a:rPr lang="ru-RU" sz="1400" dirty="0">
+                <a:solidFill>
+                  <a:schemeClr val="bg1"/>
+                </a:solidFill>
+                <a:latin typeface="Segoe UI Light" panose="020B0502040204020203" pitchFamily="34" charset="0"/>
+                <a:cs typeface="Segoe UI Light" panose="020B0502040204020203" pitchFamily="34" charset="0"/>
+              </a:rPr>
+              <a:t> </a:t>
+            </a:r>
+            <a:r>
+              <a:rPr lang="ru-RU" sz="1400" dirty="0" err="1">
+                <a:solidFill>
+                  <a:schemeClr val="bg1"/>
+                </a:solidFill>
+                <a:latin typeface="Segoe UI Light" panose="020B0502040204020203" pitchFamily="34" charset="0"/>
+                <a:cs typeface="Segoe UI Light" panose="020B0502040204020203" pitchFamily="34" charset="0"/>
+              </a:rPr>
+              <a:t>Technology</a:t>
+            </a:r>
+            <a:r>
+              <a:rPr lang="ru-RU" sz="1400" dirty="0">
+                <a:solidFill>
+                  <a:schemeClr val="bg1"/>
+                </a:solidFill>
+                <a:latin typeface="Segoe UI Light" panose="020B0502040204020203" pitchFamily="34" charset="0"/>
+                <a:cs typeface="Segoe UI Light" panose="020B0502040204020203" pitchFamily="34" charset="0"/>
+              </a:rPr>
+              <a:t> </a:t>
+            </a:r>
+            <a:r>
+              <a:rPr lang="ru-RU" sz="1400" dirty="0" err="1">
+                <a:solidFill>
+                  <a:schemeClr val="bg1"/>
+                </a:solidFill>
+                <a:latin typeface="Segoe UI Light" panose="020B0502040204020203" pitchFamily="34" charset="0"/>
+                <a:cs typeface="Segoe UI Light" panose="020B0502040204020203" pitchFamily="34" charset="0"/>
+              </a:rPr>
+              <a:t>Video</a:t>
+            </a:r>
+            <a:r>
+              <a:rPr lang="ru-RU" sz="1400" dirty="0">
+                <a:solidFill>
+                  <a:schemeClr val="bg1"/>
+                </a:solidFill>
+                <a:latin typeface="Segoe UI Light" panose="020B0502040204020203" pitchFamily="34" charset="0"/>
+                <a:cs typeface="Segoe UI Light" panose="020B0502040204020203" pitchFamily="34" charset="0"/>
+              </a:rPr>
+              <a:t> </a:t>
+            </a:r>
+            <a:r>
+              <a:rPr lang="ru-RU" sz="1400" dirty="0" err="1">
+                <a:solidFill>
+                  <a:schemeClr val="bg1"/>
+                </a:solidFill>
+                <a:latin typeface="Segoe UI Light" panose="020B0502040204020203" pitchFamily="34" charset="0"/>
+                <a:cs typeface="Segoe UI Light" panose="020B0502040204020203" pitchFamily="34" charset="0"/>
+              </a:rPr>
+              <a:t>Developer</a:t>
+            </a:r>
+            <a:r>
+              <a:rPr lang="ru-RU" sz="1400" dirty="0">
+                <a:solidFill>
+                  <a:schemeClr val="bg1"/>
+                </a:solidFill>
+                <a:latin typeface="Segoe UI Light" panose="020B0502040204020203" pitchFamily="34" charset="0"/>
+                <a:cs typeface="Segoe UI Light" panose="020B0502040204020203" pitchFamily="34" charset="0"/>
+              </a:rPr>
+              <a:t> </a:t>
+            </a:r>
+            <a:r>
+              <a:rPr lang="ru-RU" sz="1400" dirty="0" err="1">
+                <a:solidFill>
+                  <a:schemeClr val="bg1"/>
+                </a:solidFill>
+                <a:latin typeface="Segoe UI Light" panose="020B0502040204020203" pitchFamily="34" charset="0"/>
+                <a:cs typeface="Segoe UI Light" panose="020B0502040204020203" pitchFamily="34" charset="0"/>
+              </a:rPr>
+              <a:t>Network</a:t>
+            </a:r>
+            <a:r>
+              <a:rPr lang="ru-RU" sz="1400" dirty="0">
+                <a:solidFill>
+                  <a:schemeClr val="bg1"/>
+                </a:solidFill>
+                <a:latin typeface="Segoe UI Light" panose="020B0502040204020203" pitchFamily="34" charset="0"/>
+                <a:cs typeface="Segoe UI Light" panose="020B0502040204020203" pitchFamily="34" charset="0"/>
+              </a:rPr>
+              <a:t>                                                       http://itvdn.com</a:t>
             </a:r>
           </a:p>
         </p:txBody>
@@ -16185,7 +19290,7 @@
           <a:lstStyle/>
           <a:p>
             <a:r>
-              <a:rPr lang="en-US" sz="2000" dirty="0">
+              <a:rPr lang="ru-RU" sz="2000" dirty="0">
                 <a:solidFill>
                   <a:schemeClr val="bg1"/>
                 </a:solidFill>
@@ -16194,7 +19299,9 @@
               </a:rPr>
               <a:t>ITVDN</a:t>
             </a:r>
-            <a:endParaRPr lang="en-US" sz="2000" dirty="0"/>
+            <a:endParaRPr lang="ru-RU" sz="2000" dirty="0">
+              <a:latin typeface="Segoe UI" panose="020B0502040204020203" pitchFamily="34" charset="0"/>
+            </a:endParaRPr>
           </a:p>
         </p:txBody>
       </p:sp>
@@ -16355,7 +19462,9 @@
             <a:lstStyle/>
             <a:p>
               <a:pPr algn="ctr"/>
-              <a:endParaRPr lang="en-US"/>
+              <a:endParaRPr lang="en-US" dirty="0">
+                <a:latin typeface="Segoe UI" panose="020B0502040204020203" pitchFamily="34" charset="0"/>
+              </a:endParaRPr>
             </a:p>
           </p:txBody>
         </p:sp>
@@ -16504,7 +19613,9 @@
             <a:lstStyle/>
             <a:p>
               <a:pPr algn="ctr"/>
-              <a:endParaRPr lang="en-US"/>
+              <a:endParaRPr lang="en-US" dirty="0">
+                <a:latin typeface="Segoe UI" panose="020B0502040204020203" pitchFamily="34" charset="0"/>
+              </a:endParaRPr>
             </a:p>
           </p:txBody>
         </p:sp>
@@ -16549,7 +19660,9 @@
           <a:lstStyle/>
           <a:p>
             <a:pPr algn="ctr"/>
-            <a:endParaRPr lang="en-US"/>
+            <a:endParaRPr lang="ru-RU" dirty="0">
+              <a:latin typeface="Segoe UI" panose="020B0502040204020203" pitchFamily="34" charset="0"/>
+            </a:endParaRPr>
           </a:p>
         </p:txBody>
       </p:sp>
@@ -16592,7 +19705,7 @@
           </a:lstStyle>
           <a:p>
             <a:r>
-              <a:rPr lang="en-US" sz="3600" dirty="0">
+              <a:rPr lang="ru-RU" sz="3600" dirty="0">
                 <a:solidFill>
                   <a:schemeClr val="bg1"/>
                 </a:solidFill>
@@ -16600,45 +19713,306 @@
                 <a:ea typeface="Segoe UI" pitchFamily="34" charset="0"/>
                 <a:cs typeface="Segoe UI Light" panose="020B0502040204020203" pitchFamily="34" charset="0"/>
               </a:rPr>
-              <a:t>PHP Essentials</a:t>
-            </a:r>
-          </a:p>
-        </p:txBody>
-      </p:sp>
-      <p:pic>
-        <p:nvPicPr>
-          <p:cNvPr id="3" name="Picture 2">
-            <a:extLst>
-              <a:ext uri="{FF2B5EF4-FFF2-40B4-BE49-F238E27FC236}">
-                <a16:creationId xmlns:a16="http://schemas.microsoft.com/office/drawing/2014/main" id="{1004C223-6C6C-4448-AF28-54CC3FF82D1B}"/>
-              </a:ext>
-            </a:extLst>
-          </p:cNvPr>
-          <p:cNvPicPr>
-            <a:picLocks noChangeAspect="1"/>
-          </p:cNvPicPr>
+              <a:t>PHP </a:t>
+            </a:r>
+            <a:r>
+              <a:rPr lang="ru-RU" sz="3600" dirty="0" err="1">
+                <a:solidFill>
+                  <a:schemeClr val="bg1"/>
+                </a:solidFill>
+                <a:latin typeface="Segoe UI Light" panose="020B0502040204020203" pitchFamily="34" charset="0"/>
+                <a:ea typeface="Segoe UI" pitchFamily="34" charset="0"/>
+                <a:cs typeface="Segoe UI Light" panose="020B0502040204020203" pitchFamily="34" charset="0"/>
+              </a:rPr>
+              <a:t>Essential</a:t>
+            </a:r>
+            <a:endParaRPr lang="ru-RU" sz="3600" dirty="0">
+              <a:solidFill>
+                <a:schemeClr val="bg1"/>
+              </a:solidFill>
+              <a:latin typeface="Segoe UI Light" panose="020B0502040204020203" pitchFamily="34" charset="0"/>
+              <a:ea typeface="Segoe UI" pitchFamily="34" charset="0"/>
+              <a:cs typeface="Segoe UI Light" panose="020B0502040204020203" pitchFamily="34" charset="0"/>
+            </a:endParaRPr>
+          </a:p>
+        </p:txBody>
+      </p:sp>
+      <p:sp>
+        <p:nvSpPr>
+          <p:cNvPr id="2" name="Rectangle 1"/>
+          <p:cNvSpPr/>
           <p:nvPr/>
-        </p:nvPicPr>
-        <p:blipFill>
-          <a:blip r:embed="rId3"/>
-          <a:stretch>
-            <a:fillRect/>
-          </a:stretch>
-        </p:blipFill>
+        </p:nvSpPr>
         <p:spPr>
           <a:xfrm>
-            <a:off x="3905276" y="1709051"/>
-            <a:ext cx="4381448" cy="4065318"/>
+            <a:off x="1219200" y="1838053"/>
+            <a:ext cx="10744200" cy="3524250"/>
           </a:xfrm>
           <a:prstGeom prst="rect">
             <a:avLst/>
           </a:prstGeom>
+          <a:noFill/>
+          <a:ln>
+            <a:noFill/>
+          </a:ln>
         </p:spPr>
-      </p:pic>
+        <p:style>
+          <a:lnRef idx="2">
+            <a:schemeClr val="accent1">
+              <a:shade val="50000"/>
+            </a:schemeClr>
+          </a:lnRef>
+          <a:fillRef idx="1">
+            <a:schemeClr val="accent1"/>
+          </a:fillRef>
+          <a:effectRef idx="0">
+            <a:schemeClr val="accent1"/>
+          </a:effectRef>
+          <a:fontRef idx="minor">
+            <a:schemeClr val="lt1"/>
+          </a:fontRef>
+        </p:style>
+        <p:txBody>
+          <a:bodyPr rtlCol="0" anchor="t"/>
+          <a:lstStyle/>
+          <a:p>
+            <a:pPr marL="342900" indent="-342900">
+              <a:buFont typeface="+mj-lt"/>
+              <a:buAutoNum type="arabicPeriod"/>
+            </a:pPr>
+            <a:r>
+              <a:rPr lang="ru-RU" b="1" dirty="0">
+                <a:solidFill>
+                  <a:schemeClr val="tx1"/>
+                </a:solidFill>
+                <a:latin typeface="Segoe UI" panose="020B0502040204020203" pitchFamily="34" charset="0"/>
+                <a:cs typeface="Segoe UI" panose="020B0502040204020203" pitchFamily="34" charset="0"/>
+              </a:rPr>
+              <a:t>Свойство класса – </a:t>
+            </a:r>
+            <a:r>
+              <a:rPr lang="ru-RU" dirty="0">
+                <a:solidFill>
+                  <a:schemeClr val="tx1"/>
+                </a:solidFill>
+                <a:latin typeface="Segoe UI" panose="020B0502040204020203" pitchFamily="34" charset="0"/>
+                <a:cs typeface="Segoe UI" panose="020B0502040204020203" pitchFamily="34" charset="0"/>
+              </a:rPr>
+              <a:t>переменная внутри класса, которая имеет значение </a:t>
+            </a:r>
+            <a:r>
+              <a:rPr lang="en-US" dirty="0">
+                <a:solidFill>
+                  <a:schemeClr val="tx1"/>
+                </a:solidFill>
+                <a:latin typeface="Segoe UI" panose="020B0502040204020203" pitchFamily="34" charset="0"/>
+                <a:cs typeface="Segoe UI" panose="020B0502040204020203" pitchFamily="34" charset="0"/>
+              </a:rPr>
+              <a:t>“</a:t>
+            </a:r>
+            <a:r>
+              <a:rPr lang="ru-RU" dirty="0">
+                <a:solidFill>
+                  <a:schemeClr val="tx1"/>
+                </a:solidFill>
+                <a:latin typeface="Segoe UI" panose="020B0502040204020203" pitchFamily="34" charset="0"/>
+                <a:cs typeface="Segoe UI" panose="020B0502040204020203" pitchFamily="34" charset="0"/>
+              </a:rPr>
+              <a:t>контекста класса</a:t>
+            </a:r>
+            <a:r>
+              <a:rPr lang="en-US" dirty="0">
+                <a:solidFill>
+                  <a:schemeClr val="tx1"/>
+                </a:solidFill>
+                <a:latin typeface="Segoe UI" panose="020B0502040204020203" pitchFamily="34" charset="0"/>
+                <a:cs typeface="Segoe UI" panose="020B0502040204020203" pitchFamily="34" charset="0"/>
+              </a:rPr>
+              <a:t>”</a:t>
+            </a:r>
+            <a:endParaRPr lang="ru-RU" dirty="0">
+              <a:solidFill>
+                <a:schemeClr val="tx1"/>
+              </a:solidFill>
+              <a:latin typeface="Segoe UI" panose="020B0502040204020203" pitchFamily="34" charset="0"/>
+              <a:cs typeface="Segoe UI" panose="020B0502040204020203" pitchFamily="34" charset="0"/>
+            </a:endParaRPr>
+          </a:p>
+          <a:p>
+            <a:pPr marL="342900" indent="-342900">
+              <a:buFont typeface="+mj-lt"/>
+              <a:buAutoNum type="arabicPeriod"/>
+            </a:pPr>
+            <a:endParaRPr lang="ru-RU" dirty="0">
+              <a:solidFill>
+                <a:schemeClr val="tx1"/>
+              </a:solidFill>
+              <a:latin typeface="Segoe UI" panose="020B0502040204020203" pitchFamily="34" charset="0"/>
+              <a:cs typeface="Segoe UI" panose="020B0502040204020203" pitchFamily="34" charset="0"/>
+            </a:endParaRPr>
+          </a:p>
+          <a:p>
+            <a:pPr marL="342900" indent="-342900">
+              <a:buFont typeface="+mj-lt"/>
+              <a:buAutoNum type="arabicPeriod"/>
+            </a:pPr>
+            <a:r>
+              <a:rPr lang="ru-RU" b="1" dirty="0">
+                <a:solidFill>
+                  <a:schemeClr val="tx1"/>
+                </a:solidFill>
+                <a:latin typeface="Segoe UI" panose="020B0502040204020203" pitchFamily="34" charset="0"/>
+                <a:cs typeface="Segoe UI" panose="020B0502040204020203" pitchFamily="34" charset="0"/>
+              </a:rPr>
+              <a:t>Метод класса – </a:t>
+            </a:r>
+            <a:r>
+              <a:rPr lang="ru-RU" dirty="0">
+                <a:solidFill>
+                  <a:schemeClr val="tx1"/>
+                </a:solidFill>
+                <a:latin typeface="Segoe UI" panose="020B0502040204020203" pitchFamily="34" charset="0"/>
+                <a:cs typeface="Segoe UI" panose="020B0502040204020203" pitchFamily="34" charset="0"/>
+              </a:rPr>
+              <a:t>функция внутри класса, которая </a:t>
+            </a:r>
+            <a:r>
+              <a:rPr lang="en-US" dirty="0">
+                <a:solidFill>
+                  <a:schemeClr val="tx1"/>
+                </a:solidFill>
+                <a:latin typeface="Segoe UI" panose="020B0502040204020203" pitchFamily="34" charset="0"/>
+                <a:cs typeface="Segoe UI" panose="020B0502040204020203" pitchFamily="34" charset="0"/>
+              </a:rPr>
+              <a:t>“</a:t>
+            </a:r>
+            <a:r>
+              <a:rPr lang="ru-RU" dirty="0">
+                <a:solidFill>
+                  <a:schemeClr val="tx1"/>
+                </a:solidFill>
+                <a:latin typeface="Segoe UI" panose="020B0502040204020203" pitchFamily="34" charset="0"/>
+                <a:cs typeface="Segoe UI" panose="020B0502040204020203" pitchFamily="34" charset="0"/>
+              </a:rPr>
+              <a:t>привязана</a:t>
+            </a:r>
+            <a:r>
+              <a:rPr lang="en-US" dirty="0">
+                <a:solidFill>
+                  <a:schemeClr val="tx1"/>
+                </a:solidFill>
+                <a:latin typeface="Segoe UI" panose="020B0502040204020203" pitchFamily="34" charset="0"/>
+                <a:cs typeface="Segoe UI" panose="020B0502040204020203" pitchFamily="34" charset="0"/>
+              </a:rPr>
+              <a:t>”</a:t>
+            </a:r>
+            <a:r>
+              <a:rPr lang="ru-RU" dirty="0">
+                <a:solidFill>
+                  <a:schemeClr val="tx1"/>
+                </a:solidFill>
+                <a:latin typeface="Segoe UI" panose="020B0502040204020203" pitchFamily="34" charset="0"/>
+                <a:cs typeface="Segoe UI" panose="020B0502040204020203" pitchFamily="34" charset="0"/>
+              </a:rPr>
+              <a:t> к значениям его контекста</a:t>
+            </a:r>
+          </a:p>
+          <a:p>
+            <a:pPr marL="342900" indent="-342900">
+              <a:buFont typeface="+mj-lt"/>
+              <a:buAutoNum type="arabicPeriod"/>
+            </a:pPr>
+            <a:endParaRPr lang="ru-RU" b="1" dirty="0">
+              <a:solidFill>
+                <a:schemeClr val="tx1"/>
+              </a:solidFill>
+              <a:latin typeface="Segoe UI" panose="020B0502040204020203" pitchFamily="34" charset="0"/>
+              <a:cs typeface="Segoe UI" panose="020B0502040204020203" pitchFamily="34" charset="0"/>
+            </a:endParaRPr>
+          </a:p>
+          <a:p>
+            <a:pPr marL="342900" indent="-342900">
+              <a:buFont typeface="+mj-lt"/>
+              <a:buAutoNum type="arabicPeriod"/>
+            </a:pPr>
+            <a:endParaRPr lang="ru-RU" b="1" dirty="0">
+              <a:solidFill>
+                <a:schemeClr val="tx1"/>
+              </a:solidFill>
+              <a:latin typeface="Segoe UI" panose="020B0502040204020203" pitchFamily="34" charset="0"/>
+              <a:cs typeface="Segoe UI" panose="020B0502040204020203" pitchFamily="34" charset="0"/>
+            </a:endParaRPr>
+          </a:p>
+          <a:p>
+            <a:r>
+              <a:rPr lang="ru-RU" b="1" dirty="0">
+                <a:solidFill>
+                  <a:schemeClr val="tx1"/>
+                </a:solidFill>
+                <a:latin typeface="Segoe UI" panose="020B0502040204020203" pitchFamily="34" charset="0"/>
+                <a:cs typeface="Segoe UI" panose="020B0502040204020203" pitchFamily="34" charset="0"/>
+              </a:rPr>
+              <a:t>А что если, </a:t>
+            </a:r>
+            <a:r>
+              <a:rPr lang="ru-RU" dirty="0">
+                <a:solidFill>
+                  <a:schemeClr val="tx1"/>
+                </a:solidFill>
+                <a:latin typeface="Segoe UI" panose="020B0502040204020203" pitchFamily="34" charset="0"/>
+                <a:cs typeface="Segoe UI" panose="020B0502040204020203" pitchFamily="34" charset="0"/>
+              </a:rPr>
+              <a:t>есть такие методы, которые НЕ привязаны так сильно к классу?</a:t>
+            </a:r>
+          </a:p>
+          <a:p>
+            <a:pPr lvl="1"/>
+            <a:endParaRPr lang="ru-RU" dirty="0">
+              <a:solidFill>
+                <a:schemeClr val="tx1"/>
+              </a:solidFill>
+              <a:latin typeface="Segoe UI" panose="020B0502040204020203" pitchFamily="34" charset="0"/>
+              <a:cs typeface="Segoe UI" panose="020B0502040204020203" pitchFamily="34" charset="0"/>
+            </a:endParaRPr>
+          </a:p>
+          <a:p>
+            <a:pPr lvl="1"/>
+            <a:endParaRPr lang="ru-RU" dirty="0">
+              <a:solidFill>
+                <a:schemeClr val="tx1"/>
+              </a:solidFill>
+              <a:latin typeface="Segoe UI" panose="020B0502040204020203" pitchFamily="34" charset="0"/>
+              <a:cs typeface="Segoe UI" panose="020B0502040204020203" pitchFamily="34" charset="0"/>
+            </a:endParaRPr>
+          </a:p>
+          <a:p>
+            <a:pPr marL="800100" lvl="1" indent="-342900">
+              <a:buFont typeface="+mj-lt"/>
+              <a:buAutoNum type="arabicPeriod"/>
+            </a:pPr>
+            <a:endParaRPr lang="ru-RU" dirty="0">
+              <a:solidFill>
+                <a:schemeClr val="tx1"/>
+              </a:solidFill>
+              <a:latin typeface="Segoe UI" panose="020B0502040204020203" pitchFamily="34" charset="0"/>
+              <a:cs typeface="Segoe UI" panose="020B0502040204020203" pitchFamily="34" charset="0"/>
+            </a:endParaRPr>
+          </a:p>
+          <a:p>
+            <a:endParaRPr lang="ru-RU" dirty="0">
+              <a:solidFill>
+                <a:schemeClr val="tx1"/>
+              </a:solidFill>
+              <a:latin typeface="Segoe UI" panose="020B0502040204020203" pitchFamily="34" charset="0"/>
+              <a:cs typeface="Segoe UI" panose="020B0502040204020203" pitchFamily="34" charset="0"/>
+            </a:endParaRPr>
+          </a:p>
+        </p:txBody>
+      </p:sp>
     </p:spTree>
     <p:extLst>
       <p:ext uri="{BB962C8B-B14F-4D97-AF65-F5344CB8AC3E}">
-        <p14:creationId xmlns:p14="http://schemas.microsoft.com/office/powerpoint/2010/main" val="120131764"/>
+        <p14:creationId xmlns:p14="http://schemas.microsoft.com/office/powerpoint/2010/main" val="1909106339"/>
       </p:ext>
     </p:extLst>
   </p:cSld>
@@ -16707,26 +20081,16 @@
           </a:lstStyle>
           <a:p>
             <a:r>
-              <a:rPr lang="en-US" sz="2800" spc="-1" dirty="0">
+              <a:rPr lang="ru-RU" sz="2800" spc="-1" dirty="0">
                 <a:solidFill>
                   <a:srgbClr val="D04E1D"/>
                 </a:solidFill>
                 <a:latin typeface="Segoe UI Light"/>
                 <a:ea typeface="DejaVu Sans"/>
               </a:rPr>
-              <a:t>C</a:t>
-            </a:r>
-            <a:r>
-              <a:rPr lang="ru-RU" sz="2800" spc="-1" dirty="0">
-                <a:solidFill>
-                  <a:srgbClr val="D04E1D"/>
-                </a:solidFill>
-                <a:latin typeface="Segoe UI Light"/>
-                <a:ea typeface="DejaVu Sans"/>
-              </a:rPr>
-              <a:t>войства класса</a:t>
-            </a:r>
-            <a:endParaRPr lang="en-US" sz="2800" dirty="0">
+              <a:t>Статика в ООП, статические свойства</a:t>
+            </a:r>
+            <a:endParaRPr lang="ru-RU" sz="2800" dirty="0">
               <a:solidFill>
                 <a:srgbClr val="D04E1D"/>
               </a:solidFill>
@@ -16776,7 +20140,9 @@
           <a:lstStyle/>
           <a:p>
             <a:pPr algn="ctr"/>
-            <a:endParaRPr lang="en-US"/>
+            <a:endParaRPr lang="ru-RU" dirty="0">
+              <a:latin typeface="Segoe UI" panose="020B0502040204020203" pitchFamily="34" charset="0"/>
+            </a:endParaRPr>
           </a:p>
         </p:txBody>
       </p:sp>
@@ -16802,14 +20168,104 @@
           <a:lstStyle/>
           <a:p>
             <a:r>
-              <a:rPr lang="en-US" sz="1400" dirty="0">
-                <a:solidFill>
-                  <a:schemeClr val="bg1"/>
-                </a:solidFill>
-                <a:latin typeface="Segoe UI Light" panose="020B0502040204020203" pitchFamily="34" charset="0"/>
-                <a:cs typeface="Segoe UI Light" panose="020B0502040204020203" pitchFamily="34" charset="0"/>
-              </a:rPr>
-              <a:t>Information Technology Video Developer Network                                                       http://itvdn.com</a:t>
+              <a:rPr lang="ru-RU" sz="1400" dirty="0" err="1">
+                <a:solidFill>
+                  <a:schemeClr val="bg1"/>
+                </a:solidFill>
+                <a:latin typeface="Segoe UI Light" panose="020B0502040204020203" pitchFamily="34" charset="0"/>
+                <a:cs typeface="Segoe UI Light" panose="020B0502040204020203" pitchFamily="34" charset="0"/>
+              </a:rPr>
+              <a:t>Information</a:t>
+            </a:r>
+            <a:r>
+              <a:rPr lang="ru-RU" sz="1400" dirty="0">
+                <a:solidFill>
+                  <a:schemeClr val="bg1"/>
+                </a:solidFill>
+                <a:latin typeface="Segoe UI Light" panose="020B0502040204020203" pitchFamily="34" charset="0"/>
+                <a:cs typeface="Segoe UI Light" panose="020B0502040204020203" pitchFamily="34" charset="0"/>
+              </a:rPr>
+              <a:t> </a:t>
+            </a:r>
+            <a:r>
+              <a:rPr lang="ru-RU" sz="1400" dirty="0" err="1">
+                <a:solidFill>
+                  <a:schemeClr val="bg1"/>
+                </a:solidFill>
+                <a:latin typeface="Segoe UI Light" panose="020B0502040204020203" pitchFamily="34" charset="0"/>
+                <a:cs typeface="Segoe UI Light" panose="020B0502040204020203" pitchFamily="34" charset="0"/>
+              </a:rPr>
+              <a:t>Technology</a:t>
+            </a:r>
+            <a:r>
+              <a:rPr lang="ru-RU" sz="1400" dirty="0">
+                <a:solidFill>
+                  <a:schemeClr val="bg1"/>
+                </a:solidFill>
+                <a:latin typeface="Segoe UI Light" panose="020B0502040204020203" pitchFamily="34" charset="0"/>
+                <a:cs typeface="Segoe UI Light" panose="020B0502040204020203" pitchFamily="34" charset="0"/>
+              </a:rPr>
+              <a:t> </a:t>
+            </a:r>
+            <a:r>
+              <a:rPr lang="ru-RU" sz="1400" dirty="0" err="1">
+                <a:solidFill>
+                  <a:schemeClr val="bg1"/>
+                </a:solidFill>
+                <a:latin typeface="Segoe UI Light" panose="020B0502040204020203" pitchFamily="34" charset="0"/>
+                <a:cs typeface="Segoe UI Light" panose="020B0502040204020203" pitchFamily="34" charset="0"/>
+              </a:rPr>
+              <a:t>Video</a:t>
+            </a:r>
+            <a:r>
+              <a:rPr lang="ru-RU" sz="1400" dirty="0">
+                <a:solidFill>
+                  <a:schemeClr val="bg1"/>
+                </a:solidFill>
+                <a:latin typeface="Segoe UI Light" panose="020B0502040204020203" pitchFamily="34" charset="0"/>
+                <a:cs typeface="Segoe UI Light" panose="020B0502040204020203" pitchFamily="34" charset="0"/>
+              </a:rPr>
+              <a:t> </a:t>
+            </a:r>
+            <a:r>
+              <a:rPr lang="ru-RU" sz="1400" dirty="0" err="1">
+                <a:solidFill>
+                  <a:schemeClr val="bg1"/>
+                </a:solidFill>
+                <a:latin typeface="Segoe UI Light" panose="020B0502040204020203" pitchFamily="34" charset="0"/>
+                <a:cs typeface="Segoe UI Light" panose="020B0502040204020203" pitchFamily="34" charset="0"/>
+              </a:rPr>
+              <a:t>Developer</a:t>
+            </a:r>
+            <a:r>
+              <a:rPr lang="ru-RU" sz="1400" dirty="0">
+                <a:solidFill>
+                  <a:schemeClr val="bg1"/>
+                </a:solidFill>
+                <a:latin typeface="Segoe UI Light" panose="020B0502040204020203" pitchFamily="34" charset="0"/>
+                <a:cs typeface="Segoe UI Light" panose="020B0502040204020203" pitchFamily="34" charset="0"/>
+              </a:rPr>
+              <a:t> </a:t>
+            </a:r>
+            <a:r>
+              <a:rPr lang="ru-RU" sz="1400" dirty="0" err="1">
+                <a:solidFill>
+                  <a:schemeClr val="bg1"/>
+                </a:solidFill>
+                <a:latin typeface="Segoe UI Light" panose="020B0502040204020203" pitchFamily="34" charset="0"/>
+                <a:cs typeface="Segoe UI Light" panose="020B0502040204020203" pitchFamily="34" charset="0"/>
+              </a:rPr>
+              <a:t>Network</a:t>
+            </a:r>
+            <a:r>
+              <a:rPr lang="ru-RU" sz="1400" dirty="0">
+                <a:solidFill>
+                  <a:schemeClr val="bg1"/>
+                </a:solidFill>
+                <a:latin typeface="Segoe UI Light" panose="020B0502040204020203" pitchFamily="34" charset="0"/>
+                <a:cs typeface="Segoe UI Light" panose="020B0502040204020203" pitchFamily="34" charset="0"/>
+              </a:rPr>
+              <a:t>                                                       http://itvdn.com</a:t>
             </a:r>
           </a:p>
         </p:txBody>
@@ -16836,7 +20292,7 @@
           <a:lstStyle/>
           <a:p>
             <a:r>
-              <a:rPr lang="en-US" sz="2000" dirty="0">
+              <a:rPr lang="ru-RU" sz="2000" dirty="0">
                 <a:solidFill>
                   <a:schemeClr val="bg1"/>
                 </a:solidFill>
@@ -16845,7 +20301,9 @@
               </a:rPr>
               <a:t>ITVDN</a:t>
             </a:r>
-            <a:endParaRPr lang="en-US" sz="2000" dirty="0"/>
+            <a:endParaRPr lang="ru-RU" sz="2000" dirty="0">
+              <a:latin typeface="Segoe UI" panose="020B0502040204020203" pitchFamily="34" charset="0"/>
+            </a:endParaRPr>
           </a:p>
         </p:txBody>
       </p:sp>
@@ -17006,7 +20464,9 @@
             <a:lstStyle/>
             <a:p>
               <a:pPr algn="ctr"/>
-              <a:endParaRPr lang="en-US"/>
+              <a:endParaRPr lang="en-US" dirty="0">
+                <a:latin typeface="Segoe UI" panose="020B0502040204020203" pitchFamily="34" charset="0"/>
+              </a:endParaRPr>
             </a:p>
           </p:txBody>
         </p:sp>
@@ -17155,7 +20615,9 @@
             <a:lstStyle/>
             <a:p>
               <a:pPr algn="ctr"/>
-              <a:endParaRPr lang="en-US"/>
+              <a:endParaRPr lang="en-US" dirty="0">
+                <a:latin typeface="Segoe UI" panose="020B0502040204020203" pitchFamily="34" charset="0"/>
+              </a:endParaRPr>
             </a:p>
           </p:txBody>
         </p:sp>
@@ -17200,7 +20662,9 @@
           <a:lstStyle/>
           <a:p>
             <a:pPr algn="ctr"/>
-            <a:endParaRPr lang="en-US"/>
+            <a:endParaRPr lang="ru-RU" dirty="0">
+              <a:latin typeface="Segoe UI" panose="020B0502040204020203" pitchFamily="34" charset="0"/>
+            </a:endParaRPr>
           </a:p>
         </p:txBody>
       </p:sp>
@@ -17243,7 +20707,7 @@
           </a:lstStyle>
           <a:p>
             <a:r>
-              <a:rPr lang="en-US" sz="3600" dirty="0">
+              <a:rPr lang="ru-RU" sz="3600" dirty="0">
                 <a:solidFill>
                   <a:schemeClr val="bg1"/>
                 </a:solidFill>
@@ -17251,44 +20715,94 @@
                 <a:ea typeface="Segoe UI" pitchFamily="34" charset="0"/>
                 <a:cs typeface="Segoe UI Light" panose="020B0502040204020203" pitchFamily="34" charset="0"/>
               </a:rPr>
-              <a:t>PHP Essentials</a:t>
-            </a:r>
+              <a:t>PHP </a:t>
+            </a:r>
+            <a:r>
+              <a:rPr lang="ru-RU" sz="3600" dirty="0" err="1">
+                <a:solidFill>
+                  <a:schemeClr val="bg1"/>
+                </a:solidFill>
+                <a:latin typeface="Segoe UI Light" panose="020B0502040204020203" pitchFamily="34" charset="0"/>
+                <a:ea typeface="Segoe UI" pitchFamily="34" charset="0"/>
+                <a:cs typeface="Segoe UI Light" panose="020B0502040204020203" pitchFamily="34" charset="0"/>
+              </a:rPr>
+              <a:t>Essential</a:t>
+            </a:r>
+            <a:endParaRPr lang="ru-RU" sz="3600" dirty="0">
+              <a:solidFill>
+                <a:schemeClr val="bg1"/>
+              </a:solidFill>
+              <a:latin typeface="Segoe UI Light" panose="020B0502040204020203" pitchFamily="34" charset="0"/>
+              <a:ea typeface="Segoe UI" pitchFamily="34" charset="0"/>
+              <a:cs typeface="Segoe UI Light" panose="020B0502040204020203" pitchFamily="34" charset="0"/>
+            </a:endParaRPr>
           </a:p>
         </p:txBody>
       </p:sp>
       <p:pic>
         <p:nvPicPr>
-          <p:cNvPr id="12" name="Picture 11">
+          <p:cNvPr id="4" name="Picture 3">
             <a:extLst>
               <a:ext uri="{FF2B5EF4-FFF2-40B4-BE49-F238E27FC236}">
-                <a16:creationId xmlns:a16="http://schemas.microsoft.com/office/drawing/2014/main" id="{CCB74D38-228B-49A9-8ABB-D2414F8F3FB3}"/>
+                <a16:creationId xmlns:a16="http://schemas.microsoft.com/office/drawing/2014/main" id="{FC3BA871-C2A5-4CE7-A216-F7EBB55C1B23}"/>
               </a:ext>
             </a:extLst>
           </p:cNvPr>
-          <p:cNvPicPr/>
+          <p:cNvPicPr>
+            <a:picLocks noChangeAspect="1"/>
+          </p:cNvPicPr>
           <p:nvPr/>
         </p:nvPicPr>
         <p:blipFill>
           <a:blip r:embed="rId3"/>
-          <a:stretch/>
+          <a:stretch>
+            <a:fillRect/>
+          </a:stretch>
         </p:blipFill>
         <p:spPr>
           <a:xfrm>
-            <a:off x="4114800" y="1379538"/>
-            <a:ext cx="3839340" cy="4792842"/>
+            <a:off x="819164" y="1459230"/>
+            <a:ext cx="3895725" cy="4599772"/>
           </a:xfrm>
           <a:prstGeom prst="rect">
             <a:avLst/>
           </a:prstGeom>
-          <a:ln>
-            <a:noFill/>
-          </a:ln>
+        </p:spPr>
+      </p:pic>
+      <p:pic>
+        <p:nvPicPr>
+          <p:cNvPr id="5" name="Picture 4">
+            <a:extLst>
+              <a:ext uri="{FF2B5EF4-FFF2-40B4-BE49-F238E27FC236}">
+                <a16:creationId xmlns:a16="http://schemas.microsoft.com/office/drawing/2014/main" id="{2220F725-89E6-49B7-93BC-3D4AB1E0E7ED}"/>
+              </a:ext>
+            </a:extLst>
+          </p:cNvPr>
+          <p:cNvPicPr>
+            <a:picLocks noChangeAspect="1"/>
+          </p:cNvPicPr>
+          <p:nvPr/>
+        </p:nvPicPr>
+        <p:blipFill>
+          <a:blip r:embed="rId4"/>
+          <a:stretch>
+            <a:fillRect/>
+          </a:stretch>
+        </p:blipFill>
+        <p:spPr>
+          <a:xfrm>
+            <a:off x="5867400" y="2733674"/>
+            <a:ext cx="4255848" cy="1609725"/>
+          </a:xfrm>
+          <a:prstGeom prst="rect">
+            <a:avLst/>
+          </a:prstGeom>
         </p:spPr>
       </p:pic>
     </p:spTree>
     <p:extLst>
       <p:ext uri="{BB962C8B-B14F-4D97-AF65-F5344CB8AC3E}">
-        <p14:creationId xmlns:p14="http://schemas.microsoft.com/office/powerpoint/2010/main" val="4292270960"/>
+        <p14:creationId xmlns:p14="http://schemas.microsoft.com/office/powerpoint/2010/main" val="1266872545"/>
       </p:ext>
     </p:extLst>
   </p:cSld>
